--- a/Figure in paper 2.pptx
+++ b/Figure in paper 2.pptx
@@ -1204,7 +1204,7 @@
           <a:p>
             <a:fld id="{56A43E7F-2FBD-4C74-A6A3-71F46B4D3471}" type="datetimeFigureOut">
               <a:rPr lang="en-US" smtClean="0"/>
-              <a:t>6/21/2024</a:t>
+              <a:t>7/1/2024</a:t>
             </a:fld>
             <a:endParaRPr lang="en-US"/>
           </a:p>
@@ -2458,7 +2458,7 @@
           <a:p>
             <a:fld id="{95396F27-02BC-4467-B681-1C6B8C3FCDB1}" type="datetimeFigureOut">
               <a:rPr lang="en-US" smtClean="0"/>
-              <a:t>6/21/2024</a:t>
+              <a:t>7/1/2024</a:t>
             </a:fld>
             <a:endParaRPr lang="en-US"/>
           </a:p>
@@ -2656,7 +2656,7 @@
           <a:p>
             <a:fld id="{95396F27-02BC-4467-B681-1C6B8C3FCDB1}" type="datetimeFigureOut">
               <a:rPr lang="en-US" smtClean="0"/>
-              <a:t>6/21/2024</a:t>
+              <a:t>7/1/2024</a:t>
             </a:fld>
             <a:endParaRPr lang="en-US"/>
           </a:p>
@@ -2864,7 +2864,7 @@
           <a:p>
             <a:fld id="{95396F27-02BC-4467-B681-1C6B8C3FCDB1}" type="datetimeFigureOut">
               <a:rPr lang="en-US" smtClean="0"/>
-              <a:t>6/21/2024</a:t>
+              <a:t>7/1/2024</a:t>
             </a:fld>
             <a:endParaRPr lang="en-US"/>
           </a:p>
@@ -3062,7 +3062,7 @@
           <a:p>
             <a:fld id="{95396F27-02BC-4467-B681-1C6B8C3FCDB1}" type="datetimeFigureOut">
               <a:rPr lang="en-US" smtClean="0"/>
-              <a:t>6/21/2024</a:t>
+              <a:t>7/1/2024</a:t>
             </a:fld>
             <a:endParaRPr lang="en-US"/>
           </a:p>
@@ -3337,7 +3337,7 @@
           <a:p>
             <a:fld id="{95396F27-02BC-4467-B681-1C6B8C3FCDB1}" type="datetimeFigureOut">
               <a:rPr lang="en-US" smtClean="0"/>
-              <a:t>6/21/2024</a:t>
+              <a:t>7/1/2024</a:t>
             </a:fld>
             <a:endParaRPr lang="en-US"/>
           </a:p>
@@ -3602,7 +3602,7 @@
           <a:p>
             <a:fld id="{95396F27-02BC-4467-B681-1C6B8C3FCDB1}" type="datetimeFigureOut">
               <a:rPr lang="en-US" smtClean="0"/>
-              <a:t>6/21/2024</a:t>
+              <a:t>7/1/2024</a:t>
             </a:fld>
             <a:endParaRPr lang="en-US"/>
           </a:p>
@@ -4014,7 +4014,7 @@
           <a:p>
             <a:fld id="{95396F27-02BC-4467-B681-1C6B8C3FCDB1}" type="datetimeFigureOut">
               <a:rPr lang="en-US" smtClean="0"/>
-              <a:t>6/21/2024</a:t>
+              <a:t>7/1/2024</a:t>
             </a:fld>
             <a:endParaRPr lang="en-US"/>
           </a:p>
@@ -4155,7 +4155,7 @@
           <a:p>
             <a:fld id="{95396F27-02BC-4467-B681-1C6B8C3FCDB1}" type="datetimeFigureOut">
               <a:rPr lang="en-US" smtClean="0"/>
-              <a:t>6/21/2024</a:t>
+              <a:t>7/1/2024</a:t>
             </a:fld>
             <a:endParaRPr lang="en-US"/>
           </a:p>
@@ -4268,7 +4268,7 @@
           <a:p>
             <a:fld id="{95396F27-02BC-4467-B681-1C6B8C3FCDB1}" type="datetimeFigureOut">
               <a:rPr lang="en-US" smtClean="0"/>
-              <a:t>6/21/2024</a:t>
+              <a:t>7/1/2024</a:t>
             </a:fld>
             <a:endParaRPr lang="en-US"/>
           </a:p>
@@ -4579,7 +4579,7 @@
           <a:p>
             <a:fld id="{95396F27-02BC-4467-B681-1C6B8C3FCDB1}" type="datetimeFigureOut">
               <a:rPr lang="en-US" smtClean="0"/>
-              <a:t>6/21/2024</a:t>
+              <a:t>7/1/2024</a:t>
             </a:fld>
             <a:endParaRPr lang="en-US"/>
           </a:p>
@@ -4867,7 +4867,7 @@
           <a:p>
             <a:fld id="{95396F27-02BC-4467-B681-1C6B8C3FCDB1}" type="datetimeFigureOut">
               <a:rPr lang="en-US" smtClean="0"/>
-              <a:t>6/21/2024</a:t>
+              <a:t>7/1/2024</a:t>
             </a:fld>
             <a:endParaRPr lang="en-US"/>
           </a:p>
@@ -5108,7 +5108,7 @@
           <a:p>
             <a:fld id="{95396F27-02BC-4467-B681-1C6B8C3FCDB1}" type="datetimeFigureOut">
               <a:rPr lang="en-US" smtClean="0"/>
-              <a:t>6/21/2024</a:t>
+              <a:t>7/1/2024</a:t>
             </a:fld>
             <a:endParaRPr lang="en-US"/>
           </a:p>
@@ -7978,8 +7978,8 @@
         </p:blipFill>
         <p:spPr>
           <a:xfrm>
-            <a:off x="575285" y="1404910"/>
-            <a:ext cx="4989838" cy="3863483"/>
+            <a:off x="8610600" y="1311604"/>
+            <a:ext cx="2901923" cy="2246873"/>
           </a:xfrm>
           <a:prstGeom prst="rect">
             <a:avLst/>
@@ -8080,8 +8080,8 @@
         </p:blipFill>
         <p:spPr>
           <a:xfrm>
-            <a:off x="5831772" y="1295932"/>
-            <a:ext cx="5557655" cy="4266136"/>
+            <a:off x="115217" y="814757"/>
+            <a:ext cx="6811343" cy="5228485"/>
           </a:xfrm>
           <a:prstGeom prst="rect">
             <a:avLst/>

--- a/Figure in paper 2.pptx
+++ b/Figure in paper 2.pptx
@@ -5,19 +5,23 @@
     <p:sldMasterId id="2147483648" r:id="rId1"/>
   </p:sldMasterIdLst>
   <p:notesMasterIdLst>
-    <p:notesMasterId r:id="rId12"/>
+    <p:notesMasterId r:id="rId16"/>
   </p:notesMasterIdLst>
   <p:sldIdLst>
     <p:sldId id="278" r:id="rId2"/>
-    <p:sldId id="287" r:id="rId3"/>
-    <p:sldId id="279" r:id="rId4"/>
+    <p:sldId id="279" r:id="rId3"/>
+    <p:sldId id="287" r:id="rId4"/>
     <p:sldId id="280" r:id="rId5"/>
     <p:sldId id="282" r:id="rId6"/>
     <p:sldId id="283" r:id="rId7"/>
     <p:sldId id="284" r:id="rId8"/>
-    <p:sldId id="285" r:id="rId9"/>
+    <p:sldId id="288" r:id="rId9"/>
     <p:sldId id="286" r:id="rId10"/>
-    <p:sldId id="281" r:id="rId11"/>
+    <p:sldId id="258" r:id="rId11"/>
+    <p:sldId id="290" r:id="rId12"/>
+    <p:sldId id="285" r:id="rId13"/>
+    <p:sldId id="289" r:id="rId14"/>
+    <p:sldId id="281" r:id="rId15"/>
   </p:sldIdLst>
   <p:sldSz cx="12192000" cy="6858000"/>
   <p:notesSz cx="6858000" cy="9144000"/>
@@ -127,7 +131,8 @@
 <file path=ppt/revisionInfo.xml><?xml version="1.0" encoding="utf-8"?>
 <p1510:revInfo xmlns:a="http://schemas.openxmlformats.org/drawingml/2006/main" xmlns:r="http://schemas.openxmlformats.org/officeDocument/2006/relationships" xmlns:p1510="http://schemas.microsoft.com/office/powerpoint/2015/10/main">
   <p1510:revLst>
-    <p1510:client id="{7E5EB6AF-9D82-46FE-8E7A-CD8501CCC7B9}" v="8" dt="2024-06-21T16:12:49.027"/>
+    <p1510:client id="{7E5EB6AF-9D82-46FE-8E7A-CD8501CCC7B9}" v="105" dt="2024-07-08T16:22:11.041"/>
+    <p1510:client id="{C8EB9581-3A01-49CB-991F-1FA336667468}" v="21" dt="2024-07-08T13:58:34.054"/>
   </p1510:revLst>
 </p1510:revInfo>
 </file>
@@ -135,9 +140,415 @@
 <file path=ppt/changesInfos/changesInfo1.xml><?xml version="1.0" encoding="utf-8"?>
 <pc:chgInfo xmlns:a="http://schemas.openxmlformats.org/drawingml/2006/main" xmlns:r="http://schemas.openxmlformats.org/officeDocument/2006/relationships" xmlns:ac="http://schemas.microsoft.com/office/drawing/2013/main/command" xmlns:pc="http://schemas.microsoft.com/office/powerpoint/2013/main/command">
   <pc:docChgLst>
+    <pc:chgData name="Li, Shicheng" userId="7425521c-7c11-4331-97d3-6e2702dd7f11" providerId="ADAL" clId="{C8EB9581-3A01-49CB-991F-1FA336667468}"/>
+    <pc:docChg chg="undo custSel addSld delSld modSld sldOrd">
+      <pc:chgData name="Li, Shicheng" userId="7425521c-7c11-4331-97d3-6e2702dd7f11" providerId="ADAL" clId="{C8EB9581-3A01-49CB-991F-1FA336667468}" dt="2024-07-08T15:39:44.482" v="548" actId="20577"/>
+      <pc:docMkLst>
+        <pc:docMk/>
+      </pc:docMkLst>
+      <pc:sldChg chg="addSp delSp modSp add mod">
+        <pc:chgData name="Li, Shicheng" userId="7425521c-7c11-4331-97d3-6e2702dd7f11" providerId="ADAL" clId="{C8EB9581-3A01-49CB-991F-1FA336667468}" dt="2024-07-08T13:49:18.714" v="360" actId="20577"/>
+        <pc:sldMkLst>
+          <pc:docMk/>
+          <pc:sldMk cId="2055877699" sldId="258"/>
+        </pc:sldMkLst>
+        <pc:spChg chg="add del mod">
+          <ac:chgData name="Li, Shicheng" userId="7425521c-7c11-4331-97d3-6e2702dd7f11" providerId="ADAL" clId="{C8EB9581-3A01-49CB-991F-1FA336667468}" dt="2024-07-08T06:16:20.446" v="290"/>
+          <ac:spMkLst>
+            <pc:docMk/>
+            <pc:sldMk cId="2055877699" sldId="258"/>
+            <ac:spMk id="2" creationId="{9D4C6068-A60F-20DE-5D76-057C414B90D0}"/>
+          </ac:spMkLst>
+        </pc:spChg>
+        <pc:spChg chg="add mod">
+          <ac:chgData name="Li, Shicheng" userId="7425521c-7c11-4331-97d3-6e2702dd7f11" providerId="ADAL" clId="{C8EB9581-3A01-49CB-991F-1FA336667468}" dt="2024-07-08T13:49:18.714" v="360" actId="20577"/>
+          <ac:spMkLst>
+            <pc:docMk/>
+            <pc:sldMk cId="2055877699" sldId="258"/>
+            <ac:spMk id="3" creationId="{B272B15D-E657-B5C7-C690-143234EA7BD0}"/>
+          </ac:spMkLst>
+        </pc:spChg>
+        <pc:spChg chg="mod">
+          <ac:chgData name="Li, Shicheng" userId="7425521c-7c11-4331-97d3-6e2702dd7f11" providerId="ADAL" clId="{C8EB9581-3A01-49CB-991F-1FA336667468}" dt="2024-07-08T06:16:01.537" v="262" actId="1038"/>
+          <ac:spMkLst>
+            <pc:docMk/>
+            <pc:sldMk cId="2055877699" sldId="258"/>
+            <ac:spMk id="8" creationId="{5E65013E-96B4-E275-2ADB-2302B617812B}"/>
+          </ac:spMkLst>
+        </pc:spChg>
+        <pc:spChg chg="mod">
+          <ac:chgData name="Li, Shicheng" userId="7425521c-7c11-4331-97d3-6e2702dd7f11" providerId="ADAL" clId="{C8EB9581-3A01-49CB-991F-1FA336667468}" dt="2024-07-08T06:16:01.537" v="262" actId="1038"/>
+          <ac:spMkLst>
+            <pc:docMk/>
+            <pc:sldMk cId="2055877699" sldId="258"/>
+            <ac:spMk id="9" creationId="{A1767496-3139-BD9F-F8E1-2B5CDDDFF418}"/>
+          </ac:spMkLst>
+        </pc:spChg>
+        <pc:picChg chg="del mod">
+          <ac:chgData name="Li, Shicheng" userId="7425521c-7c11-4331-97d3-6e2702dd7f11" providerId="ADAL" clId="{C8EB9581-3A01-49CB-991F-1FA336667468}" dt="2024-07-08T06:23:10.070" v="315" actId="478"/>
+          <ac:picMkLst>
+            <pc:docMk/>
+            <pc:sldMk cId="2055877699" sldId="258"/>
+            <ac:picMk id="4" creationId="{668D1143-8318-5D33-C82B-A0DFAB60C2B7}"/>
+          </ac:picMkLst>
+        </pc:picChg>
+        <pc:picChg chg="del mod">
+          <ac:chgData name="Li, Shicheng" userId="7425521c-7c11-4331-97d3-6e2702dd7f11" providerId="ADAL" clId="{C8EB9581-3A01-49CB-991F-1FA336667468}" dt="2024-07-08T06:23:08.375" v="314" actId="478"/>
+          <ac:picMkLst>
+            <pc:docMk/>
+            <pc:sldMk cId="2055877699" sldId="258"/>
+            <ac:picMk id="5" creationId="{68A527AE-5092-9675-DC91-A27C277EA71C}"/>
+          </ac:picMkLst>
+        </pc:picChg>
+        <pc:picChg chg="del mod">
+          <ac:chgData name="Li, Shicheng" userId="7425521c-7c11-4331-97d3-6e2702dd7f11" providerId="ADAL" clId="{C8EB9581-3A01-49CB-991F-1FA336667468}" dt="2024-07-08T06:23:13.562" v="317" actId="478"/>
+          <ac:picMkLst>
+            <pc:docMk/>
+            <pc:sldMk cId="2055877699" sldId="258"/>
+            <ac:picMk id="6" creationId="{1A917083-A40B-0B98-F02D-FE654F9268A2}"/>
+          </ac:picMkLst>
+        </pc:picChg>
+        <pc:picChg chg="del mod">
+          <ac:chgData name="Li, Shicheng" userId="7425521c-7c11-4331-97d3-6e2702dd7f11" providerId="ADAL" clId="{C8EB9581-3A01-49CB-991F-1FA336667468}" dt="2024-07-08T06:23:11.875" v="316" actId="478"/>
+          <ac:picMkLst>
+            <pc:docMk/>
+            <pc:sldMk cId="2055877699" sldId="258"/>
+            <ac:picMk id="7" creationId="{B46396F8-B445-E00B-E752-48049959F18A}"/>
+          </ac:picMkLst>
+        </pc:picChg>
+        <pc:picChg chg="add mod">
+          <ac:chgData name="Li, Shicheng" userId="7425521c-7c11-4331-97d3-6e2702dd7f11" providerId="ADAL" clId="{C8EB9581-3A01-49CB-991F-1FA336667468}" dt="2024-07-08T06:24:10.728" v="329" actId="1076"/>
+          <ac:picMkLst>
+            <pc:docMk/>
+            <pc:sldMk cId="2055877699" sldId="258"/>
+            <ac:picMk id="1025" creationId="{D9DF8512-C9B0-F708-BD0A-2A94FC619091}"/>
+          </ac:picMkLst>
+        </pc:picChg>
+        <pc:picChg chg="add mod">
+          <ac:chgData name="Li, Shicheng" userId="7425521c-7c11-4331-97d3-6e2702dd7f11" providerId="ADAL" clId="{C8EB9581-3A01-49CB-991F-1FA336667468}" dt="2024-07-08T06:24:08.056" v="328" actId="1076"/>
+          <ac:picMkLst>
+            <pc:docMk/>
+            <pc:sldMk cId="2055877699" sldId="258"/>
+            <ac:picMk id="1026" creationId="{1E275BCF-FFF0-576B-8C2C-E753927CF845}"/>
+          </ac:picMkLst>
+        </pc:picChg>
+      </pc:sldChg>
+      <pc:sldChg chg="modSp mod ord">
+        <pc:chgData name="Li, Shicheng" userId="7425521c-7c11-4331-97d3-6e2702dd7f11" providerId="ADAL" clId="{C8EB9581-3A01-49CB-991F-1FA336667468}" dt="2024-07-08T06:25:47.583" v="335"/>
+        <pc:sldMkLst>
+          <pc:docMk/>
+          <pc:sldMk cId="3626113393" sldId="278"/>
+        </pc:sldMkLst>
+        <pc:spChg chg="mod">
+          <ac:chgData name="Li, Shicheng" userId="7425521c-7c11-4331-97d3-6e2702dd7f11" providerId="ADAL" clId="{C8EB9581-3A01-49CB-991F-1FA336667468}" dt="2024-07-08T05:24:57.191" v="85" actId="20577"/>
+          <ac:spMkLst>
+            <pc:docMk/>
+            <pc:sldMk cId="3626113393" sldId="278"/>
+            <ac:spMk id="2" creationId="{001E3F70-DC66-8477-9E54-EC5216071F23}"/>
+          </ac:spMkLst>
+        </pc:spChg>
+      </pc:sldChg>
+      <pc:sldChg chg="ord">
+        <pc:chgData name="Li, Shicheng" userId="7425521c-7c11-4331-97d3-6e2702dd7f11" providerId="ADAL" clId="{C8EB9581-3A01-49CB-991F-1FA336667468}" dt="2024-07-08T05:53:51.515" v="110"/>
+        <pc:sldMkLst>
+          <pc:docMk/>
+          <pc:sldMk cId="3953875622" sldId="279"/>
+        </pc:sldMkLst>
+      </pc:sldChg>
+      <pc:sldChg chg="delSp modSp mod">
+        <pc:chgData name="Li, Shicheng" userId="7425521c-7c11-4331-97d3-6e2702dd7f11" providerId="ADAL" clId="{C8EB9581-3A01-49CB-991F-1FA336667468}" dt="2024-07-08T05:54:22.078" v="113" actId="1076"/>
+        <pc:sldMkLst>
+          <pc:docMk/>
+          <pc:sldMk cId="3185644417" sldId="283"/>
+        </pc:sldMkLst>
+        <pc:spChg chg="mod">
+          <ac:chgData name="Li, Shicheng" userId="7425521c-7c11-4331-97d3-6e2702dd7f11" providerId="ADAL" clId="{C8EB9581-3A01-49CB-991F-1FA336667468}" dt="2024-07-01T18:22:21.694" v="59" actId="20577"/>
+          <ac:spMkLst>
+            <pc:docMk/>
+            <pc:sldMk cId="3185644417" sldId="283"/>
+            <ac:spMk id="4" creationId="{5877D320-11AB-7BBD-A56A-22BF38E4928E}"/>
+          </ac:spMkLst>
+        </pc:spChg>
+        <pc:picChg chg="del mod">
+          <ac:chgData name="Li, Shicheng" userId="7425521c-7c11-4331-97d3-6e2702dd7f11" providerId="ADAL" clId="{C8EB9581-3A01-49CB-991F-1FA336667468}" dt="2024-07-08T05:54:13.257" v="112" actId="478"/>
+          <ac:picMkLst>
+            <pc:docMk/>
+            <pc:sldMk cId="3185644417" sldId="283"/>
+            <ac:picMk id="3" creationId="{6EA4C9B3-D6D2-C7BD-BDF7-8434B34B5FA0}"/>
+          </ac:picMkLst>
+        </pc:picChg>
+        <pc:picChg chg="mod">
+          <ac:chgData name="Li, Shicheng" userId="7425521c-7c11-4331-97d3-6e2702dd7f11" providerId="ADAL" clId="{C8EB9581-3A01-49CB-991F-1FA336667468}" dt="2024-07-08T05:54:22.078" v="113" actId="1076"/>
+          <ac:picMkLst>
+            <pc:docMk/>
+            <pc:sldMk cId="3185644417" sldId="283"/>
+            <ac:picMk id="6" creationId="{540A97E8-3977-8F3A-F14B-8F29E72601CE}"/>
+          </ac:picMkLst>
+        </pc:picChg>
+      </pc:sldChg>
+      <pc:sldChg chg="delSp mod ord">
+        <pc:chgData name="Li, Shicheng" userId="7425521c-7c11-4331-97d3-6e2702dd7f11" providerId="ADAL" clId="{C8EB9581-3A01-49CB-991F-1FA336667468}" dt="2024-07-08T04:28:24.965" v="78"/>
+        <pc:sldMkLst>
+          <pc:docMk/>
+          <pc:sldMk cId="4049957910" sldId="285"/>
+        </pc:sldMkLst>
+        <pc:picChg chg="del">
+          <ac:chgData name="Li, Shicheng" userId="7425521c-7c11-4331-97d3-6e2702dd7f11" providerId="ADAL" clId="{C8EB9581-3A01-49CB-991F-1FA336667468}" dt="2024-07-01T15:45:35.458" v="1" actId="478"/>
+          <ac:picMkLst>
+            <pc:docMk/>
+            <pc:sldMk cId="4049957910" sldId="285"/>
+            <ac:picMk id="11" creationId="{97C35CDE-E6C8-62C5-9767-54CCCE2DF5DA}"/>
+          </ac:picMkLst>
+        </pc:picChg>
+        <pc:picChg chg="del">
+          <ac:chgData name="Li, Shicheng" userId="7425521c-7c11-4331-97d3-6e2702dd7f11" providerId="ADAL" clId="{C8EB9581-3A01-49CB-991F-1FA336667468}" dt="2024-07-01T15:45:37.455" v="2" actId="478"/>
+          <ac:picMkLst>
+            <pc:docMk/>
+            <pc:sldMk cId="4049957910" sldId="285"/>
+            <ac:picMk id="13" creationId="{8CDE5DBB-2338-5ED8-490A-EB62B456559C}"/>
+          </ac:picMkLst>
+        </pc:picChg>
+      </pc:sldChg>
+      <pc:sldChg chg="addSp delSp modSp mod">
+        <pc:chgData name="Li, Shicheng" userId="7425521c-7c11-4331-97d3-6e2702dd7f11" providerId="ADAL" clId="{C8EB9581-3A01-49CB-991F-1FA336667468}" dt="2024-07-08T13:59:36.004" v="528" actId="1076"/>
+        <pc:sldMkLst>
+          <pc:docMk/>
+          <pc:sldMk cId="1861708718" sldId="286"/>
+        </pc:sldMkLst>
+        <pc:spChg chg="mod">
+          <ac:chgData name="Li, Shicheng" userId="7425521c-7c11-4331-97d3-6e2702dd7f11" providerId="ADAL" clId="{C8EB9581-3A01-49CB-991F-1FA336667468}" dt="2024-07-08T05:57:34.430" v="176" actId="20577"/>
+          <ac:spMkLst>
+            <pc:docMk/>
+            <pc:sldMk cId="1861708718" sldId="286"/>
+            <ac:spMk id="2" creationId="{001E3F70-DC66-8477-9E54-EC5216071F23}"/>
+          </ac:spMkLst>
+        </pc:spChg>
+        <pc:spChg chg="mod">
+          <ac:chgData name="Li, Shicheng" userId="7425521c-7c11-4331-97d3-6e2702dd7f11" providerId="ADAL" clId="{C8EB9581-3A01-49CB-991F-1FA336667468}" dt="2024-07-08T06:14:47.900" v="192" actId="20577"/>
+          <ac:spMkLst>
+            <pc:docMk/>
+            <pc:sldMk cId="1861708718" sldId="286"/>
+            <ac:spMk id="5" creationId="{A5A4C966-320C-39F1-540A-2B536DB93527}"/>
+          </ac:spMkLst>
+        </pc:spChg>
+        <pc:spChg chg="add mod">
+          <ac:chgData name="Li, Shicheng" userId="7425521c-7c11-4331-97d3-6e2702dd7f11" providerId="ADAL" clId="{C8EB9581-3A01-49CB-991F-1FA336667468}" dt="2024-07-08T13:59:36.004" v="528" actId="1076"/>
+          <ac:spMkLst>
+            <pc:docMk/>
+            <pc:sldMk cId="1861708718" sldId="286"/>
+            <ac:spMk id="31" creationId="{FFA1F4AB-8F41-1EE0-F0BB-63366BC0B6C7}"/>
+          </ac:spMkLst>
+        </pc:spChg>
+        <pc:picChg chg="del">
+          <ac:chgData name="Li, Shicheng" userId="7425521c-7c11-4331-97d3-6e2702dd7f11" providerId="ADAL" clId="{C8EB9581-3A01-49CB-991F-1FA336667468}" dt="2024-07-01T15:45:56.142" v="6" actId="478"/>
+          <ac:picMkLst>
+            <pc:docMk/>
+            <pc:sldMk cId="1861708718" sldId="286"/>
+            <ac:picMk id="4" creationId="{F5BD3E8C-9A67-02C2-98B9-362D49ACBDB7}"/>
+          </ac:picMkLst>
+        </pc:picChg>
+        <pc:picChg chg="add del mod">
+          <ac:chgData name="Li, Shicheng" userId="7425521c-7c11-4331-97d3-6e2702dd7f11" providerId="ADAL" clId="{C8EB9581-3A01-49CB-991F-1FA336667468}" dt="2024-07-08T06:13:42.530" v="183" actId="478"/>
+          <ac:picMkLst>
+            <pc:docMk/>
+            <pc:sldMk cId="1861708718" sldId="286"/>
+            <ac:picMk id="10" creationId="{7B212991-EA07-2C26-6EEA-F7BF991EACF9}"/>
+          </ac:picMkLst>
+        </pc:picChg>
+        <pc:picChg chg="del">
+          <ac:chgData name="Li, Shicheng" userId="7425521c-7c11-4331-97d3-6e2702dd7f11" providerId="ADAL" clId="{C8EB9581-3A01-49CB-991F-1FA336667468}" dt="2024-07-01T15:45:58.151" v="7" actId="478"/>
+          <ac:picMkLst>
+            <pc:docMk/>
+            <pc:sldMk cId="1861708718" sldId="286"/>
+            <ac:picMk id="12" creationId="{D9EFFC36-0B37-34B9-13F7-94657784182A}"/>
+          </ac:picMkLst>
+        </pc:picChg>
+        <pc:picChg chg="add mod">
+          <ac:chgData name="Li, Shicheng" userId="7425521c-7c11-4331-97d3-6e2702dd7f11" providerId="ADAL" clId="{C8EB9581-3A01-49CB-991F-1FA336667468}" dt="2024-07-01T15:52:20.794" v="22" actId="1076"/>
+          <ac:picMkLst>
+            <pc:docMk/>
+            <pc:sldMk cId="1861708718" sldId="286"/>
+            <ac:picMk id="13" creationId="{995D70F8-AFE6-0D41-469F-0FD47AC6C48E}"/>
+          </ac:picMkLst>
+        </pc:picChg>
+        <pc:picChg chg="del">
+          <ac:chgData name="Li, Shicheng" userId="7425521c-7c11-4331-97d3-6e2702dd7f11" providerId="ADAL" clId="{C8EB9581-3A01-49CB-991F-1FA336667468}" dt="2024-07-01T15:46:00.371" v="8" actId="478"/>
+          <ac:picMkLst>
+            <pc:docMk/>
+            <pc:sldMk cId="1861708718" sldId="286"/>
+            <ac:picMk id="16" creationId="{3F7BF0D1-F45F-FE7B-B525-DD22CE195DDD}"/>
+          </ac:picMkLst>
+        </pc:picChg>
+        <pc:picChg chg="add del mod">
+          <ac:chgData name="Li, Shicheng" userId="7425521c-7c11-4331-97d3-6e2702dd7f11" providerId="ADAL" clId="{C8EB9581-3A01-49CB-991F-1FA336667468}" dt="2024-07-01T15:51:43.808" v="17" actId="478"/>
+          <ac:picMkLst>
+            <pc:docMk/>
+            <pc:sldMk cId="1861708718" sldId="286"/>
+            <ac:picMk id="17" creationId="{1F8F4B95-8DD2-8314-0623-304BB4166082}"/>
+          </ac:picMkLst>
+        </pc:picChg>
+        <pc:picChg chg="del">
+          <ac:chgData name="Li, Shicheng" userId="7425521c-7c11-4331-97d3-6e2702dd7f11" providerId="ADAL" clId="{C8EB9581-3A01-49CB-991F-1FA336667468}" dt="2024-07-01T15:46:02.978" v="9" actId="478"/>
+          <ac:picMkLst>
+            <pc:docMk/>
+            <pc:sldMk cId="1861708718" sldId="286"/>
+            <ac:picMk id="18" creationId="{AC859D17-420E-3C2D-CDAC-51C89CC42EC6}"/>
+          </ac:picMkLst>
+        </pc:picChg>
+        <pc:picChg chg="add del mod">
+          <ac:chgData name="Li, Shicheng" userId="7425521c-7c11-4331-97d3-6e2702dd7f11" providerId="ADAL" clId="{C8EB9581-3A01-49CB-991F-1FA336667468}" dt="2024-07-08T06:13:44.696" v="184" actId="478"/>
+          <ac:picMkLst>
+            <pc:docMk/>
+            <pc:sldMk cId="1861708718" sldId="286"/>
+            <ac:picMk id="22" creationId="{9BB4433B-59C5-A3B8-2464-8A14FEA9CA69}"/>
+          </ac:picMkLst>
+        </pc:picChg>
+        <pc:picChg chg="add mod">
+          <ac:chgData name="Li, Shicheng" userId="7425521c-7c11-4331-97d3-6e2702dd7f11" providerId="ADAL" clId="{C8EB9581-3A01-49CB-991F-1FA336667468}" dt="2024-07-01T15:52:23.951" v="23" actId="1076"/>
+          <ac:picMkLst>
+            <pc:docMk/>
+            <pc:sldMk cId="1861708718" sldId="286"/>
+            <ac:picMk id="24" creationId="{3FB5D1DF-012A-3743-1ABC-9A2A18F1E03D}"/>
+          </ac:picMkLst>
+        </pc:picChg>
+        <pc:picChg chg="add del mod">
+          <ac:chgData name="Li, Shicheng" userId="7425521c-7c11-4331-97d3-6e2702dd7f11" providerId="ADAL" clId="{C8EB9581-3A01-49CB-991F-1FA336667468}" dt="2024-07-01T18:24:01.380" v="60" actId="478"/>
+          <ac:picMkLst>
+            <pc:docMk/>
+            <pc:sldMk cId="1861708718" sldId="286"/>
+            <ac:picMk id="26" creationId="{5BDC83FA-009F-2457-6E5B-24F7F727C592}"/>
+          </ac:picMkLst>
+        </pc:picChg>
+        <pc:picChg chg="add mod">
+          <ac:chgData name="Li, Shicheng" userId="7425521c-7c11-4331-97d3-6e2702dd7f11" providerId="ADAL" clId="{C8EB9581-3A01-49CB-991F-1FA336667468}" dt="2024-07-01T18:24:18.778" v="65" actId="1076"/>
+          <ac:picMkLst>
+            <pc:docMk/>
+            <pc:sldMk cId="1861708718" sldId="286"/>
+            <ac:picMk id="28" creationId="{A5DFB900-3B3D-BF42-1F0B-E5FA5F138DF8}"/>
+          </ac:picMkLst>
+        </pc:picChg>
+        <pc:picChg chg="add mod">
+          <ac:chgData name="Li, Shicheng" userId="7425521c-7c11-4331-97d3-6e2702dd7f11" providerId="ADAL" clId="{C8EB9581-3A01-49CB-991F-1FA336667468}" dt="2024-07-08T06:14:07.640" v="189" actId="1076"/>
+          <ac:picMkLst>
+            <pc:docMk/>
+            <pc:sldMk cId="1861708718" sldId="286"/>
+            <ac:picMk id="30" creationId="{5FD3A135-F6EC-1815-9E8F-194696EF19A3}"/>
+          </ac:picMkLst>
+        </pc:picChg>
+      </pc:sldChg>
+      <pc:sldChg chg="modSp mod">
+        <pc:chgData name="Li, Shicheng" userId="7425521c-7c11-4331-97d3-6e2702dd7f11" providerId="ADAL" clId="{C8EB9581-3A01-49CB-991F-1FA336667468}" dt="2024-07-08T06:27:29.318" v="349" actId="20577"/>
+        <pc:sldMkLst>
+          <pc:docMk/>
+          <pc:sldMk cId="1757090110" sldId="287"/>
+        </pc:sldMkLst>
+        <pc:spChg chg="mod">
+          <ac:chgData name="Li, Shicheng" userId="7425521c-7c11-4331-97d3-6e2702dd7f11" providerId="ADAL" clId="{C8EB9581-3A01-49CB-991F-1FA336667468}" dt="2024-07-08T06:27:29.318" v="349" actId="20577"/>
+          <ac:spMkLst>
+            <pc:docMk/>
+            <pc:sldMk cId="1757090110" sldId="287"/>
+            <ac:spMk id="4" creationId="{B791E31B-51C9-ED56-F00E-638B69F194E5}"/>
+          </ac:spMkLst>
+        </pc:spChg>
+      </pc:sldChg>
+      <pc:sldChg chg="addSp delSp modSp add mod">
+        <pc:chgData name="Li, Shicheng" userId="7425521c-7c11-4331-97d3-6e2702dd7f11" providerId="ADAL" clId="{C8EB9581-3A01-49CB-991F-1FA336667468}" dt="2024-07-08T05:56:24.499" v="154" actId="20577"/>
+        <pc:sldMkLst>
+          <pc:docMk/>
+          <pc:sldMk cId="1497024170" sldId="288"/>
+        </pc:sldMkLst>
+        <pc:spChg chg="mod">
+          <ac:chgData name="Li, Shicheng" userId="7425521c-7c11-4331-97d3-6e2702dd7f11" providerId="ADAL" clId="{C8EB9581-3A01-49CB-991F-1FA336667468}" dt="2024-07-08T05:56:24.499" v="154" actId="20577"/>
+          <ac:spMkLst>
+            <pc:docMk/>
+            <pc:sldMk cId="1497024170" sldId="288"/>
+            <ac:spMk id="5" creationId="{A5A4C966-320C-39F1-540A-2B536DB93527}"/>
+          </ac:spMkLst>
+        </pc:spChg>
+        <pc:picChg chg="add del mod">
+          <ac:chgData name="Li, Shicheng" userId="7425521c-7c11-4331-97d3-6e2702dd7f11" providerId="ADAL" clId="{C8EB9581-3A01-49CB-991F-1FA336667468}" dt="2024-07-01T18:15:02.706" v="32" actId="478"/>
+          <ac:picMkLst>
+            <pc:docMk/>
+            <pc:sldMk cId="1497024170" sldId="288"/>
+            <ac:picMk id="4" creationId="{B199A4E2-F5B5-F06C-722E-140C87B310E9}"/>
+          </ac:picMkLst>
+        </pc:picChg>
+        <pc:picChg chg="del">
+          <ac:chgData name="Li, Shicheng" userId="7425521c-7c11-4331-97d3-6e2702dd7f11" providerId="ADAL" clId="{C8EB9581-3A01-49CB-991F-1FA336667468}" dt="2024-07-01T18:14:24.264" v="29" actId="478"/>
+          <ac:picMkLst>
+            <pc:docMk/>
+            <pc:sldMk cId="1497024170" sldId="288"/>
+            <ac:picMk id="11" creationId="{97C35CDE-E6C8-62C5-9767-54CCCE2DF5DA}"/>
+          </ac:picMkLst>
+        </pc:picChg>
+        <pc:picChg chg="add mod">
+          <ac:chgData name="Li, Shicheng" userId="7425521c-7c11-4331-97d3-6e2702dd7f11" providerId="ADAL" clId="{C8EB9581-3A01-49CB-991F-1FA336667468}" dt="2024-07-01T18:35:25.707" v="75" actId="1076"/>
+          <ac:picMkLst>
+            <pc:docMk/>
+            <pc:sldMk cId="1497024170" sldId="288"/>
+            <ac:picMk id="12" creationId="{BFC26830-5D1C-FDC4-8FBB-1A58D2023D63}"/>
+          </ac:picMkLst>
+        </pc:picChg>
+        <pc:picChg chg="del">
+          <ac:chgData name="Li, Shicheng" userId="7425521c-7c11-4331-97d3-6e2702dd7f11" providerId="ADAL" clId="{C8EB9581-3A01-49CB-991F-1FA336667468}" dt="2024-07-01T18:15:08.226" v="36" actId="478"/>
+          <ac:picMkLst>
+            <pc:docMk/>
+            <pc:sldMk cId="1497024170" sldId="288"/>
+            <ac:picMk id="13" creationId="{8CDE5DBB-2338-5ED8-490A-EB62B456559C}"/>
+          </ac:picMkLst>
+        </pc:picChg>
+        <pc:picChg chg="add mod">
+          <ac:chgData name="Li, Shicheng" userId="7425521c-7c11-4331-97d3-6e2702dd7f11" providerId="ADAL" clId="{C8EB9581-3A01-49CB-991F-1FA336667468}" dt="2024-07-01T18:35:29.690" v="76" actId="1076"/>
+          <ac:picMkLst>
+            <pc:docMk/>
+            <pc:sldMk cId="1497024170" sldId="288"/>
+            <ac:picMk id="16" creationId="{577C420E-FB7C-1386-2776-2F7467F3D5D4}"/>
+          </ac:picMkLst>
+        </pc:picChg>
+      </pc:sldChg>
+      <pc:sldChg chg="add del">
+        <pc:chgData name="Li, Shicheng" userId="7425521c-7c11-4331-97d3-6e2702dd7f11" providerId="ADAL" clId="{C8EB9581-3A01-49CB-991F-1FA336667468}" dt="2024-07-01T15:45:49.335" v="4" actId="47"/>
+        <pc:sldMkLst>
+          <pc:docMk/>
+          <pc:sldMk cId="1438539327" sldId="289"/>
+        </pc:sldMkLst>
+      </pc:sldChg>
+      <pc:sldChg chg="add">
+        <pc:chgData name="Li, Shicheng" userId="7425521c-7c11-4331-97d3-6e2702dd7f11" providerId="ADAL" clId="{C8EB9581-3A01-49CB-991F-1FA336667468}" dt="2024-07-01T15:45:52.234" v="5"/>
+        <pc:sldMkLst>
+          <pc:docMk/>
+          <pc:sldMk cId="1471103555" sldId="289"/>
+        </pc:sldMkLst>
+      </pc:sldChg>
+      <pc:sldChg chg="addSp modSp add mod modNotesTx">
+        <pc:chgData name="Li, Shicheng" userId="7425521c-7c11-4331-97d3-6e2702dd7f11" providerId="ADAL" clId="{C8EB9581-3A01-49CB-991F-1FA336667468}" dt="2024-07-08T15:39:44.482" v="548" actId="20577"/>
+        <pc:sldMkLst>
+          <pc:docMk/>
+          <pc:sldMk cId="336587402" sldId="290"/>
+        </pc:sldMkLst>
+        <pc:spChg chg="add mod">
+          <ac:chgData name="Li, Shicheng" userId="7425521c-7c11-4331-97d3-6e2702dd7f11" providerId="ADAL" clId="{C8EB9581-3A01-49CB-991F-1FA336667468}" dt="2024-07-08T13:58:03.299" v="431" actId="14100"/>
+          <ac:spMkLst>
+            <pc:docMk/>
+            <pc:sldMk cId="336587402" sldId="290"/>
+            <ac:spMk id="2" creationId="{E1FB756D-EC35-B6F4-BA6A-2DB04EBBDF1B}"/>
+          </ac:spMkLst>
+        </pc:spChg>
+        <pc:spChg chg="mod">
+          <ac:chgData name="Li, Shicheng" userId="7425521c-7c11-4331-97d3-6e2702dd7f11" providerId="ADAL" clId="{C8EB9581-3A01-49CB-991F-1FA336667468}" dt="2024-07-08T13:52:03.309" v="380" actId="20577"/>
+          <ac:spMkLst>
+            <pc:docMk/>
+            <pc:sldMk cId="336587402" sldId="290"/>
+            <ac:spMk id="3" creationId="{B272B15D-E657-B5C7-C690-143234EA7BD0}"/>
+          </ac:spMkLst>
+        </pc:spChg>
+      </pc:sldChg>
+    </pc:docChg>
+  </pc:docChgLst>
+  <pc:docChgLst>
     <pc:chgData name="Li, Shicheng" userId="7425521c-7c11-4331-97d3-6e2702dd7f11" providerId="ADAL" clId="{7E5EB6AF-9D82-46FE-8E7A-CD8501CCC7B9}"/>
     <pc:docChg chg="undo custSel addSld modSld">
-      <pc:chgData name="Li, Shicheng" userId="7425521c-7c11-4331-97d3-6e2702dd7f11" providerId="ADAL" clId="{7E5EB6AF-9D82-46FE-8E7A-CD8501CCC7B9}" dt="2024-06-21T16:13:23.382" v="134" actId="1076"/>
+      <pc:chgData name="Li, Shicheng" userId="7425521c-7c11-4331-97d3-6e2702dd7f11" providerId="ADAL" clId="{7E5EB6AF-9D82-46FE-8E7A-CD8501CCC7B9}" dt="2024-07-08T16:22:11.041" v="239" actId="20577"/>
       <pc:docMkLst>
         <pc:docMk/>
       </pc:docMkLst>
@@ -318,8 +729,8 @@
           </ac:picMkLst>
         </pc:picChg>
       </pc:sldChg>
-      <pc:sldChg chg="addSp delSp modSp add mod">
-        <pc:chgData name="Li, Shicheng" userId="7425521c-7c11-4331-97d3-6e2702dd7f11" providerId="ADAL" clId="{7E5EB6AF-9D82-46FE-8E7A-CD8501CCC7B9}" dt="2024-06-21T15:59:54.215" v="38" actId="20577"/>
+      <pc:sldChg chg="addSp delSp modSp add mod modNotesTx">
+        <pc:chgData name="Li, Shicheng" userId="7425521c-7c11-4331-97d3-6e2702dd7f11" providerId="ADAL" clId="{7E5EB6AF-9D82-46FE-8E7A-CD8501CCC7B9}" dt="2024-07-08T16:16:33.537" v="223" actId="20577"/>
         <pc:sldMkLst>
           <pc:docMk/>
           <pc:sldMk cId="1757090110" sldId="287"/>
@@ -500,6 +911,21 @@
             <ac:cxnSpMk id="38" creationId="{16EFBFF7-524E-6C8D-9A7C-72D7949E0C46}"/>
           </ac:cxnSpMkLst>
         </pc:cxnChg>
+      </pc:sldChg>
+      <pc:sldChg chg="modSp mod modNotesTx">
+        <pc:chgData name="Li, Shicheng" userId="7425521c-7c11-4331-97d3-6e2702dd7f11" providerId="ADAL" clId="{7E5EB6AF-9D82-46FE-8E7A-CD8501CCC7B9}" dt="2024-07-08T16:22:11.041" v="239" actId="20577"/>
+        <pc:sldMkLst>
+          <pc:docMk/>
+          <pc:sldMk cId="336587402" sldId="290"/>
+        </pc:sldMkLst>
+        <pc:spChg chg="mod">
+          <ac:chgData name="Li, Shicheng" userId="7425521c-7c11-4331-97d3-6e2702dd7f11" providerId="ADAL" clId="{7E5EB6AF-9D82-46FE-8E7A-CD8501CCC7B9}" dt="2024-07-08T15:56:05.482" v="168" actId="20577"/>
+          <ac:spMkLst>
+            <pc:docMk/>
+            <pc:sldMk cId="336587402" sldId="290"/>
+            <ac:spMk id="2" creationId="{E1FB756D-EC35-B6F4-BA6A-2DB04EBBDF1B}"/>
+          </ac:spMkLst>
+        </pc:spChg>
       </pc:sldChg>
     </pc:docChg>
   </pc:docChgLst>
@@ -1204,7 +1630,7 @@
           <a:p>
             <a:fld id="{56A43E7F-2FBD-4C74-A6A3-71F46B4D3471}" type="datetimeFigureOut">
               <a:rPr lang="en-US" smtClean="0"/>
-              <a:t>7/1/2024</a:t>
+              <a:t>7/8/2024</a:t>
             </a:fld>
             <a:endParaRPr lang="en-US"/>
           </a:p>
@@ -1599,6 +2025,101 @@
           <a:bodyPr/>
           <a:lstStyle/>
           <a:p>
+            <a:r>
+              <a:rPr lang="en-US"/>
+              <a:t>Bond angle distance    </a:t>
+            </a:r>
+            <a:r>
+              <a:rPr lang="en-US" err="1"/>
+              <a:t>phen</a:t>
+            </a:r>
+            <a:r>
+              <a:rPr lang="en-US"/>
+              <a:t> with 4 </a:t>
+            </a:r>
+          </a:p>
+        </p:txBody>
+      </p:sp>
+      <p:sp>
+        <p:nvSpPr>
+          <p:cNvPr id="4" name="Slide Number Placeholder 3"/>
+          <p:cNvSpPr>
+            <a:spLocks noGrp="1"/>
+          </p:cNvSpPr>
+          <p:nvPr>
+            <p:ph type="sldNum" sz="quarter" idx="5"/>
+          </p:nvPr>
+        </p:nvSpPr>
+        <p:spPr/>
+        <p:txBody>
+          <a:bodyPr/>
+          <a:lstStyle/>
+          <a:p>
+            <a:fld id="{F654800E-572D-484A-AC61-331964E811C9}" type="slidenum">
+              <a:rPr lang="en-US" smtClean="0"/>
+              <a:t>11</a:t>
+            </a:fld>
+            <a:endParaRPr lang="en-US"/>
+          </a:p>
+        </p:txBody>
+      </p:sp>
+    </p:spTree>
+    <p:extLst>
+      <p:ext uri="{BB962C8B-B14F-4D97-AF65-F5344CB8AC3E}">
+        <p14:creationId xmlns:p14="http://schemas.microsoft.com/office/powerpoint/2010/main" val="3310390241"/>
+      </p:ext>
+    </p:extLst>
+  </p:cSld>
+  <p:clrMapOvr>
+    <a:masterClrMapping/>
+  </p:clrMapOvr>
+</p:notes>
+</file>
+
+<file path=ppt/notesSlides/notesSlide11.xml><?xml version="1.0" encoding="utf-8"?>
+<p:notes xmlns:a="http://schemas.openxmlformats.org/drawingml/2006/main" xmlns:r="http://schemas.openxmlformats.org/officeDocument/2006/relationships" xmlns:p="http://schemas.openxmlformats.org/presentationml/2006/main">
+  <p:cSld>
+    <p:spTree>
+      <p:nvGrpSpPr>
+        <p:cNvPr id="1" name=""/>
+        <p:cNvGrpSpPr/>
+        <p:nvPr/>
+      </p:nvGrpSpPr>
+      <p:grpSpPr>
+        <a:xfrm>
+          <a:off x="0" y="0"/>
+          <a:ext cx="0" cy="0"/>
+          <a:chOff x="0" y="0"/>
+          <a:chExt cx="0" cy="0"/>
+        </a:xfrm>
+      </p:grpSpPr>
+      <p:sp>
+        <p:nvSpPr>
+          <p:cNvPr id="2" name="Slide Image Placeholder 1"/>
+          <p:cNvSpPr>
+            <a:spLocks noGrp="1" noRot="1" noChangeAspect="1"/>
+          </p:cNvSpPr>
+          <p:nvPr>
+            <p:ph type="sldImg"/>
+          </p:nvPr>
+        </p:nvSpPr>
+        <p:spPr/>
+      </p:sp>
+      <p:sp>
+        <p:nvSpPr>
+          <p:cNvPr id="3" name="Notes Placeholder 2"/>
+          <p:cNvSpPr>
+            <a:spLocks noGrp="1"/>
+          </p:cNvSpPr>
+          <p:nvPr>
+            <p:ph type="body" idx="1"/>
+          </p:nvPr>
+        </p:nvSpPr>
+        <p:spPr/>
+        <p:txBody>
+          <a:bodyPr/>
+          <a:lstStyle/>
+          <a:p>
             <a:endParaRPr lang="en-US"/>
           </a:p>
         </p:txBody>
@@ -1620,7 +2141,175 @@
           <a:p>
             <a:fld id="{A115DB88-2ED6-4DFA-8131-A12D0601D980}" type="slidenum">
               <a:rPr lang="en-US" smtClean="0"/>
-              <a:t>10</a:t>
+              <a:t>12</a:t>
+            </a:fld>
+            <a:endParaRPr lang="en-US"/>
+          </a:p>
+        </p:txBody>
+      </p:sp>
+    </p:spTree>
+    <p:extLst>
+      <p:ext uri="{BB962C8B-B14F-4D97-AF65-F5344CB8AC3E}">
+        <p14:creationId xmlns:p14="http://schemas.microsoft.com/office/powerpoint/2010/main" val="3722579883"/>
+      </p:ext>
+    </p:extLst>
+  </p:cSld>
+  <p:clrMapOvr>
+    <a:masterClrMapping/>
+  </p:clrMapOvr>
+</p:notes>
+</file>
+
+<file path=ppt/notesSlides/notesSlide12.xml><?xml version="1.0" encoding="utf-8"?>
+<p:notes xmlns:a="http://schemas.openxmlformats.org/drawingml/2006/main" xmlns:r="http://schemas.openxmlformats.org/officeDocument/2006/relationships" xmlns:p="http://schemas.openxmlformats.org/presentationml/2006/main">
+  <p:cSld>
+    <p:spTree>
+      <p:nvGrpSpPr>
+        <p:cNvPr id="1" name=""/>
+        <p:cNvGrpSpPr/>
+        <p:nvPr/>
+      </p:nvGrpSpPr>
+      <p:grpSpPr>
+        <a:xfrm>
+          <a:off x="0" y="0"/>
+          <a:ext cx="0" cy="0"/>
+          <a:chOff x="0" y="0"/>
+          <a:chExt cx="0" cy="0"/>
+        </a:xfrm>
+      </p:grpSpPr>
+      <p:sp>
+        <p:nvSpPr>
+          <p:cNvPr id="2" name="Slide Image Placeholder 1"/>
+          <p:cNvSpPr>
+            <a:spLocks noGrp="1" noRot="1" noChangeAspect="1"/>
+          </p:cNvSpPr>
+          <p:nvPr>
+            <p:ph type="sldImg"/>
+          </p:nvPr>
+        </p:nvSpPr>
+        <p:spPr/>
+      </p:sp>
+      <p:sp>
+        <p:nvSpPr>
+          <p:cNvPr id="3" name="Notes Placeholder 2"/>
+          <p:cNvSpPr>
+            <a:spLocks noGrp="1"/>
+          </p:cNvSpPr>
+          <p:nvPr>
+            <p:ph type="body" idx="1"/>
+          </p:nvPr>
+        </p:nvSpPr>
+        <p:spPr/>
+        <p:txBody>
+          <a:bodyPr/>
+          <a:lstStyle/>
+          <a:p>
+            <a:endParaRPr lang="en-US"/>
+          </a:p>
+        </p:txBody>
+      </p:sp>
+      <p:sp>
+        <p:nvSpPr>
+          <p:cNvPr id="4" name="Slide Number Placeholder 3"/>
+          <p:cNvSpPr>
+            <a:spLocks noGrp="1"/>
+          </p:cNvSpPr>
+          <p:nvPr>
+            <p:ph type="sldNum" sz="quarter" idx="5"/>
+          </p:nvPr>
+        </p:nvSpPr>
+        <p:spPr/>
+        <p:txBody>
+          <a:bodyPr/>
+          <a:lstStyle/>
+          <a:p>
+            <a:fld id="{A115DB88-2ED6-4DFA-8131-A12D0601D980}" type="slidenum">
+              <a:rPr lang="en-US" smtClean="0"/>
+              <a:t>13</a:t>
+            </a:fld>
+            <a:endParaRPr lang="en-US"/>
+          </a:p>
+        </p:txBody>
+      </p:sp>
+    </p:spTree>
+    <p:extLst>
+      <p:ext uri="{BB962C8B-B14F-4D97-AF65-F5344CB8AC3E}">
+        <p14:creationId xmlns:p14="http://schemas.microsoft.com/office/powerpoint/2010/main" val="2652936930"/>
+      </p:ext>
+    </p:extLst>
+  </p:cSld>
+  <p:clrMapOvr>
+    <a:masterClrMapping/>
+  </p:clrMapOvr>
+</p:notes>
+</file>
+
+<file path=ppt/notesSlides/notesSlide13.xml><?xml version="1.0" encoding="utf-8"?>
+<p:notes xmlns:a="http://schemas.openxmlformats.org/drawingml/2006/main" xmlns:r="http://schemas.openxmlformats.org/officeDocument/2006/relationships" xmlns:p="http://schemas.openxmlformats.org/presentationml/2006/main">
+  <p:cSld>
+    <p:spTree>
+      <p:nvGrpSpPr>
+        <p:cNvPr id="1" name=""/>
+        <p:cNvGrpSpPr/>
+        <p:nvPr/>
+      </p:nvGrpSpPr>
+      <p:grpSpPr>
+        <a:xfrm>
+          <a:off x="0" y="0"/>
+          <a:ext cx="0" cy="0"/>
+          <a:chOff x="0" y="0"/>
+          <a:chExt cx="0" cy="0"/>
+        </a:xfrm>
+      </p:grpSpPr>
+      <p:sp>
+        <p:nvSpPr>
+          <p:cNvPr id="2" name="Slide Image Placeholder 1"/>
+          <p:cNvSpPr>
+            <a:spLocks noGrp="1" noRot="1" noChangeAspect="1"/>
+          </p:cNvSpPr>
+          <p:nvPr>
+            <p:ph type="sldImg"/>
+          </p:nvPr>
+        </p:nvSpPr>
+        <p:spPr/>
+      </p:sp>
+      <p:sp>
+        <p:nvSpPr>
+          <p:cNvPr id="3" name="Notes Placeholder 2"/>
+          <p:cNvSpPr>
+            <a:spLocks noGrp="1"/>
+          </p:cNvSpPr>
+          <p:nvPr>
+            <p:ph type="body" idx="1"/>
+          </p:nvPr>
+        </p:nvSpPr>
+        <p:spPr/>
+        <p:txBody>
+          <a:bodyPr/>
+          <a:lstStyle/>
+          <a:p>
+            <a:endParaRPr lang="en-US"/>
+          </a:p>
+        </p:txBody>
+      </p:sp>
+      <p:sp>
+        <p:nvSpPr>
+          <p:cNvPr id="4" name="Slide Number Placeholder 3"/>
+          <p:cNvSpPr>
+            <a:spLocks noGrp="1"/>
+          </p:cNvSpPr>
+          <p:nvPr>
+            <p:ph type="sldNum" sz="quarter" idx="5"/>
+          </p:nvPr>
+        </p:nvSpPr>
+        <p:spPr/>
+        <p:txBody>
+          <a:bodyPr/>
+          <a:lstStyle/>
+          <a:p>
+            <a:fld id="{A115DB88-2ED6-4DFA-8131-A12D0601D980}" type="slidenum">
+              <a:rPr lang="en-US" smtClean="0"/>
+              <a:t>14</a:t>
             </a:fld>
             <a:endParaRPr lang="en-US"/>
           </a:p>
@@ -1713,7 +2402,7 @@
     </p:spTree>
     <p:extLst>
       <p:ext uri="{BB962C8B-B14F-4D97-AF65-F5344CB8AC3E}">
-        <p14:creationId xmlns:p14="http://schemas.microsoft.com/office/powerpoint/2010/main" val="3284303649"/>
+        <p14:creationId xmlns:p14="http://schemas.microsoft.com/office/powerpoint/2010/main" val="3114262566"/>
       </p:ext>
     </p:extLst>
   </p:cSld>
@@ -1767,6 +2456,12 @@
           <a:bodyPr/>
           <a:lstStyle/>
           <a:p>
+            <a:r>
+              <a:rPr lang="en-US"/>
+              <a:t>How many nitrate and water in first s</a:t>
+            </a:r>
+          </a:p>
+          <a:p>
             <a:endParaRPr lang="en-US"/>
           </a:p>
         </p:txBody>
@@ -1797,7 +2492,7 @@
     </p:spTree>
     <p:extLst>
       <p:ext uri="{BB962C8B-B14F-4D97-AF65-F5344CB8AC3E}">
-        <p14:creationId xmlns:p14="http://schemas.microsoft.com/office/powerpoint/2010/main" val="3114262566"/>
+        <p14:creationId xmlns:p14="http://schemas.microsoft.com/office/powerpoint/2010/main" val="3284303649"/>
       </p:ext>
     </p:extLst>
   </p:cSld>
@@ -2217,7 +2912,7 @@
     </p:spTree>
     <p:extLst>
       <p:ext uri="{BB962C8B-B14F-4D97-AF65-F5344CB8AC3E}">
-        <p14:creationId xmlns:p14="http://schemas.microsoft.com/office/powerpoint/2010/main" val="3722579883"/>
+        <p14:creationId xmlns:p14="http://schemas.microsoft.com/office/powerpoint/2010/main" val="2288387597"/>
       </p:ext>
     </p:extLst>
   </p:cSld>
@@ -2458,7 +3153,7 @@
           <a:p>
             <a:fld id="{95396F27-02BC-4467-B681-1C6B8C3FCDB1}" type="datetimeFigureOut">
               <a:rPr lang="en-US" smtClean="0"/>
-              <a:t>7/1/2024</a:t>
+              <a:t>7/8/2024</a:t>
             </a:fld>
             <a:endParaRPr lang="en-US"/>
           </a:p>
@@ -2656,7 +3351,7 @@
           <a:p>
             <a:fld id="{95396F27-02BC-4467-B681-1C6B8C3FCDB1}" type="datetimeFigureOut">
               <a:rPr lang="en-US" smtClean="0"/>
-              <a:t>7/1/2024</a:t>
+              <a:t>7/8/2024</a:t>
             </a:fld>
             <a:endParaRPr lang="en-US"/>
           </a:p>
@@ -2864,7 +3559,7 @@
           <a:p>
             <a:fld id="{95396F27-02BC-4467-B681-1C6B8C3FCDB1}" type="datetimeFigureOut">
               <a:rPr lang="en-US" smtClean="0"/>
-              <a:t>7/1/2024</a:t>
+              <a:t>7/8/2024</a:t>
             </a:fld>
             <a:endParaRPr lang="en-US"/>
           </a:p>
@@ -3062,7 +3757,7 @@
           <a:p>
             <a:fld id="{95396F27-02BC-4467-B681-1C6B8C3FCDB1}" type="datetimeFigureOut">
               <a:rPr lang="en-US" smtClean="0"/>
-              <a:t>7/1/2024</a:t>
+              <a:t>7/8/2024</a:t>
             </a:fld>
             <a:endParaRPr lang="en-US"/>
           </a:p>
@@ -3337,7 +4032,7 @@
           <a:p>
             <a:fld id="{95396F27-02BC-4467-B681-1C6B8C3FCDB1}" type="datetimeFigureOut">
               <a:rPr lang="en-US" smtClean="0"/>
-              <a:t>7/1/2024</a:t>
+              <a:t>7/8/2024</a:t>
             </a:fld>
             <a:endParaRPr lang="en-US"/>
           </a:p>
@@ -3602,7 +4297,7 @@
           <a:p>
             <a:fld id="{95396F27-02BC-4467-B681-1C6B8C3FCDB1}" type="datetimeFigureOut">
               <a:rPr lang="en-US" smtClean="0"/>
-              <a:t>7/1/2024</a:t>
+              <a:t>7/8/2024</a:t>
             </a:fld>
             <a:endParaRPr lang="en-US"/>
           </a:p>
@@ -4014,7 +4709,7 @@
           <a:p>
             <a:fld id="{95396F27-02BC-4467-B681-1C6B8C3FCDB1}" type="datetimeFigureOut">
               <a:rPr lang="en-US" smtClean="0"/>
-              <a:t>7/1/2024</a:t>
+              <a:t>7/8/2024</a:t>
             </a:fld>
             <a:endParaRPr lang="en-US"/>
           </a:p>
@@ -4155,7 +4850,7 @@
           <a:p>
             <a:fld id="{95396F27-02BC-4467-B681-1C6B8C3FCDB1}" type="datetimeFigureOut">
               <a:rPr lang="en-US" smtClean="0"/>
-              <a:t>7/1/2024</a:t>
+              <a:t>7/8/2024</a:t>
             </a:fld>
             <a:endParaRPr lang="en-US"/>
           </a:p>
@@ -4268,7 +4963,7 @@
           <a:p>
             <a:fld id="{95396F27-02BC-4467-B681-1C6B8C3FCDB1}" type="datetimeFigureOut">
               <a:rPr lang="en-US" smtClean="0"/>
-              <a:t>7/1/2024</a:t>
+              <a:t>7/8/2024</a:t>
             </a:fld>
             <a:endParaRPr lang="en-US"/>
           </a:p>
@@ -4579,7 +5274,7 @@
           <a:p>
             <a:fld id="{95396F27-02BC-4467-B681-1C6B8C3FCDB1}" type="datetimeFigureOut">
               <a:rPr lang="en-US" smtClean="0"/>
-              <a:t>7/1/2024</a:t>
+              <a:t>7/8/2024</a:t>
             </a:fld>
             <a:endParaRPr lang="en-US"/>
           </a:p>
@@ -4867,7 +5562,7 @@
           <a:p>
             <a:fld id="{95396F27-02BC-4467-B681-1C6B8C3FCDB1}" type="datetimeFigureOut">
               <a:rPr lang="en-US" smtClean="0"/>
-              <a:t>7/1/2024</a:t>
+              <a:t>7/8/2024</a:t>
             </a:fld>
             <a:endParaRPr lang="en-US"/>
           </a:p>
@@ -5108,7 +5803,7 @@
           <a:p>
             <a:fld id="{95396F27-02BC-4467-B681-1C6B8C3FCDB1}" type="datetimeFigureOut">
               <a:rPr lang="en-US" smtClean="0"/>
-              <a:t>7/1/2024</a:t>
+              <a:t>7/8/2024</a:t>
             </a:fld>
             <a:endParaRPr lang="en-US"/>
           </a:p>
@@ -5554,14 +6249,14 @@
           <a:lstStyle/>
           <a:p>
             <a:r>
-              <a:rPr lang="en-US" sz="3200" b="1" dirty="0">
+              <a:rPr lang="en-US" sz="3200" b="1">
                 <a:effectLst/>
                 <a:latin typeface="Times New Roman" panose="02020603050405020304" pitchFamily="18" charset="0"/>
                 <a:ea typeface="DengXian" panose="02010600030101010101" pitchFamily="2" charset="-122"/>
               </a:rPr>
-              <a:t>Figure 1.</a:t>
-            </a:r>
-            <a:endParaRPr lang="en-US" sz="3200" dirty="0"/>
+              <a:t>Figure 1. (old)</a:t>
+            </a:r>
+            <a:endParaRPr lang="en-US" sz="3200"/>
           </a:p>
         </p:txBody>
       </p:sp>
@@ -5700,7 +6395,7 @@
               <a:buChar char="•"/>
             </a:pPr>
             <a:r>
-              <a:rPr lang="en-US" sz="1800" b="1" dirty="0">
+              <a:rPr lang="en-US" sz="1800" b="1">
                 <a:effectLst/>
                 <a:latin typeface="Times New Roman" panose="02020603050405020304" pitchFamily="18" charset="0"/>
                 <a:ea typeface="DengXian" panose="02010600030101010101" pitchFamily="2" charset="-122"/>
@@ -5708,7 +6403,7 @@
               <a:t>Figure 1.</a:t>
             </a:r>
             <a:r>
-              <a:rPr lang="en-US" sz="1800" dirty="0">
+              <a:rPr lang="en-US" sz="1800">
                 <a:effectLst/>
                 <a:latin typeface="Times New Roman" panose="02020603050405020304" pitchFamily="18" charset="0"/>
                 <a:ea typeface="DengXian" panose="02010600030101010101" pitchFamily="2" charset="-122"/>
@@ -5716,7 +6411,7 @@
               <a:t> </a:t>
             </a:r>
             <a:r>
-              <a:rPr lang="en-US" dirty="0">
+              <a:rPr lang="en-US">
                 <a:latin typeface="Times New Roman" panose="02020603050405020304" pitchFamily="18" charset="0"/>
                 <a:ea typeface="DengXian" panose="02010600030101010101" pitchFamily="2" charset="-122"/>
               </a:rPr>
@@ -5783,10 +6478,10 @@
           <a:lstStyle/>
           <a:p>
             <a:r>
-              <a:rPr lang="en-US" altLang="zh-CN" dirty="0"/>
+              <a:rPr lang="en-US" altLang="zh-CN"/>
               <a:t>subset2</a:t>
             </a:r>
-            <a:endParaRPr lang="en-US" dirty="0"/>
+            <a:endParaRPr lang="en-US"/>
           </a:p>
         </p:txBody>
       </p:sp>
@@ -5819,7 +6514,7 @@
           <a:lstStyle/>
           <a:p>
             <a:r>
-              <a:rPr lang="en-US" dirty="0"/>
+              <a:rPr lang="en-US"/>
               <a:t>subset2n</a:t>
             </a:r>
           </a:p>
@@ -5854,7 +6549,7 @@
           <a:lstStyle/>
           <a:p>
             <a:r>
-              <a:rPr lang="en-US" dirty="0"/>
+              <a:rPr lang="en-US"/>
               <a:t>subset2w</a:t>
             </a:r>
           </a:p>
@@ -5889,7 +6584,7 @@
           <a:lstStyle/>
           <a:p>
             <a:r>
-              <a:rPr lang="en-US" dirty="0"/>
+              <a:rPr lang="en-US"/>
               <a:t>subset2n_org</a:t>
             </a:r>
           </a:p>
@@ -5924,7 +6619,7 @@
           <a:lstStyle/>
           <a:p>
             <a:r>
-              <a:rPr lang="en-US" dirty="0"/>
+              <a:rPr lang="en-US"/>
               <a:t>subset2w_org</a:t>
             </a:r>
           </a:p>
@@ -5959,7 +6654,7 @@
           <a:lstStyle/>
           <a:p>
             <a:r>
-              <a:rPr lang="en-US" dirty="0"/>
+              <a:rPr lang="en-US"/>
               <a:t>subset2n_w_org</a:t>
             </a:r>
           </a:p>
@@ -6245,7 +6940,7 @@
           </a:bodyPr>
           <a:lstStyle/>
           <a:p>
-            <a:endParaRPr lang="en-US" dirty="0"/>
+            <a:endParaRPr lang="en-US"/>
           </a:p>
         </p:txBody>
       </p:sp>
@@ -6278,13 +6973,13 @@
           <a:lstStyle/>
           <a:p>
             <a:r>
-              <a:rPr lang="en-US" dirty="0">
+              <a:rPr lang="en-US">
                 <a:latin typeface="Times New Roman" panose="02020603050405020304" pitchFamily="18" charset="0"/>
                 <a:ea typeface="DengXian" panose="02010600030101010101" pitchFamily="2" charset="-122"/>
               </a:rPr>
               <a:t>subset2n_no_w_org</a:t>
             </a:r>
-            <a:endParaRPr lang="en-US" dirty="0"/>
+            <a:endParaRPr lang="en-US"/>
           </a:p>
         </p:txBody>
       </p:sp>
@@ -6317,13 +7012,13 @@
           <a:lstStyle/>
           <a:p>
             <a:r>
-              <a:rPr lang="en-US" dirty="0">
+              <a:rPr lang="en-US">
                 <a:latin typeface="Times New Roman" panose="02020603050405020304" pitchFamily="18" charset="0"/>
                 <a:ea typeface="DengXian" panose="02010600030101010101" pitchFamily="2" charset="-122"/>
               </a:rPr>
               <a:t>subset2w_no_n_org </a:t>
             </a:r>
-            <a:endParaRPr lang="en-US" dirty="0"/>
+            <a:endParaRPr lang="en-US"/>
           </a:p>
         </p:txBody>
       </p:sp>
@@ -6443,6 +7138,573 @@
       </p:grpSpPr>
       <p:sp>
         <p:nvSpPr>
+          <p:cNvPr id="8" name="TextBox 7">
+            <a:extLst>
+              <a:ext uri="{FF2B5EF4-FFF2-40B4-BE49-F238E27FC236}">
+                <a16:creationId xmlns:a16="http://schemas.microsoft.com/office/drawing/2014/main" id="{5E65013E-96B4-E275-2ADB-2302B617812B}"/>
+              </a:ext>
+            </a:extLst>
+          </p:cNvPr>
+          <p:cNvSpPr txBox="1"/>
+          <p:nvPr/>
+        </p:nvSpPr>
+        <p:spPr>
+          <a:xfrm>
+            <a:off x="2811282" y="877078"/>
+            <a:ext cx="755335" cy="369332"/>
+          </a:xfrm>
+          <a:prstGeom prst="rect">
+            <a:avLst/>
+          </a:prstGeom>
+          <a:noFill/>
+        </p:spPr>
+        <p:txBody>
+          <a:bodyPr wrap="none" rtlCol="0">
+            <a:spAutoFit/>
+          </a:bodyPr>
+          <a:lstStyle/>
+          <a:p>
+            <a:r>
+              <a:rPr lang="en-US"/>
+              <a:t>CN=9</a:t>
+            </a:r>
+          </a:p>
+        </p:txBody>
+      </p:sp>
+      <p:sp>
+        <p:nvSpPr>
+          <p:cNvPr id="9" name="TextBox 8">
+            <a:extLst>
+              <a:ext uri="{FF2B5EF4-FFF2-40B4-BE49-F238E27FC236}">
+                <a16:creationId xmlns:a16="http://schemas.microsoft.com/office/drawing/2014/main" id="{A1767496-3139-BD9F-F8E1-2B5CDDDFF418}"/>
+              </a:ext>
+            </a:extLst>
+          </p:cNvPr>
+          <p:cNvSpPr txBox="1"/>
+          <p:nvPr/>
+        </p:nvSpPr>
+        <p:spPr>
+          <a:xfrm>
+            <a:off x="7576115" y="802433"/>
+            <a:ext cx="878767" cy="369332"/>
+          </a:xfrm>
+          <a:prstGeom prst="rect">
+            <a:avLst/>
+          </a:prstGeom>
+          <a:noFill/>
+        </p:spPr>
+        <p:txBody>
+          <a:bodyPr wrap="none" rtlCol="0">
+            <a:spAutoFit/>
+          </a:bodyPr>
+          <a:lstStyle/>
+          <a:p>
+            <a:r>
+              <a:rPr lang="en-US"/>
+              <a:t>CN=10</a:t>
+            </a:r>
+          </a:p>
+        </p:txBody>
+      </p:sp>
+      <p:sp>
+        <p:nvSpPr>
+          <p:cNvPr id="3" name="TextBox 2">
+            <a:extLst>
+              <a:ext uri="{FF2B5EF4-FFF2-40B4-BE49-F238E27FC236}">
+                <a16:creationId xmlns:a16="http://schemas.microsoft.com/office/drawing/2014/main" id="{B272B15D-E657-B5C7-C690-143234EA7BD0}"/>
+              </a:ext>
+            </a:extLst>
+          </p:cNvPr>
+          <p:cNvSpPr txBox="1"/>
+          <p:nvPr/>
+        </p:nvSpPr>
+        <p:spPr>
+          <a:xfrm>
+            <a:off x="373566" y="617767"/>
+            <a:ext cx="2168222" cy="646331"/>
+          </a:xfrm>
+          <a:prstGeom prst="rect">
+            <a:avLst/>
+          </a:prstGeom>
+          <a:noFill/>
+        </p:spPr>
+        <p:txBody>
+          <a:bodyPr wrap="none" rtlCol="0">
+            <a:spAutoFit/>
+          </a:bodyPr>
+          <a:lstStyle/>
+          <a:p>
+            <a:r>
+              <a:rPr lang="en-US"/>
+              <a:t>Monodentate ligand</a:t>
+            </a:r>
+          </a:p>
+          <a:p>
+            <a:r>
+              <a:rPr lang="en-US"/>
+              <a:t>(DMSO)</a:t>
+            </a:r>
+          </a:p>
+        </p:txBody>
+      </p:sp>
+      <p:pic>
+        <p:nvPicPr>
+          <p:cNvPr id="1025" name="Picture 1" descr=". COLH08 &#10;NC &#10;NC &#10;La &#10;CN &#10;CN &#10;CN &#10;CN ">
+            <a:extLst>
+              <a:ext uri="{FF2B5EF4-FFF2-40B4-BE49-F238E27FC236}">
+                <a16:creationId xmlns:a16="http://schemas.microsoft.com/office/drawing/2014/main" id="{D9DF8512-C9B0-F708-BD0A-2A94FC619091}"/>
+              </a:ext>
+            </a:extLst>
+          </p:cNvPr>
+          <p:cNvPicPr>
+            <a:picLocks noChangeAspect="1" noChangeArrowheads="1"/>
+          </p:cNvPicPr>
+          <p:nvPr/>
+        </p:nvPicPr>
+        <p:blipFill>
+          <a:blip r:embed="rId2">
+            <a:extLst>
+              <a:ext uri="{28A0092B-C50C-407E-A947-70E740481C1C}">
+                <a14:useLocalDpi xmlns:a14="http://schemas.microsoft.com/office/drawing/2010/main" val="0"/>
+              </a:ext>
+            </a:extLst>
+          </a:blip>
+          <a:srcRect/>
+          <a:stretch>
+            <a:fillRect/>
+          </a:stretch>
+        </p:blipFill>
+        <p:spPr bwMode="auto">
+          <a:xfrm>
+            <a:off x="2879480" y="1431710"/>
+            <a:ext cx="3912577" cy="4117672"/>
+          </a:xfrm>
+          <a:prstGeom prst="rect">
+            <a:avLst/>
+          </a:prstGeom>
+          <a:noFill/>
+          <a:extLst>
+            <a:ext uri="{909E8E84-426E-40DD-AFC4-6F175D3DCCD1}">
+              <a14:hiddenFill xmlns:a14="http://schemas.microsoft.com/office/drawing/2010/main">
+                <a:solidFill>
+                  <a:srgbClr val="FFFFFF"/>
+                </a:solidFill>
+              </a14:hiddenFill>
+            </a:ext>
+          </a:extLst>
+        </p:spPr>
+      </p:pic>
+      <p:pic>
+        <p:nvPicPr>
+          <p:cNvPr id="1026" name="Picture 2" descr=". DMSOLA10 &#10;ο &#10;La &#10;ο &#10;ο &#10;ο ">
+            <a:extLst>
+              <a:ext uri="{FF2B5EF4-FFF2-40B4-BE49-F238E27FC236}">
+                <a16:creationId xmlns:a16="http://schemas.microsoft.com/office/drawing/2014/main" id="{1E275BCF-FFF0-576B-8C2C-E753927CF845}"/>
+              </a:ext>
+            </a:extLst>
+          </p:cNvPr>
+          <p:cNvPicPr>
+            <a:picLocks noChangeAspect="1" noChangeArrowheads="1"/>
+          </p:cNvPicPr>
+          <p:nvPr/>
+        </p:nvPicPr>
+        <p:blipFill>
+          <a:blip r:embed="rId3">
+            <a:extLst>
+              <a:ext uri="{28A0092B-C50C-407E-A947-70E740481C1C}">
+                <a14:useLocalDpi xmlns:a14="http://schemas.microsoft.com/office/drawing/2010/main" val="0"/>
+              </a:ext>
+            </a:extLst>
+          </a:blip>
+          <a:srcRect/>
+          <a:stretch>
+            <a:fillRect/>
+          </a:stretch>
+        </p:blipFill>
+        <p:spPr bwMode="auto">
+          <a:xfrm>
+            <a:off x="7666893" y="1342232"/>
+            <a:ext cx="4268665" cy="4145604"/>
+          </a:xfrm>
+          <a:prstGeom prst="rect">
+            <a:avLst/>
+          </a:prstGeom>
+          <a:noFill/>
+          <a:extLst>
+            <a:ext uri="{909E8E84-426E-40DD-AFC4-6F175D3DCCD1}">
+              <a14:hiddenFill xmlns:a14="http://schemas.microsoft.com/office/drawing/2010/main">
+                <a:solidFill>
+                  <a:srgbClr val="FFFFFF"/>
+                </a:solidFill>
+              </a14:hiddenFill>
+            </a:ext>
+          </a:extLst>
+        </p:spPr>
+      </p:pic>
+    </p:spTree>
+    <p:extLst>
+      <p:ext uri="{BB962C8B-B14F-4D97-AF65-F5344CB8AC3E}">
+        <p14:creationId xmlns:p14="http://schemas.microsoft.com/office/powerpoint/2010/main" val="2055877699"/>
+      </p:ext>
+    </p:extLst>
+  </p:cSld>
+  <p:clrMapOvr>
+    <a:masterClrMapping/>
+  </p:clrMapOvr>
+</p:sld>
+</file>
+
+<file path=ppt/slides/slide11.xml><?xml version="1.0" encoding="utf-8"?>
+<p:sld xmlns:a="http://schemas.openxmlformats.org/drawingml/2006/main" xmlns:r="http://schemas.openxmlformats.org/officeDocument/2006/relationships" xmlns:p="http://schemas.openxmlformats.org/presentationml/2006/main">
+  <p:cSld>
+    <p:spTree>
+      <p:nvGrpSpPr>
+        <p:cNvPr id="1" name=""/>
+        <p:cNvGrpSpPr/>
+        <p:nvPr/>
+      </p:nvGrpSpPr>
+      <p:grpSpPr>
+        <a:xfrm>
+          <a:off x="0" y="0"/>
+          <a:ext cx="0" cy="0"/>
+          <a:chOff x="0" y="0"/>
+          <a:chExt cx="0" cy="0"/>
+        </a:xfrm>
+      </p:grpSpPr>
+      <p:pic>
+        <p:nvPicPr>
+          <p:cNvPr id="4" name="Picture 3">
+            <a:extLst>
+              <a:ext uri="{FF2B5EF4-FFF2-40B4-BE49-F238E27FC236}">
+                <a16:creationId xmlns:a16="http://schemas.microsoft.com/office/drawing/2014/main" id="{668D1143-8318-5D33-C82B-A0DFAB60C2B7}"/>
+              </a:ext>
+            </a:extLst>
+          </p:cNvPr>
+          <p:cNvPicPr>
+            <a:picLocks noChangeAspect="1"/>
+          </p:cNvPicPr>
+          <p:nvPr/>
+        </p:nvPicPr>
+        <p:blipFill>
+          <a:blip r:embed="rId3"/>
+          <a:stretch>
+            <a:fillRect/>
+          </a:stretch>
+        </p:blipFill>
+        <p:spPr>
+          <a:xfrm>
+            <a:off x="3704775" y="3338846"/>
+            <a:ext cx="3218195" cy="3425427"/>
+          </a:xfrm>
+          <a:prstGeom prst="rect">
+            <a:avLst/>
+          </a:prstGeom>
+        </p:spPr>
+      </p:pic>
+      <p:pic>
+        <p:nvPicPr>
+          <p:cNvPr id="5" name="Picture 4">
+            <a:extLst>
+              <a:ext uri="{FF2B5EF4-FFF2-40B4-BE49-F238E27FC236}">
+                <a16:creationId xmlns:a16="http://schemas.microsoft.com/office/drawing/2014/main" id="{68A527AE-5092-9675-DC91-A27C277EA71C}"/>
+              </a:ext>
+            </a:extLst>
+          </p:cNvPr>
+          <p:cNvPicPr>
+            <a:picLocks noChangeAspect="1"/>
+          </p:cNvPicPr>
+          <p:nvPr/>
+        </p:nvPicPr>
+        <p:blipFill>
+          <a:blip r:embed="rId4"/>
+          <a:stretch>
+            <a:fillRect/>
+          </a:stretch>
+        </p:blipFill>
+        <p:spPr>
+          <a:xfrm>
+            <a:off x="3704776" y="99406"/>
+            <a:ext cx="3218196" cy="3083849"/>
+          </a:xfrm>
+          <a:prstGeom prst="rect">
+            <a:avLst/>
+          </a:prstGeom>
+        </p:spPr>
+      </p:pic>
+      <p:pic>
+        <p:nvPicPr>
+          <p:cNvPr id="6" name="Picture 5">
+            <a:extLst>
+              <a:ext uri="{FF2B5EF4-FFF2-40B4-BE49-F238E27FC236}">
+                <a16:creationId xmlns:a16="http://schemas.microsoft.com/office/drawing/2014/main" id="{1A917083-A40B-0B98-F02D-FE654F9268A2}"/>
+              </a:ext>
+            </a:extLst>
+          </p:cNvPr>
+          <p:cNvPicPr>
+            <a:picLocks noChangeAspect="1"/>
+          </p:cNvPicPr>
+          <p:nvPr/>
+        </p:nvPicPr>
+        <p:blipFill>
+          <a:blip r:embed="rId5"/>
+          <a:stretch>
+            <a:fillRect/>
+          </a:stretch>
+        </p:blipFill>
+        <p:spPr>
+          <a:xfrm>
+            <a:off x="8727916" y="3495734"/>
+            <a:ext cx="3269530" cy="3078654"/>
+          </a:xfrm>
+          <a:prstGeom prst="rect">
+            <a:avLst/>
+          </a:prstGeom>
+        </p:spPr>
+      </p:pic>
+      <p:pic>
+        <p:nvPicPr>
+          <p:cNvPr id="7" name="Picture 6">
+            <a:extLst>
+              <a:ext uri="{FF2B5EF4-FFF2-40B4-BE49-F238E27FC236}">
+                <a16:creationId xmlns:a16="http://schemas.microsoft.com/office/drawing/2014/main" id="{B46396F8-B445-E00B-E752-48049959F18A}"/>
+              </a:ext>
+            </a:extLst>
+          </p:cNvPr>
+          <p:cNvPicPr>
+            <a:picLocks noChangeAspect="1"/>
+          </p:cNvPicPr>
+          <p:nvPr/>
+        </p:nvPicPr>
+        <p:blipFill>
+          <a:blip r:embed="rId6"/>
+          <a:stretch>
+            <a:fillRect/>
+          </a:stretch>
+        </p:blipFill>
+        <p:spPr>
+          <a:xfrm>
+            <a:off x="8727916" y="151361"/>
+            <a:ext cx="3090518" cy="3078654"/>
+          </a:xfrm>
+          <a:prstGeom prst="rect">
+            <a:avLst/>
+          </a:prstGeom>
+        </p:spPr>
+      </p:pic>
+      <p:sp>
+        <p:nvSpPr>
+          <p:cNvPr id="8" name="TextBox 7">
+            <a:extLst>
+              <a:ext uri="{FF2B5EF4-FFF2-40B4-BE49-F238E27FC236}">
+                <a16:creationId xmlns:a16="http://schemas.microsoft.com/office/drawing/2014/main" id="{5E65013E-96B4-E275-2ADB-2302B617812B}"/>
+              </a:ext>
+            </a:extLst>
+          </p:cNvPr>
+          <p:cNvSpPr txBox="1"/>
+          <p:nvPr/>
+        </p:nvSpPr>
+        <p:spPr>
+          <a:xfrm>
+            <a:off x="2811282" y="877078"/>
+            <a:ext cx="755335" cy="369332"/>
+          </a:xfrm>
+          <a:prstGeom prst="rect">
+            <a:avLst/>
+          </a:prstGeom>
+          <a:noFill/>
+        </p:spPr>
+        <p:txBody>
+          <a:bodyPr wrap="none" rtlCol="0">
+            <a:spAutoFit/>
+          </a:bodyPr>
+          <a:lstStyle/>
+          <a:p>
+            <a:r>
+              <a:rPr lang="en-US"/>
+              <a:t>CN=9</a:t>
+            </a:r>
+          </a:p>
+        </p:txBody>
+      </p:sp>
+      <p:sp>
+        <p:nvSpPr>
+          <p:cNvPr id="9" name="TextBox 8">
+            <a:extLst>
+              <a:ext uri="{FF2B5EF4-FFF2-40B4-BE49-F238E27FC236}">
+                <a16:creationId xmlns:a16="http://schemas.microsoft.com/office/drawing/2014/main" id="{A1767496-3139-BD9F-F8E1-2B5CDDDFF418}"/>
+              </a:ext>
+            </a:extLst>
+          </p:cNvPr>
+          <p:cNvSpPr txBox="1"/>
+          <p:nvPr/>
+        </p:nvSpPr>
+        <p:spPr>
+          <a:xfrm>
+            <a:off x="7576115" y="802433"/>
+            <a:ext cx="878767" cy="369332"/>
+          </a:xfrm>
+          <a:prstGeom prst="rect">
+            <a:avLst/>
+          </a:prstGeom>
+          <a:noFill/>
+        </p:spPr>
+        <p:txBody>
+          <a:bodyPr wrap="none" rtlCol="0">
+            <a:spAutoFit/>
+          </a:bodyPr>
+          <a:lstStyle/>
+          <a:p>
+            <a:r>
+              <a:rPr lang="en-US"/>
+              <a:t>CN=10</a:t>
+            </a:r>
+          </a:p>
+        </p:txBody>
+      </p:sp>
+      <p:sp>
+        <p:nvSpPr>
+          <p:cNvPr id="3" name="TextBox 2">
+            <a:extLst>
+              <a:ext uri="{FF2B5EF4-FFF2-40B4-BE49-F238E27FC236}">
+                <a16:creationId xmlns:a16="http://schemas.microsoft.com/office/drawing/2014/main" id="{B272B15D-E657-B5C7-C690-143234EA7BD0}"/>
+              </a:ext>
+            </a:extLst>
+          </p:cNvPr>
+          <p:cNvSpPr txBox="1"/>
+          <p:nvPr/>
+        </p:nvSpPr>
+        <p:spPr>
+          <a:xfrm>
+            <a:off x="373566" y="617767"/>
+            <a:ext cx="1837234" cy="646331"/>
+          </a:xfrm>
+          <a:prstGeom prst="rect">
+            <a:avLst/>
+          </a:prstGeom>
+          <a:noFill/>
+        </p:spPr>
+        <p:txBody>
+          <a:bodyPr wrap="none" rtlCol="0">
+            <a:spAutoFit/>
+          </a:bodyPr>
+          <a:lstStyle/>
+          <a:p>
+            <a:r>
+              <a:rPr lang="en-US"/>
+              <a:t>Tridentate ligand</a:t>
+            </a:r>
+          </a:p>
+          <a:p>
+            <a:r>
+              <a:rPr lang="en-US"/>
+              <a:t>(Terpyridine)</a:t>
+            </a:r>
+          </a:p>
+        </p:txBody>
+      </p:sp>
+      <p:sp>
+        <p:nvSpPr>
+          <p:cNvPr id="2" name="TextBox 1">
+            <a:extLst>
+              <a:ext uri="{FF2B5EF4-FFF2-40B4-BE49-F238E27FC236}">
+                <a16:creationId xmlns:a16="http://schemas.microsoft.com/office/drawing/2014/main" id="{E1FB756D-EC35-B6F4-BA6A-2DB04EBBDF1B}"/>
+              </a:ext>
+            </a:extLst>
+          </p:cNvPr>
+          <p:cNvSpPr txBox="1"/>
+          <p:nvPr/>
+        </p:nvSpPr>
+        <p:spPr>
+          <a:xfrm>
+            <a:off x="300673" y="3059668"/>
+            <a:ext cx="3006731" cy="923330"/>
+          </a:xfrm>
+          <a:prstGeom prst="rect">
+            <a:avLst/>
+          </a:prstGeom>
+          <a:noFill/>
+        </p:spPr>
+        <p:txBody>
+          <a:bodyPr wrap="square" rtlCol="0">
+            <a:spAutoFit/>
+          </a:bodyPr>
+          <a:lstStyle/>
+          <a:p>
+            <a:r>
+              <a:rPr lang="en-US" b="0" i="0">
+                <a:solidFill>
+                  <a:srgbClr val="202122"/>
+                </a:solidFill>
+                <a:effectLst/>
+                <a:highlight>
+                  <a:srgbClr val="FFFFFF"/>
+                </a:highlight>
+                <a:latin typeface="Arial" panose="020B0604020202020204" pitchFamily="34" charset="0"/>
+              </a:rPr>
+              <a:t>1,3-diketones are similar to nitrates</a:t>
+            </a:r>
+          </a:p>
+          <a:p>
+            <a:r>
+              <a:rPr lang="en-US">
+                <a:solidFill>
+                  <a:srgbClr val="202122"/>
+                </a:solidFill>
+                <a:highlight>
+                  <a:srgbClr val="FFFFFF"/>
+                </a:highlight>
+                <a:latin typeface="Arial" panose="020B0604020202020204" pitchFamily="34" charset="0"/>
+              </a:rPr>
+              <a:t>B</a:t>
+            </a:r>
+            <a:r>
+              <a:rPr lang="en-US" altLang="zh-CN">
+                <a:solidFill>
+                  <a:srgbClr val="202122"/>
+                </a:solidFill>
+                <a:highlight>
+                  <a:srgbClr val="FFFFFF"/>
+                </a:highlight>
+                <a:latin typeface="Arial" panose="020B0604020202020204" pitchFamily="34" charset="0"/>
+              </a:rPr>
+              <a:t>ut bond angle differs</a:t>
+            </a:r>
+            <a:endParaRPr lang="en-US"/>
+          </a:p>
+        </p:txBody>
+      </p:sp>
+    </p:spTree>
+    <p:extLst>
+      <p:ext uri="{BB962C8B-B14F-4D97-AF65-F5344CB8AC3E}">
+        <p14:creationId xmlns:p14="http://schemas.microsoft.com/office/powerpoint/2010/main" val="336587402"/>
+      </p:ext>
+    </p:extLst>
+  </p:cSld>
+  <p:clrMapOvr>
+    <a:masterClrMapping/>
+  </p:clrMapOvr>
+</p:sld>
+</file>
+
+<file path=ppt/slides/slide12.xml><?xml version="1.0" encoding="utf-8"?>
+<p:sld xmlns:a="http://schemas.openxmlformats.org/drawingml/2006/main" xmlns:r="http://schemas.openxmlformats.org/officeDocument/2006/relationships" xmlns:p="http://schemas.openxmlformats.org/presentationml/2006/main">
+  <p:cSld>
+    <p:spTree>
+      <p:nvGrpSpPr>
+        <p:cNvPr id="1" name=""/>
+        <p:cNvGrpSpPr/>
+        <p:nvPr/>
+      </p:nvGrpSpPr>
+      <p:grpSpPr>
+        <a:xfrm>
+          <a:off x="0" y="0"/>
+          <a:ext cx="0" cy="0"/>
+          <a:chOff x="0" y="0"/>
+          <a:chExt cx="0" cy="0"/>
+        </a:xfrm>
+      </p:grpSpPr>
+      <p:sp>
+        <p:nvSpPr>
           <p:cNvPr id="2" name="Title 1">
             <a:extLst>
               <a:ext uri="{FF2B5EF4-FFF2-40B4-BE49-F238E27FC236}">
@@ -6470,9 +7732,14 @@
           <a:lstStyle/>
           <a:p>
             <a:r>
-              <a:rPr lang="en-US" sz="3200" dirty="0"/>
-              <a:t>Template</a:t>
-            </a:r>
+              <a:rPr lang="en-US" sz="3200" b="1">
+                <a:effectLst/>
+                <a:latin typeface="Times New Roman" panose="02020603050405020304" pitchFamily="18" charset="0"/>
+                <a:ea typeface="DengXian" panose="02010600030101010101" pitchFamily="2" charset="-122"/>
+              </a:rPr>
+              <a:t>Figure 6.</a:t>
+            </a:r>
+            <a:endParaRPr lang="en-US" sz="3200"/>
           </a:p>
         </p:txBody>
       </p:sp>
@@ -6572,7 +7839,814 @@
           <a:p>
             <a:fld id="{348A67C5-9A30-4AA4-BAAF-98754B134193}" type="slidenum">
               <a:rPr lang="en-US" smtClean="0"/>
-              <a:t>10</a:t>
+              <a:t>12</a:t>
+            </a:fld>
+            <a:endParaRPr lang="en-US"/>
+          </a:p>
+        </p:txBody>
+      </p:sp>
+      <p:sp>
+        <p:nvSpPr>
+          <p:cNvPr id="5" name="TextBox 4">
+            <a:extLst>
+              <a:ext uri="{FF2B5EF4-FFF2-40B4-BE49-F238E27FC236}">
+                <a16:creationId xmlns:a16="http://schemas.microsoft.com/office/drawing/2014/main" id="{A5A4C966-320C-39F1-540A-2B536DB93527}"/>
+              </a:ext>
+            </a:extLst>
+          </p:cNvPr>
+          <p:cNvSpPr txBox="1"/>
+          <p:nvPr/>
+        </p:nvSpPr>
+        <p:spPr>
+          <a:xfrm>
+            <a:off x="312517" y="5673281"/>
+            <a:ext cx="10703674" cy="369332"/>
+          </a:xfrm>
+          <a:prstGeom prst="rect">
+            <a:avLst/>
+          </a:prstGeom>
+          <a:noFill/>
+        </p:spPr>
+        <p:txBody>
+          <a:bodyPr wrap="square">
+            <a:spAutoFit/>
+          </a:bodyPr>
+          <a:lstStyle/>
+          <a:p>
+            <a:pPr marL="285750" indent="-285750">
+              <a:buFont typeface="Arial" panose="020B0604020202020204" pitchFamily="34" charset="0"/>
+              <a:buChar char="•"/>
+            </a:pPr>
+            <a:r>
+              <a:rPr lang="en-US" sz="1800" b="1">
+                <a:effectLst/>
+                <a:latin typeface="Times New Roman" panose="02020603050405020304" pitchFamily="18" charset="0"/>
+                <a:ea typeface="DengXian" panose="02010600030101010101" pitchFamily="2" charset="-122"/>
+              </a:rPr>
+              <a:t>Figure 6.</a:t>
+            </a:r>
+            <a:r>
+              <a:rPr lang="en-US" sz="1800">
+                <a:effectLst/>
+                <a:latin typeface="Times New Roman" panose="02020603050405020304" pitchFamily="18" charset="0"/>
+                <a:ea typeface="DengXian" panose="02010600030101010101" pitchFamily="2" charset="-122"/>
+              </a:rPr>
+              <a:t> </a:t>
+            </a:r>
+            <a:r>
+              <a:rPr lang="en-US" altLang="zh-CN">
+                <a:latin typeface="Times New Roman" panose="02020603050405020304" pitchFamily="18" charset="0"/>
+                <a:ea typeface="DengXian" panose="02010600030101010101" pitchFamily="2" charset="-122"/>
+              </a:rPr>
+              <a:t>Distribution of neutral first shell and non neutral first shell in (a)subset2n and (b)subset2w. </a:t>
+            </a:r>
+            <a:endParaRPr lang="en-US">
+              <a:latin typeface="Times New Roman" panose="02020603050405020304" pitchFamily="18" charset="0"/>
+              <a:ea typeface="DengXian" panose="02010600030101010101" pitchFamily="2" charset="-122"/>
+            </a:endParaRPr>
+          </a:p>
+        </p:txBody>
+      </p:sp>
+      <p:sp>
+        <p:nvSpPr>
+          <p:cNvPr id="6" name="TextBox 5">
+            <a:extLst>
+              <a:ext uri="{FF2B5EF4-FFF2-40B4-BE49-F238E27FC236}">
+                <a16:creationId xmlns:a16="http://schemas.microsoft.com/office/drawing/2014/main" id="{08BA8A82-3711-BB3A-7E47-FF6E57E2D43A}"/>
+              </a:ext>
+            </a:extLst>
+          </p:cNvPr>
+          <p:cNvSpPr txBox="1"/>
+          <p:nvPr/>
+        </p:nvSpPr>
+        <p:spPr>
+          <a:xfrm>
+            <a:off x="972766" y="1368358"/>
+            <a:ext cx="453970" cy="369332"/>
+          </a:xfrm>
+          <a:prstGeom prst="rect">
+            <a:avLst/>
+          </a:prstGeom>
+          <a:noFill/>
+        </p:spPr>
+        <p:txBody>
+          <a:bodyPr wrap="none" rtlCol="0">
+            <a:spAutoFit/>
+          </a:bodyPr>
+          <a:lstStyle/>
+          <a:p>
+            <a:r>
+              <a:rPr lang="en-US" b="1">
+                <a:latin typeface="Times New Roman" panose="02020603050405020304" pitchFamily="18" charset="0"/>
+                <a:cs typeface="Times New Roman" panose="02020603050405020304" pitchFamily="18" charset="0"/>
+              </a:rPr>
+              <a:t>(a)</a:t>
+            </a:r>
+          </a:p>
+        </p:txBody>
+      </p:sp>
+      <p:sp>
+        <p:nvSpPr>
+          <p:cNvPr id="9" name="TextBox 8">
+            <a:extLst>
+              <a:ext uri="{FF2B5EF4-FFF2-40B4-BE49-F238E27FC236}">
+                <a16:creationId xmlns:a16="http://schemas.microsoft.com/office/drawing/2014/main" id="{192A58D3-225A-6D78-8DC3-BCA59DF61911}"/>
+              </a:ext>
+            </a:extLst>
+          </p:cNvPr>
+          <p:cNvSpPr txBox="1"/>
+          <p:nvPr/>
+        </p:nvSpPr>
+        <p:spPr>
+          <a:xfrm>
+            <a:off x="5007264" y="1368358"/>
+            <a:ext cx="466794" cy="369332"/>
+          </a:xfrm>
+          <a:prstGeom prst="rect">
+            <a:avLst/>
+          </a:prstGeom>
+          <a:noFill/>
+        </p:spPr>
+        <p:txBody>
+          <a:bodyPr wrap="none" rtlCol="0">
+            <a:spAutoFit/>
+          </a:bodyPr>
+          <a:lstStyle/>
+          <a:p>
+            <a:r>
+              <a:rPr lang="en-US" b="1">
+                <a:latin typeface="Times New Roman" panose="02020603050405020304" pitchFamily="18" charset="0"/>
+                <a:cs typeface="Times New Roman" panose="02020603050405020304" pitchFamily="18" charset="0"/>
+              </a:rPr>
+              <a:t>(b)</a:t>
+            </a:r>
+          </a:p>
+        </p:txBody>
+      </p:sp>
+    </p:spTree>
+    <p:extLst>
+      <p:ext uri="{BB962C8B-B14F-4D97-AF65-F5344CB8AC3E}">
+        <p14:creationId xmlns:p14="http://schemas.microsoft.com/office/powerpoint/2010/main" val="4049957910"/>
+      </p:ext>
+    </p:extLst>
+  </p:cSld>
+  <p:clrMapOvr>
+    <a:masterClrMapping/>
+  </p:clrMapOvr>
+</p:sld>
+</file>
+
+<file path=ppt/slides/slide13.xml><?xml version="1.0" encoding="utf-8"?>
+<p:sld xmlns:a="http://schemas.openxmlformats.org/drawingml/2006/main" xmlns:r="http://schemas.openxmlformats.org/officeDocument/2006/relationships" xmlns:p="http://schemas.openxmlformats.org/presentationml/2006/main">
+  <p:cSld>
+    <p:spTree>
+      <p:nvGrpSpPr>
+        <p:cNvPr id="1" name=""/>
+        <p:cNvGrpSpPr/>
+        <p:nvPr/>
+      </p:nvGrpSpPr>
+      <p:grpSpPr>
+        <a:xfrm>
+          <a:off x="0" y="0"/>
+          <a:ext cx="0" cy="0"/>
+          <a:chOff x="0" y="0"/>
+          <a:chExt cx="0" cy="0"/>
+        </a:xfrm>
+      </p:grpSpPr>
+      <p:sp>
+        <p:nvSpPr>
+          <p:cNvPr id="2" name="Title 1">
+            <a:extLst>
+              <a:ext uri="{FF2B5EF4-FFF2-40B4-BE49-F238E27FC236}">
+                <a16:creationId xmlns:a16="http://schemas.microsoft.com/office/drawing/2014/main" id="{001E3F70-DC66-8477-9E54-EC5216071F23}"/>
+              </a:ext>
+            </a:extLst>
+          </p:cNvPr>
+          <p:cNvSpPr>
+            <a:spLocks noGrp="1"/>
+          </p:cNvSpPr>
+          <p:nvPr>
+            <p:ph type="title"/>
+          </p:nvPr>
+        </p:nvSpPr>
+        <p:spPr>
+          <a:xfrm>
+            <a:off x="4439" y="1"/>
+            <a:ext cx="9610077" cy="949905"/>
+          </a:xfrm>
+        </p:spPr>
+        <p:txBody>
+          <a:bodyPr>
+            <a:normAutofit/>
+          </a:bodyPr>
+          <a:lstStyle/>
+          <a:p>
+            <a:r>
+              <a:rPr lang="en-US" sz="3200" b="1">
+                <a:effectLst/>
+                <a:latin typeface="Times New Roman" panose="02020603050405020304" pitchFamily="18" charset="0"/>
+                <a:ea typeface="DengXian" panose="02010600030101010101" pitchFamily="2" charset="-122"/>
+              </a:rPr>
+              <a:t>Figure 7.</a:t>
+            </a:r>
+            <a:endParaRPr lang="en-US" sz="3200"/>
+          </a:p>
+        </p:txBody>
+      </p:sp>
+      <p:cxnSp>
+        <p:nvCxnSpPr>
+          <p:cNvPr id="7" name="Straight Connector 6">
+            <a:extLst>
+              <a:ext uri="{FF2B5EF4-FFF2-40B4-BE49-F238E27FC236}">
+                <a16:creationId xmlns:a16="http://schemas.microsoft.com/office/drawing/2014/main" id="{E9EFDF02-7A77-FB7C-7728-BA116CBCE885}"/>
+              </a:ext>
+            </a:extLst>
+          </p:cNvPr>
+          <p:cNvCxnSpPr>
+            <a:cxnSpLocks/>
+          </p:cNvCxnSpPr>
+          <p:nvPr/>
+        </p:nvCxnSpPr>
+        <p:spPr>
+          <a:xfrm flipV="1">
+            <a:off x="-17756" y="949906"/>
+            <a:ext cx="12209756" cy="4"/>
+          </a:xfrm>
+          <a:prstGeom prst="line">
+            <a:avLst/>
+          </a:prstGeom>
+          <a:ln w="38100">
+            <a:solidFill>
+              <a:schemeClr val="accent1"/>
+            </a:solidFill>
+          </a:ln>
+        </p:spPr>
+        <p:style>
+          <a:lnRef idx="3">
+            <a:schemeClr val="accent4"/>
+          </a:lnRef>
+          <a:fillRef idx="0">
+            <a:schemeClr val="accent4"/>
+          </a:fillRef>
+          <a:effectRef idx="2">
+            <a:schemeClr val="accent4"/>
+          </a:effectRef>
+          <a:fontRef idx="minor">
+            <a:schemeClr val="tx1"/>
+          </a:fontRef>
+        </p:style>
+      </p:cxnSp>
+      <p:pic>
+        <p:nvPicPr>
+          <p:cNvPr id="14" name="Picture 13">
+            <a:extLst>
+              <a:ext uri="{FF2B5EF4-FFF2-40B4-BE49-F238E27FC236}">
+                <a16:creationId xmlns:a16="http://schemas.microsoft.com/office/drawing/2014/main" id="{CD003671-7A56-2C3A-9948-BB852C7AE352}"/>
+              </a:ext>
+            </a:extLst>
+          </p:cNvPr>
+          <p:cNvPicPr>
+            <a:picLocks noChangeAspect="1"/>
+          </p:cNvPicPr>
+          <p:nvPr/>
+        </p:nvPicPr>
+        <p:blipFill>
+          <a:blip r:embed="rId3"/>
+          <a:stretch>
+            <a:fillRect/>
+          </a:stretch>
+        </p:blipFill>
+        <p:spPr>
+          <a:xfrm>
+            <a:off x="11354539" y="322"/>
+            <a:ext cx="833021" cy="917087"/>
+          </a:xfrm>
+          <a:prstGeom prst="rect">
+            <a:avLst/>
+          </a:prstGeom>
+        </p:spPr>
+      </p:pic>
+      <p:sp>
+        <p:nvSpPr>
+          <p:cNvPr id="8" name="Slide Number Placeholder 7">
+            <a:extLst>
+              <a:ext uri="{FF2B5EF4-FFF2-40B4-BE49-F238E27FC236}">
+                <a16:creationId xmlns:a16="http://schemas.microsoft.com/office/drawing/2014/main" id="{EBECB5A2-1C8C-9524-DE39-552759C6889C}"/>
+              </a:ext>
+            </a:extLst>
+          </p:cNvPr>
+          <p:cNvSpPr>
+            <a:spLocks noGrp="1"/>
+          </p:cNvSpPr>
+          <p:nvPr>
+            <p:ph type="sldNum" sz="quarter" idx="12"/>
+          </p:nvPr>
+        </p:nvSpPr>
+        <p:spPr/>
+        <p:txBody>
+          <a:bodyPr/>
+          <a:lstStyle/>
+          <a:p>
+            <a:fld id="{348A67C5-9A30-4AA4-BAAF-98754B134193}" type="slidenum">
+              <a:rPr lang="en-US" smtClean="0"/>
+              <a:t>13</a:t>
+            </a:fld>
+            <a:endParaRPr lang="en-US"/>
+          </a:p>
+        </p:txBody>
+      </p:sp>
+      <p:sp>
+        <p:nvSpPr>
+          <p:cNvPr id="5" name="TextBox 4">
+            <a:extLst>
+              <a:ext uri="{FF2B5EF4-FFF2-40B4-BE49-F238E27FC236}">
+                <a16:creationId xmlns:a16="http://schemas.microsoft.com/office/drawing/2014/main" id="{A5A4C966-320C-39F1-540A-2B536DB93527}"/>
+              </a:ext>
+            </a:extLst>
+          </p:cNvPr>
+          <p:cNvSpPr txBox="1"/>
+          <p:nvPr/>
+        </p:nvSpPr>
+        <p:spPr>
+          <a:xfrm>
+            <a:off x="312517" y="5673281"/>
+            <a:ext cx="10703674" cy="923330"/>
+          </a:xfrm>
+          <a:prstGeom prst="rect">
+            <a:avLst/>
+          </a:prstGeom>
+          <a:noFill/>
+        </p:spPr>
+        <p:txBody>
+          <a:bodyPr wrap="square">
+            <a:spAutoFit/>
+          </a:bodyPr>
+          <a:lstStyle/>
+          <a:p>
+            <a:pPr marL="285750" indent="-285750">
+              <a:buFont typeface="Arial" panose="020B0604020202020204" pitchFamily="34" charset="0"/>
+              <a:buChar char="•"/>
+            </a:pPr>
+            <a:r>
+              <a:rPr lang="en-US" sz="1800" b="1">
+                <a:effectLst/>
+                <a:latin typeface="Times New Roman" panose="02020603050405020304" pitchFamily="18" charset="0"/>
+                <a:ea typeface="DengXian" panose="02010600030101010101" pitchFamily="2" charset="-122"/>
+              </a:rPr>
+              <a:t>Figure 7.</a:t>
+            </a:r>
+            <a:r>
+              <a:rPr lang="en-US" sz="1800">
+                <a:effectLst/>
+                <a:latin typeface="Times New Roman" panose="02020603050405020304" pitchFamily="18" charset="0"/>
+                <a:ea typeface="DengXian" panose="02010600030101010101" pitchFamily="2" charset="-122"/>
+              </a:rPr>
+              <a:t> </a:t>
+            </a:r>
+            <a:r>
+              <a:rPr lang="en-US">
+                <a:latin typeface="Times New Roman" panose="02020603050405020304" pitchFamily="18" charset="0"/>
+                <a:ea typeface="DengXian" panose="02010600030101010101" pitchFamily="2" charset="-122"/>
+              </a:rPr>
+              <a:t>Average net charge in first shell of Ln complexes in (a)subset2n (b)subset2w (c)subset2n_non_neutral (d)subset2w_non_neutral across the Ln series; Standard deviations are shown as the error bars.</a:t>
+            </a:r>
+          </a:p>
+        </p:txBody>
+      </p:sp>
+      <p:sp>
+        <p:nvSpPr>
+          <p:cNvPr id="6" name="TextBox 5">
+            <a:extLst>
+              <a:ext uri="{FF2B5EF4-FFF2-40B4-BE49-F238E27FC236}">
+                <a16:creationId xmlns:a16="http://schemas.microsoft.com/office/drawing/2014/main" id="{08BA8A82-3711-BB3A-7E47-FF6E57E2D43A}"/>
+              </a:ext>
+            </a:extLst>
+          </p:cNvPr>
+          <p:cNvSpPr txBox="1"/>
+          <p:nvPr/>
+        </p:nvSpPr>
+        <p:spPr>
+          <a:xfrm>
+            <a:off x="1229457" y="1366620"/>
+            <a:ext cx="453970" cy="369332"/>
+          </a:xfrm>
+          <a:prstGeom prst="rect">
+            <a:avLst/>
+          </a:prstGeom>
+          <a:noFill/>
+        </p:spPr>
+        <p:txBody>
+          <a:bodyPr wrap="none" rtlCol="0">
+            <a:spAutoFit/>
+          </a:bodyPr>
+          <a:lstStyle/>
+          <a:p>
+            <a:r>
+              <a:rPr lang="en-US" b="1">
+                <a:latin typeface="Times New Roman" panose="02020603050405020304" pitchFamily="18" charset="0"/>
+                <a:cs typeface="Times New Roman" panose="02020603050405020304" pitchFamily="18" charset="0"/>
+              </a:rPr>
+              <a:t>(a)</a:t>
+            </a:r>
+          </a:p>
+        </p:txBody>
+      </p:sp>
+      <p:sp>
+        <p:nvSpPr>
+          <p:cNvPr id="9" name="TextBox 8">
+            <a:extLst>
+              <a:ext uri="{FF2B5EF4-FFF2-40B4-BE49-F238E27FC236}">
+                <a16:creationId xmlns:a16="http://schemas.microsoft.com/office/drawing/2014/main" id="{192A58D3-225A-6D78-8DC3-BCA59DF61911}"/>
+              </a:ext>
+            </a:extLst>
+          </p:cNvPr>
+          <p:cNvSpPr txBox="1"/>
+          <p:nvPr/>
+        </p:nvSpPr>
+        <p:spPr>
+          <a:xfrm>
+            <a:off x="4674200" y="1368358"/>
+            <a:ext cx="466794" cy="369332"/>
+          </a:xfrm>
+          <a:prstGeom prst="rect">
+            <a:avLst/>
+          </a:prstGeom>
+          <a:noFill/>
+        </p:spPr>
+        <p:txBody>
+          <a:bodyPr wrap="none" rtlCol="0">
+            <a:spAutoFit/>
+          </a:bodyPr>
+          <a:lstStyle/>
+          <a:p>
+            <a:r>
+              <a:rPr lang="en-US" b="1">
+                <a:latin typeface="Times New Roman" panose="02020603050405020304" pitchFamily="18" charset="0"/>
+                <a:cs typeface="Times New Roman" panose="02020603050405020304" pitchFamily="18" charset="0"/>
+              </a:rPr>
+              <a:t>(b)</a:t>
+            </a:r>
+          </a:p>
+        </p:txBody>
+      </p:sp>
+      <p:pic>
+        <p:nvPicPr>
+          <p:cNvPr id="4" name="Picture 3">
+            <a:extLst>
+              <a:ext uri="{FF2B5EF4-FFF2-40B4-BE49-F238E27FC236}">
+                <a16:creationId xmlns:a16="http://schemas.microsoft.com/office/drawing/2014/main" id="{F5BD3E8C-9A67-02C2-98B9-362D49ACBDB7}"/>
+              </a:ext>
+            </a:extLst>
+          </p:cNvPr>
+          <p:cNvPicPr>
+            <a:picLocks noChangeAspect="1"/>
+          </p:cNvPicPr>
+          <p:nvPr/>
+        </p:nvPicPr>
+        <p:blipFill>
+          <a:blip r:embed="rId4"/>
+          <a:stretch>
+            <a:fillRect/>
+          </a:stretch>
+        </p:blipFill>
+        <p:spPr>
+          <a:xfrm>
+            <a:off x="1383679" y="786265"/>
+            <a:ext cx="3566160" cy="2727960"/>
+          </a:xfrm>
+          <a:prstGeom prst="rect">
+            <a:avLst/>
+          </a:prstGeom>
+        </p:spPr>
+      </p:pic>
+      <p:pic>
+        <p:nvPicPr>
+          <p:cNvPr id="12" name="Picture 11">
+            <a:extLst>
+              <a:ext uri="{FF2B5EF4-FFF2-40B4-BE49-F238E27FC236}">
+                <a16:creationId xmlns:a16="http://schemas.microsoft.com/office/drawing/2014/main" id="{D9EFFC36-0B37-34B9-13F7-94657784182A}"/>
+              </a:ext>
+            </a:extLst>
+          </p:cNvPr>
+          <p:cNvPicPr>
+            <a:picLocks noChangeAspect="1"/>
+          </p:cNvPicPr>
+          <p:nvPr/>
+        </p:nvPicPr>
+        <p:blipFill>
+          <a:blip r:embed="rId5"/>
+          <a:stretch>
+            <a:fillRect/>
+          </a:stretch>
+        </p:blipFill>
+        <p:spPr>
+          <a:xfrm>
+            <a:off x="1383679" y="3108962"/>
+            <a:ext cx="3566160" cy="2727960"/>
+          </a:xfrm>
+          <a:prstGeom prst="rect">
+            <a:avLst/>
+          </a:prstGeom>
+        </p:spPr>
+      </p:pic>
+      <p:pic>
+        <p:nvPicPr>
+          <p:cNvPr id="16" name="Picture 15">
+            <a:extLst>
+              <a:ext uri="{FF2B5EF4-FFF2-40B4-BE49-F238E27FC236}">
+                <a16:creationId xmlns:a16="http://schemas.microsoft.com/office/drawing/2014/main" id="{3F7BF0D1-F45F-FE7B-B525-DD22CE195DDD}"/>
+              </a:ext>
+            </a:extLst>
+          </p:cNvPr>
+          <p:cNvPicPr>
+            <a:picLocks noChangeAspect="1"/>
+          </p:cNvPicPr>
+          <p:nvPr/>
+        </p:nvPicPr>
+        <p:blipFill>
+          <a:blip r:embed="rId6"/>
+          <a:stretch>
+            <a:fillRect/>
+          </a:stretch>
+        </p:blipFill>
+        <p:spPr>
+          <a:xfrm>
+            <a:off x="4833902" y="786265"/>
+            <a:ext cx="3566160" cy="2727960"/>
+          </a:xfrm>
+          <a:prstGeom prst="rect">
+            <a:avLst/>
+          </a:prstGeom>
+        </p:spPr>
+      </p:pic>
+      <p:pic>
+        <p:nvPicPr>
+          <p:cNvPr id="18" name="Picture 17">
+            <a:extLst>
+              <a:ext uri="{FF2B5EF4-FFF2-40B4-BE49-F238E27FC236}">
+                <a16:creationId xmlns:a16="http://schemas.microsoft.com/office/drawing/2014/main" id="{AC859D17-420E-3C2D-CDAC-51C89CC42EC6}"/>
+              </a:ext>
+            </a:extLst>
+          </p:cNvPr>
+          <p:cNvPicPr>
+            <a:picLocks noChangeAspect="1"/>
+          </p:cNvPicPr>
+          <p:nvPr/>
+        </p:nvPicPr>
+        <p:blipFill>
+          <a:blip r:embed="rId7"/>
+          <a:stretch>
+            <a:fillRect/>
+          </a:stretch>
+        </p:blipFill>
+        <p:spPr>
+          <a:xfrm>
+            <a:off x="4833902" y="3108962"/>
+            <a:ext cx="3566160" cy="2727960"/>
+          </a:xfrm>
+          <a:prstGeom prst="rect">
+            <a:avLst/>
+          </a:prstGeom>
+        </p:spPr>
+      </p:pic>
+      <p:sp>
+        <p:nvSpPr>
+          <p:cNvPr id="19" name="TextBox 18">
+            <a:extLst>
+              <a:ext uri="{FF2B5EF4-FFF2-40B4-BE49-F238E27FC236}">
+                <a16:creationId xmlns:a16="http://schemas.microsoft.com/office/drawing/2014/main" id="{4FA26463-215F-AF9C-52BB-B2FB58C6E25E}"/>
+              </a:ext>
+            </a:extLst>
+          </p:cNvPr>
+          <p:cNvSpPr txBox="1"/>
+          <p:nvPr/>
+        </p:nvSpPr>
+        <p:spPr>
+          <a:xfrm>
+            <a:off x="1223977" y="3512491"/>
+            <a:ext cx="441146" cy="369332"/>
+          </a:xfrm>
+          <a:prstGeom prst="rect">
+            <a:avLst/>
+          </a:prstGeom>
+          <a:noFill/>
+        </p:spPr>
+        <p:txBody>
+          <a:bodyPr wrap="none" rtlCol="0">
+            <a:spAutoFit/>
+          </a:bodyPr>
+          <a:lstStyle/>
+          <a:p>
+            <a:r>
+              <a:rPr lang="en-US" b="1">
+                <a:latin typeface="Times New Roman" panose="02020603050405020304" pitchFamily="18" charset="0"/>
+                <a:cs typeface="Times New Roman" panose="02020603050405020304" pitchFamily="18" charset="0"/>
+              </a:rPr>
+              <a:t>(c)</a:t>
+            </a:r>
+          </a:p>
+        </p:txBody>
+      </p:sp>
+      <p:sp>
+        <p:nvSpPr>
+          <p:cNvPr id="20" name="TextBox 19">
+            <a:extLst>
+              <a:ext uri="{FF2B5EF4-FFF2-40B4-BE49-F238E27FC236}">
+                <a16:creationId xmlns:a16="http://schemas.microsoft.com/office/drawing/2014/main" id="{DBFCCB08-C436-2B4D-E952-2F710E47C66A}"/>
+              </a:ext>
+            </a:extLst>
+          </p:cNvPr>
+          <p:cNvSpPr txBox="1"/>
+          <p:nvPr/>
+        </p:nvSpPr>
+        <p:spPr>
+          <a:xfrm>
+            <a:off x="4674200" y="3527410"/>
+            <a:ext cx="466794" cy="369332"/>
+          </a:xfrm>
+          <a:prstGeom prst="rect">
+            <a:avLst/>
+          </a:prstGeom>
+          <a:noFill/>
+        </p:spPr>
+        <p:txBody>
+          <a:bodyPr wrap="none" rtlCol="0">
+            <a:spAutoFit/>
+          </a:bodyPr>
+          <a:lstStyle/>
+          <a:p>
+            <a:r>
+              <a:rPr lang="en-US" b="1">
+                <a:latin typeface="Times New Roman" panose="02020603050405020304" pitchFamily="18" charset="0"/>
+                <a:cs typeface="Times New Roman" panose="02020603050405020304" pitchFamily="18" charset="0"/>
+              </a:rPr>
+              <a:t>(d)</a:t>
+            </a:r>
+          </a:p>
+        </p:txBody>
+      </p:sp>
+    </p:spTree>
+    <p:extLst>
+      <p:ext uri="{BB962C8B-B14F-4D97-AF65-F5344CB8AC3E}">
+        <p14:creationId xmlns:p14="http://schemas.microsoft.com/office/powerpoint/2010/main" val="1471103555"/>
+      </p:ext>
+    </p:extLst>
+  </p:cSld>
+  <p:clrMapOvr>
+    <a:masterClrMapping/>
+  </p:clrMapOvr>
+</p:sld>
+</file>
+
+<file path=ppt/slides/slide14.xml><?xml version="1.0" encoding="utf-8"?>
+<p:sld xmlns:a="http://schemas.openxmlformats.org/drawingml/2006/main" xmlns:r="http://schemas.openxmlformats.org/officeDocument/2006/relationships" xmlns:p="http://schemas.openxmlformats.org/presentationml/2006/main">
+  <p:cSld>
+    <p:spTree>
+      <p:nvGrpSpPr>
+        <p:cNvPr id="1" name=""/>
+        <p:cNvGrpSpPr/>
+        <p:nvPr/>
+      </p:nvGrpSpPr>
+      <p:grpSpPr>
+        <a:xfrm>
+          <a:off x="0" y="0"/>
+          <a:ext cx="0" cy="0"/>
+          <a:chOff x="0" y="0"/>
+          <a:chExt cx="0" cy="0"/>
+        </a:xfrm>
+      </p:grpSpPr>
+      <p:sp>
+        <p:nvSpPr>
+          <p:cNvPr id="2" name="Title 1">
+            <a:extLst>
+              <a:ext uri="{FF2B5EF4-FFF2-40B4-BE49-F238E27FC236}">
+                <a16:creationId xmlns:a16="http://schemas.microsoft.com/office/drawing/2014/main" id="{001E3F70-DC66-8477-9E54-EC5216071F23}"/>
+              </a:ext>
+            </a:extLst>
+          </p:cNvPr>
+          <p:cNvSpPr>
+            <a:spLocks noGrp="1"/>
+          </p:cNvSpPr>
+          <p:nvPr>
+            <p:ph type="title"/>
+          </p:nvPr>
+        </p:nvSpPr>
+        <p:spPr>
+          <a:xfrm>
+            <a:off x="4439" y="1"/>
+            <a:ext cx="9610077" cy="949905"/>
+          </a:xfrm>
+        </p:spPr>
+        <p:txBody>
+          <a:bodyPr>
+            <a:normAutofit/>
+          </a:bodyPr>
+          <a:lstStyle/>
+          <a:p>
+            <a:r>
+              <a:rPr lang="en-US" sz="3200"/>
+              <a:t>Template</a:t>
+            </a:r>
+          </a:p>
+        </p:txBody>
+      </p:sp>
+      <p:cxnSp>
+        <p:nvCxnSpPr>
+          <p:cNvPr id="7" name="Straight Connector 6">
+            <a:extLst>
+              <a:ext uri="{FF2B5EF4-FFF2-40B4-BE49-F238E27FC236}">
+                <a16:creationId xmlns:a16="http://schemas.microsoft.com/office/drawing/2014/main" id="{E9EFDF02-7A77-FB7C-7728-BA116CBCE885}"/>
+              </a:ext>
+            </a:extLst>
+          </p:cNvPr>
+          <p:cNvCxnSpPr>
+            <a:cxnSpLocks/>
+          </p:cNvCxnSpPr>
+          <p:nvPr/>
+        </p:nvCxnSpPr>
+        <p:spPr>
+          <a:xfrm flipV="1">
+            <a:off x="-17756" y="949906"/>
+            <a:ext cx="12209756" cy="4"/>
+          </a:xfrm>
+          <a:prstGeom prst="line">
+            <a:avLst/>
+          </a:prstGeom>
+          <a:ln w="38100">
+            <a:solidFill>
+              <a:schemeClr val="accent1"/>
+            </a:solidFill>
+          </a:ln>
+        </p:spPr>
+        <p:style>
+          <a:lnRef idx="3">
+            <a:schemeClr val="accent4"/>
+          </a:lnRef>
+          <a:fillRef idx="0">
+            <a:schemeClr val="accent4"/>
+          </a:fillRef>
+          <a:effectRef idx="2">
+            <a:schemeClr val="accent4"/>
+          </a:effectRef>
+          <a:fontRef idx="minor">
+            <a:schemeClr val="tx1"/>
+          </a:fontRef>
+        </p:style>
+      </p:cxnSp>
+      <p:pic>
+        <p:nvPicPr>
+          <p:cNvPr id="14" name="Picture 13">
+            <a:extLst>
+              <a:ext uri="{FF2B5EF4-FFF2-40B4-BE49-F238E27FC236}">
+                <a16:creationId xmlns:a16="http://schemas.microsoft.com/office/drawing/2014/main" id="{CD003671-7A56-2C3A-9948-BB852C7AE352}"/>
+              </a:ext>
+            </a:extLst>
+          </p:cNvPr>
+          <p:cNvPicPr>
+            <a:picLocks noChangeAspect="1"/>
+          </p:cNvPicPr>
+          <p:nvPr/>
+        </p:nvPicPr>
+        <p:blipFill>
+          <a:blip r:embed="rId3"/>
+          <a:stretch>
+            <a:fillRect/>
+          </a:stretch>
+        </p:blipFill>
+        <p:spPr>
+          <a:xfrm>
+            <a:off x="11354539" y="322"/>
+            <a:ext cx="833021" cy="917087"/>
+          </a:xfrm>
+          <a:prstGeom prst="rect">
+            <a:avLst/>
+          </a:prstGeom>
+        </p:spPr>
+      </p:pic>
+      <p:sp>
+        <p:nvSpPr>
+          <p:cNvPr id="8" name="Slide Number Placeholder 7">
+            <a:extLst>
+              <a:ext uri="{FF2B5EF4-FFF2-40B4-BE49-F238E27FC236}">
+                <a16:creationId xmlns:a16="http://schemas.microsoft.com/office/drawing/2014/main" id="{EBECB5A2-1C8C-9524-DE39-552759C6889C}"/>
+              </a:ext>
+            </a:extLst>
+          </p:cNvPr>
+          <p:cNvSpPr>
+            <a:spLocks noGrp="1"/>
+          </p:cNvSpPr>
+          <p:nvPr>
+            <p:ph type="sldNum" sz="quarter" idx="12"/>
+          </p:nvPr>
+        </p:nvSpPr>
+        <p:spPr/>
+        <p:txBody>
+          <a:bodyPr/>
+          <a:lstStyle/>
+          <a:p>
+            <a:fld id="{348A67C5-9A30-4AA4-BAAF-98754B134193}" type="slidenum">
+              <a:rPr lang="en-US" smtClean="0"/>
+              <a:t>14</a:t>
             </a:fld>
             <a:endParaRPr lang="en-US"/>
           </a:p>
@@ -6637,14 +8711,9 @@
           <a:lstStyle/>
           <a:p>
             <a:r>
-              <a:rPr lang="en-US" sz="3200" b="1" dirty="0">
-                <a:effectLst/>
-                <a:latin typeface="Times New Roman" panose="02020603050405020304" pitchFamily="18" charset="0"/>
-                <a:ea typeface="DengXian" panose="02010600030101010101" pitchFamily="2" charset="-122"/>
-              </a:rPr>
-              <a:t>Figure 1.</a:t>
-            </a:r>
-            <a:endParaRPr lang="en-US" sz="3200" dirty="0"/>
+              <a:rPr lang="en-US" sz="3200"/>
+              <a:t>Figure SI </a:t>
+            </a:r>
           </a:p>
         </p:txBody>
       </p:sp>
@@ -6764,8 +8833,8 @@
         </p:nvSpPr>
         <p:spPr>
           <a:xfrm>
-            <a:off x="319002" y="5401417"/>
-            <a:ext cx="10703674" cy="923330"/>
+            <a:off x="319002" y="5710015"/>
+            <a:ext cx="10703674" cy="646331"/>
           </a:xfrm>
           <a:prstGeom prst="rect">
             <a:avLst/>
@@ -6783,37 +8852,28 @@
               <a:buChar char="•"/>
             </a:pPr>
             <a:r>
-              <a:rPr lang="en-US" sz="1800" b="1" dirty="0">
-                <a:effectLst/>
+              <a:rPr lang="en-US" b="1">
                 <a:latin typeface="Times New Roman" panose="02020603050405020304" pitchFamily="18" charset="0"/>
                 <a:ea typeface="DengXian" panose="02010600030101010101" pitchFamily="2" charset="-122"/>
               </a:rPr>
-              <a:t>Figure 1.</a:t>
-            </a:r>
-            <a:r>
-              <a:rPr lang="en-US" sz="1800" dirty="0">
-                <a:effectLst/>
+              <a:t>Figure S2.  </a:t>
+            </a:r>
+            <a:r>
+              <a:rPr lang="en-US">
                 <a:latin typeface="Times New Roman" panose="02020603050405020304" pitchFamily="18" charset="0"/>
                 <a:ea typeface="DengXian" panose="02010600030101010101" pitchFamily="2" charset="-122"/>
               </a:rPr>
-              <a:t> </a:t>
-            </a:r>
-            <a:r>
-              <a:rPr lang="en-US" dirty="0">
-                <a:latin typeface="Times New Roman" panose="02020603050405020304" pitchFamily="18" charset="0"/>
-                <a:ea typeface="DengXian" panose="02010600030101010101" pitchFamily="2" charset="-122"/>
-              </a:rPr>
-              <a:t>Distribution of 29891 crystal structures of subset2 (mononuclear Ln complexes), 8991 crystal structures of subset2w (Ln complexes with water in first shell) and 4209 crystal structures of subset2n (Ln complexes with nitrate in first shell) .</a:t>
+              <a:t>Distribution of 8991 crystal structures of subset2w (Ln complexes with water in first shell) and  8,444 crystal structures of subset2w_org (Ln complexes with water and organic ligand(s) in first shell) .</a:t>
             </a:r>
           </a:p>
         </p:txBody>
       </p:sp>
       <p:pic>
         <p:nvPicPr>
-          <p:cNvPr id="3" name="Picture 2">
-            <a:extLst>
-              <a:ext uri="{FF2B5EF4-FFF2-40B4-BE49-F238E27FC236}">
-                <a16:creationId xmlns:a16="http://schemas.microsoft.com/office/drawing/2014/main" id="{CDE0222D-2AC4-DE35-5C8D-208EC33FAC22}"/>
+          <p:cNvPr id="6" name="Picture 5">
+            <a:extLst>
+              <a:ext uri="{FF2B5EF4-FFF2-40B4-BE49-F238E27FC236}">
+                <a16:creationId xmlns:a16="http://schemas.microsoft.com/office/drawing/2014/main" id="{576445F0-BD00-6DD4-A968-77934C5D690C}"/>
               </a:ext>
             </a:extLst>
           </p:cNvPr>
@@ -6822,15 +8882,16 @@
           </p:cNvPicPr>
           <p:nvPr/>
         </p:nvPicPr>
-        <p:blipFill rotWithShape="1">
+        <p:blipFill>
           <a:blip r:embed="rId4"/>
-          <a:srcRect l="8196" t="10023" r="13120" b="11563"/>
-          <a:stretch/>
+          <a:stretch>
+            <a:fillRect/>
+          </a:stretch>
         </p:blipFill>
         <p:spPr>
           <a:xfrm>
-            <a:off x="703881" y="1788502"/>
-            <a:ext cx="3626485" cy="2774315"/>
+            <a:off x="5318111" y="1147989"/>
+            <a:ext cx="5213687" cy="3988247"/>
           </a:xfrm>
           <a:prstGeom prst="rect">
             <a:avLst/>
@@ -6839,10 +8900,10 @@
       </p:pic>
       <p:pic>
         <p:nvPicPr>
-          <p:cNvPr id="6" name="Picture 5">
-            <a:extLst>
-              <a:ext uri="{FF2B5EF4-FFF2-40B4-BE49-F238E27FC236}">
-                <a16:creationId xmlns:a16="http://schemas.microsoft.com/office/drawing/2014/main" id="{804BC695-E51A-3BC8-6FED-39295AA93AD7}"/>
+          <p:cNvPr id="5" name="Picture 4">
+            <a:extLst>
+              <a:ext uri="{FF2B5EF4-FFF2-40B4-BE49-F238E27FC236}">
+                <a16:creationId xmlns:a16="http://schemas.microsoft.com/office/drawing/2014/main" id="{BF3F9EF2-EBAD-1480-52B4-BF668574DDB4}"/>
               </a:ext>
             </a:extLst>
           </p:cNvPr>
@@ -6851,15 +8912,16 @@
           </p:cNvPicPr>
           <p:nvPr/>
         </p:nvPicPr>
-        <p:blipFill rotWithShape="1">
+        <p:blipFill>
           <a:blip r:embed="rId5"/>
-          <a:srcRect l="7602" t="9267" r="13300" b="11493"/>
-          <a:stretch/>
+          <a:stretch>
+            <a:fillRect/>
+          </a:stretch>
         </p:blipFill>
         <p:spPr>
           <a:xfrm>
-            <a:off x="4687057" y="1731499"/>
-            <a:ext cx="3681822" cy="2831318"/>
+            <a:off x="782873" y="1202825"/>
+            <a:ext cx="5067017" cy="3876051"/>
           </a:xfrm>
           <a:prstGeom prst="rect">
             <a:avLst/>
@@ -6871,7 +8933,7 @@
           <p:cNvPr id="9" name="TextBox 8">
             <a:extLst>
               <a:ext uri="{FF2B5EF4-FFF2-40B4-BE49-F238E27FC236}">
-                <a16:creationId xmlns:a16="http://schemas.microsoft.com/office/drawing/2014/main" id="{2518E67D-76F0-BC51-68EE-839A05337919}"/>
+                <a16:creationId xmlns:a16="http://schemas.microsoft.com/office/drawing/2014/main" id="{9032E204-DF89-F2B8-E9CC-881451B2B7AB}"/>
               </a:ext>
             </a:extLst>
           </p:cNvPr>
@@ -6880,8 +8942,8 @@
         </p:nvSpPr>
         <p:spPr>
           <a:xfrm>
-            <a:off x="482795" y="1603832"/>
-            <a:ext cx="453970" cy="369332"/>
+            <a:off x="319002" y="5063680"/>
+            <a:ext cx="10703674" cy="646331"/>
           </a:xfrm>
           <a:prstGeom prst="rect">
             <a:avLst/>
@@ -6889,55 +8951,28 @@
           <a:noFill/>
         </p:spPr>
         <p:txBody>
-          <a:bodyPr wrap="none" rtlCol="0">
+          <a:bodyPr wrap="square">
             <a:spAutoFit/>
           </a:bodyPr>
           <a:lstStyle/>
           <a:p>
-            <a:r>
-              <a:rPr lang="en-US" b="1" dirty="0">
+            <a:pPr marL="285750" indent="-285750">
+              <a:buFont typeface="Arial" panose="020B0604020202020204" pitchFamily="34" charset="0"/>
+              <a:buChar char="•"/>
+            </a:pPr>
+            <a:r>
+              <a:rPr lang="en-US" b="1">
                 <a:latin typeface="Times New Roman" panose="02020603050405020304" pitchFamily="18" charset="0"/>
-                <a:cs typeface="Times New Roman" panose="02020603050405020304" pitchFamily="18" charset="0"/>
+                <a:ea typeface="DengXian" panose="02010600030101010101" pitchFamily="2" charset="-122"/>
               </a:rPr>
-              <a:t>(a)</a:t>
-            </a:r>
-          </a:p>
-        </p:txBody>
-      </p:sp>
-      <p:sp>
-        <p:nvSpPr>
-          <p:cNvPr id="12" name="TextBox 11">
-            <a:extLst>
-              <a:ext uri="{FF2B5EF4-FFF2-40B4-BE49-F238E27FC236}">
-                <a16:creationId xmlns:a16="http://schemas.microsoft.com/office/drawing/2014/main" id="{801E8299-3DEB-56DE-312F-0C4D185CB73F}"/>
-              </a:ext>
-            </a:extLst>
-          </p:cNvPr>
-          <p:cNvSpPr txBox="1"/>
-          <p:nvPr/>
-        </p:nvSpPr>
-        <p:spPr>
-          <a:xfrm>
-            <a:off x="4460072" y="1603832"/>
-            <a:ext cx="466794" cy="369332"/>
-          </a:xfrm>
-          <a:prstGeom prst="rect">
-            <a:avLst/>
-          </a:prstGeom>
-          <a:noFill/>
-        </p:spPr>
-        <p:txBody>
-          <a:bodyPr wrap="none" rtlCol="0">
-            <a:spAutoFit/>
-          </a:bodyPr>
-          <a:lstStyle/>
-          <a:p>
-            <a:r>
-              <a:rPr lang="en-US" b="1" dirty="0">
+              <a:t>Figure S1.  </a:t>
+            </a:r>
+            <a:r>
+              <a:rPr lang="en-US">
                 <a:latin typeface="Times New Roman" panose="02020603050405020304" pitchFamily="18" charset="0"/>
-                <a:cs typeface="Times New Roman" panose="02020603050405020304" pitchFamily="18" charset="0"/>
+                <a:ea typeface="DengXian" panose="02010600030101010101" pitchFamily="2" charset="-122"/>
               </a:rPr>
-              <a:t>(b)</a:t>
+              <a:t>Distribution of 4209 crystal structures of subset2n (Ln complexes with nitrate in first shell) and  3840 crystal structures of subset2n_org (Ln complexes with nitrate and organic ligand(s) in first shell) .</a:t>
             </a:r>
           </a:p>
         </p:txBody>
@@ -6945,7 +8980,7 @@
     </p:spTree>
     <p:extLst>
       <p:ext uri="{BB962C8B-B14F-4D97-AF65-F5344CB8AC3E}">
-        <p14:creationId xmlns:p14="http://schemas.microsoft.com/office/powerpoint/2010/main" val="1757090110"/>
+        <p14:creationId xmlns:p14="http://schemas.microsoft.com/office/powerpoint/2010/main" val="3953875622"/>
       </p:ext>
     </p:extLst>
   </p:cSld>
@@ -7001,9 +9036,14 @@
           <a:lstStyle/>
           <a:p>
             <a:r>
-              <a:rPr lang="en-US" sz="3200" dirty="0"/>
-              <a:t>Figure SI </a:t>
-            </a:r>
+              <a:rPr lang="en-US" sz="3200" b="1">
+                <a:effectLst/>
+                <a:latin typeface="Times New Roman" panose="02020603050405020304" pitchFamily="18" charset="0"/>
+                <a:ea typeface="DengXian" panose="02010600030101010101" pitchFamily="2" charset="-122"/>
+              </a:rPr>
+              <a:t>Figure 1.</a:t>
+            </a:r>
+            <a:endParaRPr lang="en-US" sz="3200"/>
           </a:p>
         </p:txBody>
       </p:sp>
@@ -7123,8 +9163,8 @@
         </p:nvSpPr>
         <p:spPr>
           <a:xfrm>
-            <a:off x="319002" y="5710015"/>
-            <a:ext cx="10703674" cy="646331"/>
+            <a:off x="319002" y="5401417"/>
+            <a:ext cx="10703674" cy="1200329"/>
           </a:xfrm>
           <a:prstGeom prst="rect">
             <a:avLst/>
@@ -7142,28 +9182,52 @@
               <a:buChar char="•"/>
             </a:pPr>
             <a:r>
-              <a:rPr lang="en-US" b="1" dirty="0">
+              <a:rPr lang="en-US" sz="1800" b="1">
+                <a:effectLst/>
                 <a:latin typeface="Times New Roman" panose="02020603050405020304" pitchFamily="18" charset="0"/>
                 <a:ea typeface="DengXian" panose="02010600030101010101" pitchFamily="2" charset="-122"/>
               </a:rPr>
-              <a:t>Figure S2.  </a:t>
-            </a:r>
-            <a:r>
-              <a:rPr lang="en-US" dirty="0">
+              <a:t>Figure 1.</a:t>
+            </a:r>
+            <a:r>
+              <a:rPr lang="en-US" sz="1800">
+                <a:effectLst/>
                 <a:latin typeface="Times New Roman" panose="02020603050405020304" pitchFamily="18" charset="0"/>
                 <a:ea typeface="DengXian" panose="02010600030101010101" pitchFamily="2" charset="-122"/>
               </a:rPr>
-              <a:t>Distribution of 8991 crystal structures of subset2w (Ln complexes with water in first shell) and  8,444 crystal structures of subset2w_org (Ln complexes with water and organic ligand(s) in first shell) .</a:t>
+              <a:t> (a)Distribution of the 53370 crystal structures of Subset 1 (all Ln complexes) and the </a:t>
+            </a:r>
+            <a:r>
+              <a:rPr lang="en-US">
+                <a:latin typeface="Times New Roman" panose="02020603050405020304" pitchFamily="18" charset="0"/>
+                <a:ea typeface="DengXian" panose="02010600030101010101" pitchFamily="2" charset="-122"/>
+              </a:rPr>
+              <a:t>29891</a:t>
+            </a:r>
+            <a:r>
+              <a:rPr lang="en-US" sz="1800">
+                <a:effectLst/>
+                <a:latin typeface="Times New Roman" panose="02020603050405020304" pitchFamily="18" charset="0"/>
+                <a:ea typeface="DengXian" panose="02010600030101010101" pitchFamily="2" charset="-122"/>
+              </a:rPr>
+              <a:t> crystal structures of Subset 2 (mononuclear Ln complexes) over the Ln series. (b)</a:t>
+            </a:r>
+            <a:r>
+              <a:rPr lang="en-US">
+                <a:latin typeface="Times New Roman" panose="02020603050405020304" pitchFamily="18" charset="0"/>
+                <a:ea typeface="DengXian" panose="02010600030101010101" pitchFamily="2" charset="-122"/>
+              </a:rPr>
+              <a:t>Distribution of 29891 crystal structures of subset2 (mononuclear Ln complexes), 8991 crystal structures of subset2w (Ln complexes with water in first shell) and 4209 crystal structures of subset2n (Ln complexes with nitrate in first shell) .</a:t>
             </a:r>
           </a:p>
         </p:txBody>
       </p:sp>
       <p:pic>
         <p:nvPicPr>
-          <p:cNvPr id="6" name="Picture 5">
-            <a:extLst>
-              <a:ext uri="{FF2B5EF4-FFF2-40B4-BE49-F238E27FC236}">
-                <a16:creationId xmlns:a16="http://schemas.microsoft.com/office/drawing/2014/main" id="{576445F0-BD00-6DD4-A968-77934C5D690C}"/>
+          <p:cNvPr id="3" name="Picture 2">
+            <a:extLst>
+              <a:ext uri="{FF2B5EF4-FFF2-40B4-BE49-F238E27FC236}">
+                <a16:creationId xmlns:a16="http://schemas.microsoft.com/office/drawing/2014/main" id="{CDE0222D-2AC4-DE35-5C8D-208EC33FAC22}"/>
               </a:ext>
             </a:extLst>
           </p:cNvPr>
@@ -7172,16 +9236,15 @@
           </p:cNvPicPr>
           <p:nvPr/>
         </p:nvPicPr>
-        <p:blipFill>
+        <p:blipFill rotWithShape="1">
           <a:blip r:embed="rId4"/>
-          <a:stretch>
-            <a:fillRect/>
-          </a:stretch>
+          <a:srcRect l="8196" t="10023" r="13120" b="11563"/>
+          <a:stretch/>
         </p:blipFill>
         <p:spPr>
           <a:xfrm>
-            <a:off x="5318111" y="1147989"/>
-            <a:ext cx="5213687" cy="3988247"/>
+            <a:off x="703881" y="1788502"/>
+            <a:ext cx="3626485" cy="2774315"/>
           </a:xfrm>
           <a:prstGeom prst="rect">
             <a:avLst/>
@@ -7190,10 +9253,10 @@
       </p:pic>
       <p:pic>
         <p:nvPicPr>
-          <p:cNvPr id="5" name="Picture 4">
-            <a:extLst>
-              <a:ext uri="{FF2B5EF4-FFF2-40B4-BE49-F238E27FC236}">
-                <a16:creationId xmlns:a16="http://schemas.microsoft.com/office/drawing/2014/main" id="{BF3F9EF2-EBAD-1480-52B4-BF668574DDB4}"/>
+          <p:cNvPr id="6" name="Picture 5">
+            <a:extLst>
+              <a:ext uri="{FF2B5EF4-FFF2-40B4-BE49-F238E27FC236}">
+                <a16:creationId xmlns:a16="http://schemas.microsoft.com/office/drawing/2014/main" id="{804BC695-E51A-3BC8-6FED-39295AA93AD7}"/>
               </a:ext>
             </a:extLst>
           </p:cNvPr>
@@ -7202,16 +9265,15 @@
           </p:cNvPicPr>
           <p:nvPr/>
         </p:nvPicPr>
-        <p:blipFill>
+        <p:blipFill rotWithShape="1">
           <a:blip r:embed="rId5"/>
-          <a:stretch>
-            <a:fillRect/>
-          </a:stretch>
+          <a:srcRect l="7602" t="9267" r="13300" b="11493"/>
+          <a:stretch/>
         </p:blipFill>
         <p:spPr>
           <a:xfrm>
-            <a:off x="782873" y="1202825"/>
-            <a:ext cx="5067017" cy="3876051"/>
+            <a:off x="4687057" y="1731499"/>
+            <a:ext cx="3681822" cy="2831318"/>
           </a:xfrm>
           <a:prstGeom prst="rect">
             <a:avLst/>
@@ -7223,7 +9285,7 @@
           <p:cNvPr id="9" name="TextBox 8">
             <a:extLst>
               <a:ext uri="{FF2B5EF4-FFF2-40B4-BE49-F238E27FC236}">
-                <a16:creationId xmlns:a16="http://schemas.microsoft.com/office/drawing/2014/main" id="{9032E204-DF89-F2B8-E9CC-881451B2B7AB}"/>
+                <a16:creationId xmlns:a16="http://schemas.microsoft.com/office/drawing/2014/main" id="{2518E67D-76F0-BC51-68EE-839A05337919}"/>
               </a:ext>
             </a:extLst>
           </p:cNvPr>
@@ -7232,8 +9294,8 @@
         </p:nvSpPr>
         <p:spPr>
           <a:xfrm>
-            <a:off x="319002" y="5063680"/>
-            <a:ext cx="10703674" cy="646331"/>
+            <a:off x="482795" y="1603832"/>
+            <a:ext cx="453970" cy="369332"/>
           </a:xfrm>
           <a:prstGeom prst="rect">
             <a:avLst/>
@@ -7241,28 +9303,55 @@
           <a:noFill/>
         </p:spPr>
         <p:txBody>
-          <a:bodyPr wrap="square">
+          <a:bodyPr wrap="none" rtlCol="0">
             <a:spAutoFit/>
           </a:bodyPr>
           <a:lstStyle/>
           <a:p>
-            <a:pPr marL="285750" indent="-285750">
-              <a:buFont typeface="Arial" panose="020B0604020202020204" pitchFamily="34" charset="0"/>
-              <a:buChar char="•"/>
-            </a:pPr>
-            <a:r>
-              <a:rPr lang="en-US" b="1" dirty="0">
+            <a:r>
+              <a:rPr lang="en-US" b="1">
                 <a:latin typeface="Times New Roman" panose="02020603050405020304" pitchFamily="18" charset="0"/>
-                <a:ea typeface="DengXian" panose="02010600030101010101" pitchFamily="2" charset="-122"/>
+                <a:cs typeface="Times New Roman" panose="02020603050405020304" pitchFamily="18" charset="0"/>
               </a:rPr>
-              <a:t>Figure S1.  </a:t>
-            </a:r>
-            <a:r>
-              <a:rPr lang="en-US" dirty="0">
+              <a:t>(a)</a:t>
+            </a:r>
+          </a:p>
+        </p:txBody>
+      </p:sp>
+      <p:sp>
+        <p:nvSpPr>
+          <p:cNvPr id="12" name="TextBox 11">
+            <a:extLst>
+              <a:ext uri="{FF2B5EF4-FFF2-40B4-BE49-F238E27FC236}">
+                <a16:creationId xmlns:a16="http://schemas.microsoft.com/office/drawing/2014/main" id="{801E8299-3DEB-56DE-312F-0C4D185CB73F}"/>
+              </a:ext>
+            </a:extLst>
+          </p:cNvPr>
+          <p:cNvSpPr txBox="1"/>
+          <p:nvPr/>
+        </p:nvSpPr>
+        <p:spPr>
+          <a:xfrm>
+            <a:off x="4460072" y="1603832"/>
+            <a:ext cx="466794" cy="369332"/>
+          </a:xfrm>
+          <a:prstGeom prst="rect">
+            <a:avLst/>
+          </a:prstGeom>
+          <a:noFill/>
+        </p:spPr>
+        <p:txBody>
+          <a:bodyPr wrap="none" rtlCol="0">
+            <a:spAutoFit/>
+          </a:bodyPr>
+          <a:lstStyle/>
+          <a:p>
+            <a:r>
+              <a:rPr lang="en-US" b="1">
                 <a:latin typeface="Times New Roman" panose="02020603050405020304" pitchFamily="18" charset="0"/>
-                <a:ea typeface="DengXian" panose="02010600030101010101" pitchFamily="2" charset="-122"/>
+                <a:cs typeface="Times New Roman" panose="02020603050405020304" pitchFamily="18" charset="0"/>
               </a:rPr>
-              <a:t>Distribution of 4209 crystal structures of subset2n (Ln complexes with nitrate in first shell) and  3840 crystal structures of subset2n_org (Ln complexes with nitrate and organic ligand(s) in first shell) .</a:t>
+              <a:t>(b)</a:t>
             </a:r>
           </a:p>
         </p:txBody>
@@ -7270,7 +9359,7 @@
     </p:spTree>
     <p:extLst>
       <p:ext uri="{BB962C8B-B14F-4D97-AF65-F5344CB8AC3E}">
-        <p14:creationId xmlns:p14="http://schemas.microsoft.com/office/powerpoint/2010/main" val="3953875622"/>
+        <p14:creationId xmlns:p14="http://schemas.microsoft.com/office/powerpoint/2010/main" val="1757090110"/>
       </p:ext>
     </p:extLst>
   </p:cSld>
@@ -7326,14 +9415,14 @@
           <a:lstStyle/>
           <a:p>
             <a:r>
-              <a:rPr lang="en-US" sz="3200" b="1" dirty="0">
+              <a:rPr lang="en-US" sz="3200" b="1">
                 <a:effectLst/>
                 <a:latin typeface="Times New Roman" panose="02020603050405020304" pitchFamily="18" charset="0"/>
                 <a:ea typeface="DengXian" panose="02010600030101010101" pitchFamily="2" charset="-122"/>
               </a:rPr>
               <a:t>Figure 2.</a:t>
             </a:r>
-            <a:endParaRPr lang="en-US" sz="3200" dirty="0"/>
+            <a:endParaRPr lang="en-US" sz="3200"/>
           </a:p>
         </p:txBody>
       </p:sp>
@@ -7472,7 +9561,7 @@
               <a:buChar char="•"/>
             </a:pPr>
             <a:r>
-              <a:rPr lang="en-US" sz="1800" b="1" dirty="0">
+              <a:rPr lang="en-US" sz="1800" b="1">
                 <a:effectLst/>
                 <a:latin typeface="Times New Roman" panose="02020603050405020304" pitchFamily="18" charset="0"/>
                 <a:ea typeface="DengXian" panose="02010600030101010101" pitchFamily="2" charset="-122"/>
@@ -7480,7 +9569,7 @@
               <a:t>Figure 2.</a:t>
             </a:r>
             <a:r>
-              <a:rPr lang="en-US" sz="1800" dirty="0">
+              <a:rPr lang="en-US" sz="1800">
                 <a:effectLst/>
                 <a:latin typeface="Times New Roman" panose="02020603050405020304" pitchFamily="18" charset="0"/>
                 <a:ea typeface="DengXian" panose="02010600030101010101" pitchFamily="2" charset="-122"/>
@@ -7488,7 +9577,7 @@
               <a:t> </a:t>
             </a:r>
             <a:r>
-              <a:rPr lang="en-US" dirty="0">
+              <a:rPr lang="en-US">
                 <a:latin typeface="Times New Roman" panose="02020603050405020304" pitchFamily="18" charset="0"/>
                 <a:ea typeface="DengXian" panose="02010600030101010101" pitchFamily="2" charset="-122"/>
               </a:rPr>
@@ -7585,14 +9674,14 @@
           <a:lstStyle/>
           <a:p>
             <a:r>
-              <a:rPr lang="en-US" sz="3200" b="1" dirty="0">
+              <a:rPr lang="en-US" sz="3200" b="1">
                 <a:effectLst/>
                 <a:latin typeface="Times New Roman" panose="02020603050405020304" pitchFamily="18" charset="0"/>
                 <a:ea typeface="DengXian" panose="02010600030101010101" pitchFamily="2" charset="-122"/>
               </a:rPr>
               <a:t>Figure 3.</a:t>
             </a:r>
-            <a:endParaRPr lang="en-US" sz="3200" dirty="0"/>
+            <a:endParaRPr lang="en-US" sz="3200"/>
           </a:p>
         </p:txBody>
       </p:sp>
@@ -7760,7 +9849,7 @@
               <a:buChar char="•"/>
             </a:pPr>
             <a:r>
-              <a:rPr lang="en-US" sz="1800" b="1" dirty="0">
+              <a:rPr lang="en-US" sz="1800" b="1">
                 <a:effectLst/>
                 <a:latin typeface="Times New Roman" panose="02020603050405020304" pitchFamily="18" charset="0"/>
                 <a:ea typeface="DengXian" panose="02010600030101010101" pitchFamily="2" charset="-122"/>
@@ -7768,7 +9857,7 @@
               <a:t>Figure 3.</a:t>
             </a:r>
             <a:r>
-              <a:rPr lang="en-US" sz="1800" dirty="0">
+              <a:rPr lang="en-US" sz="1800">
                 <a:effectLst/>
                 <a:latin typeface="Times New Roman" panose="02020603050405020304" pitchFamily="18" charset="0"/>
                 <a:ea typeface="DengXian" panose="02010600030101010101" pitchFamily="2" charset="-122"/>
@@ -7776,7 +9865,7 @@
               <a:t> </a:t>
             </a:r>
             <a:r>
-              <a:rPr lang="en-US" dirty="0">
+              <a:rPr lang="en-US">
                 <a:latin typeface="Times New Roman" panose="02020603050405020304" pitchFamily="18" charset="0"/>
                 <a:ea typeface="DengXian" panose="02010600030101010101" pitchFamily="2" charset="-122"/>
               </a:rPr>
@@ -7844,14 +9933,14 @@
           <a:lstStyle/>
           <a:p>
             <a:r>
-              <a:rPr lang="en-US" sz="3200" b="1" dirty="0">
+              <a:rPr lang="en-US" sz="3200" b="1">
                 <a:effectLst/>
                 <a:latin typeface="Times New Roman" panose="02020603050405020304" pitchFamily="18" charset="0"/>
                 <a:ea typeface="DengXian" panose="02010600030101010101" pitchFamily="2" charset="-122"/>
               </a:rPr>
               <a:t>Figure 4.</a:t>
             </a:r>
-            <a:endParaRPr lang="en-US" sz="3200" dirty="0"/>
+            <a:endParaRPr lang="en-US" sz="3200"/>
           </a:p>
         </p:txBody>
       </p:sp>
@@ -7957,35 +10046,6 @@
           </a:p>
         </p:txBody>
       </p:sp>
-      <p:pic>
-        <p:nvPicPr>
-          <p:cNvPr id="3" name="Picture 2">
-            <a:extLst>
-              <a:ext uri="{FF2B5EF4-FFF2-40B4-BE49-F238E27FC236}">
-                <a16:creationId xmlns:a16="http://schemas.microsoft.com/office/drawing/2014/main" id="{6EA4C9B3-D6D2-C7BD-BDF7-8434B34B5FA0}"/>
-              </a:ext>
-            </a:extLst>
-          </p:cNvPr>
-          <p:cNvPicPr>
-            <a:picLocks noChangeAspect="1"/>
-          </p:cNvPicPr>
-          <p:nvPr/>
-        </p:nvPicPr>
-        <p:blipFill rotWithShape="1">
-          <a:blip r:embed="rId4"/>
-          <a:srcRect l="8259" t="9362" r="12928" b="11141"/>
-          <a:stretch/>
-        </p:blipFill>
-        <p:spPr>
-          <a:xfrm>
-            <a:off x="8610600" y="1311604"/>
-            <a:ext cx="2901923" cy="2246873"/>
-          </a:xfrm>
-          <a:prstGeom prst="rect">
-            <a:avLst/>
-          </a:prstGeom>
-        </p:spPr>
-      </p:pic>
       <p:sp>
         <p:nvSpPr>
           <p:cNvPr id="4" name="TextBox 3">
@@ -8019,7 +10079,7 @@
               <a:buChar char="•"/>
             </a:pPr>
             <a:r>
-              <a:rPr lang="en-US" sz="1800" b="1" dirty="0">
+              <a:rPr lang="en-US" sz="1800" b="1">
                 <a:effectLst/>
                 <a:latin typeface="Times New Roman" panose="02020603050405020304" pitchFamily="18" charset="0"/>
                 <a:ea typeface="DengXian" panose="02010600030101010101" pitchFamily="2" charset="-122"/>
@@ -8027,7 +10087,7 @@
               <a:t>Figure 4.</a:t>
             </a:r>
             <a:r>
-              <a:rPr lang="en-US" sz="1800" dirty="0">
+              <a:rPr lang="en-US" sz="1800">
                 <a:effectLst/>
                 <a:latin typeface="Times New Roman" panose="02020603050405020304" pitchFamily="18" charset="0"/>
                 <a:ea typeface="DengXian" panose="02010600030101010101" pitchFamily="2" charset="-122"/>
@@ -8035,21 +10095,35 @@
               <a:t> </a:t>
             </a:r>
             <a:r>
-              <a:rPr lang="en-US" dirty="0">
+              <a:rPr lang="en-US">
                 <a:latin typeface="Times New Roman" panose="02020603050405020304" pitchFamily="18" charset="0"/>
                 <a:ea typeface="DengXian" panose="02010600030101010101" pitchFamily="2" charset="-122"/>
               </a:rPr>
-              <a:t>Average coordination number of the first coordination shell of Ln complexes in subset2n (</a:t>
-            </a:r>
-            <a:r>
-              <a:rPr lang="en-US" altLang="zh-CN" dirty="0">
+              <a:t>Average coordination number of the first coordination shell of Ln complexes in subset2 (</a:t>
+            </a:r>
+            <a:r>
+              <a:rPr lang="en-US" altLang="zh-CN">
+                <a:latin typeface="Times New Roman" panose="02020603050405020304" pitchFamily="18" charset="0"/>
+                <a:ea typeface="DengXian" panose="02010600030101010101" pitchFamily="2" charset="-122"/>
+              </a:rPr>
+              <a:t>black</a:t>
+            </a:r>
+            <a:r>
+              <a:rPr lang="en-US">
+                <a:latin typeface="Times New Roman" panose="02020603050405020304" pitchFamily="18" charset="0"/>
+                <a:ea typeface="DengXian" panose="02010600030101010101" pitchFamily="2" charset="-122"/>
+              </a:rPr>
+              <a:t>) ,subset2n (</a:t>
+            </a:r>
+            <a:r>
+              <a:rPr lang="en-US" altLang="zh-CN">
                 <a:latin typeface="Times New Roman" panose="02020603050405020304" pitchFamily="18" charset="0"/>
                 <a:ea typeface="DengXian" panose="02010600030101010101" pitchFamily="2" charset="-122"/>
               </a:rPr>
               <a:t>blue</a:t>
             </a:r>
             <a:r>
-              <a:rPr lang="en-US" dirty="0">
+              <a:rPr lang="en-US">
                 <a:latin typeface="Times New Roman" panose="02020603050405020304" pitchFamily="18" charset="0"/>
                 <a:ea typeface="DengXian" panose="02010600030101010101" pitchFamily="2" charset="-122"/>
               </a:rPr>
@@ -8073,14 +10147,14 @@
           <p:nvPr/>
         </p:nvPicPr>
         <p:blipFill>
-          <a:blip r:embed="rId5"/>
+          <a:blip r:embed="rId4"/>
           <a:stretch>
             <a:fillRect/>
           </a:stretch>
         </p:blipFill>
         <p:spPr>
           <a:xfrm>
-            <a:off x="115217" y="814757"/>
+            <a:off x="2690328" y="814757"/>
             <a:ext cx="6811343" cy="5228485"/>
           </a:xfrm>
           <a:prstGeom prst="rect">
@@ -8147,14 +10221,14 @@
           <a:lstStyle/>
           <a:p>
             <a:r>
-              <a:rPr lang="en-US" sz="3200" b="1" dirty="0">
+              <a:rPr lang="en-US" sz="3200" b="1">
                 <a:effectLst/>
                 <a:latin typeface="Times New Roman" panose="02020603050405020304" pitchFamily="18" charset="0"/>
                 <a:ea typeface="DengXian" panose="02010600030101010101" pitchFamily="2" charset="-122"/>
               </a:rPr>
               <a:t>Figure 5.</a:t>
             </a:r>
-            <a:endParaRPr lang="en-US" sz="3200" dirty="0"/>
+            <a:endParaRPr lang="en-US" sz="3200"/>
           </a:p>
         </p:txBody>
       </p:sp>
@@ -8293,7 +10367,7 @@
               <a:buChar char="•"/>
             </a:pPr>
             <a:r>
-              <a:rPr lang="en-US" sz="1800" b="1" dirty="0">
+              <a:rPr lang="en-US" sz="1800" b="1">
                 <a:effectLst/>
                 <a:latin typeface="Times New Roman" panose="02020603050405020304" pitchFamily="18" charset="0"/>
                 <a:ea typeface="DengXian" panose="02010600030101010101" pitchFamily="2" charset="-122"/>
@@ -8301,7 +10375,7 @@
               <a:t>Figure 5.</a:t>
             </a:r>
             <a:r>
-              <a:rPr lang="en-US" sz="1800" dirty="0">
+              <a:rPr lang="en-US" sz="1800">
                 <a:effectLst/>
                 <a:latin typeface="Times New Roman" panose="02020603050405020304" pitchFamily="18" charset="0"/>
                 <a:ea typeface="DengXian" panose="02010600030101010101" pitchFamily="2" charset="-122"/>
@@ -8309,7 +10383,7 @@
               <a:t> </a:t>
             </a:r>
             <a:r>
-              <a:rPr lang="en-US" dirty="0">
+              <a:rPr lang="en-US">
                 <a:latin typeface="Times New Roman" panose="02020603050405020304" pitchFamily="18" charset="0"/>
                 <a:ea typeface="DengXian" panose="02010600030101010101" pitchFamily="2" charset="-122"/>
               </a:rPr>
@@ -8406,14 +10480,14 @@
           <a:lstStyle/>
           <a:p>
             <a:r>
-              <a:rPr lang="en-US" sz="3200" b="1" dirty="0">
+              <a:rPr lang="en-US" sz="3200" b="1">
                 <a:effectLst/>
                 <a:latin typeface="Times New Roman" panose="02020603050405020304" pitchFamily="18" charset="0"/>
                 <a:ea typeface="DengXian" panose="02010600030101010101" pitchFamily="2" charset="-122"/>
               </a:rPr>
               <a:t>Figure 6.</a:t>
             </a:r>
-            <a:endParaRPr lang="en-US" sz="3200" dirty="0"/>
+            <a:endParaRPr lang="en-US" sz="3200"/>
           </a:p>
         </p:txBody>
       </p:sp>
@@ -8552,7 +10626,7 @@
               <a:buChar char="•"/>
             </a:pPr>
             <a:r>
-              <a:rPr lang="en-US" sz="1800" b="1" dirty="0">
+              <a:rPr lang="en-US" sz="1800" b="1">
                 <a:effectLst/>
                 <a:latin typeface="Times New Roman" panose="02020603050405020304" pitchFamily="18" charset="0"/>
                 <a:ea typeface="DengXian" panose="02010600030101010101" pitchFamily="2" charset="-122"/>
@@ -8560,7 +10634,7 @@
               <a:t>Figure 6.</a:t>
             </a:r>
             <a:r>
-              <a:rPr lang="en-US" sz="1800" dirty="0">
+              <a:rPr lang="en-US" sz="1800">
                 <a:effectLst/>
                 <a:latin typeface="Times New Roman" panose="02020603050405020304" pitchFamily="18" charset="0"/>
                 <a:ea typeface="DengXian" panose="02010600030101010101" pitchFamily="2" charset="-122"/>
@@ -8568,13 +10642,13 @@
               <a:t> </a:t>
             </a:r>
             <a:r>
-              <a:rPr lang="en-US" altLang="zh-CN" dirty="0">
+              <a:rPr lang="en-US" altLang="zh-CN">
                 <a:latin typeface="Times New Roman" panose="02020603050405020304" pitchFamily="18" charset="0"/>
                 <a:ea typeface="DengXian" panose="02010600030101010101" pitchFamily="2" charset="-122"/>
               </a:rPr>
-              <a:t>Distribution of neutral first shell and non neutral first shell in (a)subset2n and (b)subset2w. </a:t>
-            </a:r>
-            <a:endParaRPr lang="en-US" dirty="0">
+              <a:t>Distribution of net charge of the first coordination shell in (a)subset2n and (b)subset2w. </a:t>
+            </a:r>
+            <a:endParaRPr lang="en-US">
               <a:latin typeface="Times New Roman" panose="02020603050405020304" pitchFamily="18" charset="0"/>
               <a:ea typeface="DengXian" panose="02010600030101010101" pitchFamily="2" charset="-122"/>
             </a:endParaRPr>
@@ -8610,7 +10684,7 @@
           <a:lstStyle/>
           <a:p>
             <a:r>
-              <a:rPr lang="en-US" b="1" dirty="0">
+              <a:rPr lang="en-US" b="1">
                 <a:latin typeface="Times New Roman" panose="02020603050405020304" pitchFamily="18" charset="0"/>
                 <a:cs typeface="Times New Roman" panose="02020603050405020304" pitchFamily="18" charset="0"/>
               </a:rPr>
@@ -8648,7 +10722,7 @@
           <a:lstStyle/>
           <a:p>
             <a:r>
-              <a:rPr lang="en-US" b="1" dirty="0">
+              <a:rPr lang="en-US" b="1">
                 <a:latin typeface="Times New Roman" panose="02020603050405020304" pitchFamily="18" charset="0"/>
                 <a:cs typeface="Times New Roman" panose="02020603050405020304" pitchFamily="18" charset="0"/>
               </a:rPr>
@@ -8659,10 +10733,10 @@
       </p:sp>
       <p:pic>
         <p:nvPicPr>
-          <p:cNvPr id="11" name="Picture 10">
-            <a:extLst>
-              <a:ext uri="{FF2B5EF4-FFF2-40B4-BE49-F238E27FC236}">
-                <a16:creationId xmlns:a16="http://schemas.microsoft.com/office/drawing/2014/main" id="{97C35CDE-E6C8-62C5-9767-54CCCE2DF5DA}"/>
+          <p:cNvPr id="12" name="Picture 11">
+            <a:extLst>
+              <a:ext uri="{FF2B5EF4-FFF2-40B4-BE49-F238E27FC236}">
+                <a16:creationId xmlns:a16="http://schemas.microsoft.com/office/drawing/2014/main" id="{BFC26830-5D1C-FDC4-8FBB-1A58D2023D63}"/>
               </a:ext>
             </a:extLst>
           </p:cNvPr>
@@ -8671,15 +10745,16 @@
           </p:cNvPicPr>
           <p:nvPr/>
         </p:nvPicPr>
-        <p:blipFill rotWithShape="1">
+        <p:blipFill>
           <a:blip r:embed="rId4"/>
-          <a:srcRect l="8545" t="8249" r="12654" b="5689"/>
-          <a:stretch/>
+          <a:stretch>
+            <a:fillRect/>
+          </a:stretch>
         </p:blipFill>
         <p:spPr>
           <a:xfrm>
-            <a:off x="1199751" y="1737689"/>
-            <a:ext cx="3767846" cy="3147801"/>
+            <a:off x="882910" y="1365387"/>
+            <a:ext cx="4781444" cy="3657600"/>
           </a:xfrm>
           <a:prstGeom prst="rect">
             <a:avLst/>
@@ -8688,10 +10763,10 @@
       </p:pic>
       <p:pic>
         <p:nvPicPr>
-          <p:cNvPr id="13" name="Picture 12">
-            <a:extLst>
-              <a:ext uri="{FF2B5EF4-FFF2-40B4-BE49-F238E27FC236}">
-                <a16:creationId xmlns:a16="http://schemas.microsoft.com/office/drawing/2014/main" id="{8CDE5DBB-2338-5ED8-490A-EB62B456559C}"/>
+          <p:cNvPr id="16" name="Picture 15">
+            <a:extLst>
+              <a:ext uri="{FF2B5EF4-FFF2-40B4-BE49-F238E27FC236}">
+                <a16:creationId xmlns:a16="http://schemas.microsoft.com/office/drawing/2014/main" id="{577C420E-FB7C-1386-2776-2F7467F3D5D4}"/>
               </a:ext>
             </a:extLst>
           </p:cNvPr>
@@ -8700,15 +10775,16 @@
           </p:cNvPicPr>
           <p:nvPr/>
         </p:nvPicPr>
-        <p:blipFill rotWithShape="1">
+        <p:blipFill>
           <a:blip r:embed="rId5"/>
-          <a:srcRect l="6874" t="8249" r="13236" b="5690"/>
-          <a:stretch/>
+          <a:stretch>
+            <a:fillRect/>
+          </a:stretch>
         </p:blipFill>
         <p:spPr>
           <a:xfrm>
-            <a:off x="5240661" y="1737693"/>
-            <a:ext cx="3819867" cy="3147797"/>
+            <a:off x="5200756" y="1365387"/>
+            <a:ext cx="4781444" cy="3657600"/>
           </a:xfrm>
           <a:prstGeom prst="rect">
             <a:avLst/>
@@ -8718,7 +10794,7 @@
     </p:spTree>
     <p:extLst>
       <p:ext uri="{BB962C8B-B14F-4D97-AF65-F5344CB8AC3E}">
-        <p14:creationId xmlns:p14="http://schemas.microsoft.com/office/powerpoint/2010/main" val="4049957910"/>
+        <p14:creationId xmlns:p14="http://schemas.microsoft.com/office/powerpoint/2010/main" val="1497024170"/>
       </p:ext>
     </p:extLst>
   </p:cSld>
@@ -8774,14 +10850,14 @@
           <a:lstStyle/>
           <a:p>
             <a:r>
-              <a:rPr lang="en-US" sz="3200" b="1" dirty="0">
+              <a:rPr lang="en-US" sz="3200" b="1">
                 <a:effectLst/>
                 <a:latin typeface="Times New Roman" panose="02020603050405020304" pitchFamily="18" charset="0"/>
                 <a:ea typeface="DengXian" panose="02010600030101010101" pitchFamily="2" charset="-122"/>
               </a:rPr>
-              <a:t>Figure 7.</a:t>
-            </a:r>
-            <a:endParaRPr lang="en-US" sz="3200" dirty="0"/>
+              <a:t>Figure 6.</a:t>
+            </a:r>
+            <a:endParaRPr lang="en-US" sz="3200"/>
           </a:p>
         </p:txBody>
       </p:sp>
@@ -8901,8 +10977,8 @@
         </p:nvSpPr>
         <p:spPr>
           <a:xfrm>
-            <a:off x="312517" y="5673281"/>
-            <a:ext cx="10703674" cy="923330"/>
+            <a:off x="306032" y="5812095"/>
+            <a:ext cx="10703674" cy="646331"/>
           </a:xfrm>
           <a:prstGeom prst="rect">
             <a:avLst/>
@@ -8920,7 +10996,7 @@
               <a:buChar char="•"/>
             </a:pPr>
             <a:r>
-              <a:rPr lang="en-US" sz="1800" b="1" dirty="0">
+              <a:rPr lang="en-US" sz="1800" b="1">
                 <a:effectLst/>
                 <a:latin typeface="Times New Roman" panose="02020603050405020304" pitchFamily="18" charset="0"/>
                 <a:ea typeface="DengXian" panose="02010600030101010101" pitchFamily="2" charset="-122"/>
@@ -8928,7 +11004,7 @@
               <a:t>Figure 7.</a:t>
             </a:r>
             <a:r>
-              <a:rPr lang="en-US" sz="1800" dirty="0">
+              <a:rPr lang="en-US" sz="1800">
                 <a:effectLst/>
                 <a:latin typeface="Times New Roman" panose="02020603050405020304" pitchFamily="18" charset="0"/>
                 <a:ea typeface="DengXian" panose="02010600030101010101" pitchFamily="2" charset="-122"/>
@@ -8936,11 +11012,18 @@
               <a:t> </a:t>
             </a:r>
             <a:r>
-              <a:rPr lang="en-US" dirty="0">
+              <a:rPr lang="en-US" altLang="zh-CN">
                 <a:latin typeface="Times New Roman" panose="02020603050405020304" pitchFamily="18" charset="0"/>
                 <a:ea typeface="DengXian" panose="02010600030101010101" pitchFamily="2" charset="-122"/>
               </a:rPr>
-              <a:t>Average net charge in first shell of Ln complexes in (a)subset2n (b)subset2w (c)subset2n_non_neutral (d)subset2w_non_neutral across the Ln series; Standard deviations are shown as the error bars.</a:t>
+              <a:t>Distribution of net charge </a:t>
+            </a:r>
+            <a:r>
+              <a:rPr lang="en-US">
+                <a:latin typeface="Times New Roman" panose="02020603050405020304" pitchFamily="18" charset="0"/>
+                <a:ea typeface="DengXian" panose="02010600030101010101" pitchFamily="2" charset="-122"/>
+              </a:rPr>
+              <a:t>in first shell of Ln complexes in (a)subset2n (b)subset2n_non_neutral (c)subset2w (d)subset2w_non_neutral across the Ln series.</a:t>
             </a:r>
           </a:p>
         </p:txBody>
@@ -8974,7 +11057,7 @@
           <a:lstStyle/>
           <a:p>
             <a:r>
-              <a:rPr lang="en-US" b="1" dirty="0">
+              <a:rPr lang="en-US" b="1">
                 <a:latin typeface="Times New Roman" panose="02020603050405020304" pitchFamily="18" charset="0"/>
                 <a:cs typeface="Times New Roman" panose="02020603050405020304" pitchFamily="18" charset="0"/>
               </a:rPr>
@@ -9012,7 +11095,7 @@
           <a:lstStyle/>
           <a:p>
             <a:r>
-              <a:rPr lang="en-US" b="1" dirty="0">
+              <a:rPr lang="en-US" b="1">
                 <a:latin typeface="Times New Roman" panose="02020603050405020304" pitchFamily="18" charset="0"/>
                 <a:cs typeface="Times New Roman" panose="02020603050405020304" pitchFamily="18" charset="0"/>
               </a:rPr>
@@ -9021,12 +11104,88 @@
           </a:p>
         </p:txBody>
       </p:sp>
+      <p:sp>
+        <p:nvSpPr>
+          <p:cNvPr id="19" name="TextBox 18">
+            <a:extLst>
+              <a:ext uri="{FF2B5EF4-FFF2-40B4-BE49-F238E27FC236}">
+                <a16:creationId xmlns:a16="http://schemas.microsoft.com/office/drawing/2014/main" id="{4FA26463-215F-AF9C-52BB-B2FB58C6E25E}"/>
+              </a:ext>
+            </a:extLst>
+          </p:cNvPr>
+          <p:cNvSpPr txBox="1"/>
+          <p:nvPr/>
+        </p:nvSpPr>
+        <p:spPr>
+          <a:xfrm>
+            <a:off x="1223977" y="3512491"/>
+            <a:ext cx="441146" cy="369332"/>
+          </a:xfrm>
+          <a:prstGeom prst="rect">
+            <a:avLst/>
+          </a:prstGeom>
+          <a:noFill/>
+        </p:spPr>
+        <p:txBody>
+          <a:bodyPr wrap="none" rtlCol="0">
+            <a:spAutoFit/>
+          </a:bodyPr>
+          <a:lstStyle/>
+          <a:p>
+            <a:r>
+              <a:rPr lang="en-US" b="1">
+                <a:latin typeface="Times New Roman" panose="02020603050405020304" pitchFamily="18" charset="0"/>
+                <a:cs typeface="Times New Roman" panose="02020603050405020304" pitchFamily="18" charset="0"/>
+              </a:rPr>
+              <a:t>(c)</a:t>
+            </a:r>
+          </a:p>
+        </p:txBody>
+      </p:sp>
+      <p:sp>
+        <p:nvSpPr>
+          <p:cNvPr id="20" name="TextBox 19">
+            <a:extLst>
+              <a:ext uri="{FF2B5EF4-FFF2-40B4-BE49-F238E27FC236}">
+                <a16:creationId xmlns:a16="http://schemas.microsoft.com/office/drawing/2014/main" id="{DBFCCB08-C436-2B4D-E952-2F710E47C66A}"/>
+              </a:ext>
+            </a:extLst>
+          </p:cNvPr>
+          <p:cNvSpPr txBox="1"/>
+          <p:nvPr/>
+        </p:nvSpPr>
+        <p:spPr>
+          <a:xfrm>
+            <a:off x="4674200" y="3527410"/>
+            <a:ext cx="466794" cy="369332"/>
+          </a:xfrm>
+          <a:prstGeom prst="rect">
+            <a:avLst/>
+          </a:prstGeom>
+          <a:noFill/>
+        </p:spPr>
+        <p:txBody>
+          <a:bodyPr wrap="none" rtlCol="0">
+            <a:spAutoFit/>
+          </a:bodyPr>
+          <a:lstStyle/>
+          <a:p>
+            <a:r>
+              <a:rPr lang="en-US" b="1">
+                <a:latin typeface="Times New Roman" panose="02020603050405020304" pitchFamily="18" charset="0"/>
+                <a:cs typeface="Times New Roman" panose="02020603050405020304" pitchFamily="18" charset="0"/>
+              </a:rPr>
+              <a:t>(d)</a:t>
+            </a:r>
+          </a:p>
+        </p:txBody>
+      </p:sp>
       <p:pic>
         <p:nvPicPr>
-          <p:cNvPr id="4" name="Picture 3">
-            <a:extLst>
-              <a:ext uri="{FF2B5EF4-FFF2-40B4-BE49-F238E27FC236}">
-                <a16:creationId xmlns:a16="http://schemas.microsoft.com/office/drawing/2014/main" id="{F5BD3E8C-9A67-02C2-98B9-362D49ACBDB7}"/>
+          <p:cNvPr id="13" name="Picture 12">
+            <a:extLst>
+              <a:ext uri="{FF2B5EF4-FFF2-40B4-BE49-F238E27FC236}">
+                <a16:creationId xmlns:a16="http://schemas.microsoft.com/office/drawing/2014/main" id="{995D70F8-AFE6-0D41-469F-0FD47AC6C48E}"/>
               </a:ext>
             </a:extLst>
           </p:cNvPr>
@@ -9043,7 +11202,7 @@
         </p:blipFill>
         <p:spPr>
           <a:xfrm>
-            <a:off x="1383679" y="786265"/>
+            <a:off x="1377430" y="917409"/>
             <a:ext cx="3566160" cy="2727960"/>
           </a:xfrm>
           <a:prstGeom prst="rect">
@@ -9053,10 +11212,10 @@
       </p:pic>
       <p:pic>
         <p:nvPicPr>
-          <p:cNvPr id="12" name="Picture 11">
-            <a:extLst>
-              <a:ext uri="{FF2B5EF4-FFF2-40B4-BE49-F238E27FC236}">
-                <a16:creationId xmlns:a16="http://schemas.microsoft.com/office/drawing/2014/main" id="{D9EFFC36-0B37-34B9-13F7-94657784182A}"/>
+          <p:cNvPr id="24" name="Picture 23">
+            <a:extLst>
+              <a:ext uri="{FF2B5EF4-FFF2-40B4-BE49-F238E27FC236}">
+                <a16:creationId xmlns:a16="http://schemas.microsoft.com/office/drawing/2014/main" id="{3FB5D1DF-012A-3743-1ABC-9A2A18F1E03D}"/>
               </a:ext>
             </a:extLst>
           </p:cNvPr>
@@ -9073,7 +11232,7 @@
         </p:blipFill>
         <p:spPr>
           <a:xfrm>
-            <a:off x="1383679" y="3108962"/>
+            <a:off x="1377430" y="3255564"/>
             <a:ext cx="3566160" cy="2727960"/>
           </a:xfrm>
           <a:prstGeom prst="rect">
@@ -9083,10 +11242,10 @@
       </p:pic>
       <p:pic>
         <p:nvPicPr>
-          <p:cNvPr id="16" name="Picture 15">
-            <a:extLst>
-              <a:ext uri="{FF2B5EF4-FFF2-40B4-BE49-F238E27FC236}">
-                <a16:creationId xmlns:a16="http://schemas.microsoft.com/office/drawing/2014/main" id="{3F7BF0D1-F45F-FE7B-B525-DD22CE195DDD}"/>
+          <p:cNvPr id="28" name="Picture 27">
+            <a:extLst>
+              <a:ext uri="{FF2B5EF4-FFF2-40B4-BE49-F238E27FC236}">
+                <a16:creationId xmlns:a16="http://schemas.microsoft.com/office/drawing/2014/main" id="{A5DFB900-3B3D-BF42-1F0B-E5FA5F138DF8}"/>
               </a:ext>
             </a:extLst>
           </p:cNvPr>
@@ -9103,7 +11262,7 @@
         </p:blipFill>
         <p:spPr>
           <a:xfrm>
-            <a:off x="4833902" y="786265"/>
+            <a:off x="4871604" y="3255564"/>
             <a:ext cx="3566160" cy="2727960"/>
           </a:xfrm>
           <a:prstGeom prst="rect">
@@ -9113,10 +11272,10 @@
       </p:pic>
       <p:pic>
         <p:nvPicPr>
-          <p:cNvPr id="18" name="Picture 17">
-            <a:extLst>
-              <a:ext uri="{FF2B5EF4-FFF2-40B4-BE49-F238E27FC236}">
-                <a16:creationId xmlns:a16="http://schemas.microsoft.com/office/drawing/2014/main" id="{AC859D17-420E-3C2D-CDAC-51C89CC42EC6}"/>
+          <p:cNvPr id="30" name="Picture 29">
+            <a:extLst>
+              <a:ext uri="{FF2B5EF4-FFF2-40B4-BE49-F238E27FC236}">
+                <a16:creationId xmlns:a16="http://schemas.microsoft.com/office/drawing/2014/main" id="{5FD3A135-F6EC-1815-9E8F-194696EF19A3}"/>
               </a:ext>
             </a:extLst>
           </p:cNvPr>
@@ -9133,8 +11292,8 @@
         </p:blipFill>
         <p:spPr>
           <a:xfrm>
-            <a:off x="4833902" y="3108962"/>
-            <a:ext cx="3566160" cy="2727960"/>
+            <a:off x="4876407" y="917409"/>
+            <a:ext cx="3561357" cy="2724912"/>
           </a:xfrm>
           <a:prstGeom prst="rect">
             <a:avLst/>
@@ -9143,10 +11302,10 @@
       </p:pic>
       <p:sp>
         <p:nvSpPr>
-          <p:cNvPr id="19" name="TextBox 18">
-            <a:extLst>
-              <a:ext uri="{FF2B5EF4-FFF2-40B4-BE49-F238E27FC236}">
-                <a16:creationId xmlns:a16="http://schemas.microsoft.com/office/drawing/2014/main" id="{4FA26463-215F-AF9C-52BB-B2FB58C6E25E}"/>
+          <p:cNvPr id="31" name="TextBox 30">
+            <a:extLst>
+              <a:ext uri="{FF2B5EF4-FFF2-40B4-BE49-F238E27FC236}">
+                <a16:creationId xmlns:a16="http://schemas.microsoft.com/office/drawing/2014/main" id="{FFA1F4AB-8F41-1EE0-F0BB-63366BC0B6C7}"/>
               </a:ext>
             </a:extLst>
           </p:cNvPr>
@@ -9155,8 +11314,8 @@
         </p:nvSpPr>
         <p:spPr>
           <a:xfrm>
-            <a:off x="1223977" y="3512491"/>
-            <a:ext cx="441146" cy="369332"/>
+            <a:off x="8313906" y="1940449"/>
+            <a:ext cx="3218125" cy="646331"/>
           </a:xfrm>
           <a:prstGeom prst="rect">
             <a:avLst/>
@@ -9170,49 +11329,14 @@
           <a:lstStyle/>
           <a:p>
             <a:r>
-              <a:rPr lang="en-US" b="1" dirty="0">
-                <a:latin typeface="Times New Roman" panose="02020603050405020304" pitchFamily="18" charset="0"/>
-                <a:cs typeface="Times New Roman" panose="02020603050405020304" pitchFamily="18" charset="0"/>
-              </a:rPr>
-              <a:t>(c)</a:t>
-            </a:r>
-          </a:p>
-        </p:txBody>
-      </p:sp>
-      <p:sp>
-        <p:nvSpPr>
-          <p:cNvPr id="20" name="TextBox 19">
-            <a:extLst>
-              <a:ext uri="{FF2B5EF4-FFF2-40B4-BE49-F238E27FC236}">
-                <a16:creationId xmlns:a16="http://schemas.microsoft.com/office/drawing/2014/main" id="{DBFCCB08-C436-2B4D-E952-2F710E47C66A}"/>
-              </a:ext>
-            </a:extLst>
-          </p:cNvPr>
-          <p:cNvSpPr txBox="1"/>
-          <p:nvPr/>
-        </p:nvSpPr>
-        <p:spPr>
-          <a:xfrm>
-            <a:off x="4674200" y="3527410"/>
-            <a:ext cx="466794" cy="369332"/>
-          </a:xfrm>
-          <a:prstGeom prst="rect">
-            <a:avLst/>
-          </a:prstGeom>
-          <a:noFill/>
-        </p:spPr>
-        <p:txBody>
-          <a:bodyPr wrap="none" rtlCol="0">
-            <a:spAutoFit/>
-          </a:bodyPr>
-          <a:lstStyle/>
-          <a:p>
-            <a:r>
-              <a:rPr lang="en-US" b="1" dirty="0">
-                <a:latin typeface="Times New Roman" panose="02020603050405020304" pitchFamily="18" charset="0"/>
-                <a:cs typeface="Times New Roman" panose="02020603050405020304" pitchFamily="18" charset="0"/>
-              </a:rPr>
-              <a:t>(d)</a:t>
+              <a:rPr lang="en-US"/>
+              <a:t>For non-neutral fs,</a:t>
+            </a:r>
+          </a:p>
+          <a:p>
+            <a:r>
+              <a:rPr lang="en-US"/>
+              <a:t>Nitrates prefer net charge  = +1</a:t>
             </a:r>
           </a:p>
         </p:txBody>

--- a/Figure in paper 2.pptx
+++ b/Figure in paper 2.pptx
@@ -5,23 +5,25 @@
     <p:sldMasterId id="2147483648" r:id="rId1"/>
   </p:sldMasterIdLst>
   <p:notesMasterIdLst>
-    <p:notesMasterId r:id="rId16"/>
+    <p:notesMasterId r:id="rId18"/>
   </p:notesMasterIdLst>
   <p:sldIdLst>
     <p:sldId id="278" r:id="rId2"/>
     <p:sldId id="279" r:id="rId3"/>
     <p:sldId id="287" r:id="rId4"/>
-    <p:sldId id="280" r:id="rId5"/>
-    <p:sldId id="282" r:id="rId6"/>
-    <p:sldId id="283" r:id="rId7"/>
-    <p:sldId id="284" r:id="rId8"/>
-    <p:sldId id="288" r:id="rId9"/>
-    <p:sldId id="286" r:id="rId10"/>
-    <p:sldId id="258" r:id="rId11"/>
-    <p:sldId id="290" r:id="rId12"/>
-    <p:sldId id="285" r:id="rId13"/>
-    <p:sldId id="289" r:id="rId14"/>
-    <p:sldId id="281" r:id="rId15"/>
+    <p:sldId id="293" r:id="rId5"/>
+    <p:sldId id="280" r:id="rId6"/>
+    <p:sldId id="282" r:id="rId7"/>
+    <p:sldId id="283" r:id="rId8"/>
+    <p:sldId id="292" r:id="rId9"/>
+    <p:sldId id="284" r:id="rId10"/>
+    <p:sldId id="286" r:id="rId11"/>
+    <p:sldId id="258" r:id="rId12"/>
+    <p:sldId id="288" r:id="rId13"/>
+    <p:sldId id="290" r:id="rId14"/>
+    <p:sldId id="285" r:id="rId15"/>
+    <p:sldId id="289" r:id="rId16"/>
+    <p:sldId id="281" r:id="rId17"/>
   </p:sldIdLst>
   <p:sldSz cx="12192000" cy="6858000"/>
   <p:notesSz cx="6858000" cy="9144000"/>
@@ -131,8 +133,7 @@
 <file path=ppt/revisionInfo.xml><?xml version="1.0" encoding="utf-8"?>
 <p1510:revInfo xmlns:a="http://schemas.openxmlformats.org/drawingml/2006/main" xmlns:r="http://schemas.openxmlformats.org/officeDocument/2006/relationships" xmlns:p1510="http://schemas.microsoft.com/office/powerpoint/2015/10/main">
   <p1510:revLst>
-    <p1510:client id="{7E5EB6AF-9D82-46FE-8E7A-CD8501CCC7B9}" v="105" dt="2024-07-08T16:22:11.041"/>
-    <p1510:client id="{C8EB9581-3A01-49CB-991F-1FA336667468}" v="21" dt="2024-07-08T13:58:34.054"/>
+    <p1510:client id="{7E5EB6AF-9D82-46FE-8E7A-CD8501CCC7B9}" v="111" dt="2024-07-10T20:56:43.902"/>
   </p1510:revLst>
 </p1510:revInfo>
 </file>
@@ -140,9 +141,645 @@
 <file path=ppt/changesInfos/changesInfo1.xml><?xml version="1.0" encoding="utf-8"?>
 <pc:chgInfo xmlns:a="http://schemas.openxmlformats.org/drawingml/2006/main" xmlns:r="http://schemas.openxmlformats.org/officeDocument/2006/relationships" xmlns:ac="http://schemas.microsoft.com/office/drawing/2013/main/command" xmlns:pc="http://schemas.microsoft.com/office/powerpoint/2013/main/command">
   <pc:docChgLst>
+    <pc:chgData name="Li, Shicheng" userId="7425521c-7c11-4331-97d3-6e2702dd7f11" providerId="ADAL" clId="{7E5EB6AF-9D82-46FE-8E7A-CD8501CCC7B9}"/>
+    <pc:docChg chg="undo custSel addSld delSld modSld sldOrd">
+      <pc:chgData name="Li, Shicheng" userId="7425521c-7c11-4331-97d3-6e2702dd7f11" providerId="ADAL" clId="{7E5EB6AF-9D82-46FE-8E7A-CD8501CCC7B9}" dt="2024-07-10T21:32:46.839" v="489" actId="20577"/>
+      <pc:docMkLst>
+        <pc:docMk/>
+      </pc:docMkLst>
+      <pc:sldChg chg="modSp mod">
+        <pc:chgData name="Li, Shicheng" userId="7425521c-7c11-4331-97d3-6e2702dd7f11" providerId="ADAL" clId="{7E5EB6AF-9D82-46FE-8E7A-CD8501CCC7B9}" dt="2024-06-21T16:02:30.772" v="42" actId="732"/>
+        <pc:sldMkLst>
+          <pc:docMk/>
+          <pc:sldMk cId="3626113393" sldId="278"/>
+        </pc:sldMkLst>
+        <pc:picChg chg="mod modCrop">
+          <ac:chgData name="Li, Shicheng" userId="7425521c-7c11-4331-97d3-6e2702dd7f11" providerId="ADAL" clId="{7E5EB6AF-9D82-46FE-8E7A-CD8501CCC7B9}" dt="2024-06-21T16:02:30.772" v="42" actId="732"/>
+          <ac:picMkLst>
+            <pc:docMk/>
+            <pc:sldMk cId="3626113393" sldId="278"/>
+            <ac:picMk id="10" creationId="{90F64B60-B7ED-0FB1-0406-C907BF31561F}"/>
+          </ac:picMkLst>
+        </pc:picChg>
+      </pc:sldChg>
+      <pc:sldChg chg="modSp mod">
+        <pc:chgData name="Li, Shicheng" userId="7425521c-7c11-4331-97d3-6e2702dd7f11" providerId="ADAL" clId="{7E5EB6AF-9D82-46FE-8E7A-CD8501CCC7B9}" dt="2024-07-10T21:30:19.986" v="409" actId="20577"/>
+        <pc:sldMkLst>
+          <pc:docMk/>
+          <pc:sldMk cId="782779783" sldId="280"/>
+        </pc:sldMkLst>
+        <pc:spChg chg="mod">
+          <ac:chgData name="Li, Shicheng" userId="7425521c-7c11-4331-97d3-6e2702dd7f11" providerId="ADAL" clId="{7E5EB6AF-9D82-46FE-8E7A-CD8501CCC7B9}" dt="2024-07-10T21:30:11.681" v="401" actId="20577"/>
+          <ac:spMkLst>
+            <pc:docMk/>
+            <pc:sldMk cId="782779783" sldId="280"/>
+            <ac:spMk id="2" creationId="{001E3F70-DC66-8477-9E54-EC5216071F23}"/>
+          </ac:spMkLst>
+        </pc:spChg>
+        <pc:spChg chg="mod">
+          <ac:chgData name="Li, Shicheng" userId="7425521c-7c11-4331-97d3-6e2702dd7f11" providerId="ADAL" clId="{7E5EB6AF-9D82-46FE-8E7A-CD8501CCC7B9}" dt="2024-07-10T21:30:19.986" v="409" actId="20577"/>
+          <ac:spMkLst>
+            <pc:docMk/>
+            <pc:sldMk cId="782779783" sldId="280"/>
+            <ac:spMk id="5" creationId="{9CB0378C-DD29-230A-C449-BB7B8680D2BA}"/>
+          </ac:spMkLst>
+        </pc:spChg>
+        <pc:picChg chg="mod modCrop">
+          <ac:chgData name="Li, Shicheng" userId="7425521c-7c11-4331-97d3-6e2702dd7f11" providerId="ADAL" clId="{7E5EB6AF-9D82-46FE-8E7A-CD8501CCC7B9}" dt="2024-06-21T16:06:54.580" v="46" actId="732"/>
+          <ac:picMkLst>
+            <pc:docMk/>
+            <pc:sldMk cId="782779783" sldId="280"/>
+            <ac:picMk id="10" creationId="{069962A3-6AAD-3706-94B6-CBF715DCF8EE}"/>
+          </ac:picMkLst>
+        </pc:picChg>
+      </pc:sldChg>
+      <pc:sldChg chg="modSp mod">
+        <pc:chgData name="Li, Shicheng" userId="7425521c-7c11-4331-97d3-6e2702dd7f11" providerId="ADAL" clId="{7E5EB6AF-9D82-46FE-8E7A-CD8501CCC7B9}" dt="2024-07-10T21:30:23.590" v="411" actId="20577"/>
+        <pc:sldMkLst>
+          <pc:docMk/>
+          <pc:sldMk cId="1297170163" sldId="282"/>
+        </pc:sldMkLst>
+        <pc:spChg chg="mod">
+          <ac:chgData name="Li, Shicheng" userId="7425521c-7c11-4331-97d3-6e2702dd7f11" providerId="ADAL" clId="{7E5EB6AF-9D82-46FE-8E7A-CD8501CCC7B9}" dt="2024-07-10T21:30:16.673" v="407" actId="20577"/>
+          <ac:spMkLst>
+            <pc:docMk/>
+            <pc:sldMk cId="1297170163" sldId="282"/>
+            <ac:spMk id="2" creationId="{001E3F70-DC66-8477-9E54-EC5216071F23}"/>
+          </ac:spMkLst>
+        </pc:spChg>
+        <pc:spChg chg="mod">
+          <ac:chgData name="Li, Shicheng" userId="7425521c-7c11-4331-97d3-6e2702dd7f11" providerId="ADAL" clId="{7E5EB6AF-9D82-46FE-8E7A-CD8501CCC7B9}" dt="2024-07-10T21:30:23.590" v="411" actId="20577"/>
+          <ac:spMkLst>
+            <pc:docMk/>
+            <pc:sldMk cId="1297170163" sldId="282"/>
+            <ac:spMk id="5" creationId="{FFF631A5-928D-717A-31FC-A6D481BCD3BE}"/>
+          </ac:spMkLst>
+        </pc:spChg>
+        <pc:picChg chg="mod modCrop">
+          <ac:chgData name="Li, Shicheng" userId="7425521c-7c11-4331-97d3-6e2702dd7f11" providerId="ADAL" clId="{7E5EB6AF-9D82-46FE-8E7A-CD8501CCC7B9}" dt="2024-06-21T16:08:23.342" v="50" actId="732"/>
+          <ac:picMkLst>
+            <pc:docMk/>
+            <pc:sldMk cId="1297170163" sldId="282"/>
+            <ac:picMk id="4" creationId="{3E781395-7C43-1DD7-1B92-27E7D394CE4B}"/>
+          </ac:picMkLst>
+        </pc:picChg>
+      </pc:sldChg>
+      <pc:sldChg chg="modSp mod">
+        <pc:chgData name="Li, Shicheng" userId="7425521c-7c11-4331-97d3-6e2702dd7f11" providerId="ADAL" clId="{7E5EB6AF-9D82-46FE-8E7A-CD8501CCC7B9}" dt="2024-07-10T21:30:29.686" v="415" actId="20577"/>
+        <pc:sldMkLst>
+          <pc:docMk/>
+          <pc:sldMk cId="3185644417" sldId="283"/>
+        </pc:sldMkLst>
+        <pc:spChg chg="mod">
+          <ac:chgData name="Li, Shicheng" userId="7425521c-7c11-4331-97d3-6e2702dd7f11" providerId="ADAL" clId="{7E5EB6AF-9D82-46FE-8E7A-CD8501CCC7B9}" dt="2024-07-10T21:30:26.902" v="413" actId="20577"/>
+          <ac:spMkLst>
+            <pc:docMk/>
+            <pc:sldMk cId="3185644417" sldId="283"/>
+            <ac:spMk id="2" creationId="{001E3F70-DC66-8477-9E54-EC5216071F23}"/>
+          </ac:spMkLst>
+        </pc:spChg>
+        <pc:spChg chg="mod">
+          <ac:chgData name="Li, Shicheng" userId="7425521c-7c11-4331-97d3-6e2702dd7f11" providerId="ADAL" clId="{7E5EB6AF-9D82-46FE-8E7A-CD8501CCC7B9}" dt="2024-07-10T21:30:29.686" v="415" actId="20577"/>
+          <ac:spMkLst>
+            <pc:docMk/>
+            <pc:sldMk cId="3185644417" sldId="283"/>
+            <ac:spMk id="4" creationId="{5877D320-11AB-7BBD-A56A-22BF38E4928E}"/>
+          </ac:spMkLst>
+        </pc:spChg>
+        <pc:picChg chg="mod modCrop">
+          <ac:chgData name="Li, Shicheng" userId="7425521c-7c11-4331-97d3-6e2702dd7f11" providerId="ADAL" clId="{7E5EB6AF-9D82-46FE-8E7A-CD8501CCC7B9}" dt="2024-06-21T16:09:43.211" v="54" actId="732"/>
+          <ac:picMkLst>
+            <pc:docMk/>
+            <pc:sldMk cId="3185644417" sldId="283"/>
+            <ac:picMk id="3" creationId="{6EA4C9B3-D6D2-C7BD-BDF7-8434B34B5FA0}"/>
+          </ac:picMkLst>
+        </pc:picChg>
+      </pc:sldChg>
+      <pc:sldChg chg="modSp mod">
+        <pc:chgData name="Li, Shicheng" userId="7425521c-7c11-4331-97d3-6e2702dd7f11" providerId="ADAL" clId="{7E5EB6AF-9D82-46FE-8E7A-CD8501CCC7B9}" dt="2024-07-10T21:31:48.870" v="435" actId="20577"/>
+        <pc:sldMkLst>
+          <pc:docMk/>
+          <pc:sldMk cId="1472280000" sldId="284"/>
+        </pc:sldMkLst>
+        <pc:spChg chg="mod">
+          <ac:chgData name="Li, Shicheng" userId="7425521c-7c11-4331-97d3-6e2702dd7f11" providerId="ADAL" clId="{7E5EB6AF-9D82-46FE-8E7A-CD8501CCC7B9}" dt="2024-07-10T21:31:36.765" v="429" actId="20577"/>
+          <ac:spMkLst>
+            <pc:docMk/>
+            <pc:sldMk cId="1472280000" sldId="284"/>
+            <ac:spMk id="2" creationId="{001E3F70-DC66-8477-9E54-EC5216071F23}"/>
+          </ac:spMkLst>
+        </pc:spChg>
+        <pc:spChg chg="mod">
+          <ac:chgData name="Li, Shicheng" userId="7425521c-7c11-4331-97d3-6e2702dd7f11" providerId="ADAL" clId="{7E5EB6AF-9D82-46FE-8E7A-CD8501CCC7B9}" dt="2024-07-10T21:31:48.870" v="435" actId="20577"/>
+          <ac:spMkLst>
+            <pc:docMk/>
+            <pc:sldMk cId="1472280000" sldId="284"/>
+            <ac:spMk id="5" creationId="{A5A4C966-320C-39F1-540A-2B536DB93527}"/>
+          </ac:spMkLst>
+        </pc:spChg>
+        <pc:picChg chg="mod modCrop">
+          <ac:chgData name="Li, Shicheng" userId="7425521c-7c11-4331-97d3-6e2702dd7f11" providerId="ADAL" clId="{7E5EB6AF-9D82-46FE-8E7A-CD8501CCC7B9}" dt="2024-06-21T16:10:40.601" v="58" actId="732"/>
+          <ac:picMkLst>
+            <pc:docMk/>
+            <pc:sldMk cId="1472280000" sldId="284"/>
+            <ac:picMk id="9" creationId="{8D5565DE-F182-E0B9-7A45-DF1E0B4625CE}"/>
+          </ac:picMkLst>
+        </pc:picChg>
+      </pc:sldChg>
+      <pc:sldChg chg="modSp mod">
+        <pc:chgData name="Li, Shicheng" userId="7425521c-7c11-4331-97d3-6e2702dd7f11" providerId="ADAL" clId="{7E5EB6AF-9D82-46FE-8E7A-CD8501CCC7B9}" dt="2024-06-21T16:12:18.373" v="83" actId="1076"/>
+        <pc:sldMkLst>
+          <pc:docMk/>
+          <pc:sldMk cId="4049957910" sldId="285"/>
+        </pc:sldMkLst>
+        <pc:spChg chg="mod">
+          <ac:chgData name="Li, Shicheng" userId="7425521c-7c11-4331-97d3-6e2702dd7f11" providerId="ADAL" clId="{7E5EB6AF-9D82-46FE-8E7A-CD8501CCC7B9}" dt="2024-06-21T16:12:18.373" v="83" actId="1076"/>
+          <ac:spMkLst>
+            <pc:docMk/>
+            <pc:sldMk cId="4049957910" sldId="285"/>
+            <ac:spMk id="5" creationId="{A5A4C966-320C-39F1-540A-2B536DB93527}"/>
+          </ac:spMkLst>
+        </pc:spChg>
+        <pc:spChg chg="mod">
+          <ac:chgData name="Li, Shicheng" userId="7425521c-7c11-4331-97d3-6e2702dd7f11" providerId="ADAL" clId="{7E5EB6AF-9D82-46FE-8E7A-CD8501CCC7B9}" dt="2024-06-21T16:11:48.772" v="81" actId="1037"/>
+          <ac:spMkLst>
+            <pc:docMk/>
+            <pc:sldMk cId="4049957910" sldId="285"/>
+            <ac:spMk id="9" creationId="{192A58D3-225A-6D78-8DC3-BCA59DF61911}"/>
+          </ac:spMkLst>
+        </pc:spChg>
+        <pc:picChg chg="mod">
+          <ac:chgData name="Li, Shicheng" userId="7425521c-7c11-4331-97d3-6e2702dd7f11" providerId="ADAL" clId="{7E5EB6AF-9D82-46FE-8E7A-CD8501CCC7B9}" dt="2024-06-21T16:11:48.772" v="81" actId="1037"/>
+          <ac:picMkLst>
+            <pc:docMk/>
+            <pc:sldMk cId="4049957910" sldId="285"/>
+            <ac:picMk id="13" creationId="{8CDE5DBB-2338-5ED8-490A-EB62B456559C}"/>
+          </ac:picMkLst>
+        </pc:picChg>
+      </pc:sldChg>
+      <pc:sldChg chg="addSp modSp mod ord">
+        <pc:chgData name="Li, Shicheng" userId="7425521c-7c11-4331-97d3-6e2702dd7f11" providerId="ADAL" clId="{7E5EB6AF-9D82-46FE-8E7A-CD8501CCC7B9}" dt="2024-07-10T21:31:44.195" v="433" actId="20577"/>
+        <pc:sldMkLst>
+          <pc:docMk/>
+          <pc:sldMk cId="1861708718" sldId="286"/>
+        </pc:sldMkLst>
+        <pc:spChg chg="mod">
+          <ac:chgData name="Li, Shicheng" userId="7425521c-7c11-4331-97d3-6e2702dd7f11" providerId="ADAL" clId="{7E5EB6AF-9D82-46FE-8E7A-CD8501CCC7B9}" dt="2024-07-10T21:31:40.363" v="431" actId="20577"/>
+          <ac:spMkLst>
+            <pc:docMk/>
+            <pc:sldMk cId="1861708718" sldId="286"/>
+            <ac:spMk id="2" creationId="{001E3F70-DC66-8477-9E54-EC5216071F23}"/>
+          </ac:spMkLst>
+        </pc:spChg>
+        <pc:spChg chg="mod">
+          <ac:chgData name="Li, Shicheng" userId="7425521c-7c11-4331-97d3-6e2702dd7f11" providerId="ADAL" clId="{7E5EB6AF-9D82-46FE-8E7A-CD8501CCC7B9}" dt="2024-07-10T21:31:44.195" v="433" actId="20577"/>
+          <ac:spMkLst>
+            <pc:docMk/>
+            <pc:sldMk cId="1861708718" sldId="286"/>
+            <ac:spMk id="5" creationId="{A5A4C966-320C-39F1-540A-2B536DB93527}"/>
+          </ac:spMkLst>
+        </pc:spChg>
+        <pc:spChg chg="mod">
+          <ac:chgData name="Li, Shicheng" userId="7425521c-7c11-4331-97d3-6e2702dd7f11" providerId="ADAL" clId="{7E5EB6AF-9D82-46FE-8E7A-CD8501CCC7B9}" dt="2024-06-21T16:13:17.428" v="133" actId="1076"/>
+          <ac:spMkLst>
+            <pc:docMk/>
+            <pc:sldMk cId="1861708718" sldId="286"/>
+            <ac:spMk id="6" creationId="{08BA8A82-3711-BB3A-7E47-FF6E57E2D43A}"/>
+          </ac:spMkLst>
+        </pc:spChg>
+        <pc:spChg chg="mod">
+          <ac:chgData name="Li, Shicheng" userId="7425521c-7c11-4331-97d3-6e2702dd7f11" providerId="ADAL" clId="{7E5EB6AF-9D82-46FE-8E7A-CD8501CCC7B9}" dt="2024-06-21T16:13:06.267" v="132" actId="1037"/>
+          <ac:spMkLst>
+            <pc:docMk/>
+            <pc:sldMk cId="1861708718" sldId="286"/>
+            <ac:spMk id="9" creationId="{192A58D3-225A-6D78-8DC3-BCA59DF61911}"/>
+          </ac:spMkLst>
+        </pc:spChg>
+        <pc:spChg chg="add mod">
+          <ac:chgData name="Li, Shicheng" userId="7425521c-7c11-4331-97d3-6e2702dd7f11" providerId="ADAL" clId="{7E5EB6AF-9D82-46FE-8E7A-CD8501CCC7B9}" dt="2024-06-21T16:12:49.027" v="87" actId="571"/>
+          <ac:spMkLst>
+            <pc:docMk/>
+            <pc:sldMk cId="1861708718" sldId="286"/>
+            <ac:spMk id="10" creationId="{BDA96BF5-5461-7CAC-81DF-7977C388162E}"/>
+          </ac:spMkLst>
+        </pc:spChg>
+        <pc:spChg chg="mod">
+          <ac:chgData name="Li, Shicheng" userId="7425521c-7c11-4331-97d3-6e2702dd7f11" providerId="ADAL" clId="{7E5EB6AF-9D82-46FE-8E7A-CD8501CCC7B9}" dt="2024-06-21T16:13:23.382" v="134" actId="1076"/>
+          <ac:spMkLst>
+            <pc:docMk/>
+            <pc:sldMk cId="1861708718" sldId="286"/>
+            <ac:spMk id="19" creationId="{4FA26463-215F-AF9C-52BB-B2FB58C6E25E}"/>
+          </ac:spMkLst>
+        </pc:spChg>
+        <pc:spChg chg="mod">
+          <ac:chgData name="Li, Shicheng" userId="7425521c-7c11-4331-97d3-6e2702dd7f11" providerId="ADAL" clId="{7E5EB6AF-9D82-46FE-8E7A-CD8501CCC7B9}" dt="2024-06-21T16:13:06.267" v="132" actId="1037"/>
+          <ac:spMkLst>
+            <pc:docMk/>
+            <pc:sldMk cId="1861708718" sldId="286"/>
+            <ac:spMk id="20" creationId="{DBFCCB08-C436-2B4D-E952-2F710E47C66A}"/>
+          </ac:spMkLst>
+        </pc:spChg>
+        <pc:picChg chg="add mod">
+          <ac:chgData name="Li, Shicheng" userId="7425521c-7c11-4331-97d3-6e2702dd7f11" providerId="ADAL" clId="{7E5EB6AF-9D82-46FE-8E7A-CD8501CCC7B9}" dt="2024-06-21T16:12:44.920" v="85" actId="571"/>
+          <ac:picMkLst>
+            <pc:docMk/>
+            <pc:sldMk cId="1861708718" sldId="286"/>
+            <ac:picMk id="3" creationId="{E1C69898-C324-FB2F-C856-5CCF78739D57}"/>
+          </ac:picMkLst>
+        </pc:picChg>
+        <pc:picChg chg="mod">
+          <ac:chgData name="Li, Shicheng" userId="7425521c-7c11-4331-97d3-6e2702dd7f11" providerId="ADAL" clId="{7E5EB6AF-9D82-46FE-8E7A-CD8501CCC7B9}" dt="2024-06-21T16:13:06.267" v="132" actId="1037"/>
+          <ac:picMkLst>
+            <pc:docMk/>
+            <pc:sldMk cId="1861708718" sldId="286"/>
+            <ac:picMk id="16" creationId="{3F7BF0D1-F45F-FE7B-B525-DD22CE195DDD}"/>
+          </ac:picMkLst>
+        </pc:picChg>
+        <pc:picChg chg="mod">
+          <ac:chgData name="Li, Shicheng" userId="7425521c-7c11-4331-97d3-6e2702dd7f11" providerId="ADAL" clId="{7E5EB6AF-9D82-46FE-8E7A-CD8501CCC7B9}" dt="2024-06-21T16:13:06.267" v="132" actId="1037"/>
+          <ac:picMkLst>
+            <pc:docMk/>
+            <pc:sldMk cId="1861708718" sldId="286"/>
+            <ac:picMk id="18" creationId="{AC859D17-420E-3C2D-CDAC-51C89CC42EC6}"/>
+          </ac:picMkLst>
+        </pc:picChg>
+      </pc:sldChg>
+      <pc:sldChg chg="addSp delSp modSp add mod modNotesTx">
+        <pc:chgData name="Li, Shicheng" userId="7425521c-7c11-4331-97d3-6e2702dd7f11" providerId="ADAL" clId="{7E5EB6AF-9D82-46FE-8E7A-CD8501CCC7B9}" dt="2024-07-10T21:24:35.079" v="345" actId="20577"/>
+        <pc:sldMkLst>
+          <pc:docMk/>
+          <pc:sldMk cId="1757090110" sldId="287"/>
+        </pc:sldMkLst>
+        <pc:spChg chg="mod">
+          <ac:chgData name="Li, Shicheng" userId="7425521c-7c11-4331-97d3-6e2702dd7f11" providerId="ADAL" clId="{7E5EB6AF-9D82-46FE-8E7A-CD8501CCC7B9}" dt="2024-07-10T21:24:35.079" v="345" actId="20577"/>
+          <ac:spMkLst>
+            <pc:docMk/>
+            <pc:sldMk cId="1757090110" sldId="287"/>
+            <ac:spMk id="4" creationId="{B791E31B-51C9-ED56-F00E-638B69F194E5}"/>
+          </ac:spMkLst>
+        </pc:spChg>
+        <pc:spChg chg="add mod">
+          <ac:chgData name="Li, Shicheng" userId="7425521c-7c11-4331-97d3-6e2702dd7f11" providerId="ADAL" clId="{7E5EB6AF-9D82-46FE-8E7A-CD8501CCC7B9}" dt="2024-06-21T15:59:33.721" v="34" actId="113"/>
+          <ac:spMkLst>
+            <pc:docMk/>
+            <pc:sldMk cId="1757090110" sldId="287"/>
+            <ac:spMk id="9" creationId="{2518E67D-76F0-BC51-68EE-839A05337919}"/>
+          </ac:spMkLst>
+        </pc:spChg>
+        <pc:spChg chg="del">
+          <ac:chgData name="Li, Shicheng" userId="7425521c-7c11-4331-97d3-6e2702dd7f11" providerId="ADAL" clId="{7E5EB6AF-9D82-46FE-8E7A-CD8501CCC7B9}" dt="2024-06-21T15:54:23.169" v="2" actId="478"/>
+          <ac:spMkLst>
+            <pc:docMk/>
+            <pc:sldMk cId="1757090110" sldId="287"/>
+            <ac:spMk id="11" creationId="{08508D76-E113-76D2-EF15-A8745DAE3E6F}"/>
+          </ac:spMkLst>
+        </pc:spChg>
+        <pc:spChg chg="add mod">
+          <ac:chgData name="Li, Shicheng" userId="7425521c-7c11-4331-97d3-6e2702dd7f11" providerId="ADAL" clId="{7E5EB6AF-9D82-46FE-8E7A-CD8501CCC7B9}" dt="2024-07-10T21:24:13.772" v="344" actId="1076"/>
+          <ac:spMkLst>
+            <pc:docMk/>
+            <pc:sldMk cId="1757090110" sldId="287"/>
+            <ac:spMk id="12" creationId="{801E8299-3DEB-56DE-312F-0C4D185CB73F}"/>
+          </ac:spMkLst>
+        </pc:spChg>
+        <pc:spChg chg="del">
+          <ac:chgData name="Li, Shicheng" userId="7425521c-7c11-4331-97d3-6e2702dd7f11" providerId="ADAL" clId="{7E5EB6AF-9D82-46FE-8E7A-CD8501CCC7B9}" dt="2024-06-21T15:54:23.169" v="2" actId="478"/>
+          <ac:spMkLst>
+            <pc:docMk/>
+            <pc:sldMk cId="1757090110" sldId="287"/>
+            <ac:spMk id="13" creationId="{725DCD6F-0EDB-3731-6429-5116EC94C0B0}"/>
+          </ac:spMkLst>
+        </pc:spChg>
+        <pc:spChg chg="del">
+          <ac:chgData name="Li, Shicheng" userId="7425521c-7c11-4331-97d3-6e2702dd7f11" providerId="ADAL" clId="{7E5EB6AF-9D82-46FE-8E7A-CD8501CCC7B9}" dt="2024-06-21T15:54:23.169" v="2" actId="478"/>
+          <ac:spMkLst>
+            <pc:docMk/>
+            <pc:sldMk cId="1757090110" sldId="287"/>
+            <ac:spMk id="15" creationId="{78F7B72D-7C37-98E9-ADB9-976EDA02F537}"/>
+          </ac:spMkLst>
+        </pc:spChg>
+        <pc:spChg chg="del">
+          <ac:chgData name="Li, Shicheng" userId="7425521c-7c11-4331-97d3-6e2702dd7f11" providerId="ADAL" clId="{7E5EB6AF-9D82-46FE-8E7A-CD8501CCC7B9}" dt="2024-06-21T15:54:23.169" v="2" actId="478"/>
+          <ac:spMkLst>
+            <pc:docMk/>
+            <pc:sldMk cId="1757090110" sldId="287"/>
+            <ac:spMk id="16" creationId="{F4603546-65C2-68D6-FC8C-01EBB9A6E4A7}"/>
+          </ac:spMkLst>
+        </pc:spChg>
+        <pc:spChg chg="del">
+          <ac:chgData name="Li, Shicheng" userId="7425521c-7c11-4331-97d3-6e2702dd7f11" providerId="ADAL" clId="{7E5EB6AF-9D82-46FE-8E7A-CD8501CCC7B9}" dt="2024-06-21T15:54:23.169" v="2" actId="478"/>
+          <ac:spMkLst>
+            <pc:docMk/>
+            <pc:sldMk cId="1757090110" sldId="287"/>
+            <ac:spMk id="17" creationId="{2D9E12B3-90FE-620D-589F-21D0C341ED8B}"/>
+          </ac:spMkLst>
+        </pc:spChg>
+        <pc:spChg chg="del">
+          <ac:chgData name="Li, Shicheng" userId="7425521c-7c11-4331-97d3-6e2702dd7f11" providerId="ADAL" clId="{7E5EB6AF-9D82-46FE-8E7A-CD8501CCC7B9}" dt="2024-06-21T15:54:23.169" v="2" actId="478"/>
+          <ac:spMkLst>
+            <pc:docMk/>
+            <pc:sldMk cId="1757090110" sldId="287"/>
+            <ac:spMk id="18" creationId="{C2AEB075-1EFB-F925-9081-55E8C1A7EFCF}"/>
+          </ac:spMkLst>
+        </pc:spChg>
+        <pc:spChg chg="del">
+          <ac:chgData name="Li, Shicheng" userId="7425521c-7c11-4331-97d3-6e2702dd7f11" providerId="ADAL" clId="{7E5EB6AF-9D82-46FE-8E7A-CD8501CCC7B9}" dt="2024-06-21T15:54:23.169" v="2" actId="478"/>
+          <ac:spMkLst>
+            <pc:docMk/>
+            <pc:sldMk cId="1757090110" sldId="287"/>
+            <ac:spMk id="31" creationId="{FB506067-9A14-DE4E-4C1D-DD0893D41DD2}"/>
+          </ac:spMkLst>
+        </pc:spChg>
+        <pc:spChg chg="del">
+          <ac:chgData name="Li, Shicheng" userId="7425521c-7c11-4331-97d3-6e2702dd7f11" providerId="ADAL" clId="{7E5EB6AF-9D82-46FE-8E7A-CD8501CCC7B9}" dt="2024-06-21T15:54:23.169" v="2" actId="478"/>
+          <ac:spMkLst>
+            <pc:docMk/>
+            <pc:sldMk cId="1757090110" sldId="287"/>
+            <ac:spMk id="32" creationId="{1BF72CAB-EB5A-83FD-D63B-7AE6545748E7}"/>
+          </ac:spMkLst>
+        </pc:spChg>
+        <pc:spChg chg="del">
+          <ac:chgData name="Li, Shicheng" userId="7425521c-7c11-4331-97d3-6e2702dd7f11" providerId="ADAL" clId="{7E5EB6AF-9D82-46FE-8E7A-CD8501CCC7B9}" dt="2024-06-21T15:54:23.169" v="2" actId="478"/>
+          <ac:spMkLst>
+            <pc:docMk/>
+            <pc:sldMk cId="1757090110" sldId="287"/>
+            <ac:spMk id="34" creationId="{F016CAF2-6465-823C-1FC7-A6382EF8572E}"/>
+          </ac:spMkLst>
+        </pc:spChg>
+        <pc:picChg chg="add del mod">
+          <ac:chgData name="Li, Shicheng" userId="7425521c-7c11-4331-97d3-6e2702dd7f11" providerId="ADAL" clId="{7E5EB6AF-9D82-46FE-8E7A-CD8501CCC7B9}" dt="2024-07-10T21:22:33.861" v="325" actId="478"/>
+          <ac:picMkLst>
+            <pc:docMk/>
+            <pc:sldMk cId="1757090110" sldId="287"/>
+            <ac:picMk id="3" creationId="{CDE0222D-2AC4-DE35-5C8D-208EC33FAC22}"/>
+          </ac:picMkLst>
+        </pc:picChg>
+        <pc:picChg chg="add del mod modCrop">
+          <ac:chgData name="Li, Shicheng" userId="7425521c-7c11-4331-97d3-6e2702dd7f11" providerId="ADAL" clId="{7E5EB6AF-9D82-46FE-8E7A-CD8501CCC7B9}" dt="2024-07-10T21:09:17.070" v="314" actId="478"/>
+          <ac:picMkLst>
+            <pc:docMk/>
+            <pc:sldMk cId="1757090110" sldId="287"/>
+            <ac:picMk id="6" creationId="{804BC695-E51A-3BC8-6FED-39295AA93AD7}"/>
+          </ac:picMkLst>
+        </pc:picChg>
+        <pc:picChg chg="del mod modCrop">
+          <ac:chgData name="Li, Shicheng" userId="7425521c-7c11-4331-97d3-6e2702dd7f11" providerId="ADAL" clId="{7E5EB6AF-9D82-46FE-8E7A-CD8501CCC7B9}" dt="2024-06-21T15:58:27.709" v="18" actId="478"/>
+          <ac:picMkLst>
+            <pc:docMk/>
+            <pc:sldMk cId="1757090110" sldId="287"/>
+            <ac:picMk id="10" creationId="{90F64B60-B7ED-0FB1-0406-C907BF31561F}"/>
+          </ac:picMkLst>
+        </pc:picChg>
+        <pc:picChg chg="add del mod modCrop">
+          <ac:chgData name="Li, Shicheng" userId="7425521c-7c11-4331-97d3-6e2702dd7f11" providerId="ADAL" clId="{7E5EB6AF-9D82-46FE-8E7A-CD8501CCC7B9}" dt="2024-07-10T21:23:26.543" v="337" actId="478"/>
+          <ac:picMkLst>
+            <pc:docMk/>
+            <pc:sldMk cId="1757090110" sldId="287"/>
+            <ac:picMk id="10" creationId="{EB773C13-F5D8-908A-AE61-F52734C4078B}"/>
+          </ac:picMkLst>
+        </pc:picChg>
+        <pc:picChg chg="add del mod">
+          <ac:chgData name="Li, Shicheng" userId="7425521c-7c11-4331-97d3-6e2702dd7f11" providerId="ADAL" clId="{7E5EB6AF-9D82-46FE-8E7A-CD8501CCC7B9}" dt="2024-07-10T21:22:51.496" v="328" actId="478"/>
+          <ac:picMkLst>
+            <pc:docMk/>
+            <pc:sldMk cId="1757090110" sldId="287"/>
+            <ac:picMk id="13" creationId="{686BFEA6-288C-00EA-9249-0960E15D4052}"/>
+          </ac:picMkLst>
+        </pc:picChg>
+        <pc:picChg chg="add mod modCrop">
+          <ac:chgData name="Li, Shicheng" userId="7425521c-7c11-4331-97d3-6e2702dd7f11" providerId="ADAL" clId="{7E5EB6AF-9D82-46FE-8E7A-CD8501CCC7B9}" dt="2024-07-10T21:23:23.276" v="335" actId="1076"/>
+          <ac:picMkLst>
+            <pc:docMk/>
+            <pc:sldMk cId="1757090110" sldId="287"/>
+            <ac:picMk id="16" creationId="{EF036456-C98C-5BAD-8461-FAC0A84FD208}"/>
+          </ac:picMkLst>
+        </pc:picChg>
+        <pc:picChg chg="add mod modCrop">
+          <ac:chgData name="Li, Shicheng" userId="7425521c-7c11-4331-97d3-6e2702dd7f11" providerId="ADAL" clId="{7E5EB6AF-9D82-46FE-8E7A-CD8501CCC7B9}" dt="2024-07-10T21:24:06.236" v="343" actId="732"/>
+          <ac:picMkLst>
+            <pc:docMk/>
+            <pc:sldMk cId="1757090110" sldId="287"/>
+            <ac:picMk id="18" creationId="{58B1BB87-4583-917D-A786-7861202346B6}"/>
+          </ac:picMkLst>
+        </pc:picChg>
+        <pc:cxnChg chg="del mod">
+          <ac:chgData name="Li, Shicheng" userId="7425521c-7c11-4331-97d3-6e2702dd7f11" providerId="ADAL" clId="{7E5EB6AF-9D82-46FE-8E7A-CD8501CCC7B9}" dt="2024-06-21T15:54:26.742" v="3" actId="478"/>
+          <ac:cxnSpMkLst>
+            <pc:docMk/>
+            <pc:sldMk cId="1757090110" sldId="287"/>
+            <ac:cxnSpMk id="20" creationId="{5235B565-2E16-C11B-443C-D882A600D8F9}"/>
+          </ac:cxnSpMkLst>
+        </pc:cxnChg>
+        <pc:cxnChg chg="del mod">
+          <ac:chgData name="Li, Shicheng" userId="7425521c-7c11-4331-97d3-6e2702dd7f11" providerId="ADAL" clId="{7E5EB6AF-9D82-46FE-8E7A-CD8501CCC7B9}" dt="2024-06-21T15:54:26.742" v="3" actId="478"/>
+          <ac:cxnSpMkLst>
+            <pc:docMk/>
+            <pc:sldMk cId="1757090110" sldId="287"/>
+            <ac:cxnSpMk id="22" creationId="{D4243B86-FD14-8F2C-7D63-9799A564886B}"/>
+          </ac:cxnSpMkLst>
+        </pc:cxnChg>
+        <pc:cxnChg chg="del mod">
+          <ac:chgData name="Li, Shicheng" userId="7425521c-7c11-4331-97d3-6e2702dd7f11" providerId="ADAL" clId="{7E5EB6AF-9D82-46FE-8E7A-CD8501CCC7B9}" dt="2024-06-21T15:54:26.742" v="3" actId="478"/>
+          <ac:cxnSpMkLst>
+            <pc:docMk/>
+            <pc:sldMk cId="1757090110" sldId="287"/>
+            <ac:cxnSpMk id="24" creationId="{0377F051-8707-23EB-81D8-1532753598DF}"/>
+          </ac:cxnSpMkLst>
+        </pc:cxnChg>
+        <pc:cxnChg chg="del mod">
+          <ac:chgData name="Li, Shicheng" userId="7425521c-7c11-4331-97d3-6e2702dd7f11" providerId="ADAL" clId="{7E5EB6AF-9D82-46FE-8E7A-CD8501CCC7B9}" dt="2024-06-21T15:54:26.742" v="3" actId="478"/>
+          <ac:cxnSpMkLst>
+            <pc:docMk/>
+            <pc:sldMk cId="1757090110" sldId="287"/>
+            <ac:cxnSpMk id="26" creationId="{97142F32-0409-B4D1-A77D-69216E07F1B8}"/>
+          </ac:cxnSpMkLst>
+        </pc:cxnChg>
+        <pc:cxnChg chg="del mod">
+          <ac:chgData name="Li, Shicheng" userId="7425521c-7c11-4331-97d3-6e2702dd7f11" providerId="ADAL" clId="{7E5EB6AF-9D82-46FE-8E7A-CD8501CCC7B9}" dt="2024-06-21T15:54:26.742" v="3" actId="478"/>
+          <ac:cxnSpMkLst>
+            <pc:docMk/>
+            <pc:sldMk cId="1757090110" sldId="287"/>
+            <ac:cxnSpMk id="28" creationId="{35959DB3-E749-25A6-2836-2A4F4FF03D36}"/>
+          </ac:cxnSpMkLst>
+        </pc:cxnChg>
+        <pc:cxnChg chg="del mod">
+          <ac:chgData name="Li, Shicheng" userId="7425521c-7c11-4331-97d3-6e2702dd7f11" providerId="ADAL" clId="{7E5EB6AF-9D82-46FE-8E7A-CD8501CCC7B9}" dt="2024-06-21T15:54:23.169" v="2" actId="478"/>
+          <ac:cxnSpMkLst>
+            <pc:docMk/>
+            <pc:sldMk cId="1757090110" sldId="287"/>
+            <ac:cxnSpMk id="30" creationId="{2C63E6F7-2645-F26B-4983-37A6FCA55E16}"/>
+          </ac:cxnSpMkLst>
+        </pc:cxnChg>
+        <pc:cxnChg chg="del mod">
+          <ac:chgData name="Li, Shicheng" userId="7425521c-7c11-4331-97d3-6e2702dd7f11" providerId="ADAL" clId="{7E5EB6AF-9D82-46FE-8E7A-CD8501CCC7B9}" dt="2024-06-21T15:54:26.742" v="3" actId="478"/>
+          <ac:cxnSpMkLst>
+            <pc:docMk/>
+            <pc:sldMk cId="1757090110" sldId="287"/>
+            <ac:cxnSpMk id="36" creationId="{A10C6668-F9D3-8201-C41E-5D1227291A9F}"/>
+          </ac:cxnSpMkLst>
+        </pc:cxnChg>
+        <pc:cxnChg chg="del mod">
+          <ac:chgData name="Li, Shicheng" userId="7425521c-7c11-4331-97d3-6e2702dd7f11" providerId="ADAL" clId="{7E5EB6AF-9D82-46FE-8E7A-CD8501CCC7B9}" dt="2024-06-21T15:54:23.169" v="2" actId="478"/>
+          <ac:cxnSpMkLst>
+            <pc:docMk/>
+            <pc:sldMk cId="1757090110" sldId="287"/>
+            <ac:cxnSpMk id="38" creationId="{16EFBFF7-524E-6C8D-9A7C-72D7949E0C46}"/>
+          </ac:cxnSpMkLst>
+        </pc:cxnChg>
+      </pc:sldChg>
+      <pc:sldChg chg="ord modNotesTx">
+        <pc:chgData name="Li, Shicheng" userId="7425521c-7c11-4331-97d3-6e2702dd7f11" providerId="ADAL" clId="{7E5EB6AF-9D82-46FE-8E7A-CD8501CCC7B9}" dt="2024-07-10T21:32:46.839" v="489" actId="20577"/>
+        <pc:sldMkLst>
+          <pc:docMk/>
+          <pc:sldMk cId="1497024170" sldId="288"/>
+        </pc:sldMkLst>
+      </pc:sldChg>
+      <pc:sldChg chg="modSp mod modNotesTx">
+        <pc:chgData name="Li, Shicheng" userId="7425521c-7c11-4331-97d3-6e2702dd7f11" providerId="ADAL" clId="{7E5EB6AF-9D82-46FE-8E7A-CD8501CCC7B9}" dt="2024-07-08T16:22:11.041" v="239" actId="20577"/>
+        <pc:sldMkLst>
+          <pc:docMk/>
+          <pc:sldMk cId="336587402" sldId="290"/>
+        </pc:sldMkLst>
+        <pc:spChg chg="mod">
+          <ac:chgData name="Li, Shicheng" userId="7425521c-7c11-4331-97d3-6e2702dd7f11" providerId="ADAL" clId="{7E5EB6AF-9D82-46FE-8E7A-CD8501CCC7B9}" dt="2024-07-08T15:56:05.482" v="168" actId="20577"/>
+          <ac:spMkLst>
+            <pc:docMk/>
+            <pc:sldMk cId="336587402" sldId="290"/>
+            <ac:spMk id="2" creationId="{E1FB756D-EC35-B6F4-BA6A-2DB04EBBDF1B}"/>
+          </ac:spMkLst>
+        </pc:spChg>
+      </pc:sldChg>
+      <pc:sldChg chg="addSp modSp new del">
+        <pc:chgData name="Li, Shicheng" userId="7425521c-7c11-4331-97d3-6e2702dd7f11" providerId="ADAL" clId="{7E5EB6AF-9D82-46FE-8E7A-CD8501CCC7B9}" dt="2024-07-10T20:48:39.006" v="253" actId="47"/>
+        <pc:sldMkLst>
+          <pc:docMk/>
+          <pc:sldMk cId="381699891" sldId="291"/>
+        </pc:sldMkLst>
+        <pc:picChg chg="add mod">
+          <ac:chgData name="Li, Shicheng" userId="7425521c-7c11-4331-97d3-6e2702dd7f11" providerId="ADAL" clId="{7E5EB6AF-9D82-46FE-8E7A-CD8501CCC7B9}" dt="2024-07-10T20:47:40.562" v="241"/>
+          <ac:picMkLst>
+            <pc:docMk/>
+            <pc:sldMk cId="381699891" sldId="291"/>
+            <ac:picMk id="2" creationId="{F3F99D85-8467-7A48-BE93-CB524D24F734}"/>
+          </ac:picMkLst>
+        </pc:picChg>
+        <pc:picChg chg="add mod">
+          <ac:chgData name="Li, Shicheng" userId="7425521c-7c11-4331-97d3-6e2702dd7f11" providerId="ADAL" clId="{7E5EB6AF-9D82-46FE-8E7A-CD8501CCC7B9}" dt="2024-07-10T20:47:43.309" v="242"/>
+          <ac:picMkLst>
+            <pc:docMk/>
+            <pc:sldMk cId="381699891" sldId="291"/>
+            <ac:picMk id="3" creationId="{ED7C4AF5-7A7C-BCC2-AB8E-136AD896701A}"/>
+          </ac:picMkLst>
+        </pc:picChg>
+      </pc:sldChg>
+      <pc:sldChg chg="addSp delSp modSp add mod ord">
+        <pc:chgData name="Li, Shicheng" userId="7425521c-7c11-4331-97d3-6e2702dd7f11" providerId="ADAL" clId="{7E5EB6AF-9D82-46FE-8E7A-CD8501CCC7B9}" dt="2024-07-10T21:32:02.691" v="436" actId="207"/>
+        <pc:sldMkLst>
+          <pc:docMk/>
+          <pc:sldMk cId="2196169373" sldId="292"/>
+        </pc:sldMkLst>
+        <pc:spChg chg="mod">
+          <ac:chgData name="Li, Shicheng" userId="7425521c-7c11-4331-97d3-6e2702dd7f11" providerId="ADAL" clId="{7E5EB6AF-9D82-46FE-8E7A-CD8501CCC7B9}" dt="2024-07-10T21:32:02.691" v="436" actId="207"/>
+          <ac:spMkLst>
+            <pc:docMk/>
+            <pc:sldMk cId="2196169373" sldId="292"/>
+            <ac:spMk id="5" creationId="{A5A4C966-320C-39F1-540A-2B536DB93527}"/>
+          </ac:spMkLst>
+        </pc:spChg>
+        <pc:picChg chg="add mod modCrop">
+          <ac:chgData name="Li, Shicheng" userId="7425521c-7c11-4331-97d3-6e2702dd7f11" providerId="ADAL" clId="{7E5EB6AF-9D82-46FE-8E7A-CD8501CCC7B9}" dt="2024-07-10T20:49:53.091" v="265" actId="1076"/>
+          <ac:picMkLst>
+            <pc:docMk/>
+            <pc:sldMk cId="2196169373" sldId="292"/>
+            <ac:picMk id="3" creationId="{98E1F918-BF4F-80D5-7842-E75A974C6ADF}"/>
+          </ac:picMkLst>
+        </pc:picChg>
+        <pc:picChg chg="add mod modCrop">
+          <ac:chgData name="Li, Shicheng" userId="7425521c-7c11-4331-97d3-6e2702dd7f11" providerId="ADAL" clId="{7E5EB6AF-9D82-46FE-8E7A-CD8501CCC7B9}" dt="2024-07-10T20:50:12.242" v="267" actId="1076"/>
+          <ac:picMkLst>
+            <pc:docMk/>
+            <pc:sldMk cId="2196169373" sldId="292"/>
+            <ac:picMk id="4" creationId="{1E9778E0-9992-6E36-BF4A-83FA05386850}"/>
+          </ac:picMkLst>
+        </pc:picChg>
+        <pc:picChg chg="del">
+          <ac:chgData name="Li, Shicheng" userId="7425521c-7c11-4331-97d3-6e2702dd7f11" providerId="ADAL" clId="{7E5EB6AF-9D82-46FE-8E7A-CD8501CCC7B9}" dt="2024-07-10T20:48:12.042" v="246" actId="478"/>
+          <ac:picMkLst>
+            <pc:docMk/>
+            <pc:sldMk cId="2196169373" sldId="292"/>
+            <ac:picMk id="12" creationId="{BFC26830-5D1C-FDC4-8FBB-1A58D2023D63}"/>
+          </ac:picMkLst>
+        </pc:picChg>
+        <pc:picChg chg="del">
+          <ac:chgData name="Li, Shicheng" userId="7425521c-7c11-4331-97d3-6e2702dd7f11" providerId="ADAL" clId="{7E5EB6AF-9D82-46FE-8E7A-CD8501CCC7B9}" dt="2024-07-10T20:48:13.629" v="247" actId="478"/>
+          <ac:picMkLst>
+            <pc:docMk/>
+            <pc:sldMk cId="2196169373" sldId="292"/>
+            <ac:picMk id="16" creationId="{577C420E-FB7C-1386-2776-2F7467F3D5D4}"/>
+          </ac:picMkLst>
+        </pc:picChg>
+      </pc:sldChg>
+      <pc:sldChg chg="addSp delSp modSp add mod ord">
+        <pc:chgData name="Li, Shicheng" userId="7425521c-7c11-4331-97d3-6e2702dd7f11" providerId="ADAL" clId="{7E5EB6AF-9D82-46FE-8E7A-CD8501CCC7B9}" dt="2024-07-10T21:30:08.216" v="399" actId="20577"/>
+        <pc:sldMkLst>
+          <pc:docMk/>
+          <pc:sldMk cId="1728756197" sldId="293"/>
+        </pc:sldMkLst>
+        <pc:spChg chg="mod">
+          <ac:chgData name="Li, Shicheng" userId="7425521c-7c11-4331-97d3-6e2702dd7f11" providerId="ADAL" clId="{7E5EB6AF-9D82-46FE-8E7A-CD8501CCC7B9}" dt="2024-07-10T21:30:05.407" v="397" actId="20577"/>
+          <ac:spMkLst>
+            <pc:docMk/>
+            <pc:sldMk cId="1728756197" sldId="293"/>
+            <ac:spMk id="2" creationId="{001E3F70-DC66-8477-9E54-EC5216071F23}"/>
+          </ac:spMkLst>
+        </pc:spChg>
+        <pc:spChg chg="mod">
+          <ac:chgData name="Li, Shicheng" userId="7425521c-7c11-4331-97d3-6e2702dd7f11" providerId="ADAL" clId="{7E5EB6AF-9D82-46FE-8E7A-CD8501CCC7B9}" dt="2024-07-10T21:30:08.216" v="399" actId="20577"/>
+          <ac:spMkLst>
+            <pc:docMk/>
+            <pc:sldMk cId="1728756197" sldId="293"/>
+            <ac:spMk id="5" creationId="{A5A4C966-320C-39F1-540A-2B536DB93527}"/>
+          </ac:spMkLst>
+        </pc:spChg>
+        <pc:picChg chg="del">
+          <ac:chgData name="Li, Shicheng" userId="7425521c-7c11-4331-97d3-6e2702dd7f11" providerId="ADAL" clId="{7E5EB6AF-9D82-46FE-8E7A-CD8501CCC7B9}" dt="2024-07-10T20:56:47.986" v="302" actId="478"/>
+          <ac:picMkLst>
+            <pc:docMk/>
+            <pc:sldMk cId="1728756197" sldId="293"/>
+            <ac:picMk id="3" creationId="{98E1F918-BF4F-80D5-7842-E75A974C6ADF}"/>
+          </ac:picMkLst>
+        </pc:picChg>
+        <pc:picChg chg="del">
+          <ac:chgData name="Li, Shicheng" userId="7425521c-7c11-4331-97d3-6e2702dd7f11" providerId="ADAL" clId="{7E5EB6AF-9D82-46FE-8E7A-CD8501CCC7B9}" dt="2024-07-10T20:56:49.726" v="303" actId="478"/>
+          <ac:picMkLst>
+            <pc:docMk/>
+            <pc:sldMk cId="1728756197" sldId="293"/>
+            <ac:picMk id="4" creationId="{1E9778E0-9992-6E36-BF4A-83FA05386850}"/>
+          </ac:picMkLst>
+        </pc:picChg>
+        <pc:picChg chg="add mod">
+          <ac:chgData name="Li, Shicheng" userId="7425521c-7c11-4331-97d3-6e2702dd7f11" providerId="ADAL" clId="{7E5EB6AF-9D82-46FE-8E7A-CD8501CCC7B9}" dt="2024-07-10T20:59:47.699" v="312" actId="1076"/>
+          <ac:picMkLst>
+            <pc:docMk/>
+            <pc:sldMk cId="1728756197" sldId="293"/>
+            <ac:picMk id="11" creationId="{A9BC796E-449A-39D5-20A4-7EFC17C00280}"/>
+          </ac:picMkLst>
+        </pc:picChg>
+        <pc:picChg chg="add mod">
+          <ac:chgData name="Li, Shicheng" userId="7425521c-7c11-4331-97d3-6e2702dd7f11" providerId="ADAL" clId="{7E5EB6AF-9D82-46FE-8E7A-CD8501CCC7B9}" dt="2024-07-10T20:59:56.819" v="313" actId="1076"/>
+          <ac:picMkLst>
+            <pc:docMk/>
+            <pc:sldMk cId="1728756197" sldId="293"/>
+            <ac:picMk id="13" creationId="{E234E97E-6903-2FF7-D322-05296D387280}"/>
+          </ac:picMkLst>
+        </pc:picChg>
+      </pc:sldChg>
+    </pc:docChg>
+  </pc:docChgLst>
+  <pc:docChgLst>
     <pc:chgData name="Li, Shicheng" userId="7425521c-7c11-4331-97d3-6e2702dd7f11" providerId="ADAL" clId="{C8EB9581-3A01-49CB-991F-1FA336667468}"/>
     <pc:docChg chg="undo custSel addSld delSld modSld sldOrd">
-      <pc:chgData name="Li, Shicheng" userId="7425521c-7c11-4331-97d3-6e2702dd7f11" providerId="ADAL" clId="{C8EB9581-3A01-49CB-991F-1FA336667468}" dt="2024-07-08T15:39:44.482" v="548" actId="20577"/>
+      <pc:chgData name="Li, Shicheng" userId="7425521c-7c11-4331-97d3-6e2702dd7f11" providerId="ADAL" clId="{C8EB9581-3A01-49CB-991F-1FA336667468}" dt="2024-07-11T16:02:36.557" v="585" actId="1076"/>
       <pc:docMkLst>
         <pc:docMk/>
       </pc:docMkLst>
@@ -452,7 +1089,7 @@
         </pc:spChg>
       </pc:sldChg>
       <pc:sldChg chg="addSp delSp modSp add mod">
-        <pc:chgData name="Li, Shicheng" userId="7425521c-7c11-4331-97d3-6e2702dd7f11" providerId="ADAL" clId="{C8EB9581-3A01-49CB-991F-1FA336667468}" dt="2024-07-08T05:56:24.499" v="154" actId="20577"/>
+        <pc:chgData name="Li, Shicheng" userId="7425521c-7c11-4331-97d3-6e2702dd7f11" providerId="ADAL" clId="{C8EB9581-3A01-49CB-991F-1FA336667468}" dt="2024-07-11T16:02:36.557" v="585" actId="1076"/>
         <pc:sldMkLst>
           <pc:docMk/>
           <pc:sldMk cId="1497024170" sldId="288"/>
@@ -465,6 +1102,30 @@
             <ac:spMk id="5" creationId="{A5A4C966-320C-39F1-540A-2B536DB93527}"/>
           </ac:spMkLst>
         </pc:spChg>
+        <pc:spChg chg="mod">
+          <ac:chgData name="Li, Shicheng" userId="7425521c-7c11-4331-97d3-6e2702dd7f11" providerId="ADAL" clId="{C8EB9581-3A01-49CB-991F-1FA336667468}" dt="2024-07-11T16:02:32.838" v="583" actId="1038"/>
+          <ac:spMkLst>
+            <pc:docMk/>
+            <pc:sldMk cId="1497024170" sldId="288"/>
+            <ac:spMk id="6" creationId="{08BA8A82-3711-BB3A-7E47-FF6E57E2D43A}"/>
+          </ac:spMkLst>
+        </pc:spChg>
+        <pc:spChg chg="mod">
+          <ac:chgData name="Li, Shicheng" userId="7425521c-7c11-4331-97d3-6e2702dd7f11" providerId="ADAL" clId="{C8EB9581-3A01-49CB-991F-1FA336667468}" dt="2024-07-11T16:02:32.838" v="583" actId="1038"/>
+          <ac:spMkLst>
+            <pc:docMk/>
+            <pc:sldMk cId="1497024170" sldId="288"/>
+            <ac:spMk id="9" creationId="{192A58D3-225A-6D78-8DC3-BCA59DF61911}"/>
+          </ac:spMkLst>
+        </pc:spChg>
+        <pc:picChg chg="add mod">
+          <ac:chgData name="Li, Shicheng" userId="7425521c-7c11-4331-97d3-6e2702dd7f11" providerId="ADAL" clId="{C8EB9581-3A01-49CB-991F-1FA336667468}" dt="2024-07-11T16:02:36.557" v="585" actId="1076"/>
+          <ac:picMkLst>
+            <pc:docMk/>
+            <pc:sldMk cId="1497024170" sldId="288"/>
+            <ac:picMk id="4" creationId="{027BEDE0-4302-4D39-FC95-FC85B63C0E67}"/>
+          </ac:picMkLst>
+        </pc:picChg>
         <pc:picChg chg="add del mod">
           <ac:chgData name="Li, Shicheng" userId="7425521c-7c11-4331-97d3-6e2702dd7f11" providerId="ADAL" clId="{C8EB9581-3A01-49CB-991F-1FA336667468}" dt="2024-07-01T18:15:02.706" v="32" actId="478"/>
           <ac:picMkLst>
@@ -482,7 +1143,7 @@
           </ac:picMkLst>
         </pc:picChg>
         <pc:picChg chg="add mod">
-          <ac:chgData name="Li, Shicheng" userId="7425521c-7c11-4331-97d3-6e2702dd7f11" providerId="ADAL" clId="{C8EB9581-3A01-49CB-991F-1FA336667468}" dt="2024-07-01T18:35:25.707" v="75" actId="1076"/>
+          <ac:chgData name="Li, Shicheng" userId="7425521c-7c11-4331-97d3-6e2702dd7f11" providerId="ADAL" clId="{C8EB9581-3A01-49CB-991F-1FA336667468}" dt="2024-07-11T16:02:32.838" v="583" actId="1038"/>
           <ac:picMkLst>
             <pc:docMk/>
             <pc:sldMk cId="1497024170" sldId="288"/>
@@ -498,7 +1159,7 @@
           </ac:picMkLst>
         </pc:picChg>
         <pc:picChg chg="add mod">
-          <ac:chgData name="Li, Shicheng" userId="7425521c-7c11-4331-97d3-6e2702dd7f11" providerId="ADAL" clId="{C8EB9581-3A01-49CB-991F-1FA336667468}" dt="2024-07-01T18:35:29.690" v="76" actId="1076"/>
+          <ac:chgData name="Li, Shicheng" userId="7425521c-7c11-4331-97d3-6e2702dd7f11" providerId="ADAL" clId="{C8EB9581-3A01-49CB-991F-1FA336667468}" dt="2024-07-11T16:02:32.838" v="583" actId="1038"/>
           <ac:picMkLst>
             <pc:docMk/>
             <pc:sldMk cId="1497024170" sldId="288"/>
@@ -546,384 +1207,24 @@
     </pc:docChg>
   </pc:docChgLst>
   <pc:docChgLst>
-    <pc:chgData name="Li, Shicheng" userId="7425521c-7c11-4331-97d3-6e2702dd7f11" providerId="ADAL" clId="{7E5EB6AF-9D82-46FE-8E7A-CD8501CCC7B9}"/>
-    <pc:docChg chg="undo custSel addSld modSld">
-      <pc:chgData name="Li, Shicheng" userId="7425521c-7c11-4331-97d3-6e2702dd7f11" providerId="ADAL" clId="{7E5EB6AF-9D82-46FE-8E7A-CD8501CCC7B9}" dt="2024-07-08T16:22:11.041" v="239" actId="20577"/>
+    <pc:chgData name="Li, Shicheng" userId="7425521c-7c11-4331-97d3-6e2702dd7f11" providerId="ADAL" clId="{620F86FA-1D84-4EFC-8EE5-817A9E04ED9D}"/>
+    <pc:docChg chg="modSld">
+      <pc:chgData name="Li, Shicheng" userId="7425521c-7c11-4331-97d3-6e2702dd7f11" providerId="ADAL" clId="{620F86FA-1D84-4EFC-8EE5-817A9E04ED9D}" dt="2024-07-11T18:20:38.152" v="14" actId="20577"/>
       <pc:docMkLst>
         <pc:docMk/>
       </pc:docMkLst>
       <pc:sldChg chg="modSp mod">
-        <pc:chgData name="Li, Shicheng" userId="7425521c-7c11-4331-97d3-6e2702dd7f11" providerId="ADAL" clId="{7E5EB6AF-9D82-46FE-8E7A-CD8501CCC7B9}" dt="2024-06-21T16:02:30.772" v="42" actId="732"/>
+        <pc:chgData name="Li, Shicheng" userId="7425521c-7c11-4331-97d3-6e2702dd7f11" providerId="ADAL" clId="{620F86FA-1D84-4EFC-8EE5-817A9E04ED9D}" dt="2024-07-11T18:20:38.152" v="14" actId="20577"/>
         <pc:sldMkLst>
           <pc:docMk/>
-          <pc:sldMk cId="3626113393" sldId="278"/>
-        </pc:sldMkLst>
-        <pc:picChg chg="mod modCrop">
-          <ac:chgData name="Li, Shicheng" userId="7425521c-7c11-4331-97d3-6e2702dd7f11" providerId="ADAL" clId="{7E5EB6AF-9D82-46FE-8E7A-CD8501CCC7B9}" dt="2024-06-21T16:02:30.772" v="42" actId="732"/>
-          <ac:picMkLst>
-            <pc:docMk/>
-            <pc:sldMk cId="3626113393" sldId="278"/>
-            <ac:picMk id="10" creationId="{90F64B60-B7ED-0FB1-0406-C907BF31561F}"/>
-          </ac:picMkLst>
-        </pc:picChg>
-      </pc:sldChg>
-      <pc:sldChg chg="modSp mod">
-        <pc:chgData name="Li, Shicheng" userId="7425521c-7c11-4331-97d3-6e2702dd7f11" providerId="ADAL" clId="{7E5EB6AF-9D82-46FE-8E7A-CD8501CCC7B9}" dt="2024-06-21T16:06:54.580" v="46" actId="732"/>
-        <pc:sldMkLst>
-          <pc:docMk/>
-          <pc:sldMk cId="782779783" sldId="280"/>
-        </pc:sldMkLst>
-        <pc:picChg chg="mod modCrop">
-          <ac:chgData name="Li, Shicheng" userId="7425521c-7c11-4331-97d3-6e2702dd7f11" providerId="ADAL" clId="{7E5EB6AF-9D82-46FE-8E7A-CD8501CCC7B9}" dt="2024-06-21T16:06:54.580" v="46" actId="732"/>
-          <ac:picMkLst>
-            <pc:docMk/>
-            <pc:sldMk cId="782779783" sldId="280"/>
-            <ac:picMk id="10" creationId="{069962A3-6AAD-3706-94B6-CBF715DCF8EE}"/>
-          </ac:picMkLst>
-        </pc:picChg>
-      </pc:sldChg>
-      <pc:sldChg chg="modSp mod">
-        <pc:chgData name="Li, Shicheng" userId="7425521c-7c11-4331-97d3-6e2702dd7f11" providerId="ADAL" clId="{7E5EB6AF-9D82-46FE-8E7A-CD8501CCC7B9}" dt="2024-06-21T16:08:23.342" v="50" actId="732"/>
-        <pc:sldMkLst>
-          <pc:docMk/>
-          <pc:sldMk cId="1297170163" sldId="282"/>
-        </pc:sldMkLst>
-        <pc:picChg chg="mod modCrop">
-          <ac:chgData name="Li, Shicheng" userId="7425521c-7c11-4331-97d3-6e2702dd7f11" providerId="ADAL" clId="{7E5EB6AF-9D82-46FE-8E7A-CD8501CCC7B9}" dt="2024-06-21T16:08:23.342" v="50" actId="732"/>
-          <ac:picMkLst>
-            <pc:docMk/>
-            <pc:sldMk cId="1297170163" sldId="282"/>
-            <ac:picMk id="4" creationId="{3E781395-7C43-1DD7-1B92-27E7D394CE4B}"/>
-          </ac:picMkLst>
-        </pc:picChg>
-      </pc:sldChg>
-      <pc:sldChg chg="modSp mod">
-        <pc:chgData name="Li, Shicheng" userId="7425521c-7c11-4331-97d3-6e2702dd7f11" providerId="ADAL" clId="{7E5EB6AF-9D82-46FE-8E7A-CD8501CCC7B9}" dt="2024-06-21T16:09:43.211" v="54" actId="732"/>
-        <pc:sldMkLst>
-          <pc:docMk/>
-          <pc:sldMk cId="3185644417" sldId="283"/>
-        </pc:sldMkLst>
-        <pc:picChg chg="mod modCrop">
-          <ac:chgData name="Li, Shicheng" userId="7425521c-7c11-4331-97d3-6e2702dd7f11" providerId="ADAL" clId="{7E5EB6AF-9D82-46FE-8E7A-CD8501CCC7B9}" dt="2024-06-21T16:09:43.211" v="54" actId="732"/>
-          <ac:picMkLst>
-            <pc:docMk/>
-            <pc:sldMk cId="3185644417" sldId="283"/>
-            <ac:picMk id="3" creationId="{6EA4C9B3-D6D2-C7BD-BDF7-8434B34B5FA0}"/>
-          </ac:picMkLst>
-        </pc:picChg>
-      </pc:sldChg>
-      <pc:sldChg chg="modSp mod">
-        <pc:chgData name="Li, Shicheng" userId="7425521c-7c11-4331-97d3-6e2702dd7f11" providerId="ADAL" clId="{7E5EB6AF-9D82-46FE-8E7A-CD8501CCC7B9}" dt="2024-06-21T16:10:40.601" v="58" actId="732"/>
-        <pc:sldMkLst>
-          <pc:docMk/>
-          <pc:sldMk cId="1472280000" sldId="284"/>
-        </pc:sldMkLst>
-        <pc:picChg chg="mod modCrop">
-          <ac:chgData name="Li, Shicheng" userId="7425521c-7c11-4331-97d3-6e2702dd7f11" providerId="ADAL" clId="{7E5EB6AF-9D82-46FE-8E7A-CD8501CCC7B9}" dt="2024-06-21T16:10:40.601" v="58" actId="732"/>
-          <ac:picMkLst>
-            <pc:docMk/>
-            <pc:sldMk cId="1472280000" sldId="284"/>
-            <ac:picMk id="9" creationId="{8D5565DE-F182-E0B9-7A45-DF1E0B4625CE}"/>
-          </ac:picMkLst>
-        </pc:picChg>
-      </pc:sldChg>
-      <pc:sldChg chg="modSp mod">
-        <pc:chgData name="Li, Shicheng" userId="7425521c-7c11-4331-97d3-6e2702dd7f11" providerId="ADAL" clId="{7E5EB6AF-9D82-46FE-8E7A-CD8501CCC7B9}" dt="2024-06-21T16:12:18.373" v="83" actId="1076"/>
-        <pc:sldMkLst>
-          <pc:docMk/>
-          <pc:sldMk cId="4049957910" sldId="285"/>
+          <pc:sldMk cId="1497024170" sldId="288"/>
         </pc:sldMkLst>
         <pc:spChg chg="mod">
-          <ac:chgData name="Li, Shicheng" userId="7425521c-7c11-4331-97d3-6e2702dd7f11" providerId="ADAL" clId="{7E5EB6AF-9D82-46FE-8E7A-CD8501CCC7B9}" dt="2024-06-21T16:12:18.373" v="83" actId="1076"/>
+          <ac:chgData name="Li, Shicheng" userId="7425521c-7c11-4331-97d3-6e2702dd7f11" providerId="ADAL" clId="{620F86FA-1D84-4EFC-8EE5-817A9E04ED9D}" dt="2024-07-11T18:20:38.152" v="14" actId="20577"/>
           <ac:spMkLst>
             <pc:docMk/>
-            <pc:sldMk cId="4049957910" sldId="285"/>
+            <pc:sldMk cId="1497024170" sldId="288"/>
             <ac:spMk id="5" creationId="{A5A4C966-320C-39F1-540A-2B536DB93527}"/>
-          </ac:spMkLst>
-        </pc:spChg>
-        <pc:spChg chg="mod">
-          <ac:chgData name="Li, Shicheng" userId="7425521c-7c11-4331-97d3-6e2702dd7f11" providerId="ADAL" clId="{7E5EB6AF-9D82-46FE-8E7A-CD8501CCC7B9}" dt="2024-06-21T16:11:48.772" v="81" actId="1037"/>
-          <ac:spMkLst>
-            <pc:docMk/>
-            <pc:sldMk cId="4049957910" sldId="285"/>
-            <ac:spMk id="9" creationId="{192A58D3-225A-6D78-8DC3-BCA59DF61911}"/>
-          </ac:spMkLst>
-        </pc:spChg>
-        <pc:picChg chg="mod">
-          <ac:chgData name="Li, Shicheng" userId="7425521c-7c11-4331-97d3-6e2702dd7f11" providerId="ADAL" clId="{7E5EB6AF-9D82-46FE-8E7A-CD8501CCC7B9}" dt="2024-06-21T16:11:48.772" v="81" actId="1037"/>
-          <ac:picMkLst>
-            <pc:docMk/>
-            <pc:sldMk cId="4049957910" sldId="285"/>
-            <ac:picMk id="13" creationId="{8CDE5DBB-2338-5ED8-490A-EB62B456559C}"/>
-          </ac:picMkLst>
-        </pc:picChg>
-      </pc:sldChg>
-      <pc:sldChg chg="addSp modSp mod">
-        <pc:chgData name="Li, Shicheng" userId="7425521c-7c11-4331-97d3-6e2702dd7f11" providerId="ADAL" clId="{7E5EB6AF-9D82-46FE-8E7A-CD8501CCC7B9}" dt="2024-06-21T16:13:23.382" v="134" actId="1076"/>
-        <pc:sldMkLst>
-          <pc:docMk/>
-          <pc:sldMk cId="1861708718" sldId="286"/>
-        </pc:sldMkLst>
-        <pc:spChg chg="mod">
-          <ac:chgData name="Li, Shicheng" userId="7425521c-7c11-4331-97d3-6e2702dd7f11" providerId="ADAL" clId="{7E5EB6AF-9D82-46FE-8E7A-CD8501CCC7B9}" dt="2024-06-21T16:13:17.428" v="133" actId="1076"/>
-          <ac:spMkLst>
-            <pc:docMk/>
-            <pc:sldMk cId="1861708718" sldId="286"/>
-            <ac:spMk id="6" creationId="{08BA8A82-3711-BB3A-7E47-FF6E57E2D43A}"/>
-          </ac:spMkLst>
-        </pc:spChg>
-        <pc:spChg chg="mod">
-          <ac:chgData name="Li, Shicheng" userId="7425521c-7c11-4331-97d3-6e2702dd7f11" providerId="ADAL" clId="{7E5EB6AF-9D82-46FE-8E7A-CD8501CCC7B9}" dt="2024-06-21T16:13:06.267" v="132" actId="1037"/>
-          <ac:spMkLst>
-            <pc:docMk/>
-            <pc:sldMk cId="1861708718" sldId="286"/>
-            <ac:spMk id="9" creationId="{192A58D3-225A-6D78-8DC3-BCA59DF61911}"/>
-          </ac:spMkLst>
-        </pc:spChg>
-        <pc:spChg chg="add mod">
-          <ac:chgData name="Li, Shicheng" userId="7425521c-7c11-4331-97d3-6e2702dd7f11" providerId="ADAL" clId="{7E5EB6AF-9D82-46FE-8E7A-CD8501CCC7B9}" dt="2024-06-21T16:12:49.027" v="87" actId="571"/>
-          <ac:spMkLst>
-            <pc:docMk/>
-            <pc:sldMk cId="1861708718" sldId="286"/>
-            <ac:spMk id="10" creationId="{BDA96BF5-5461-7CAC-81DF-7977C388162E}"/>
-          </ac:spMkLst>
-        </pc:spChg>
-        <pc:spChg chg="mod">
-          <ac:chgData name="Li, Shicheng" userId="7425521c-7c11-4331-97d3-6e2702dd7f11" providerId="ADAL" clId="{7E5EB6AF-9D82-46FE-8E7A-CD8501CCC7B9}" dt="2024-06-21T16:13:23.382" v="134" actId="1076"/>
-          <ac:spMkLst>
-            <pc:docMk/>
-            <pc:sldMk cId="1861708718" sldId="286"/>
-            <ac:spMk id="19" creationId="{4FA26463-215F-AF9C-52BB-B2FB58C6E25E}"/>
-          </ac:spMkLst>
-        </pc:spChg>
-        <pc:spChg chg="mod">
-          <ac:chgData name="Li, Shicheng" userId="7425521c-7c11-4331-97d3-6e2702dd7f11" providerId="ADAL" clId="{7E5EB6AF-9D82-46FE-8E7A-CD8501CCC7B9}" dt="2024-06-21T16:13:06.267" v="132" actId="1037"/>
-          <ac:spMkLst>
-            <pc:docMk/>
-            <pc:sldMk cId="1861708718" sldId="286"/>
-            <ac:spMk id="20" creationId="{DBFCCB08-C436-2B4D-E952-2F710E47C66A}"/>
-          </ac:spMkLst>
-        </pc:spChg>
-        <pc:picChg chg="add mod">
-          <ac:chgData name="Li, Shicheng" userId="7425521c-7c11-4331-97d3-6e2702dd7f11" providerId="ADAL" clId="{7E5EB6AF-9D82-46FE-8E7A-CD8501CCC7B9}" dt="2024-06-21T16:12:44.920" v="85" actId="571"/>
-          <ac:picMkLst>
-            <pc:docMk/>
-            <pc:sldMk cId="1861708718" sldId="286"/>
-            <ac:picMk id="3" creationId="{E1C69898-C324-FB2F-C856-5CCF78739D57}"/>
-          </ac:picMkLst>
-        </pc:picChg>
-        <pc:picChg chg="mod">
-          <ac:chgData name="Li, Shicheng" userId="7425521c-7c11-4331-97d3-6e2702dd7f11" providerId="ADAL" clId="{7E5EB6AF-9D82-46FE-8E7A-CD8501CCC7B9}" dt="2024-06-21T16:13:06.267" v="132" actId="1037"/>
-          <ac:picMkLst>
-            <pc:docMk/>
-            <pc:sldMk cId="1861708718" sldId="286"/>
-            <ac:picMk id="16" creationId="{3F7BF0D1-F45F-FE7B-B525-DD22CE195DDD}"/>
-          </ac:picMkLst>
-        </pc:picChg>
-        <pc:picChg chg="mod">
-          <ac:chgData name="Li, Shicheng" userId="7425521c-7c11-4331-97d3-6e2702dd7f11" providerId="ADAL" clId="{7E5EB6AF-9D82-46FE-8E7A-CD8501CCC7B9}" dt="2024-06-21T16:13:06.267" v="132" actId="1037"/>
-          <ac:picMkLst>
-            <pc:docMk/>
-            <pc:sldMk cId="1861708718" sldId="286"/>
-            <ac:picMk id="18" creationId="{AC859D17-420E-3C2D-CDAC-51C89CC42EC6}"/>
-          </ac:picMkLst>
-        </pc:picChg>
-      </pc:sldChg>
-      <pc:sldChg chg="addSp delSp modSp add mod modNotesTx">
-        <pc:chgData name="Li, Shicheng" userId="7425521c-7c11-4331-97d3-6e2702dd7f11" providerId="ADAL" clId="{7E5EB6AF-9D82-46FE-8E7A-CD8501CCC7B9}" dt="2024-07-08T16:16:33.537" v="223" actId="20577"/>
-        <pc:sldMkLst>
-          <pc:docMk/>
-          <pc:sldMk cId="1757090110" sldId="287"/>
-        </pc:sldMkLst>
-        <pc:spChg chg="add mod">
-          <ac:chgData name="Li, Shicheng" userId="7425521c-7c11-4331-97d3-6e2702dd7f11" providerId="ADAL" clId="{7E5EB6AF-9D82-46FE-8E7A-CD8501CCC7B9}" dt="2024-06-21T15:59:33.721" v="34" actId="113"/>
-          <ac:spMkLst>
-            <pc:docMk/>
-            <pc:sldMk cId="1757090110" sldId="287"/>
-            <ac:spMk id="9" creationId="{2518E67D-76F0-BC51-68EE-839A05337919}"/>
-          </ac:spMkLst>
-        </pc:spChg>
-        <pc:spChg chg="del">
-          <ac:chgData name="Li, Shicheng" userId="7425521c-7c11-4331-97d3-6e2702dd7f11" providerId="ADAL" clId="{7E5EB6AF-9D82-46FE-8E7A-CD8501CCC7B9}" dt="2024-06-21T15:54:23.169" v="2" actId="478"/>
-          <ac:spMkLst>
-            <pc:docMk/>
-            <pc:sldMk cId="1757090110" sldId="287"/>
-            <ac:spMk id="11" creationId="{08508D76-E113-76D2-EF15-A8745DAE3E6F}"/>
-          </ac:spMkLst>
-        </pc:spChg>
-        <pc:spChg chg="add mod">
-          <ac:chgData name="Li, Shicheng" userId="7425521c-7c11-4331-97d3-6e2702dd7f11" providerId="ADAL" clId="{7E5EB6AF-9D82-46FE-8E7A-CD8501CCC7B9}" dt="2024-06-21T15:59:54.215" v="38" actId="20577"/>
-          <ac:spMkLst>
-            <pc:docMk/>
-            <pc:sldMk cId="1757090110" sldId="287"/>
-            <ac:spMk id="12" creationId="{801E8299-3DEB-56DE-312F-0C4D185CB73F}"/>
-          </ac:spMkLst>
-        </pc:spChg>
-        <pc:spChg chg="del">
-          <ac:chgData name="Li, Shicheng" userId="7425521c-7c11-4331-97d3-6e2702dd7f11" providerId="ADAL" clId="{7E5EB6AF-9D82-46FE-8E7A-CD8501CCC7B9}" dt="2024-06-21T15:54:23.169" v="2" actId="478"/>
-          <ac:spMkLst>
-            <pc:docMk/>
-            <pc:sldMk cId="1757090110" sldId="287"/>
-            <ac:spMk id="13" creationId="{725DCD6F-0EDB-3731-6429-5116EC94C0B0}"/>
-          </ac:spMkLst>
-        </pc:spChg>
-        <pc:spChg chg="del">
-          <ac:chgData name="Li, Shicheng" userId="7425521c-7c11-4331-97d3-6e2702dd7f11" providerId="ADAL" clId="{7E5EB6AF-9D82-46FE-8E7A-CD8501CCC7B9}" dt="2024-06-21T15:54:23.169" v="2" actId="478"/>
-          <ac:spMkLst>
-            <pc:docMk/>
-            <pc:sldMk cId="1757090110" sldId="287"/>
-            <ac:spMk id="15" creationId="{78F7B72D-7C37-98E9-ADB9-976EDA02F537}"/>
-          </ac:spMkLst>
-        </pc:spChg>
-        <pc:spChg chg="del">
-          <ac:chgData name="Li, Shicheng" userId="7425521c-7c11-4331-97d3-6e2702dd7f11" providerId="ADAL" clId="{7E5EB6AF-9D82-46FE-8E7A-CD8501CCC7B9}" dt="2024-06-21T15:54:23.169" v="2" actId="478"/>
-          <ac:spMkLst>
-            <pc:docMk/>
-            <pc:sldMk cId="1757090110" sldId="287"/>
-            <ac:spMk id="16" creationId="{F4603546-65C2-68D6-FC8C-01EBB9A6E4A7}"/>
-          </ac:spMkLst>
-        </pc:spChg>
-        <pc:spChg chg="del">
-          <ac:chgData name="Li, Shicheng" userId="7425521c-7c11-4331-97d3-6e2702dd7f11" providerId="ADAL" clId="{7E5EB6AF-9D82-46FE-8E7A-CD8501CCC7B9}" dt="2024-06-21T15:54:23.169" v="2" actId="478"/>
-          <ac:spMkLst>
-            <pc:docMk/>
-            <pc:sldMk cId="1757090110" sldId="287"/>
-            <ac:spMk id="17" creationId="{2D9E12B3-90FE-620D-589F-21D0C341ED8B}"/>
-          </ac:spMkLst>
-        </pc:spChg>
-        <pc:spChg chg="del">
-          <ac:chgData name="Li, Shicheng" userId="7425521c-7c11-4331-97d3-6e2702dd7f11" providerId="ADAL" clId="{7E5EB6AF-9D82-46FE-8E7A-CD8501CCC7B9}" dt="2024-06-21T15:54:23.169" v="2" actId="478"/>
-          <ac:spMkLst>
-            <pc:docMk/>
-            <pc:sldMk cId="1757090110" sldId="287"/>
-            <ac:spMk id="18" creationId="{C2AEB075-1EFB-F925-9081-55E8C1A7EFCF}"/>
-          </ac:spMkLst>
-        </pc:spChg>
-        <pc:spChg chg="del">
-          <ac:chgData name="Li, Shicheng" userId="7425521c-7c11-4331-97d3-6e2702dd7f11" providerId="ADAL" clId="{7E5EB6AF-9D82-46FE-8E7A-CD8501CCC7B9}" dt="2024-06-21T15:54:23.169" v="2" actId="478"/>
-          <ac:spMkLst>
-            <pc:docMk/>
-            <pc:sldMk cId="1757090110" sldId="287"/>
-            <ac:spMk id="31" creationId="{FB506067-9A14-DE4E-4C1D-DD0893D41DD2}"/>
-          </ac:spMkLst>
-        </pc:spChg>
-        <pc:spChg chg="del">
-          <ac:chgData name="Li, Shicheng" userId="7425521c-7c11-4331-97d3-6e2702dd7f11" providerId="ADAL" clId="{7E5EB6AF-9D82-46FE-8E7A-CD8501CCC7B9}" dt="2024-06-21T15:54:23.169" v="2" actId="478"/>
-          <ac:spMkLst>
-            <pc:docMk/>
-            <pc:sldMk cId="1757090110" sldId="287"/>
-            <ac:spMk id="32" creationId="{1BF72CAB-EB5A-83FD-D63B-7AE6545748E7}"/>
-          </ac:spMkLst>
-        </pc:spChg>
-        <pc:spChg chg="del">
-          <ac:chgData name="Li, Shicheng" userId="7425521c-7c11-4331-97d3-6e2702dd7f11" providerId="ADAL" clId="{7E5EB6AF-9D82-46FE-8E7A-CD8501CCC7B9}" dt="2024-06-21T15:54:23.169" v="2" actId="478"/>
-          <ac:spMkLst>
-            <pc:docMk/>
-            <pc:sldMk cId="1757090110" sldId="287"/>
-            <ac:spMk id="34" creationId="{F016CAF2-6465-823C-1FC7-A6382EF8572E}"/>
-          </ac:spMkLst>
-        </pc:spChg>
-        <pc:picChg chg="add mod">
-          <ac:chgData name="Li, Shicheng" userId="7425521c-7c11-4331-97d3-6e2702dd7f11" providerId="ADAL" clId="{7E5EB6AF-9D82-46FE-8E7A-CD8501CCC7B9}" dt="2024-06-21T15:54:48.746" v="10" actId="1076"/>
-          <ac:picMkLst>
-            <pc:docMk/>
-            <pc:sldMk cId="1757090110" sldId="287"/>
-            <ac:picMk id="3" creationId="{CDE0222D-2AC4-DE35-5C8D-208EC33FAC22}"/>
-          </ac:picMkLst>
-        </pc:picChg>
-        <pc:picChg chg="add mod modCrop">
-          <ac:chgData name="Li, Shicheng" userId="7425521c-7c11-4331-97d3-6e2702dd7f11" providerId="ADAL" clId="{7E5EB6AF-9D82-46FE-8E7A-CD8501CCC7B9}" dt="2024-06-21T15:59:05.661" v="27" actId="1076"/>
-          <ac:picMkLst>
-            <pc:docMk/>
-            <pc:sldMk cId="1757090110" sldId="287"/>
-            <ac:picMk id="6" creationId="{804BC695-E51A-3BC8-6FED-39295AA93AD7}"/>
-          </ac:picMkLst>
-        </pc:picChg>
-        <pc:picChg chg="del mod modCrop">
-          <ac:chgData name="Li, Shicheng" userId="7425521c-7c11-4331-97d3-6e2702dd7f11" providerId="ADAL" clId="{7E5EB6AF-9D82-46FE-8E7A-CD8501CCC7B9}" dt="2024-06-21T15:58:27.709" v="18" actId="478"/>
-          <ac:picMkLst>
-            <pc:docMk/>
-            <pc:sldMk cId="1757090110" sldId="287"/>
-            <ac:picMk id="10" creationId="{90F64B60-B7ED-0FB1-0406-C907BF31561F}"/>
-          </ac:picMkLst>
-        </pc:picChg>
-        <pc:cxnChg chg="del mod">
-          <ac:chgData name="Li, Shicheng" userId="7425521c-7c11-4331-97d3-6e2702dd7f11" providerId="ADAL" clId="{7E5EB6AF-9D82-46FE-8E7A-CD8501CCC7B9}" dt="2024-06-21T15:54:26.742" v="3" actId="478"/>
-          <ac:cxnSpMkLst>
-            <pc:docMk/>
-            <pc:sldMk cId="1757090110" sldId="287"/>
-            <ac:cxnSpMk id="20" creationId="{5235B565-2E16-C11B-443C-D882A600D8F9}"/>
-          </ac:cxnSpMkLst>
-        </pc:cxnChg>
-        <pc:cxnChg chg="del mod">
-          <ac:chgData name="Li, Shicheng" userId="7425521c-7c11-4331-97d3-6e2702dd7f11" providerId="ADAL" clId="{7E5EB6AF-9D82-46FE-8E7A-CD8501CCC7B9}" dt="2024-06-21T15:54:26.742" v="3" actId="478"/>
-          <ac:cxnSpMkLst>
-            <pc:docMk/>
-            <pc:sldMk cId="1757090110" sldId="287"/>
-            <ac:cxnSpMk id="22" creationId="{D4243B86-FD14-8F2C-7D63-9799A564886B}"/>
-          </ac:cxnSpMkLst>
-        </pc:cxnChg>
-        <pc:cxnChg chg="del mod">
-          <ac:chgData name="Li, Shicheng" userId="7425521c-7c11-4331-97d3-6e2702dd7f11" providerId="ADAL" clId="{7E5EB6AF-9D82-46FE-8E7A-CD8501CCC7B9}" dt="2024-06-21T15:54:26.742" v="3" actId="478"/>
-          <ac:cxnSpMkLst>
-            <pc:docMk/>
-            <pc:sldMk cId="1757090110" sldId="287"/>
-            <ac:cxnSpMk id="24" creationId="{0377F051-8707-23EB-81D8-1532753598DF}"/>
-          </ac:cxnSpMkLst>
-        </pc:cxnChg>
-        <pc:cxnChg chg="del mod">
-          <ac:chgData name="Li, Shicheng" userId="7425521c-7c11-4331-97d3-6e2702dd7f11" providerId="ADAL" clId="{7E5EB6AF-9D82-46FE-8E7A-CD8501CCC7B9}" dt="2024-06-21T15:54:26.742" v="3" actId="478"/>
-          <ac:cxnSpMkLst>
-            <pc:docMk/>
-            <pc:sldMk cId="1757090110" sldId="287"/>
-            <ac:cxnSpMk id="26" creationId="{97142F32-0409-B4D1-A77D-69216E07F1B8}"/>
-          </ac:cxnSpMkLst>
-        </pc:cxnChg>
-        <pc:cxnChg chg="del mod">
-          <ac:chgData name="Li, Shicheng" userId="7425521c-7c11-4331-97d3-6e2702dd7f11" providerId="ADAL" clId="{7E5EB6AF-9D82-46FE-8E7A-CD8501CCC7B9}" dt="2024-06-21T15:54:26.742" v="3" actId="478"/>
-          <ac:cxnSpMkLst>
-            <pc:docMk/>
-            <pc:sldMk cId="1757090110" sldId="287"/>
-            <ac:cxnSpMk id="28" creationId="{35959DB3-E749-25A6-2836-2A4F4FF03D36}"/>
-          </ac:cxnSpMkLst>
-        </pc:cxnChg>
-        <pc:cxnChg chg="del mod">
-          <ac:chgData name="Li, Shicheng" userId="7425521c-7c11-4331-97d3-6e2702dd7f11" providerId="ADAL" clId="{7E5EB6AF-9D82-46FE-8E7A-CD8501CCC7B9}" dt="2024-06-21T15:54:23.169" v="2" actId="478"/>
-          <ac:cxnSpMkLst>
-            <pc:docMk/>
-            <pc:sldMk cId="1757090110" sldId="287"/>
-            <ac:cxnSpMk id="30" creationId="{2C63E6F7-2645-F26B-4983-37A6FCA55E16}"/>
-          </ac:cxnSpMkLst>
-        </pc:cxnChg>
-        <pc:cxnChg chg="del mod">
-          <ac:chgData name="Li, Shicheng" userId="7425521c-7c11-4331-97d3-6e2702dd7f11" providerId="ADAL" clId="{7E5EB6AF-9D82-46FE-8E7A-CD8501CCC7B9}" dt="2024-06-21T15:54:26.742" v="3" actId="478"/>
-          <ac:cxnSpMkLst>
-            <pc:docMk/>
-            <pc:sldMk cId="1757090110" sldId="287"/>
-            <ac:cxnSpMk id="36" creationId="{A10C6668-F9D3-8201-C41E-5D1227291A9F}"/>
-          </ac:cxnSpMkLst>
-        </pc:cxnChg>
-        <pc:cxnChg chg="del mod">
-          <ac:chgData name="Li, Shicheng" userId="7425521c-7c11-4331-97d3-6e2702dd7f11" providerId="ADAL" clId="{7E5EB6AF-9D82-46FE-8E7A-CD8501CCC7B9}" dt="2024-06-21T15:54:23.169" v="2" actId="478"/>
-          <ac:cxnSpMkLst>
-            <pc:docMk/>
-            <pc:sldMk cId="1757090110" sldId="287"/>
-            <ac:cxnSpMk id="38" creationId="{16EFBFF7-524E-6C8D-9A7C-72D7949E0C46}"/>
-          </ac:cxnSpMkLst>
-        </pc:cxnChg>
-      </pc:sldChg>
-      <pc:sldChg chg="modSp mod modNotesTx">
-        <pc:chgData name="Li, Shicheng" userId="7425521c-7c11-4331-97d3-6e2702dd7f11" providerId="ADAL" clId="{7E5EB6AF-9D82-46FE-8E7A-CD8501CCC7B9}" dt="2024-07-08T16:22:11.041" v="239" actId="20577"/>
-        <pc:sldMkLst>
-          <pc:docMk/>
-          <pc:sldMk cId="336587402" sldId="290"/>
-        </pc:sldMkLst>
-        <pc:spChg chg="mod">
-          <ac:chgData name="Li, Shicheng" userId="7425521c-7c11-4331-97d3-6e2702dd7f11" providerId="ADAL" clId="{7E5EB6AF-9D82-46FE-8E7A-CD8501CCC7B9}" dt="2024-07-08T15:56:05.482" v="168" actId="20577"/>
-          <ac:spMkLst>
-            <pc:docMk/>
-            <pc:sldMk cId="336587402" sldId="290"/>
-            <ac:spMk id="2" creationId="{E1FB756D-EC35-B6F4-BA6A-2DB04EBBDF1B}"/>
           </ac:spMkLst>
         </pc:spChg>
       </pc:sldChg>
@@ -1630,7 +1931,7 @@
           <a:p>
             <a:fld id="{56A43E7F-2FBD-4C74-A6A3-71F46B4D3471}" type="datetimeFigureOut">
               <a:rPr lang="en-US" smtClean="0"/>
-              <a:t>7/8/2024</a:t>
+              <a:t>7/11/2024</a:t>
             </a:fld>
             <a:endParaRPr lang="en-US"/>
           </a:p>
@@ -2025,18 +2326,7 @@
           <a:bodyPr/>
           <a:lstStyle/>
           <a:p>
-            <a:r>
-              <a:rPr lang="en-US"/>
-              <a:t>Bond angle distance    </a:t>
-            </a:r>
-            <a:r>
-              <a:rPr lang="en-US" err="1"/>
-              <a:t>phen</a:t>
-            </a:r>
-            <a:r>
-              <a:rPr lang="en-US"/>
-              <a:t> with 4 </a:t>
-            </a:r>
+            <a:endParaRPr lang="en-US"/>
           </a:p>
         </p:txBody>
       </p:sp>
@@ -2055,9 +2345,9 @@
           <a:bodyPr/>
           <a:lstStyle/>
           <a:p>
-            <a:fld id="{F654800E-572D-484A-AC61-331964E811C9}" type="slidenum">
+            <a:fld id="{A115DB88-2ED6-4DFA-8131-A12D0601D980}" type="slidenum">
               <a:rPr lang="en-US" smtClean="0"/>
-              <a:t>11</a:t>
+              <a:t>10</a:t>
             </a:fld>
             <a:endParaRPr lang="en-US"/>
           </a:p>
@@ -2066,7 +2356,7 @@
     </p:spTree>
     <p:extLst>
       <p:ext uri="{BB962C8B-B14F-4D97-AF65-F5344CB8AC3E}">
-        <p14:creationId xmlns:p14="http://schemas.microsoft.com/office/powerpoint/2010/main" val="3310390241"/>
+        <p14:creationId xmlns:p14="http://schemas.microsoft.com/office/powerpoint/2010/main" val="785459809"/>
       </p:ext>
     </p:extLst>
   </p:cSld>
@@ -2120,7 +2410,14 @@
           <a:bodyPr/>
           <a:lstStyle/>
           <a:p>
-            <a:endParaRPr lang="en-US"/>
+            <a:r>
+              <a:rPr lang="en-US" dirty="0"/>
+              <a:t>Add one more fig </a:t>
+            </a:r>
+            <a:r>
+              <a:rPr lang="en-US"/>
+              <a:t>for subset2nw</a:t>
+            </a:r>
           </a:p>
         </p:txBody>
       </p:sp>
@@ -2150,7 +2447,7 @@
     </p:spTree>
     <p:extLst>
       <p:ext uri="{BB962C8B-B14F-4D97-AF65-F5344CB8AC3E}">
-        <p14:creationId xmlns:p14="http://schemas.microsoft.com/office/powerpoint/2010/main" val="3722579883"/>
+        <p14:creationId xmlns:p14="http://schemas.microsoft.com/office/powerpoint/2010/main" val="2288387597"/>
       </p:ext>
     </p:extLst>
   </p:cSld>
@@ -2204,7 +2501,18 @@
           <a:bodyPr/>
           <a:lstStyle/>
           <a:p>
-            <a:endParaRPr lang="en-US"/>
+            <a:r>
+              <a:rPr lang="en-US"/>
+              <a:t>Bond angle distance    </a:t>
+            </a:r>
+            <a:r>
+              <a:rPr lang="en-US" err="1"/>
+              <a:t>phen</a:t>
+            </a:r>
+            <a:r>
+              <a:rPr lang="en-US"/>
+              <a:t> with 4 </a:t>
+            </a:r>
           </a:p>
         </p:txBody>
       </p:sp>
@@ -2223,7 +2531,7 @@
           <a:bodyPr/>
           <a:lstStyle/>
           <a:p>
-            <a:fld id="{A115DB88-2ED6-4DFA-8131-A12D0601D980}" type="slidenum">
+            <a:fld id="{F654800E-572D-484A-AC61-331964E811C9}" type="slidenum">
               <a:rPr lang="en-US" smtClean="0"/>
               <a:t>13</a:t>
             </a:fld>
@@ -2234,7 +2542,7 @@
     </p:spTree>
     <p:extLst>
       <p:ext uri="{BB962C8B-B14F-4D97-AF65-F5344CB8AC3E}">
-        <p14:creationId xmlns:p14="http://schemas.microsoft.com/office/powerpoint/2010/main" val="2652936930"/>
+        <p14:creationId xmlns:p14="http://schemas.microsoft.com/office/powerpoint/2010/main" val="3310390241"/>
       </p:ext>
     </p:extLst>
   </p:cSld>
@@ -2310,6 +2618,174 @@
             <a:fld id="{A115DB88-2ED6-4DFA-8131-A12D0601D980}" type="slidenum">
               <a:rPr lang="en-US" smtClean="0"/>
               <a:t>14</a:t>
+            </a:fld>
+            <a:endParaRPr lang="en-US"/>
+          </a:p>
+        </p:txBody>
+      </p:sp>
+    </p:spTree>
+    <p:extLst>
+      <p:ext uri="{BB962C8B-B14F-4D97-AF65-F5344CB8AC3E}">
+        <p14:creationId xmlns:p14="http://schemas.microsoft.com/office/powerpoint/2010/main" val="3722579883"/>
+      </p:ext>
+    </p:extLst>
+  </p:cSld>
+  <p:clrMapOvr>
+    <a:masterClrMapping/>
+  </p:clrMapOvr>
+</p:notes>
+</file>
+
+<file path=ppt/notesSlides/notesSlide14.xml><?xml version="1.0" encoding="utf-8"?>
+<p:notes xmlns:a="http://schemas.openxmlformats.org/drawingml/2006/main" xmlns:r="http://schemas.openxmlformats.org/officeDocument/2006/relationships" xmlns:p="http://schemas.openxmlformats.org/presentationml/2006/main">
+  <p:cSld>
+    <p:spTree>
+      <p:nvGrpSpPr>
+        <p:cNvPr id="1" name=""/>
+        <p:cNvGrpSpPr/>
+        <p:nvPr/>
+      </p:nvGrpSpPr>
+      <p:grpSpPr>
+        <a:xfrm>
+          <a:off x="0" y="0"/>
+          <a:ext cx="0" cy="0"/>
+          <a:chOff x="0" y="0"/>
+          <a:chExt cx="0" cy="0"/>
+        </a:xfrm>
+      </p:grpSpPr>
+      <p:sp>
+        <p:nvSpPr>
+          <p:cNvPr id="2" name="Slide Image Placeholder 1"/>
+          <p:cNvSpPr>
+            <a:spLocks noGrp="1" noRot="1" noChangeAspect="1"/>
+          </p:cNvSpPr>
+          <p:nvPr>
+            <p:ph type="sldImg"/>
+          </p:nvPr>
+        </p:nvSpPr>
+        <p:spPr/>
+      </p:sp>
+      <p:sp>
+        <p:nvSpPr>
+          <p:cNvPr id="3" name="Notes Placeholder 2"/>
+          <p:cNvSpPr>
+            <a:spLocks noGrp="1"/>
+          </p:cNvSpPr>
+          <p:nvPr>
+            <p:ph type="body" idx="1"/>
+          </p:nvPr>
+        </p:nvSpPr>
+        <p:spPr/>
+        <p:txBody>
+          <a:bodyPr/>
+          <a:lstStyle/>
+          <a:p>
+            <a:endParaRPr lang="en-US"/>
+          </a:p>
+        </p:txBody>
+      </p:sp>
+      <p:sp>
+        <p:nvSpPr>
+          <p:cNvPr id="4" name="Slide Number Placeholder 3"/>
+          <p:cNvSpPr>
+            <a:spLocks noGrp="1"/>
+          </p:cNvSpPr>
+          <p:nvPr>
+            <p:ph type="sldNum" sz="quarter" idx="5"/>
+          </p:nvPr>
+        </p:nvSpPr>
+        <p:spPr/>
+        <p:txBody>
+          <a:bodyPr/>
+          <a:lstStyle/>
+          <a:p>
+            <a:fld id="{A115DB88-2ED6-4DFA-8131-A12D0601D980}" type="slidenum">
+              <a:rPr lang="en-US" smtClean="0"/>
+              <a:t>15</a:t>
+            </a:fld>
+            <a:endParaRPr lang="en-US"/>
+          </a:p>
+        </p:txBody>
+      </p:sp>
+    </p:spTree>
+    <p:extLst>
+      <p:ext uri="{BB962C8B-B14F-4D97-AF65-F5344CB8AC3E}">
+        <p14:creationId xmlns:p14="http://schemas.microsoft.com/office/powerpoint/2010/main" val="2652936930"/>
+      </p:ext>
+    </p:extLst>
+  </p:cSld>
+  <p:clrMapOvr>
+    <a:masterClrMapping/>
+  </p:clrMapOvr>
+</p:notes>
+</file>
+
+<file path=ppt/notesSlides/notesSlide15.xml><?xml version="1.0" encoding="utf-8"?>
+<p:notes xmlns:a="http://schemas.openxmlformats.org/drawingml/2006/main" xmlns:r="http://schemas.openxmlformats.org/officeDocument/2006/relationships" xmlns:p="http://schemas.openxmlformats.org/presentationml/2006/main">
+  <p:cSld>
+    <p:spTree>
+      <p:nvGrpSpPr>
+        <p:cNvPr id="1" name=""/>
+        <p:cNvGrpSpPr/>
+        <p:nvPr/>
+      </p:nvGrpSpPr>
+      <p:grpSpPr>
+        <a:xfrm>
+          <a:off x="0" y="0"/>
+          <a:ext cx="0" cy="0"/>
+          <a:chOff x="0" y="0"/>
+          <a:chExt cx="0" cy="0"/>
+        </a:xfrm>
+      </p:grpSpPr>
+      <p:sp>
+        <p:nvSpPr>
+          <p:cNvPr id="2" name="Slide Image Placeholder 1"/>
+          <p:cNvSpPr>
+            <a:spLocks noGrp="1" noRot="1" noChangeAspect="1"/>
+          </p:cNvSpPr>
+          <p:nvPr>
+            <p:ph type="sldImg"/>
+          </p:nvPr>
+        </p:nvSpPr>
+        <p:spPr/>
+      </p:sp>
+      <p:sp>
+        <p:nvSpPr>
+          <p:cNvPr id="3" name="Notes Placeholder 2"/>
+          <p:cNvSpPr>
+            <a:spLocks noGrp="1"/>
+          </p:cNvSpPr>
+          <p:nvPr>
+            <p:ph type="body" idx="1"/>
+          </p:nvPr>
+        </p:nvSpPr>
+        <p:spPr/>
+        <p:txBody>
+          <a:bodyPr/>
+          <a:lstStyle/>
+          <a:p>
+            <a:endParaRPr lang="en-US"/>
+          </a:p>
+        </p:txBody>
+      </p:sp>
+      <p:sp>
+        <p:nvSpPr>
+          <p:cNvPr id="4" name="Slide Number Placeholder 3"/>
+          <p:cNvSpPr>
+            <a:spLocks noGrp="1"/>
+          </p:cNvSpPr>
+          <p:nvPr>
+            <p:ph type="sldNum" sz="quarter" idx="5"/>
+          </p:nvPr>
+        </p:nvSpPr>
+        <p:spPr/>
+        <p:txBody>
+          <a:bodyPr/>
+          <a:lstStyle/>
+          <a:p>
+            <a:fld id="{A115DB88-2ED6-4DFA-8131-A12D0601D980}" type="slidenum">
+              <a:rPr lang="en-US" smtClean="0"/>
+              <a:t>16</a:t>
             </a:fld>
             <a:endParaRPr lang="en-US"/>
           </a:p>
@@ -2457,12 +2933,18 @@
           <a:lstStyle/>
           <a:p>
             <a:r>
-              <a:rPr lang="en-US"/>
-              <a:t>How many nitrate and water in first s</a:t>
-            </a:r>
-          </a:p>
-          <a:p>
-            <a:endParaRPr lang="en-US"/>
+              <a:rPr lang="en-US" dirty="0"/>
+              <a:t>How many nitrate and water in first shell</a:t>
+            </a:r>
+          </a:p>
+          <a:p>
+            <a:r>
+              <a:rPr lang="en-US" dirty="0"/>
+              <a:t>Remove subset2 in b</a:t>
+            </a:r>
+          </a:p>
+          <a:p>
+            <a:endParaRPr lang="en-US" dirty="0"/>
           </a:p>
         </p:txBody>
       </p:sp>
@@ -2576,7 +3058,7 @@
     </p:spTree>
     <p:extLst>
       <p:ext uri="{BB962C8B-B14F-4D97-AF65-F5344CB8AC3E}">
-        <p14:creationId xmlns:p14="http://schemas.microsoft.com/office/powerpoint/2010/main" val="289016208"/>
+        <p14:creationId xmlns:p14="http://schemas.microsoft.com/office/powerpoint/2010/main" val="3784047698"/>
       </p:ext>
     </p:extLst>
   </p:cSld>
@@ -2660,7 +3142,7 @@
     </p:spTree>
     <p:extLst>
       <p:ext uri="{BB962C8B-B14F-4D97-AF65-F5344CB8AC3E}">
-        <p14:creationId xmlns:p14="http://schemas.microsoft.com/office/powerpoint/2010/main" val="3951984327"/>
+        <p14:creationId xmlns:p14="http://schemas.microsoft.com/office/powerpoint/2010/main" val="289016208"/>
       </p:ext>
     </p:extLst>
   </p:cSld>
@@ -2744,7 +3226,7 @@
     </p:spTree>
     <p:extLst>
       <p:ext uri="{BB962C8B-B14F-4D97-AF65-F5344CB8AC3E}">
-        <p14:creationId xmlns:p14="http://schemas.microsoft.com/office/powerpoint/2010/main" val="2151041711"/>
+        <p14:creationId xmlns:p14="http://schemas.microsoft.com/office/powerpoint/2010/main" val="3951984327"/>
       </p:ext>
     </p:extLst>
   </p:cSld>
@@ -2828,7 +3310,7 @@
     </p:spTree>
     <p:extLst>
       <p:ext uri="{BB962C8B-B14F-4D97-AF65-F5344CB8AC3E}">
-        <p14:creationId xmlns:p14="http://schemas.microsoft.com/office/powerpoint/2010/main" val="367011773"/>
+        <p14:creationId xmlns:p14="http://schemas.microsoft.com/office/powerpoint/2010/main" val="2151041711"/>
       </p:ext>
     </p:extLst>
   </p:cSld>
@@ -2912,7 +3394,7 @@
     </p:spTree>
     <p:extLst>
       <p:ext uri="{BB962C8B-B14F-4D97-AF65-F5344CB8AC3E}">
-        <p14:creationId xmlns:p14="http://schemas.microsoft.com/office/powerpoint/2010/main" val="2288387597"/>
+        <p14:creationId xmlns:p14="http://schemas.microsoft.com/office/powerpoint/2010/main" val="2872478171"/>
       </p:ext>
     </p:extLst>
   </p:cSld>
@@ -2996,7 +3478,7 @@
     </p:spTree>
     <p:extLst>
       <p:ext uri="{BB962C8B-B14F-4D97-AF65-F5344CB8AC3E}">
-        <p14:creationId xmlns:p14="http://schemas.microsoft.com/office/powerpoint/2010/main" val="785459809"/>
+        <p14:creationId xmlns:p14="http://schemas.microsoft.com/office/powerpoint/2010/main" val="367011773"/>
       </p:ext>
     </p:extLst>
   </p:cSld>
@@ -3153,7 +3635,7 @@
           <a:p>
             <a:fld id="{95396F27-02BC-4467-B681-1C6B8C3FCDB1}" type="datetimeFigureOut">
               <a:rPr lang="en-US" smtClean="0"/>
-              <a:t>7/8/2024</a:t>
+              <a:t>7/11/2024</a:t>
             </a:fld>
             <a:endParaRPr lang="en-US"/>
           </a:p>
@@ -3351,7 +3833,7 @@
           <a:p>
             <a:fld id="{95396F27-02BC-4467-B681-1C6B8C3FCDB1}" type="datetimeFigureOut">
               <a:rPr lang="en-US" smtClean="0"/>
-              <a:t>7/8/2024</a:t>
+              <a:t>7/11/2024</a:t>
             </a:fld>
             <a:endParaRPr lang="en-US"/>
           </a:p>
@@ -3559,7 +4041,7 @@
           <a:p>
             <a:fld id="{95396F27-02BC-4467-B681-1C6B8C3FCDB1}" type="datetimeFigureOut">
               <a:rPr lang="en-US" smtClean="0"/>
-              <a:t>7/8/2024</a:t>
+              <a:t>7/11/2024</a:t>
             </a:fld>
             <a:endParaRPr lang="en-US"/>
           </a:p>
@@ -3757,7 +4239,7 @@
           <a:p>
             <a:fld id="{95396F27-02BC-4467-B681-1C6B8C3FCDB1}" type="datetimeFigureOut">
               <a:rPr lang="en-US" smtClean="0"/>
-              <a:t>7/8/2024</a:t>
+              <a:t>7/11/2024</a:t>
             </a:fld>
             <a:endParaRPr lang="en-US"/>
           </a:p>
@@ -4032,7 +4514,7 @@
           <a:p>
             <a:fld id="{95396F27-02BC-4467-B681-1C6B8C3FCDB1}" type="datetimeFigureOut">
               <a:rPr lang="en-US" smtClean="0"/>
-              <a:t>7/8/2024</a:t>
+              <a:t>7/11/2024</a:t>
             </a:fld>
             <a:endParaRPr lang="en-US"/>
           </a:p>
@@ -4297,7 +4779,7 @@
           <a:p>
             <a:fld id="{95396F27-02BC-4467-B681-1C6B8C3FCDB1}" type="datetimeFigureOut">
               <a:rPr lang="en-US" smtClean="0"/>
-              <a:t>7/8/2024</a:t>
+              <a:t>7/11/2024</a:t>
             </a:fld>
             <a:endParaRPr lang="en-US"/>
           </a:p>
@@ -4709,7 +5191,7 @@
           <a:p>
             <a:fld id="{95396F27-02BC-4467-B681-1C6B8C3FCDB1}" type="datetimeFigureOut">
               <a:rPr lang="en-US" smtClean="0"/>
-              <a:t>7/8/2024</a:t>
+              <a:t>7/11/2024</a:t>
             </a:fld>
             <a:endParaRPr lang="en-US"/>
           </a:p>
@@ -4850,7 +5332,7 @@
           <a:p>
             <a:fld id="{95396F27-02BC-4467-B681-1C6B8C3FCDB1}" type="datetimeFigureOut">
               <a:rPr lang="en-US" smtClean="0"/>
-              <a:t>7/8/2024</a:t>
+              <a:t>7/11/2024</a:t>
             </a:fld>
             <a:endParaRPr lang="en-US"/>
           </a:p>
@@ -4963,7 +5445,7 @@
           <a:p>
             <a:fld id="{95396F27-02BC-4467-B681-1C6B8C3FCDB1}" type="datetimeFigureOut">
               <a:rPr lang="en-US" smtClean="0"/>
-              <a:t>7/8/2024</a:t>
+              <a:t>7/11/2024</a:t>
             </a:fld>
             <a:endParaRPr lang="en-US"/>
           </a:p>
@@ -5274,7 +5756,7 @@
           <a:p>
             <a:fld id="{95396F27-02BC-4467-B681-1C6B8C3FCDB1}" type="datetimeFigureOut">
               <a:rPr lang="en-US" smtClean="0"/>
-              <a:t>7/8/2024</a:t>
+              <a:t>7/11/2024</a:t>
             </a:fld>
             <a:endParaRPr lang="en-US"/>
           </a:p>
@@ -5562,7 +6044,7 @@
           <a:p>
             <a:fld id="{95396F27-02BC-4467-B681-1C6B8C3FCDB1}" type="datetimeFigureOut">
               <a:rPr lang="en-US" smtClean="0"/>
-              <a:t>7/8/2024</a:t>
+              <a:t>7/11/2024</a:t>
             </a:fld>
             <a:endParaRPr lang="en-US"/>
           </a:p>
@@ -5803,7 +6285,7 @@
           <a:p>
             <a:fld id="{95396F27-02BC-4467-B681-1C6B8C3FCDB1}" type="datetimeFigureOut">
               <a:rPr lang="en-US" smtClean="0"/>
-              <a:t>7/8/2024</a:t>
+              <a:t>7/11/2024</a:t>
             </a:fld>
             <a:endParaRPr lang="en-US"/>
           </a:p>
@@ -7138,10 +7620,167 @@
       </p:grpSpPr>
       <p:sp>
         <p:nvSpPr>
-          <p:cNvPr id="8" name="TextBox 7">
-            <a:extLst>
-              <a:ext uri="{FF2B5EF4-FFF2-40B4-BE49-F238E27FC236}">
-                <a16:creationId xmlns:a16="http://schemas.microsoft.com/office/drawing/2014/main" id="{5E65013E-96B4-E275-2ADB-2302B617812B}"/>
+          <p:cNvPr id="2" name="Title 1">
+            <a:extLst>
+              <a:ext uri="{FF2B5EF4-FFF2-40B4-BE49-F238E27FC236}">
+                <a16:creationId xmlns:a16="http://schemas.microsoft.com/office/drawing/2014/main" id="{001E3F70-DC66-8477-9E54-EC5216071F23}"/>
+              </a:ext>
+            </a:extLst>
+          </p:cNvPr>
+          <p:cNvSpPr>
+            <a:spLocks noGrp="1"/>
+          </p:cNvSpPr>
+          <p:nvPr>
+            <p:ph type="title"/>
+          </p:nvPr>
+        </p:nvSpPr>
+        <p:spPr>
+          <a:xfrm>
+            <a:off x="4439" y="1"/>
+            <a:ext cx="9610077" cy="949905"/>
+          </a:xfrm>
+        </p:spPr>
+        <p:txBody>
+          <a:bodyPr>
+            <a:normAutofit/>
+          </a:bodyPr>
+          <a:lstStyle/>
+          <a:p>
+            <a:r>
+              <a:rPr lang="en-US" sz="3200" b="1" dirty="0">
+                <a:effectLst/>
+                <a:latin typeface="Times New Roman" panose="02020603050405020304" pitchFamily="18" charset="0"/>
+                <a:ea typeface="DengXian" panose="02010600030101010101" pitchFamily="2" charset="-122"/>
+              </a:rPr>
+              <a:t>Figure </a:t>
+            </a:r>
+            <a:r>
+              <a:rPr lang="en-US" sz="3200" b="1" dirty="0">
+                <a:latin typeface="Times New Roman" panose="02020603050405020304" pitchFamily="18" charset="0"/>
+                <a:ea typeface="DengXian" panose="02010600030101010101" pitchFamily="2" charset="-122"/>
+              </a:rPr>
+              <a:t>8</a:t>
+            </a:r>
+            <a:r>
+              <a:rPr lang="en-US" sz="3200" b="1" dirty="0">
+                <a:effectLst/>
+                <a:latin typeface="Times New Roman" panose="02020603050405020304" pitchFamily="18" charset="0"/>
+                <a:ea typeface="DengXian" panose="02010600030101010101" pitchFamily="2" charset="-122"/>
+              </a:rPr>
+              <a:t>.</a:t>
+            </a:r>
+            <a:endParaRPr lang="en-US" sz="3200" dirty="0"/>
+          </a:p>
+        </p:txBody>
+      </p:sp>
+      <p:cxnSp>
+        <p:nvCxnSpPr>
+          <p:cNvPr id="7" name="Straight Connector 6">
+            <a:extLst>
+              <a:ext uri="{FF2B5EF4-FFF2-40B4-BE49-F238E27FC236}">
+                <a16:creationId xmlns:a16="http://schemas.microsoft.com/office/drawing/2014/main" id="{E9EFDF02-7A77-FB7C-7728-BA116CBCE885}"/>
+              </a:ext>
+            </a:extLst>
+          </p:cNvPr>
+          <p:cNvCxnSpPr>
+            <a:cxnSpLocks/>
+          </p:cNvCxnSpPr>
+          <p:nvPr/>
+        </p:nvCxnSpPr>
+        <p:spPr>
+          <a:xfrm flipV="1">
+            <a:off x="-17756" y="949906"/>
+            <a:ext cx="12209756" cy="4"/>
+          </a:xfrm>
+          <a:prstGeom prst="line">
+            <a:avLst/>
+          </a:prstGeom>
+          <a:ln w="38100">
+            <a:solidFill>
+              <a:schemeClr val="accent1"/>
+            </a:solidFill>
+          </a:ln>
+        </p:spPr>
+        <p:style>
+          <a:lnRef idx="3">
+            <a:schemeClr val="accent4"/>
+          </a:lnRef>
+          <a:fillRef idx="0">
+            <a:schemeClr val="accent4"/>
+          </a:fillRef>
+          <a:effectRef idx="2">
+            <a:schemeClr val="accent4"/>
+          </a:effectRef>
+          <a:fontRef idx="minor">
+            <a:schemeClr val="tx1"/>
+          </a:fontRef>
+        </p:style>
+      </p:cxnSp>
+      <p:pic>
+        <p:nvPicPr>
+          <p:cNvPr id="14" name="Picture 13">
+            <a:extLst>
+              <a:ext uri="{FF2B5EF4-FFF2-40B4-BE49-F238E27FC236}">
+                <a16:creationId xmlns:a16="http://schemas.microsoft.com/office/drawing/2014/main" id="{CD003671-7A56-2C3A-9948-BB852C7AE352}"/>
+              </a:ext>
+            </a:extLst>
+          </p:cNvPr>
+          <p:cNvPicPr>
+            <a:picLocks noChangeAspect="1"/>
+          </p:cNvPicPr>
+          <p:nvPr/>
+        </p:nvPicPr>
+        <p:blipFill>
+          <a:blip r:embed="rId3"/>
+          <a:stretch>
+            <a:fillRect/>
+          </a:stretch>
+        </p:blipFill>
+        <p:spPr>
+          <a:xfrm>
+            <a:off x="11354539" y="322"/>
+            <a:ext cx="833021" cy="917087"/>
+          </a:xfrm>
+          <a:prstGeom prst="rect">
+            <a:avLst/>
+          </a:prstGeom>
+        </p:spPr>
+      </p:pic>
+      <p:sp>
+        <p:nvSpPr>
+          <p:cNvPr id="8" name="Slide Number Placeholder 7">
+            <a:extLst>
+              <a:ext uri="{FF2B5EF4-FFF2-40B4-BE49-F238E27FC236}">
+                <a16:creationId xmlns:a16="http://schemas.microsoft.com/office/drawing/2014/main" id="{EBECB5A2-1C8C-9524-DE39-552759C6889C}"/>
+              </a:ext>
+            </a:extLst>
+          </p:cNvPr>
+          <p:cNvSpPr>
+            <a:spLocks noGrp="1"/>
+          </p:cNvSpPr>
+          <p:nvPr>
+            <p:ph type="sldNum" sz="quarter" idx="12"/>
+          </p:nvPr>
+        </p:nvSpPr>
+        <p:spPr/>
+        <p:txBody>
+          <a:bodyPr/>
+          <a:lstStyle/>
+          <a:p>
+            <a:fld id="{348A67C5-9A30-4AA4-BAAF-98754B134193}" type="slidenum">
+              <a:rPr lang="en-US" smtClean="0"/>
+              <a:t>10</a:t>
+            </a:fld>
+            <a:endParaRPr lang="en-US"/>
+          </a:p>
+        </p:txBody>
+      </p:sp>
+      <p:sp>
+        <p:nvSpPr>
+          <p:cNvPr id="5" name="TextBox 4">
+            <a:extLst>
+              <a:ext uri="{FF2B5EF4-FFF2-40B4-BE49-F238E27FC236}">
+                <a16:creationId xmlns:a16="http://schemas.microsoft.com/office/drawing/2014/main" id="{A5A4C966-320C-39F1-540A-2B536DB93527}"/>
               </a:ext>
             </a:extLst>
           </p:cNvPr>
@@ -7150,8 +7789,8 @@
         </p:nvSpPr>
         <p:spPr>
           <a:xfrm>
-            <a:off x="2811282" y="877078"/>
-            <a:ext cx="755335" cy="369332"/>
+            <a:off x="306032" y="5812095"/>
+            <a:ext cx="10703674" cy="646331"/>
           </a:xfrm>
           <a:prstGeom prst="rect">
             <a:avLst/>
@@ -7159,24 +7798,54 @@
           <a:noFill/>
         </p:spPr>
         <p:txBody>
-          <a:bodyPr wrap="none" rtlCol="0">
+          <a:bodyPr wrap="square">
             <a:spAutoFit/>
           </a:bodyPr>
           <a:lstStyle/>
           <a:p>
-            <a:r>
-              <a:rPr lang="en-US"/>
-              <a:t>CN=9</a:t>
-            </a:r>
-          </a:p>
-        </p:txBody>
-      </p:sp>
-      <p:sp>
-        <p:nvSpPr>
-          <p:cNvPr id="9" name="TextBox 8">
-            <a:extLst>
-              <a:ext uri="{FF2B5EF4-FFF2-40B4-BE49-F238E27FC236}">
-                <a16:creationId xmlns:a16="http://schemas.microsoft.com/office/drawing/2014/main" id="{A1767496-3139-BD9F-F8E1-2B5CDDDFF418}"/>
+            <a:pPr marL="285750" indent="-285750">
+              <a:buFont typeface="Arial" panose="020B0604020202020204" pitchFamily="34" charset="0"/>
+              <a:buChar char="•"/>
+            </a:pPr>
+            <a:r>
+              <a:rPr lang="en-US" sz="1800" b="1" dirty="0">
+                <a:effectLst/>
+                <a:latin typeface="Times New Roman" panose="02020603050405020304" pitchFamily="18" charset="0"/>
+                <a:ea typeface="DengXian" panose="02010600030101010101" pitchFamily="2" charset="-122"/>
+              </a:rPr>
+              <a:t>Figure 8.</a:t>
+            </a:r>
+            <a:r>
+              <a:rPr lang="en-US" sz="1800" dirty="0">
+                <a:effectLst/>
+                <a:latin typeface="Times New Roman" panose="02020603050405020304" pitchFamily="18" charset="0"/>
+                <a:ea typeface="DengXian" panose="02010600030101010101" pitchFamily="2" charset="-122"/>
+              </a:rPr>
+              <a:t> </a:t>
+            </a:r>
+            <a:r>
+              <a:rPr lang="en-US" altLang="zh-CN" dirty="0">
+                <a:latin typeface="Times New Roman" panose="02020603050405020304" pitchFamily="18" charset="0"/>
+                <a:ea typeface="DengXian" panose="02010600030101010101" pitchFamily="2" charset="-122"/>
+              </a:rPr>
+              <a:t>Distribution of net charge </a:t>
+            </a:r>
+            <a:r>
+              <a:rPr lang="en-US" dirty="0">
+                <a:latin typeface="Times New Roman" panose="02020603050405020304" pitchFamily="18" charset="0"/>
+                <a:ea typeface="DengXian" panose="02010600030101010101" pitchFamily="2" charset="-122"/>
+              </a:rPr>
+              <a:t>in first shell of Ln complexes in (a)subset2n (b)subset2n_non_neutral (c)subset2w (d)subset2w_non_neutral across the Ln series.</a:t>
+            </a:r>
+          </a:p>
+        </p:txBody>
+      </p:sp>
+      <p:sp>
+        <p:nvSpPr>
+          <p:cNvPr id="6" name="TextBox 5">
+            <a:extLst>
+              <a:ext uri="{FF2B5EF4-FFF2-40B4-BE49-F238E27FC236}">
+                <a16:creationId xmlns:a16="http://schemas.microsoft.com/office/drawing/2014/main" id="{08BA8A82-3711-BB3A-7E47-FF6E57E2D43A}"/>
               </a:ext>
             </a:extLst>
           </p:cNvPr>
@@ -7185,8 +7854,8 @@
         </p:nvSpPr>
         <p:spPr>
           <a:xfrm>
-            <a:off x="7576115" y="802433"/>
-            <a:ext cx="878767" cy="369332"/>
+            <a:off x="1229457" y="1366620"/>
+            <a:ext cx="453970" cy="369332"/>
           </a:xfrm>
           <a:prstGeom prst="rect">
             <a:avLst/>
@@ -7200,18 +7869,21 @@
           <a:lstStyle/>
           <a:p>
             <a:r>
-              <a:rPr lang="en-US"/>
-              <a:t>CN=10</a:t>
-            </a:r>
-          </a:p>
-        </p:txBody>
-      </p:sp>
-      <p:sp>
-        <p:nvSpPr>
-          <p:cNvPr id="3" name="TextBox 2">
-            <a:extLst>
-              <a:ext uri="{FF2B5EF4-FFF2-40B4-BE49-F238E27FC236}">
-                <a16:creationId xmlns:a16="http://schemas.microsoft.com/office/drawing/2014/main" id="{B272B15D-E657-B5C7-C690-143234EA7BD0}"/>
+              <a:rPr lang="en-US" b="1">
+                <a:latin typeface="Times New Roman" panose="02020603050405020304" pitchFamily="18" charset="0"/>
+                <a:cs typeface="Times New Roman" panose="02020603050405020304" pitchFamily="18" charset="0"/>
+              </a:rPr>
+              <a:t>(a)</a:t>
+            </a:r>
+          </a:p>
+        </p:txBody>
+      </p:sp>
+      <p:sp>
+        <p:nvSpPr>
+          <p:cNvPr id="9" name="TextBox 8">
+            <a:extLst>
+              <a:ext uri="{FF2B5EF4-FFF2-40B4-BE49-F238E27FC236}">
+                <a16:creationId xmlns:a16="http://schemas.microsoft.com/office/drawing/2014/main" id="{192A58D3-225A-6D78-8DC3-BCA59DF61911}"/>
               </a:ext>
             </a:extLst>
           </p:cNvPr>
@@ -7220,8 +7892,8 @@
         </p:nvSpPr>
         <p:spPr>
           <a:xfrm>
-            <a:off x="373566" y="617767"/>
-            <a:ext cx="2168222" cy="646331"/>
+            <a:off x="4674200" y="1368358"/>
+            <a:ext cx="466794" cy="369332"/>
           </a:xfrm>
           <a:prstGeom prst="rect">
             <a:avLst/>
@@ -7235,116 +7907,256 @@
           <a:lstStyle/>
           <a:p>
             <a:r>
-              <a:rPr lang="en-US"/>
-              <a:t>Monodentate ligand</a:t>
-            </a:r>
-          </a:p>
-          <a:p>
-            <a:r>
-              <a:rPr lang="en-US"/>
-              <a:t>(DMSO)</a:t>
+              <a:rPr lang="en-US" b="1">
+                <a:latin typeface="Times New Roman" panose="02020603050405020304" pitchFamily="18" charset="0"/>
+                <a:cs typeface="Times New Roman" panose="02020603050405020304" pitchFamily="18" charset="0"/>
+              </a:rPr>
+              <a:t>(b)</a:t>
+            </a:r>
+          </a:p>
+        </p:txBody>
+      </p:sp>
+      <p:sp>
+        <p:nvSpPr>
+          <p:cNvPr id="19" name="TextBox 18">
+            <a:extLst>
+              <a:ext uri="{FF2B5EF4-FFF2-40B4-BE49-F238E27FC236}">
+                <a16:creationId xmlns:a16="http://schemas.microsoft.com/office/drawing/2014/main" id="{4FA26463-215F-AF9C-52BB-B2FB58C6E25E}"/>
+              </a:ext>
+            </a:extLst>
+          </p:cNvPr>
+          <p:cNvSpPr txBox="1"/>
+          <p:nvPr/>
+        </p:nvSpPr>
+        <p:spPr>
+          <a:xfrm>
+            <a:off x="1223977" y="3512491"/>
+            <a:ext cx="441146" cy="369332"/>
+          </a:xfrm>
+          <a:prstGeom prst="rect">
+            <a:avLst/>
+          </a:prstGeom>
+          <a:noFill/>
+        </p:spPr>
+        <p:txBody>
+          <a:bodyPr wrap="none" rtlCol="0">
+            <a:spAutoFit/>
+          </a:bodyPr>
+          <a:lstStyle/>
+          <a:p>
+            <a:r>
+              <a:rPr lang="en-US" b="1">
+                <a:latin typeface="Times New Roman" panose="02020603050405020304" pitchFamily="18" charset="0"/>
+                <a:cs typeface="Times New Roman" panose="02020603050405020304" pitchFamily="18" charset="0"/>
+              </a:rPr>
+              <a:t>(c)</a:t>
+            </a:r>
+          </a:p>
+        </p:txBody>
+      </p:sp>
+      <p:sp>
+        <p:nvSpPr>
+          <p:cNvPr id="20" name="TextBox 19">
+            <a:extLst>
+              <a:ext uri="{FF2B5EF4-FFF2-40B4-BE49-F238E27FC236}">
+                <a16:creationId xmlns:a16="http://schemas.microsoft.com/office/drawing/2014/main" id="{DBFCCB08-C436-2B4D-E952-2F710E47C66A}"/>
+              </a:ext>
+            </a:extLst>
+          </p:cNvPr>
+          <p:cNvSpPr txBox="1"/>
+          <p:nvPr/>
+        </p:nvSpPr>
+        <p:spPr>
+          <a:xfrm>
+            <a:off x="4674200" y="3527410"/>
+            <a:ext cx="466794" cy="369332"/>
+          </a:xfrm>
+          <a:prstGeom prst="rect">
+            <a:avLst/>
+          </a:prstGeom>
+          <a:noFill/>
+        </p:spPr>
+        <p:txBody>
+          <a:bodyPr wrap="none" rtlCol="0">
+            <a:spAutoFit/>
+          </a:bodyPr>
+          <a:lstStyle/>
+          <a:p>
+            <a:r>
+              <a:rPr lang="en-US" b="1">
+                <a:latin typeface="Times New Roman" panose="02020603050405020304" pitchFamily="18" charset="0"/>
+                <a:cs typeface="Times New Roman" panose="02020603050405020304" pitchFamily="18" charset="0"/>
+              </a:rPr>
+              <a:t>(d)</a:t>
             </a:r>
           </a:p>
         </p:txBody>
       </p:sp>
       <p:pic>
         <p:nvPicPr>
-          <p:cNvPr id="1025" name="Picture 1" descr=". COLH08 &#10;NC &#10;NC &#10;La &#10;CN &#10;CN &#10;CN &#10;CN ">
-            <a:extLst>
-              <a:ext uri="{FF2B5EF4-FFF2-40B4-BE49-F238E27FC236}">
-                <a16:creationId xmlns:a16="http://schemas.microsoft.com/office/drawing/2014/main" id="{D9DF8512-C9B0-F708-BD0A-2A94FC619091}"/>
+          <p:cNvPr id="13" name="Picture 12">
+            <a:extLst>
+              <a:ext uri="{FF2B5EF4-FFF2-40B4-BE49-F238E27FC236}">
+                <a16:creationId xmlns:a16="http://schemas.microsoft.com/office/drawing/2014/main" id="{995D70F8-AFE6-0D41-469F-0FD47AC6C48E}"/>
               </a:ext>
             </a:extLst>
           </p:cNvPr>
           <p:cNvPicPr>
-            <a:picLocks noChangeAspect="1" noChangeArrowheads="1"/>
+            <a:picLocks noChangeAspect="1"/>
           </p:cNvPicPr>
           <p:nvPr/>
         </p:nvPicPr>
         <p:blipFill>
-          <a:blip r:embed="rId2">
-            <a:extLst>
-              <a:ext uri="{28A0092B-C50C-407E-A947-70E740481C1C}">
-                <a14:useLocalDpi xmlns:a14="http://schemas.microsoft.com/office/drawing/2010/main" val="0"/>
-              </a:ext>
-            </a:extLst>
-          </a:blip>
-          <a:srcRect/>
+          <a:blip r:embed="rId4"/>
           <a:stretch>
             <a:fillRect/>
           </a:stretch>
         </p:blipFill>
-        <p:spPr bwMode="auto">
-          <a:xfrm>
-            <a:off x="2879480" y="1431710"/>
-            <a:ext cx="3912577" cy="4117672"/>
+        <p:spPr>
+          <a:xfrm>
+            <a:off x="1377430" y="917409"/>
+            <a:ext cx="3566160" cy="2727960"/>
+          </a:xfrm>
+          <a:prstGeom prst="rect">
+            <a:avLst/>
+          </a:prstGeom>
+        </p:spPr>
+      </p:pic>
+      <p:pic>
+        <p:nvPicPr>
+          <p:cNvPr id="24" name="Picture 23">
+            <a:extLst>
+              <a:ext uri="{FF2B5EF4-FFF2-40B4-BE49-F238E27FC236}">
+                <a16:creationId xmlns:a16="http://schemas.microsoft.com/office/drawing/2014/main" id="{3FB5D1DF-012A-3743-1ABC-9A2A18F1E03D}"/>
+              </a:ext>
+            </a:extLst>
+          </p:cNvPr>
+          <p:cNvPicPr>
+            <a:picLocks noChangeAspect="1"/>
+          </p:cNvPicPr>
+          <p:nvPr/>
+        </p:nvPicPr>
+        <p:blipFill>
+          <a:blip r:embed="rId5"/>
+          <a:stretch>
+            <a:fillRect/>
+          </a:stretch>
+        </p:blipFill>
+        <p:spPr>
+          <a:xfrm>
+            <a:off x="1377430" y="3255564"/>
+            <a:ext cx="3566160" cy="2727960"/>
+          </a:xfrm>
+          <a:prstGeom prst="rect">
+            <a:avLst/>
+          </a:prstGeom>
+        </p:spPr>
+      </p:pic>
+      <p:pic>
+        <p:nvPicPr>
+          <p:cNvPr id="28" name="Picture 27">
+            <a:extLst>
+              <a:ext uri="{FF2B5EF4-FFF2-40B4-BE49-F238E27FC236}">
+                <a16:creationId xmlns:a16="http://schemas.microsoft.com/office/drawing/2014/main" id="{A5DFB900-3B3D-BF42-1F0B-E5FA5F138DF8}"/>
+              </a:ext>
+            </a:extLst>
+          </p:cNvPr>
+          <p:cNvPicPr>
+            <a:picLocks noChangeAspect="1"/>
+          </p:cNvPicPr>
+          <p:nvPr/>
+        </p:nvPicPr>
+        <p:blipFill>
+          <a:blip r:embed="rId6"/>
+          <a:stretch>
+            <a:fillRect/>
+          </a:stretch>
+        </p:blipFill>
+        <p:spPr>
+          <a:xfrm>
+            <a:off x="4871604" y="3255564"/>
+            <a:ext cx="3566160" cy="2727960"/>
+          </a:xfrm>
+          <a:prstGeom prst="rect">
+            <a:avLst/>
+          </a:prstGeom>
+        </p:spPr>
+      </p:pic>
+      <p:pic>
+        <p:nvPicPr>
+          <p:cNvPr id="30" name="Picture 29">
+            <a:extLst>
+              <a:ext uri="{FF2B5EF4-FFF2-40B4-BE49-F238E27FC236}">
+                <a16:creationId xmlns:a16="http://schemas.microsoft.com/office/drawing/2014/main" id="{5FD3A135-F6EC-1815-9E8F-194696EF19A3}"/>
+              </a:ext>
+            </a:extLst>
+          </p:cNvPr>
+          <p:cNvPicPr>
+            <a:picLocks noChangeAspect="1"/>
+          </p:cNvPicPr>
+          <p:nvPr/>
+        </p:nvPicPr>
+        <p:blipFill>
+          <a:blip r:embed="rId7"/>
+          <a:stretch>
+            <a:fillRect/>
+          </a:stretch>
+        </p:blipFill>
+        <p:spPr>
+          <a:xfrm>
+            <a:off x="4876407" y="917409"/>
+            <a:ext cx="3561357" cy="2724912"/>
+          </a:xfrm>
+          <a:prstGeom prst="rect">
+            <a:avLst/>
+          </a:prstGeom>
+        </p:spPr>
+      </p:pic>
+      <p:sp>
+        <p:nvSpPr>
+          <p:cNvPr id="31" name="TextBox 30">
+            <a:extLst>
+              <a:ext uri="{FF2B5EF4-FFF2-40B4-BE49-F238E27FC236}">
+                <a16:creationId xmlns:a16="http://schemas.microsoft.com/office/drawing/2014/main" id="{FFA1F4AB-8F41-1EE0-F0BB-63366BC0B6C7}"/>
+              </a:ext>
+            </a:extLst>
+          </p:cNvPr>
+          <p:cNvSpPr txBox="1"/>
+          <p:nvPr/>
+        </p:nvSpPr>
+        <p:spPr>
+          <a:xfrm>
+            <a:off x="8313906" y="1940449"/>
+            <a:ext cx="3218125" cy="646331"/>
           </a:xfrm>
           <a:prstGeom prst="rect">
             <a:avLst/>
           </a:prstGeom>
           <a:noFill/>
-          <a:extLst>
-            <a:ext uri="{909E8E84-426E-40DD-AFC4-6F175D3DCCD1}">
-              <a14:hiddenFill xmlns:a14="http://schemas.microsoft.com/office/drawing/2010/main">
-                <a:solidFill>
-                  <a:srgbClr val="FFFFFF"/>
-                </a:solidFill>
-              </a14:hiddenFill>
-            </a:ext>
-          </a:extLst>
-        </p:spPr>
-      </p:pic>
-      <p:pic>
-        <p:nvPicPr>
-          <p:cNvPr id="1026" name="Picture 2" descr=". DMSOLA10 &#10;ο &#10;La &#10;ο &#10;ο &#10;ο ">
-            <a:extLst>
-              <a:ext uri="{FF2B5EF4-FFF2-40B4-BE49-F238E27FC236}">
-                <a16:creationId xmlns:a16="http://schemas.microsoft.com/office/drawing/2014/main" id="{1E275BCF-FFF0-576B-8C2C-E753927CF845}"/>
-              </a:ext>
-            </a:extLst>
-          </p:cNvPr>
-          <p:cNvPicPr>
-            <a:picLocks noChangeAspect="1" noChangeArrowheads="1"/>
-          </p:cNvPicPr>
-          <p:nvPr/>
-        </p:nvPicPr>
-        <p:blipFill>
-          <a:blip r:embed="rId3">
-            <a:extLst>
-              <a:ext uri="{28A0092B-C50C-407E-A947-70E740481C1C}">
-                <a14:useLocalDpi xmlns:a14="http://schemas.microsoft.com/office/drawing/2010/main" val="0"/>
-              </a:ext>
-            </a:extLst>
-          </a:blip>
-          <a:srcRect/>
-          <a:stretch>
-            <a:fillRect/>
-          </a:stretch>
-        </p:blipFill>
-        <p:spPr bwMode="auto">
-          <a:xfrm>
-            <a:off x="7666893" y="1342232"/>
-            <a:ext cx="4268665" cy="4145604"/>
-          </a:xfrm>
-          <a:prstGeom prst="rect">
-            <a:avLst/>
-          </a:prstGeom>
-          <a:noFill/>
-          <a:extLst>
-            <a:ext uri="{909E8E84-426E-40DD-AFC4-6F175D3DCCD1}">
-              <a14:hiddenFill xmlns:a14="http://schemas.microsoft.com/office/drawing/2010/main">
-                <a:solidFill>
-                  <a:srgbClr val="FFFFFF"/>
-                </a:solidFill>
-              </a14:hiddenFill>
-            </a:ext>
-          </a:extLst>
-        </p:spPr>
-      </p:pic>
+        </p:spPr>
+        <p:txBody>
+          <a:bodyPr wrap="none" rtlCol="0">
+            <a:spAutoFit/>
+          </a:bodyPr>
+          <a:lstStyle/>
+          <a:p>
+            <a:r>
+              <a:rPr lang="en-US"/>
+              <a:t>For non-neutral fs,</a:t>
+            </a:r>
+          </a:p>
+          <a:p>
+            <a:r>
+              <a:rPr lang="en-US"/>
+              <a:t>Nitrates prefer net charge  = +1</a:t>
+            </a:r>
+          </a:p>
+        </p:txBody>
+      </p:sp>
     </p:spTree>
     <p:extLst>
       <p:ext uri="{BB962C8B-B14F-4D97-AF65-F5344CB8AC3E}">
-        <p14:creationId xmlns:p14="http://schemas.microsoft.com/office/powerpoint/2010/main" val="2055877699"/>
+        <p14:creationId xmlns:p14="http://schemas.microsoft.com/office/powerpoint/2010/main" val="1861708718"/>
       </p:ext>
     </p:extLst>
   </p:cSld>
@@ -7371,312 +8183,215 @@
           <a:chExt cx="0" cy="0"/>
         </a:xfrm>
       </p:grpSpPr>
+      <p:sp>
+        <p:nvSpPr>
+          <p:cNvPr id="8" name="TextBox 7">
+            <a:extLst>
+              <a:ext uri="{FF2B5EF4-FFF2-40B4-BE49-F238E27FC236}">
+                <a16:creationId xmlns:a16="http://schemas.microsoft.com/office/drawing/2014/main" id="{5E65013E-96B4-E275-2ADB-2302B617812B}"/>
+              </a:ext>
+            </a:extLst>
+          </p:cNvPr>
+          <p:cNvSpPr txBox="1"/>
+          <p:nvPr/>
+        </p:nvSpPr>
+        <p:spPr>
+          <a:xfrm>
+            <a:off x="2811282" y="877078"/>
+            <a:ext cx="755335" cy="369332"/>
+          </a:xfrm>
+          <a:prstGeom prst="rect">
+            <a:avLst/>
+          </a:prstGeom>
+          <a:noFill/>
+        </p:spPr>
+        <p:txBody>
+          <a:bodyPr wrap="none" rtlCol="0">
+            <a:spAutoFit/>
+          </a:bodyPr>
+          <a:lstStyle/>
+          <a:p>
+            <a:r>
+              <a:rPr lang="en-US"/>
+              <a:t>CN=9</a:t>
+            </a:r>
+          </a:p>
+        </p:txBody>
+      </p:sp>
+      <p:sp>
+        <p:nvSpPr>
+          <p:cNvPr id="9" name="TextBox 8">
+            <a:extLst>
+              <a:ext uri="{FF2B5EF4-FFF2-40B4-BE49-F238E27FC236}">
+                <a16:creationId xmlns:a16="http://schemas.microsoft.com/office/drawing/2014/main" id="{A1767496-3139-BD9F-F8E1-2B5CDDDFF418}"/>
+              </a:ext>
+            </a:extLst>
+          </p:cNvPr>
+          <p:cNvSpPr txBox="1"/>
+          <p:nvPr/>
+        </p:nvSpPr>
+        <p:spPr>
+          <a:xfrm>
+            <a:off x="7576115" y="802433"/>
+            <a:ext cx="878767" cy="369332"/>
+          </a:xfrm>
+          <a:prstGeom prst="rect">
+            <a:avLst/>
+          </a:prstGeom>
+          <a:noFill/>
+        </p:spPr>
+        <p:txBody>
+          <a:bodyPr wrap="none" rtlCol="0">
+            <a:spAutoFit/>
+          </a:bodyPr>
+          <a:lstStyle/>
+          <a:p>
+            <a:r>
+              <a:rPr lang="en-US"/>
+              <a:t>CN=10</a:t>
+            </a:r>
+          </a:p>
+        </p:txBody>
+      </p:sp>
+      <p:sp>
+        <p:nvSpPr>
+          <p:cNvPr id="3" name="TextBox 2">
+            <a:extLst>
+              <a:ext uri="{FF2B5EF4-FFF2-40B4-BE49-F238E27FC236}">
+                <a16:creationId xmlns:a16="http://schemas.microsoft.com/office/drawing/2014/main" id="{B272B15D-E657-B5C7-C690-143234EA7BD0}"/>
+              </a:ext>
+            </a:extLst>
+          </p:cNvPr>
+          <p:cNvSpPr txBox="1"/>
+          <p:nvPr/>
+        </p:nvSpPr>
+        <p:spPr>
+          <a:xfrm>
+            <a:off x="373566" y="617767"/>
+            <a:ext cx="2168222" cy="646331"/>
+          </a:xfrm>
+          <a:prstGeom prst="rect">
+            <a:avLst/>
+          </a:prstGeom>
+          <a:noFill/>
+        </p:spPr>
+        <p:txBody>
+          <a:bodyPr wrap="none" rtlCol="0">
+            <a:spAutoFit/>
+          </a:bodyPr>
+          <a:lstStyle/>
+          <a:p>
+            <a:r>
+              <a:rPr lang="en-US"/>
+              <a:t>Monodentate ligand</a:t>
+            </a:r>
+          </a:p>
+          <a:p>
+            <a:r>
+              <a:rPr lang="en-US"/>
+              <a:t>(DMSO)</a:t>
+            </a:r>
+          </a:p>
+        </p:txBody>
+      </p:sp>
       <p:pic>
         <p:nvPicPr>
-          <p:cNvPr id="4" name="Picture 3">
-            <a:extLst>
-              <a:ext uri="{FF2B5EF4-FFF2-40B4-BE49-F238E27FC236}">
-                <a16:creationId xmlns:a16="http://schemas.microsoft.com/office/drawing/2014/main" id="{668D1143-8318-5D33-C82B-A0DFAB60C2B7}"/>
+          <p:cNvPr id="1025" name="Picture 1" descr=". COLH08 &#10;NC &#10;NC &#10;La &#10;CN &#10;CN &#10;CN &#10;CN ">
+            <a:extLst>
+              <a:ext uri="{FF2B5EF4-FFF2-40B4-BE49-F238E27FC236}">
+                <a16:creationId xmlns:a16="http://schemas.microsoft.com/office/drawing/2014/main" id="{D9DF8512-C9B0-F708-BD0A-2A94FC619091}"/>
               </a:ext>
             </a:extLst>
           </p:cNvPr>
           <p:cNvPicPr>
-            <a:picLocks noChangeAspect="1"/>
+            <a:picLocks noChangeAspect="1" noChangeArrowheads="1"/>
           </p:cNvPicPr>
           <p:nvPr/>
         </p:nvPicPr>
         <p:blipFill>
-          <a:blip r:embed="rId3"/>
+          <a:blip r:embed="rId2">
+            <a:extLst>
+              <a:ext uri="{28A0092B-C50C-407E-A947-70E740481C1C}">
+                <a14:useLocalDpi xmlns:a14="http://schemas.microsoft.com/office/drawing/2010/main" val="0"/>
+              </a:ext>
+            </a:extLst>
+          </a:blip>
+          <a:srcRect/>
           <a:stretch>
             <a:fillRect/>
           </a:stretch>
         </p:blipFill>
-        <p:spPr>
-          <a:xfrm>
-            <a:off x="3704775" y="3338846"/>
-            <a:ext cx="3218195" cy="3425427"/>
+        <p:spPr bwMode="auto">
+          <a:xfrm>
+            <a:off x="2879480" y="1431710"/>
+            <a:ext cx="3912577" cy="4117672"/>
           </a:xfrm>
           <a:prstGeom prst="rect">
             <a:avLst/>
           </a:prstGeom>
+          <a:noFill/>
+          <a:extLst>
+            <a:ext uri="{909E8E84-426E-40DD-AFC4-6F175D3DCCD1}">
+              <a14:hiddenFill xmlns:a14="http://schemas.microsoft.com/office/drawing/2010/main">
+                <a:solidFill>
+                  <a:srgbClr val="FFFFFF"/>
+                </a:solidFill>
+              </a14:hiddenFill>
+            </a:ext>
+          </a:extLst>
         </p:spPr>
       </p:pic>
       <p:pic>
         <p:nvPicPr>
-          <p:cNvPr id="5" name="Picture 4">
-            <a:extLst>
-              <a:ext uri="{FF2B5EF4-FFF2-40B4-BE49-F238E27FC236}">
-                <a16:creationId xmlns:a16="http://schemas.microsoft.com/office/drawing/2014/main" id="{68A527AE-5092-9675-DC91-A27C277EA71C}"/>
+          <p:cNvPr id="1026" name="Picture 2" descr=". DMSOLA10 &#10;ο &#10;La &#10;ο &#10;ο &#10;ο ">
+            <a:extLst>
+              <a:ext uri="{FF2B5EF4-FFF2-40B4-BE49-F238E27FC236}">
+                <a16:creationId xmlns:a16="http://schemas.microsoft.com/office/drawing/2014/main" id="{1E275BCF-FFF0-576B-8C2C-E753927CF845}"/>
               </a:ext>
             </a:extLst>
           </p:cNvPr>
           <p:cNvPicPr>
-            <a:picLocks noChangeAspect="1"/>
+            <a:picLocks noChangeAspect="1" noChangeArrowheads="1"/>
           </p:cNvPicPr>
           <p:nvPr/>
         </p:nvPicPr>
         <p:blipFill>
-          <a:blip r:embed="rId4"/>
+          <a:blip r:embed="rId3">
+            <a:extLst>
+              <a:ext uri="{28A0092B-C50C-407E-A947-70E740481C1C}">
+                <a14:useLocalDpi xmlns:a14="http://schemas.microsoft.com/office/drawing/2010/main" val="0"/>
+              </a:ext>
+            </a:extLst>
+          </a:blip>
+          <a:srcRect/>
           <a:stretch>
             <a:fillRect/>
           </a:stretch>
         </p:blipFill>
-        <p:spPr>
-          <a:xfrm>
-            <a:off x="3704776" y="99406"/>
-            <a:ext cx="3218196" cy="3083849"/>
-          </a:xfrm>
-          <a:prstGeom prst="rect">
-            <a:avLst/>
-          </a:prstGeom>
-        </p:spPr>
-      </p:pic>
-      <p:pic>
-        <p:nvPicPr>
-          <p:cNvPr id="6" name="Picture 5">
-            <a:extLst>
-              <a:ext uri="{FF2B5EF4-FFF2-40B4-BE49-F238E27FC236}">
-                <a16:creationId xmlns:a16="http://schemas.microsoft.com/office/drawing/2014/main" id="{1A917083-A40B-0B98-F02D-FE654F9268A2}"/>
-              </a:ext>
-            </a:extLst>
-          </p:cNvPr>
-          <p:cNvPicPr>
-            <a:picLocks noChangeAspect="1"/>
-          </p:cNvPicPr>
-          <p:nvPr/>
-        </p:nvPicPr>
-        <p:blipFill>
-          <a:blip r:embed="rId5"/>
-          <a:stretch>
-            <a:fillRect/>
-          </a:stretch>
-        </p:blipFill>
-        <p:spPr>
-          <a:xfrm>
-            <a:off x="8727916" y="3495734"/>
-            <a:ext cx="3269530" cy="3078654"/>
-          </a:xfrm>
-          <a:prstGeom prst="rect">
-            <a:avLst/>
-          </a:prstGeom>
-        </p:spPr>
-      </p:pic>
-      <p:pic>
-        <p:nvPicPr>
-          <p:cNvPr id="7" name="Picture 6">
-            <a:extLst>
-              <a:ext uri="{FF2B5EF4-FFF2-40B4-BE49-F238E27FC236}">
-                <a16:creationId xmlns:a16="http://schemas.microsoft.com/office/drawing/2014/main" id="{B46396F8-B445-E00B-E752-48049959F18A}"/>
-              </a:ext>
-            </a:extLst>
-          </p:cNvPr>
-          <p:cNvPicPr>
-            <a:picLocks noChangeAspect="1"/>
-          </p:cNvPicPr>
-          <p:nvPr/>
-        </p:nvPicPr>
-        <p:blipFill>
-          <a:blip r:embed="rId6"/>
-          <a:stretch>
-            <a:fillRect/>
-          </a:stretch>
-        </p:blipFill>
-        <p:spPr>
-          <a:xfrm>
-            <a:off x="8727916" y="151361"/>
-            <a:ext cx="3090518" cy="3078654"/>
-          </a:xfrm>
-          <a:prstGeom prst="rect">
-            <a:avLst/>
-          </a:prstGeom>
-        </p:spPr>
-      </p:pic>
-      <p:sp>
-        <p:nvSpPr>
-          <p:cNvPr id="8" name="TextBox 7">
-            <a:extLst>
-              <a:ext uri="{FF2B5EF4-FFF2-40B4-BE49-F238E27FC236}">
-                <a16:creationId xmlns:a16="http://schemas.microsoft.com/office/drawing/2014/main" id="{5E65013E-96B4-E275-2ADB-2302B617812B}"/>
-              </a:ext>
-            </a:extLst>
-          </p:cNvPr>
-          <p:cNvSpPr txBox="1"/>
-          <p:nvPr/>
-        </p:nvSpPr>
-        <p:spPr>
-          <a:xfrm>
-            <a:off x="2811282" y="877078"/>
-            <a:ext cx="755335" cy="369332"/>
+        <p:spPr bwMode="auto">
+          <a:xfrm>
+            <a:off x="7666893" y="1342232"/>
+            <a:ext cx="4268665" cy="4145604"/>
           </a:xfrm>
           <a:prstGeom prst="rect">
             <a:avLst/>
           </a:prstGeom>
           <a:noFill/>
-        </p:spPr>
-        <p:txBody>
-          <a:bodyPr wrap="none" rtlCol="0">
-            <a:spAutoFit/>
-          </a:bodyPr>
-          <a:lstStyle/>
-          <a:p>
-            <a:r>
-              <a:rPr lang="en-US"/>
-              <a:t>CN=9</a:t>
-            </a:r>
-          </a:p>
-        </p:txBody>
-      </p:sp>
-      <p:sp>
-        <p:nvSpPr>
-          <p:cNvPr id="9" name="TextBox 8">
-            <a:extLst>
-              <a:ext uri="{FF2B5EF4-FFF2-40B4-BE49-F238E27FC236}">
-                <a16:creationId xmlns:a16="http://schemas.microsoft.com/office/drawing/2014/main" id="{A1767496-3139-BD9F-F8E1-2B5CDDDFF418}"/>
-              </a:ext>
-            </a:extLst>
-          </p:cNvPr>
-          <p:cNvSpPr txBox="1"/>
-          <p:nvPr/>
-        </p:nvSpPr>
-        <p:spPr>
-          <a:xfrm>
-            <a:off x="7576115" y="802433"/>
-            <a:ext cx="878767" cy="369332"/>
-          </a:xfrm>
-          <a:prstGeom prst="rect">
-            <a:avLst/>
-          </a:prstGeom>
-          <a:noFill/>
-        </p:spPr>
-        <p:txBody>
-          <a:bodyPr wrap="none" rtlCol="0">
-            <a:spAutoFit/>
-          </a:bodyPr>
-          <a:lstStyle/>
-          <a:p>
-            <a:r>
-              <a:rPr lang="en-US"/>
-              <a:t>CN=10</a:t>
-            </a:r>
-          </a:p>
-        </p:txBody>
-      </p:sp>
-      <p:sp>
-        <p:nvSpPr>
-          <p:cNvPr id="3" name="TextBox 2">
-            <a:extLst>
-              <a:ext uri="{FF2B5EF4-FFF2-40B4-BE49-F238E27FC236}">
-                <a16:creationId xmlns:a16="http://schemas.microsoft.com/office/drawing/2014/main" id="{B272B15D-E657-B5C7-C690-143234EA7BD0}"/>
-              </a:ext>
-            </a:extLst>
-          </p:cNvPr>
-          <p:cNvSpPr txBox="1"/>
-          <p:nvPr/>
-        </p:nvSpPr>
-        <p:spPr>
-          <a:xfrm>
-            <a:off x="373566" y="617767"/>
-            <a:ext cx="1837234" cy="646331"/>
-          </a:xfrm>
-          <a:prstGeom prst="rect">
-            <a:avLst/>
-          </a:prstGeom>
-          <a:noFill/>
-        </p:spPr>
-        <p:txBody>
-          <a:bodyPr wrap="none" rtlCol="0">
-            <a:spAutoFit/>
-          </a:bodyPr>
-          <a:lstStyle/>
-          <a:p>
-            <a:r>
-              <a:rPr lang="en-US"/>
-              <a:t>Tridentate ligand</a:t>
-            </a:r>
-          </a:p>
-          <a:p>
-            <a:r>
-              <a:rPr lang="en-US"/>
-              <a:t>(Terpyridine)</a:t>
-            </a:r>
-          </a:p>
-        </p:txBody>
-      </p:sp>
-      <p:sp>
-        <p:nvSpPr>
-          <p:cNvPr id="2" name="TextBox 1">
-            <a:extLst>
-              <a:ext uri="{FF2B5EF4-FFF2-40B4-BE49-F238E27FC236}">
-                <a16:creationId xmlns:a16="http://schemas.microsoft.com/office/drawing/2014/main" id="{E1FB756D-EC35-B6F4-BA6A-2DB04EBBDF1B}"/>
-              </a:ext>
-            </a:extLst>
-          </p:cNvPr>
-          <p:cNvSpPr txBox="1"/>
-          <p:nvPr/>
-        </p:nvSpPr>
-        <p:spPr>
-          <a:xfrm>
-            <a:off x="300673" y="3059668"/>
-            <a:ext cx="3006731" cy="923330"/>
-          </a:xfrm>
-          <a:prstGeom prst="rect">
-            <a:avLst/>
-          </a:prstGeom>
-          <a:noFill/>
-        </p:spPr>
-        <p:txBody>
-          <a:bodyPr wrap="square" rtlCol="0">
-            <a:spAutoFit/>
-          </a:bodyPr>
-          <a:lstStyle/>
-          <a:p>
-            <a:r>
-              <a:rPr lang="en-US" b="0" i="0">
+          <a:extLst>
+            <a:ext uri="{909E8E84-426E-40DD-AFC4-6F175D3DCCD1}">
+              <a14:hiddenFill xmlns:a14="http://schemas.microsoft.com/office/drawing/2010/main">
                 <a:solidFill>
-                  <a:srgbClr val="202122"/>
+                  <a:srgbClr val="FFFFFF"/>
                 </a:solidFill>
-                <a:effectLst/>
-                <a:highlight>
-                  <a:srgbClr val="FFFFFF"/>
-                </a:highlight>
-                <a:latin typeface="Arial" panose="020B0604020202020204" pitchFamily="34" charset="0"/>
-              </a:rPr>
-              <a:t>1,3-diketones are similar to nitrates</a:t>
-            </a:r>
-          </a:p>
-          <a:p>
-            <a:r>
-              <a:rPr lang="en-US">
-                <a:solidFill>
-                  <a:srgbClr val="202122"/>
-                </a:solidFill>
-                <a:highlight>
-                  <a:srgbClr val="FFFFFF"/>
-                </a:highlight>
-                <a:latin typeface="Arial" panose="020B0604020202020204" pitchFamily="34" charset="0"/>
-              </a:rPr>
-              <a:t>B</a:t>
-            </a:r>
-            <a:r>
-              <a:rPr lang="en-US" altLang="zh-CN">
-                <a:solidFill>
-                  <a:srgbClr val="202122"/>
-                </a:solidFill>
-                <a:highlight>
-                  <a:srgbClr val="FFFFFF"/>
-                </a:highlight>
-                <a:latin typeface="Arial" panose="020B0604020202020204" pitchFamily="34" charset="0"/>
-              </a:rPr>
-              <a:t>ut bond angle differs</a:t>
-            </a:r>
-            <a:endParaRPr lang="en-US"/>
-          </a:p>
-        </p:txBody>
-      </p:sp>
+              </a14:hiddenFill>
+            </a:ext>
+          </a:extLst>
+        </p:spPr>
+      </p:pic>
     </p:spTree>
     <p:extLst>
       <p:ext uri="{BB962C8B-B14F-4D97-AF65-F5344CB8AC3E}">
-        <p14:creationId xmlns:p14="http://schemas.microsoft.com/office/powerpoint/2010/main" val="336587402"/>
+        <p14:creationId xmlns:p14="http://schemas.microsoft.com/office/powerpoint/2010/main" val="2055877699"/>
       </p:ext>
     </p:extLst>
   </p:cSld>
@@ -7878,7 +8593,7 @@
               <a:buChar char="•"/>
             </a:pPr>
             <a:r>
-              <a:rPr lang="en-US" sz="1800" b="1">
+              <a:rPr lang="en-US" sz="1800" b="1" dirty="0">
                 <a:effectLst/>
                 <a:latin typeface="Times New Roman" panose="02020603050405020304" pitchFamily="18" charset="0"/>
                 <a:ea typeface="DengXian" panose="02010600030101010101" pitchFamily="2" charset="-122"/>
@@ -7886,7 +8601,7 @@
               <a:t>Figure 6.</a:t>
             </a:r>
             <a:r>
-              <a:rPr lang="en-US" sz="1800">
+              <a:rPr lang="en-US" sz="1800" dirty="0">
                 <a:effectLst/>
                 <a:latin typeface="Times New Roman" panose="02020603050405020304" pitchFamily="18" charset="0"/>
                 <a:ea typeface="DengXian" panose="02010600030101010101" pitchFamily="2" charset="-122"/>
@@ -7894,13 +8609,13 @@
               <a:t> </a:t>
             </a:r>
             <a:r>
-              <a:rPr lang="en-US" altLang="zh-CN">
+              <a:rPr lang="en-US" altLang="zh-CN" dirty="0">
                 <a:latin typeface="Times New Roman" panose="02020603050405020304" pitchFamily="18" charset="0"/>
                 <a:ea typeface="DengXian" panose="02010600030101010101" pitchFamily="2" charset="-122"/>
               </a:rPr>
-              <a:t>Distribution of neutral first shell and non neutral first shell in (a)subset2n and (b)subset2w. </a:t>
-            </a:r>
-            <a:endParaRPr lang="en-US">
+              <a:t>Distribution of net charge of the first coordination shell in (a)subset2n and (b)subset2w (c)subset2. </a:t>
+            </a:r>
+            <a:endParaRPr lang="en-US" dirty="0">
               <a:latin typeface="Times New Roman" panose="02020603050405020304" pitchFamily="18" charset="0"/>
               <a:ea typeface="DengXian" panose="02010600030101010101" pitchFamily="2" charset="-122"/>
             </a:endParaRPr>
@@ -7921,7 +8636,7 @@
         </p:nvSpPr>
         <p:spPr>
           <a:xfrm>
-            <a:off x="972766" y="1368358"/>
+            <a:off x="-101430" y="1368358"/>
             <a:ext cx="453970" cy="369332"/>
           </a:xfrm>
           <a:prstGeom prst="rect">
@@ -7959,7 +8674,7 @@
         </p:nvSpPr>
         <p:spPr>
           <a:xfrm>
-            <a:off x="5007264" y="1368358"/>
+            <a:off x="3933068" y="1368358"/>
             <a:ext cx="466794" cy="369332"/>
           </a:xfrm>
           <a:prstGeom prst="rect">
@@ -7983,10 +8698,100 @@
           </a:p>
         </p:txBody>
       </p:sp>
+      <p:pic>
+        <p:nvPicPr>
+          <p:cNvPr id="12" name="Picture 11">
+            <a:extLst>
+              <a:ext uri="{FF2B5EF4-FFF2-40B4-BE49-F238E27FC236}">
+                <a16:creationId xmlns:a16="http://schemas.microsoft.com/office/drawing/2014/main" id="{BFC26830-5D1C-FDC4-8FBB-1A58D2023D63}"/>
+              </a:ext>
+            </a:extLst>
+          </p:cNvPr>
+          <p:cNvPicPr>
+            <a:picLocks noChangeAspect="1"/>
+          </p:cNvPicPr>
+          <p:nvPr/>
+        </p:nvPicPr>
+        <p:blipFill>
+          <a:blip r:embed="rId4"/>
+          <a:stretch>
+            <a:fillRect/>
+          </a:stretch>
+        </p:blipFill>
+        <p:spPr>
+          <a:xfrm>
+            <a:off x="-191286" y="1365387"/>
+            <a:ext cx="4781444" cy="3657600"/>
+          </a:xfrm>
+          <a:prstGeom prst="rect">
+            <a:avLst/>
+          </a:prstGeom>
+        </p:spPr>
+      </p:pic>
+      <p:pic>
+        <p:nvPicPr>
+          <p:cNvPr id="16" name="Picture 15">
+            <a:extLst>
+              <a:ext uri="{FF2B5EF4-FFF2-40B4-BE49-F238E27FC236}">
+                <a16:creationId xmlns:a16="http://schemas.microsoft.com/office/drawing/2014/main" id="{577C420E-FB7C-1386-2776-2F7467F3D5D4}"/>
+              </a:ext>
+            </a:extLst>
+          </p:cNvPr>
+          <p:cNvPicPr>
+            <a:picLocks noChangeAspect="1"/>
+          </p:cNvPicPr>
+          <p:nvPr/>
+        </p:nvPicPr>
+        <p:blipFill>
+          <a:blip r:embed="rId5"/>
+          <a:stretch>
+            <a:fillRect/>
+          </a:stretch>
+        </p:blipFill>
+        <p:spPr>
+          <a:xfrm>
+            <a:off x="4126560" y="1365387"/>
+            <a:ext cx="4781444" cy="3657600"/>
+          </a:xfrm>
+          <a:prstGeom prst="rect">
+            <a:avLst/>
+          </a:prstGeom>
+        </p:spPr>
+      </p:pic>
+      <p:pic>
+        <p:nvPicPr>
+          <p:cNvPr id="4" name="Picture 3">
+            <a:extLst>
+              <a:ext uri="{FF2B5EF4-FFF2-40B4-BE49-F238E27FC236}">
+                <a16:creationId xmlns:a16="http://schemas.microsoft.com/office/drawing/2014/main" id="{027BEDE0-4302-4D39-FC95-FC85B63C0E67}"/>
+              </a:ext>
+            </a:extLst>
+          </p:cNvPr>
+          <p:cNvPicPr>
+            <a:picLocks noChangeAspect="1"/>
+          </p:cNvPicPr>
+          <p:nvPr/>
+        </p:nvPicPr>
+        <p:blipFill>
+          <a:blip r:embed="rId6"/>
+          <a:stretch>
+            <a:fillRect/>
+          </a:stretch>
+        </p:blipFill>
+        <p:spPr>
+          <a:xfrm>
+            <a:off x="8170686" y="1584462"/>
+            <a:ext cx="4191000" cy="3219450"/>
+          </a:xfrm>
+          <a:prstGeom prst="rect">
+            <a:avLst/>
+          </a:prstGeom>
+        </p:spPr>
+      </p:pic>
     </p:spTree>
     <p:extLst>
       <p:ext uri="{BB962C8B-B14F-4D97-AF65-F5344CB8AC3E}">
-        <p14:creationId xmlns:p14="http://schemas.microsoft.com/office/powerpoint/2010/main" val="4049957910"/>
+        <p14:creationId xmlns:p14="http://schemas.microsoft.com/office/powerpoint/2010/main" val="1497024170"/>
       </p:ext>
     </p:extLst>
   </p:cSld>
@@ -8013,95 +8818,12 @@
           <a:chExt cx="0" cy="0"/>
         </a:xfrm>
       </p:grpSpPr>
-      <p:sp>
-        <p:nvSpPr>
-          <p:cNvPr id="2" name="Title 1">
-            <a:extLst>
-              <a:ext uri="{FF2B5EF4-FFF2-40B4-BE49-F238E27FC236}">
-                <a16:creationId xmlns:a16="http://schemas.microsoft.com/office/drawing/2014/main" id="{001E3F70-DC66-8477-9E54-EC5216071F23}"/>
-              </a:ext>
-            </a:extLst>
-          </p:cNvPr>
-          <p:cNvSpPr>
-            <a:spLocks noGrp="1"/>
-          </p:cNvSpPr>
-          <p:nvPr>
-            <p:ph type="title"/>
-          </p:nvPr>
-        </p:nvSpPr>
-        <p:spPr>
-          <a:xfrm>
-            <a:off x="4439" y="1"/>
-            <a:ext cx="9610077" cy="949905"/>
-          </a:xfrm>
-        </p:spPr>
-        <p:txBody>
-          <a:bodyPr>
-            <a:normAutofit/>
-          </a:bodyPr>
-          <a:lstStyle/>
-          <a:p>
-            <a:r>
-              <a:rPr lang="en-US" sz="3200" b="1">
-                <a:effectLst/>
-                <a:latin typeface="Times New Roman" panose="02020603050405020304" pitchFamily="18" charset="0"/>
-                <a:ea typeface="DengXian" panose="02010600030101010101" pitchFamily="2" charset="-122"/>
-              </a:rPr>
-              <a:t>Figure 7.</a:t>
-            </a:r>
-            <a:endParaRPr lang="en-US" sz="3200"/>
-          </a:p>
-        </p:txBody>
-      </p:sp>
-      <p:cxnSp>
-        <p:nvCxnSpPr>
-          <p:cNvPr id="7" name="Straight Connector 6">
-            <a:extLst>
-              <a:ext uri="{FF2B5EF4-FFF2-40B4-BE49-F238E27FC236}">
-                <a16:creationId xmlns:a16="http://schemas.microsoft.com/office/drawing/2014/main" id="{E9EFDF02-7A77-FB7C-7728-BA116CBCE885}"/>
-              </a:ext>
-            </a:extLst>
-          </p:cNvPr>
-          <p:cNvCxnSpPr>
-            <a:cxnSpLocks/>
-          </p:cNvCxnSpPr>
-          <p:nvPr/>
-        </p:nvCxnSpPr>
-        <p:spPr>
-          <a:xfrm flipV="1">
-            <a:off x="-17756" y="949906"/>
-            <a:ext cx="12209756" cy="4"/>
-          </a:xfrm>
-          <a:prstGeom prst="line">
-            <a:avLst/>
-          </a:prstGeom>
-          <a:ln w="38100">
-            <a:solidFill>
-              <a:schemeClr val="accent1"/>
-            </a:solidFill>
-          </a:ln>
-        </p:spPr>
-        <p:style>
-          <a:lnRef idx="3">
-            <a:schemeClr val="accent4"/>
-          </a:lnRef>
-          <a:fillRef idx="0">
-            <a:schemeClr val="accent4"/>
-          </a:fillRef>
-          <a:effectRef idx="2">
-            <a:schemeClr val="accent4"/>
-          </a:effectRef>
-          <a:fontRef idx="minor">
-            <a:schemeClr val="tx1"/>
-          </a:fontRef>
-        </p:style>
-      </p:cxnSp>
       <p:pic>
         <p:nvPicPr>
-          <p:cNvPr id="14" name="Picture 13">
-            <a:extLst>
-              <a:ext uri="{FF2B5EF4-FFF2-40B4-BE49-F238E27FC236}">
-                <a16:creationId xmlns:a16="http://schemas.microsoft.com/office/drawing/2014/main" id="{CD003671-7A56-2C3A-9948-BB852C7AE352}"/>
+          <p:cNvPr id="4" name="Picture 3">
+            <a:extLst>
+              <a:ext uri="{FF2B5EF4-FFF2-40B4-BE49-F238E27FC236}">
+                <a16:creationId xmlns:a16="http://schemas.microsoft.com/office/drawing/2014/main" id="{668D1143-8318-5D33-C82B-A0DFAB60C2B7}"/>
               </a:ext>
             </a:extLst>
           </p:cNvPr>
@@ -8118,183 +8840,20 @@
         </p:blipFill>
         <p:spPr>
           <a:xfrm>
-            <a:off x="11354539" y="322"/>
-            <a:ext cx="833021" cy="917087"/>
+            <a:off x="3704775" y="3338846"/>
+            <a:ext cx="3218195" cy="3425427"/>
           </a:xfrm>
           <a:prstGeom prst="rect">
             <a:avLst/>
           </a:prstGeom>
         </p:spPr>
       </p:pic>
-      <p:sp>
-        <p:nvSpPr>
-          <p:cNvPr id="8" name="Slide Number Placeholder 7">
-            <a:extLst>
-              <a:ext uri="{FF2B5EF4-FFF2-40B4-BE49-F238E27FC236}">
-                <a16:creationId xmlns:a16="http://schemas.microsoft.com/office/drawing/2014/main" id="{EBECB5A2-1C8C-9524-DE39-552759C6889C}"/>
-              </a:ext>
-            </a:extLst>
-          </p:cNvPr>
-          <p:cNvSpPr>
-            <a:spLocks noGrp="1"/>
-          </p:cNvSpPr>
-          <p:nvPr>
-            <p:ph type="sldNum" sz="quarter" idx="12"/>
-          </p:nvPr>
-        </p:nvSpPr>
-        <p:spPr/>
-        <p:txBody>
-          <a:bodyPr/>
-          <a:lstStyle/>
-          <a:p>
-            <a:fld id="{348A67C5-9A30-4AA4-BAAF-98754B134193}" type="slidenum">
-              <a:rPr lang="en-US" smtClean="0"/>
-              <a:t>13</a:t>
-            </a:fld>
-            <a:endParaRPr lang="en-US"/>
-          </a:p>
-        </p:txBody>
-      </p:sp>
-      <p:sp>
-        <p:nvSpPr>
-          <p:cNvPr id="5" name="TextBox 4">
-            <a:extLst>
-              <a:ext uri="{FF2B5EF4-FFF2-40B4-BE49-F238E27FC236}">
-                <a16:creationId xmlns:a16="http://schemas.microsoft.com/office/drawing/2014/main" id="{A5A4C966-320C-39F1-540A-2B536DB93527}"/>
-              </a:ext>
-            </a:extLst>
-          </p:cNvPr>
-          <p:cNvSpPr txBox="1"/>
-          <p:nvPr/>
-        </p:nvSpPr>
-        <p:spPr>
-          <a:xfrm>
-            <a:off x="312517" y="5673281"/>
-            <a:ext cx="10703674" cy="923330"/>
-          </a:xfrm>
-          <a:prstGeom prst="rect">
-            <a:avLst/>
-          </a:prstGeom>
-          <a:noFill/>
-        </p:spPr>
-        <p:txBody>
-          <a:bodyPr wrap="square">
-            <a:spAutoFit/>
-          </a:bodyPr>
-          <a:lstStyle/>
-          <a:p>
-            <a:pPr marL="285750" indent="-285750">
-              <a:buFont typeface="Arial" panose="020B0604020202020204" pitchFamily="34" charset="0"/>
-              <a:buChar char="•"/>
-            </a:pPr>
-            <a:r>
-              <a:rPr lang="en-US" sz="1800" b="1">
-                <a:effectLst/>
-                <a:latin typeface="Times New Roman" panose="02020603050405020304" pitchFamily="18" charset="0"/>
-                <a:ea typeface="DengXian" panose="02010600030101010101" pitchFamily="2" charset="-122"/>
-              </a:rPr>
-              <a:t>Figure 7.</a:t>
-            </a:r>
-            <a:r>
-              <a:rPr lang="en-US" sz="1800">
-                <a:effectLst/>
-                <a:latin typeface="Times New Roman" panose="02020603050405020304" pitchFamily="18" charset="0"/>
-                <a:ea typeface="DengXian" panose="02010600030101010101" pitchFamily="2" charset="-122"/>
-              </a:rPr>
-              <a:t> </a:t>
-            </a:r>
-            <a:r>
-              <a:rPr lang="en-US">
-                <a:latin typeface="Times New Roman" panose="02020603050405020304" pitchFamily="18" charset="0"/>
-                <a:ea typeface="DengXian" panose="02010600030101010101" pitchFamily="2" charset="-122"/>
-              </a:rPr>
-              <a:t>Average net charge in first shell of Ln complexes in (a)subset2n (b)subset2w (c)subset2n_non_neutral (d)subset2w_non_neutral across the Ln series; Standard deviations are shown as the error bars.</a:t>
-            </a:r>
-          </a:p>
-        </p:txBody>
-      </p:sp>
-      <p:sp>
-        <p:nvSpPr>
-          <p:cNvPr id="6" name="TextBox 5">
-            <a:extLst>
-              <a:ext uri="{FF2B5EF4-FFF2-40B4-BE49-F238E27FC236}">
-                <a16:creationId xmlns:a16="http://schemas.microsoft.com/office/drawing/2014/main" id="{08BA8A82-3711-BB3A-7E47-FF6E57E2D43A}"/>
-              </a:ext>
-            </a:extLst>
-          </p:cNvPr>
-          <p:cNvSpPr txBox="1"/>
-          <p:nvPr/>
-        </p:nvSpPr>
-        <p:spPr>
-          <a:xfrm>
-            <a:off x="1229457" y="1366620"/>
-            <a:ext cx="453970" cy="369332"/>
-          </a:xfrm>
-          <a:prstGeom prst="rect">
-            <a:avLst/>
-          </a:prstGeom>
-          <a:noFill/>
-        </p:spPr>
-        <p:txBody>
-          <a:bodyPr wrap="none" rtlCol="0">
-            <a:spAutoFit/>
-          </a:bodyPr>
-          <a:lstStyle/>
-          <a:p>
-            <a:r>
-              <a:rPr lang="en-US" b="1">
-                <a:latin typeface="Times New Roman" panose="02020603050405020304" pitchFamily="18" charset="0"/>
-                <a:cs typeface="Times New Roman" panose="02020603050405020304" pitchFamily="18" charset="0"/>
-              </a:rPr>
-              <a:t>(a)</a:t>
-            </a:r>
-          </a:p>
-        </p:txBody>
-      </p:sp>
-      <p:sp>
-        <p:nvSpPr>
-          <p:cNvPr id="9" name="TextBox 8">
-            <a:extLst>
-              <a:ext uri="{FF2B5EF4-FFF2-40B4-BE49-F238E27FC236}">
-                <a16:creationId xmlns:a16="http://schemas.microsoft.com/office/drawing/2014/main" id="{192A58D3-225A-6D78-8DC3-BCA59DF61911}"/>
-              </a:ext>
-            </a:extLst>
-          </p:cNvPr>
-          <p:cNvSpPr txBox="1"/>
-          <p:nvPr/>
-        </p:nvSpPr>
-        <p:spPr>
-          <a:xfrm>
-            <a:off x="4674200" y="1368358"/>
-            <a:ext cx="466794" cy="369332"/>
-          </a:xfrm>
-          <a:prstGeom prst="rect">
-            <a:avLst/>
-          </a:prstGeom>
-          <a:noFill/>
-        </p:spPr>
-        <p:txBody>
-          <a:bodyPr wrap="none" rtlCol="0">
-            <a:spAutoFit/>
-          </a:bodyPr>
-          <a:lstStyle/>
-          <a:p>
-            <a:r>
-              <a:rPr lang="en-US" b="1">
-                <a:latin typeface="Times New Roman" panose="02020603050405020304" pitchFamily="18" charset="0"/>
-                <a:cs typeface="Times New Roman" panose="02020603050405020304" pitchFamily="18" charset="0"/>
-              </a:rPr>
-              <a:t>(b)</a:t>
-            </a:r>
-          </a:p>
-        </p:txBody>
-      </p:sp>
       <p:pic>
         <p:nvPicPr>
-          <p:cNvPr id="4" name="Picture 3">
-            <a:extLst>
-              <a:ext uri="{FF2B5EF4-FFF2-40B4-BE49-F238E27FC236}">
-                <a16:creationId xmlns:a16="http://schemas.microsoft.com/office/drawing/2014/main" id="{F5BD3E8C-9A67-02C2-98B9-362D49ACBDB7}"/>
+          <p:cNvPr id="5" name="Picture 4">
+            <a:extLst>
+              <a:ext uri="{FF2B5EF4-FFF2-40B4-BE49-F238E27FC236}">
+                <a16:creationId xmlns:a16="http://schemas.microsoft.com/office/drawing/2014/main" id="{68A527AE-5092-9675-DC91-A27C277EA71C}"/>
               </a:ext>
             </a:extLst>
           </p:cNvPr>
@@ -8311,8 +8870,8 @@
         </p:blipFill>
         <p:spPr>
           <a:xfrm>
-            <a:off x="1383679" y="786265"/>
-            <a:ext cx="3566160" cy="2727960"/>
+            <a:off x="3704776" y="99406"/>
+            <a:ext cx="3218196" cy="3083849"/>
           </a:xfrm>
           <a:prstGeom prst="rect">
             <a:avLst/>
@@ -8321,10 +8880,10 @@
       </p:pic>
       <p:pic>
         <p:nvPicPr>
-          <p:cNvPr id="12" name="Picture 11">
-            <a:extLst>
-              <a:ext uri="{FF2B5EF4-FFF2-40B4-BE49-F238E27FC236}">
-                <a16:creationId xmlns:a16="http://schemas.microsoft.com/office/drawing/2014/main" id="{D9EFFC36-0B37-34B9-13F7-94657784182A}"/>
+          <p:cNvPr id="6" name="Picture 5">
+            <a:extLst>
+              <a:ext uri="{FF2B5EF4-FFF2-40B4-BE49-F238E27FC236}">
+                <a16:creationId xmlns:a16="http://schemas.microsoft.com/office/drawing/2014/main" id="{1A917083-A40B-0B98-F02D-FE654F9268A2}"/>
               </a:ext>
             </a:extLst>
           </p:cNvPr>
@@ -8341,8 +8900,8 @@
         </p:blipFill>
         <p:spPr>
           <a:xfrm>
-            <a:off x="1383679" y="3108962"/>
-            <a:ext cx="3566160" cy="2727960"/>
+            <a:off x="8727916" y="3495734"/>
+            <a:ext cx="3269530" cy="3078654"/>
           </a:xfrm>
           <a:prstGeom prst="rect">
             <a:avLst/>
@@ -8351,10 +8910,10 @@
       </p:pic>
       <p:pic>
         <p:nvPicPr>
-          <p:cNvPr id="16" name="Picture 15">
-            <a:extLst>
-              <a:ext uri="{FF2B5EF4-FFF2-40B4-BE49-F238E27FC236}">
-                <a16:creationId xmlns:a16="http://schemas.microsoft.com/office/drawing/2014/main" id="{3F7BF0D1-F45F-FE7B-B525-DD22CE195DDD}"/>
+          <p:cNvPr id="7" name="Picture 6">
+            <a:extLst>
+              <a:ext uri="{FF2B5EF4-FFF2-40B4-BE49-F238E27FC236}">
+                <a16:creationId xmlns:a16="http://schemas.microsoft.com/office/drawing/2014/main" id="{B46396F8-B445-E00B-E752-48049959F18A}"/>
               </a:ext>
             </a:extLst>
           </p:cNvPr>
@@ -8371,50 +8930,20 @@
         </p:blipFill>
         <p:spPr>
           <a:xfrm>
-            <a:off x="4833902" y="786265"/>
-            <a:ext cx="3566160" cy="2727960"/>
+            <a:off x="8727916" y="151361"/>
+            <a:ext cx="3090518" cy="3078654"/>
           </a:xfrm>
           <a:prstGeom prst="rect">
             <a:avLst/>
           </a:prstGeom>
         </p:spPr>
       </p:pic>
-      <p:pic>
-        <p:nvPicPr>
-          <p:cNvPr id="18" name="Picture 17">
-            <a:extLst>
-              <a:ext uri="{FF2B5EF4-FFF2-40B4-BE49-F238E27FC236}">
-                <a16:creationId xmlns:a16="http://schemas.microsoft.com/office/drawing/2014/main" id="{AC859D17-420E-3C2D-CDAC-51C89CC42EC6}"/>
-              </a:ext>
-            </a:extLst>
-          </p:cNvPr>
-          <p:cNvPicPr>
-            <a:picLocks noChangeAspect="1"/>
-          </p:cNvPicPr>
-          <p:nvPr/>
-        </p:nvPicPr>
-        <p:blipFill>
-          <a:blip r:embed="rId7"/>
-          <a:stretch>
-            <a:fillRect/>
-          </a:stretch>
-        </p:blipFill>
-        <p:spPr>
-          <a:xfrm>
-            <a:off x="4833902" y="3108962"/>
-            <a:ext cx="3566160" cy="2727960"/>
-          </a:xfrm>
-          <a:prstGeom prst="rect">
-            <a:avLst/>
-          </a:prstGeom>
-        </p:spPr>
-      </p:pic>
-      <p:sp>
-        <p:nvSpPr>
-          <p:cNvPr id="19" name="TextBox 18">
-            <a:extLst>
-              <a:ext uri="{FF2B5EF4-FFF2-40B4-BE49-F238E27FC236}">
-                <a16:creationId xmlns:a16="http://schemas.microsoft.com/office/drawing/2014/main" id="{4FA26463-215F-AF9C-52BB-B2FB58C6E25E}"/>
+      <p:sp>
+        <p:nvSpPr>
+          <p:cNvPr id="8" name="TextBox 7">
+            <a:extLst>
+              <a:ext uri="{FF2B5EF4-FFF2-40B4-BE49-F238E27FC236}">
+                <a16:creationId xmlns:a16="http://schemas.microsoft.com/office/drawing/2014/main" id="{5E65013E-96B4-E275-2ADB-2302B617812B}"/>
               </a:ext>
             </a:extLst>
           </p:cNvPr>
@@ -8423,8 +8952,8 @@
         </p:nvSpPr>
         <p:spPr>
           <a:xfrm>
-            <a:off x="1223977" y="3512491"/>
-            <a:ext cx="441146" cy="369332"/>
+            <a:off x="2811282" y="877078"/>
+            <a:ext cx="755335" cy="369332"/>
           </a:xfrm>
           <a:prstGeom prst="rect">
             <a:avLst/>
@@ -8438,21 +8967,18 @@
           <a:lstStyle/>
           <a:p>
             <a:r>
-              <a:rPr lang="en-US" b="1">
-                <a:latin typeface="Times New Roman" panose="02020603050405020304" pitchFamily="18" charset="0"/>
-                <a:cs typeface="Times New Roman" panose="02020603050405020304" pitchFamily="18" charset="0"/>
-              </a:rPr>
-              <a:t>(c)</a:t>
-            </a:r>
-          </a:p>
-        </p:txBody>
-      </p:sp>
-      <p:sp>
-        <p:nvSpPr>
-          <p:cNvPr id="20" name="TextBox 19">
-            <a:extLst>
-              <a:ext uri="{FF2B5EF4-FFF2-40B4-BE49-F238E27FC236}">
-                <a16:creationId xmlns:a16="http://schemas.microsoft.com/office/drawing/2014/main" id="{DBFCCB08-C436-2B4D-E952-2F710E47C66A}"/>
+              <a:rPr lang="en-US"/>
+              <a:t>CN=9</a:t>
+            </a:r>
+          </a:p>
+        </p:txBody>
+      </p:sp>
+      <p:sp>
+        <p:nvSpPr>
+          <p:cNvPr id="9" name="TextBox 8">
+            <a:extLst>
+              <a:ext uri="{FF2B5EF4-FFF2-40B4-BE49-F238E27FC236}">
+                <a16:creationId xmlns:a16="http://schemas.microsoft.com/office/drawing/2014/main" id="{A1767496-3139-BD9F-F8E1-2B5CDDDFF418}"/>
               </a:ext>
             </a:extLst>
           </p:cNvPr>
@@ -8461,8 +8987,8 @@
         </p:nvSpPr>
         <p:spPr>
           <a:xfrm>
-            <a:off x="4674200" y="3527410"/>
-            <a:ext cx="466794" cy="369332"/>
+            <a:off x="7576115" y="802433"/>
+            <a:ext cx="878767" cy="369332"/>
           </a:xfrm>
           <a:prstGeom prst="rect">
             <a:avLst/>
@@ -8476,19 +9002,128 @@
           <a:lstStyle/>
           <a:p>
             <a:r>
-              <a:rPr lang="en-US" b="1">
-                <a:latin typeface="Times New Roman" panose="02020603050405020304" pitchFamily="18" charset="0"/>
-                <a:cs typeface="Times New Roman" panose="02020603050405020304" pitchFamily="18" charset="0"/>
+              <a:rPr lang="en-US"/>
+              <a:t>CN=10</a:t>
+            </a:r>
+          </a:p>
+        </p:txBody>
+      </p:sp>
+      <p:sp>
+        <p:nvSpPr>
+          <p:cNvPr id="3" name="TextBox 2">
+            <a:extLst>
+              <a:ext uri="{FF2B5EF4-FFF2-40B4-BE49-F238E27FC236}">
+                <a16:creationId xmlns:a16="http://schemas.microsoft.com/office/drawing/2014/main" id="{B272B15D-E657-B5C7-C690-143234EA7BD0}"/>
+              </a:ext>
+            </a:extLst>
+          </p:cNvPr>
+          <p:cNvSpPr txBox="1"/>
+          <p:nvPr/>
+        </p:nvSpPr>
+        <p:spPr>
+          <a:xfrm>
+            <a:off x="373566" y="617767"/>
+            <a:ext cx="1837234" cy="646331"/>
+          </a:xfrm>
+          <a:prstGeom prst="rect">
+            <a:avLst/>
+          </a:prstGeom>
+          <a:noFill/>
+        </p:spPr>
+        <p:txBody>
+          <a:bodyPr wrap="none" rtlCol="0">
+            <a:spAutoFit/>
+          </a:bodyPr>
+          <a:lstStyle/>
+          <a:p>
+            <a:r>
+              <a:rPr lang="en-US"/>
+              <a:t>Tridentate ligand</a:t>
+            </a:r>
+          </a:p>
+          <a:p>
+            <a:r>
+              <a:rPr lang="en-US"/>
+              <a:t>(Terpyridine)</a:t>
+            </a:r>
+          </a:p>
+        </p:txBody>
+      </p:sp>
+      <p:sp>
+        <p:nvSpPr>
+          <p:cNvPr id="2" name="TextBox 1">
+            <a:extLst>
+              <a:ext uri="{FF2B5EF4-FFF2-40B4-BE49-F238E27FC236}">
+                <a16:creationId xmlns:a16="http://schemas.microsoft.com/office/drawing/2014/main" id="{E1FB756D-EC35-B6F4-BA6A-2DB04EBBDF1B}"/>
+              </a:ext>
+            </a:extLst>
+          </p:cNvPr>
+          <p:cNvSpPr txBox="1"/>
+          <p:nvPr/>
+        </p:nvSpPr>
+        <p:spPr>
+          <a:xfrm>
+            <a:off x="300673" y="3059668"/>
+            <a:ext cx="3006731" cy="923330"/>
+          </a:xfrm>
+          <a:prstGeom prst="rect">
+            <a:avLst/>
+          </a:prstGeom>
+          <a:noFill/>
+        </p:spPr>
+        <p:txBody>
+          <a:bodyPr wrap="square" rtlCol="0">
+            <a:spAutoFit/>
+          </a:bodyPr>
+          <a:lstStyle/>
+          <a:p>
+            <a:r>
+              <a:rPr lang="en-US" b="0" i="0">
+                <a:solidFill>
+                  <a:srgbClr val="202122"/>
+                </a:solidFill>
+                <a:effectLst/>
+                <a:highlight>
+                  <a:srgbClr val="FFFFFF"/>
+                </a:highlight>
+                <a:latin typeface="Arial" panose="020B0604020202020204" pitchFamily="34" charset="0"/>
               </a:rPr>
-              <a:t>(d)</a:t>
-            </a:r>
+              <a:t>1,3-diketones are similar to nitrates</a:t>
+            </a:r>
+          </a:p>
+          <a:p>
+            <a:r>
+              <a:rPr lang="en-US">
+                <a:solidFill>
+                  <a:srgbClr val="202122"/>
+                </a:solidFill>
+                <a:highlight>
+                  <a:srgbClr val="FFFFFF"/>
+                </a:highlight>
+                <a:latin typeface="Arial" panose="020B0604020202020204" pitchFamily="34" charset="0"/>
+              </a:rPr>
+              <a:t>B</a:t>
+            </a:r>
+            <a:r>
+              <a:rPr lang="en-US" altLang="zh-CN">
+                <a:solidFill>
+                  <a:srgbClr val="202122"/>
+                </a:solidFill>
+                <a:highlight>
+                  <a:srgbClr val="FFFFFF"/>
+                </a:highlight>
+                <a:latin typeface="Arial" panose="020B0604020202020204" pitchFamily="34" charset="0"/>
+              </a:rPr>
+              <a:t>ut bond angle differs</a:t>
+            </a:r>
+            <a:endParaRPr lang="en-US"/>
           </a:p>
         </p:txBody>
       </p:sp>
     </p:spTree>
     <p:extLst>
       <p:ext uri="{BB962C8B-B14F-4D97-AF65-F5344CB8AC3E}">
-        <p14:creationId xmlns:p14="http://schemas.microsoft.com/office/powerpoint/2010/main" val="1471103555"/>
+        <p14:creationId xmlns:p14="http://schemas.microsoft.com/office/powerpoint/2010/main" val="336587402"/>
       </p:ext>
     </p:extLst>
   </p:cSld>
@@ -8544,9 +9179,14 @@
           <a:lstStyle/>
           <a:p>
             <a:r>
-              <a:rPr lang="en-US" sz="3200"/>
-              <a:t>Template</a:t>
-            </a:r>
+              <a:rPr lang="en-US" sz="3200" b="1">
+                <a:effectLst/>
+                <a:latin typeface="Times New Roman" panose="02020603050405020304" pitchFamily="18" charset="0"/>
+                <a:ea typeface="DengXian" panose="02010600030101010101" pitchFamily="2" charset="-122"/>
+              </a:rPr>
+              <a:t>Figure 6.</a:t>
+            </a:r>
+            <a:endParaRPr lang="en-US" sz="3200"/>
           </a:p>
         </p:txBody>
       </p:sp>
@@ -8647,6 +9287,813 @@
             <a:fld id="{348A67C5-9A30-4AA4-BAAF-98754B134193}" type="slidenum">
               <a:rPr lang="en-US" smtClean="0"/>
               <a:t>14</a:t>
+            </a:fld>
+            <a:endParaRPr lang="en-US"/>
+          </a:p>
+        </p:txBody>
+      </p:sp>
+      <p:sp>
+        <p:nvSpPr>
+          <p:cNvPr id="5" name="TextBox 4">
+            <a:extLst>
+              <a:ext uri="{FF2B5EF4-FFF2-40B4-BE49-F238E27FC236}">
+                <a16:creationId xmlns:a16="http://schemas.microsoft.com/office/drawing/2014/main" id="{A5A4C966-320C-39F1-540A-2B536DB93527}"/>
+              </a:ext>
+            </a:extLst>
+          </p:cNvPr>
+          <p:cNvSpPr txBox="1"/>
+          <p:nvPr/>
+        </p:nvSpPr>
+        <p:spPr>
+          <a:xfrm>
+            <a:off x="312517" y="5673281"/>
+            <a:ext cx="10703674" cy="369332"/>
+          </a:xfrm>
+          <a:prstGeom prst="rect">
+            <a:avLst/>
+          </a:prstGeom>
+          <a:noFill/>
+        </p:spPr>
+        <p:txBody>
+          <a:bodyPr wrap="square">
+            <a:spAutoFit/>
+          </a:bodyPr>
+          <a:lstStyle/>
+          <a:p>
+            <a:pPr marL="285750" indent="-285750">
+              <a:buFont typeface="Arial" panose="020B0604020202020204" pitchFamily="34" charset="0"/>
+              <a:buChar char="•"/>
+            </a:pPr>
+            <a:r>
+              <a:rPr lang="en-US" sz="1800" b="1">
+                <a:effectLst/>
+                <a:latin typeface="Times New Roman" panose="02020603050405020304" pitchFamily="18" charset="0"/>
+                <a:ea typeface="DengXian" panose="02010600030101010101" pitchFamily="2" charset="-122"/>
+              </a:rPr>
+              <a:t>Figure 6.</a:t>
+            </a:r>
+            <a:r>
+              <a:rPr lang="en-US" sz="1800">
+                <a:effectLst/>
+                <a:latin typeface="Times New Roman" panose="02020603050405020304" pitchFamily="18" charset="0"/>
+                <a:ea typeface="DengXian" panose="02010600030101010101" pitchFamily="2" charset="-122"/>
+              </a:rPr>
+              <a:t> </a:t>
+            </a:r>
+            <a:r>
+              <a:rPr lang="en-US" altLang="zh-CN">
+                <a:latin typeface="Times New Roman" panose="02020603050405020304" pitchFamily="18" charset="0"/>
+                <a:ea typeface="DengXian" panose="02010600030101010101" pitchFamily="2" charset="-122"/>
+              </a:rPr>
+              <a:t>Distribution of neutral first shell and non neutral first shell in (a)subset2n and (b)subset2w. </a:t>
+            </a:r>
+            <a:endParaRPr lang="en-US">
+              <a:latin typeface="Times New Roman" panose="02020603050405020304" pitchFamily="18" charset="0"/>
+              <a:ea typeface="DengXian" panose="02010600030101010101" pitchFamily="2" charset="-122"/>
+            </a:endParaRPr>
+          </a:p>
+        </p:txBody>
+      </p:sp>
+      <p:sp>
+        <p:nvSpPr>
+          <p:cNvPr id="6" name="TextBox 5">
+            <a:extLst>
+              <a:ext uri="{FF2B5EF4-FFF2-40B4-BE49-F238E27FC236}">
+                <a16:creationId xmlns:a16="http://schemas.microsoft.com/office/drawing/2014/main" id="{08BA8A82-3711-BB3A-7E47-FF6E57E2D43A}"/>
+              </a:ext>
+            </a:extLst>
+          </p:cNvPr>
+          <p:cNvSpPr txBox="1"/>
+          <p:nvPr/>
+        </p:nvSpPr>
+        <p:spPr>
+          <a:xfrm>
+            <a:off x="972766" y="1368358"/>
+            <a:ext cx="453970" cy="369332"/>
+          </a:xfrm>
+          <a:prstGeom prst="rect">
+            <a:avLst/>
+          </a:prstGeom>
+          <a:noFill/>
+        </p:spPr>
+        <p:txBody>
+          <a:bodyPr wrap="none" rtlCol="0">
+            <a:spAutoFit/>
+          </a:bodyPr>
+          <a:lstStyle/>
+          <a:p>
+            <a:r>
+              <a:rPr lang="en-US" b="1">
+                <a:latin typeface="Times New Roman" panose="02020603050405020304" pitchFamily="18" charset="0"/>
+                <a:cs typeface="Times New Roman" panose="02020603050405020304" pitchFamily="18" charset="0"/>
+              </a:rPr>
+              <a:t>(a)</a:t>
+            </a:r>
+          </a:p>
+        </p:txBody>
+      </p:sp>
+      <p:sp>
+        <p:nvSpPr>
+          <p:cNvPr id="9" name="TextBox 8">
+            <a:extLst>
+              <a:ext uri="{FF2B5EF4-FFF2-40B4-BE49-F238E27FC236}">
+                <a16:creationId xmlns:a16="http://schemas.microsoft.com/office/drawing/2014/main" id="{192A58D3-225A-6D78-8DC3-BCA59DF61911}"/>
+              </a:ext>
+            </a:extLst>
+          </p:cNvPr>
+          <p:cNvSpPr txBox="1"/>
+          <p:nvPr/>
+        </p:nvSpPr>
+        <p:spPr>
+          <a:xfrm>
+            <a:off x="5007264" y="1368358"/>
+            <a:ext cx="466794" cy="369332"/>
+          </a:xfrm>
+          <a:prstGeom prst="rect">
+            <a:avLst/>
+          </a:prstGeom>
+          <a:noFill/>
+        </p:spPr>
+        <p:txBody>
+          <a:bodyPr wrap="none" rtlCol="0">
+            <a:spAutoFit/>
+          </a:bodyPr>
+          <a:lstStyle/>
+          <a:p>
+            <a:r>
+              <a:rPr lang="en-US" b="1">
+                <a:latin typeface="Times New Roman" panose="02020603050405020304" pitchFamily="18" charset="0"/>
+                <a:cs typeface="Times New Roman" panose="02020603050405020304" pitchFamily="18" charset="0"/>
+              </a:rPr>
+              <a:t>(b)</a:t>
+            </a:r>
+          </a:p>
+        </p:txBody>
+      </p:sp>
+    </p:spTree>
+    <p:extLst>
+      <p:ext uri="{BB962C8B-B14F-4D97-AF65-F5344CB8AC3E}">
+        <p14:creationId xmlns:p14="http://schemas.microsoft.com/office/powerpoint/2010/main" val="4049957910"/>
+      </p:ext>
+    </p:extLst>
+  </p:cSld>
+  <p:clrMapOvr>
+    <a:masterClrMapping/>
+  </p:clrMapOvr>
+</p:sld>
+</file>
+
+<file path=ppt/slides/slide15.xml><?xml version="1.0" encoding="utf-8"?>
+<p:sld xmlns:a="http://schemas.openxmlformats.org/drawingml/2006/main" xmlns:r="http://schemas.openxmlformats.org/officeDocument/2006/relationships" xmlns:p="http://schemas.openxmlformats.org/presentationml/2006/main">
+  <p:cSld>
+    <p:spTree>
+      <p:nvGrpSpPr>
+        <p:cNvPr id="1" name=""/>
+        <p:cNvGrpSpPr/>
+        <p:nvPr/>
+      </p:nvGrpSpPr>
+      <p:grpSpPr>
+        <a:xfrm>
+          <a:off x="0" y="0"/>
+          <a:ext cx="0" cy="0"/>
+          <a:chOff x="0" y="0"/>
+          <a:chExt cx="0" cy="0"/>
+        </a:xfrm>
+      </p:grpSpPr>
+      <p:sp>
+        <p:nvSpPr>
+          <p:cNvPr id="2" name="Title 1">
+            <a:extLst>
+              <a:ext uri="{FF2B5EF4-FFF2-40B4-BE49-F238E27FC236}">
+                <a16:creationId xmlns:a16="http://schemas.microsoft.com/office/drawing/2014/main" id="{001E3F70-DC66-8477-9E54-EC5216071F23}"/>
+              </a:ext>
+            </a:extLst>
+          </p:cNvPr>
+          <p:cNvSpPr>
+            <a:spLocks noGrp="1"/>
+          </p:cNvSpPr>
+          <p:nvPr>
+            <p:ph type="title"/>
+          </p:nvPr>
+        </p:nvSpPr>
+        <p:spPr>
+          <a:xfrm>
+            <a:off x="4439" y="1"/>
+            <a:ext cx="9610077" cy="949905"/>
+          </a:xfrm>
+        </p:spPr>
+        <p:txBody>
+          <a:bodyPr>
+            <a:normAutofit/>
+          </a:bodyPr>
+          <a:lstStyle/>
+          <a:p>
+            <a:r>
+              <a:rPr lang="en-US" sz="3200" b="1">
+                <a:effectLst/>
+                <a:latin typeface="Times New Roman" panose="02020603050405020304" pitchFamily="18" charset="0"/>
+                <a:ea typeface="DengXian" panose="02010600030101010101" pitchFamily="2" charset="-122"/>
+              </a:rPr>
+              <a:t>Figure 7.</a:t>
+            </a:r>
+            <a:endParaRPr lang="en-US" sz="3200"/>
+          </a:p>
+        </p:txBody>
+      </p:sp>
+      <p:cxnSp>
+        <p:nvCxnSpPr>
+          <p:cNvPr id="7" name="Straight Connector 6">
+            <a:extLst>
+              <a:ext uri="{FF2B5EF4-FFF2-40B4-BE49-F238E27FC236}">
+                <a16:creationId xmlns:a16="http://schemas.microsoft.com/office/drawing/2014/main" id="{E9EFDF02-7A77-FB7C-7728-BA116CBCE885}"/>
+              </a:ext>
+            </a:extLst>
+          </p:cNvPr>
+          <p:cNvCxnSpPr>
+            <a:cxnSpLocks/>
+          </p:cNvCxnSpPr>
+          <p:nvPr/>
+        </p:nvCxnSpPr>
+        <p:spPr>
+          <a:xfrm flipV="1">
+            <a:off x="-17756" y="949906"/>
+            <a:ext cx="12209756" cy="4"/>
+          </a:xfrm>
+          <a:prstGeom prst="line">
+            <a:avLst/>
+          </a:prstGeom>
+          <a:ln w="38100">
+            <a:solidFill>
+              <a:schemeClr val="accent1"/>
+            </a:solidFill>
+          </a:ln>
+        </p:spPr>
+        <p:style>
+          <a:lnRef idx="3">
+            <a:schemeClr val="accent4"/>
+          </a:lnRef>
+          <a:fillRef idx="0">
+            <a:schemeClr val="accent4"/>
+          </a:fillRef>
+          <a:effectRef idx="2">
+            <a:schemeClr val="accent4"/>
+          </a:effectRef>
+          <a:fontRef idx="minor">
+            <a:schemeClr val="tx1"/>
+          </a:fontRef>
+        </p:style>
+      </p:cxnSp>
+      <p:pic>
+        <p:nvPicPr>
+          <p:cNvPr id="14" name="Picture 13">
+            <a:extLst>
+              <a:ext uri="{FF2B5EF4-FFF2-40B4-BE49-F238E27FC236}">
+                <a16:creationId xmlns:a16="http://schemas.microsoft.com/office/drawing/2014/main" id="{CD003671-7A56-2C3A-9948-BB852C7AE352}"/>
+              </a:ext>
+            </a:extLst>
+          </p:cNvPr>
+          <p:cNvPicPr>
+            <a:picLocks noChangeAspect="1"/>
+          </p:cNvPicPr>
+          <p:nvPr/>
+        </p:nvPicPr>
+        <p:blipFill>
+          <a:blip r:embed="rId3"/>
+          <a:stretch>
+            <a:fillRect/>
+          </a:stretch>
+        </p:blipFill>
+        <p:spPr>
+          <a:xfrm>
+            <a:off x="11354539" y="322"/>
+            <a:ext cx="833021" cy="917087"/>
+          </a:xfrm>
+          <a:prstGeom prst="rect">
+            <a:avLst/>
+          </a:prstGeom>
+        </p:spPr>
+      </p:pic>
+      <p:sp>
+        <p:nvSpPr>
+          <p:cNvPr id="8" name="Slide Number Placeholder 7">
+            <a:extLst>
+              <a:ext uri="{FF2B5EF4-FFF2-40B4-BE49-F238E27FC236}">
+                <a16:creationId xmlns:a16="http://schemas.microsoft.com/office/drawing/2014/main" id="{EBECB5A2-1C8C-9524-DE39-552759C6889C}"/>
+              </a:ext>
+            </a:extLst>
+          </p:cNvPr>
+          <p:cNvSpPr>
+            <a:spLocks noGrp="1"/>
+          </p:cNvSpPr>
+          <p:nvPr>
+            <p:ph type="sldNum" sz="quarter" idx="12"/>
+          </p:nvPr>
+        </p:nvSpPr>
+        <p:spPr/>
+        <p:txBody>
+          <a:bodyPr/>
+          <a:lstStyle/>
+          <a:p>
+            <a:fld id="{348A67C5-9A30-4AA4-BAAF-98754B134193}" type="slidenum">
+              <a:rPr lang="en-US" smtClean="0"/>
+              <a:t>15</a:t>
+            </a:fld>
+            <a:endParaRPr lang="en-US"/>
+          </a:p>
+        </p:txBody>
+      </p:sp>
+      <p:sp>
+        <p:nvSpPr>
+          <p:cNvPr id="5" name="TextBox 4">
+            <a:extLst>
+              <a:ext uri="{FF2B5EF4-FFF2-40B4-BE49-F238E27FC236}">
+                <a16:creationId xmlns:a16="http://schemas.microsoft.com/office/drawing/2014/main" id="{A5A4C966-320C-39F1-540A-2B536DB93527}"/>
+              </a:ext>
+            </a:extLst>
+          </p:cNvPr>
+          <p:cNvSpPr txBox="1"/>
+          <p:nvPr/>
+        </p:nvSpPr>
+        <p:spPr>
+          <a:xfrm>
+            <a:off x="312517" y="5673281"/>
+            <a:ext cx="10703674" cy="923330"/>
+          </a:xfrm>
+          <a:prstGeom prst="rect">
+            <a:avLst/>
+          </a:prstGeom>
+          <a:noFill/>
+        </p:spPr>
+        <p:txBody>
+          <a:bodyPr wrap="square">
+            <a:spAutoFit/>
+          </a:bodyPr>
+          <a:lstStyle/>
+          <a:p>
+            <a:pPr marL="285750" indent="-285750">
+              <a:buFont typeface="Arial" panose="020B0604020202020204" pitchFamily="34" charset="0"/>
+              <a:buChar char="•"/>
+            </a:pPr>
+            <a:r>
+              <a:rPr lang="en-US" sz="1800" b="1">
+                <a:effectLst/>
+                <a:latin typeface="Times New Roman" panose="02020603050405020304" pitchFamily="18" charset="0"/>
+                <a:ea typeface="DengXian" panose="02010600030101010101" pitchFamily="2" charset="-122"/>
+              </a:rPr>
+              <a:t>Figure 7.</a:t>
+            </a:r>
+            <a:r>
+              <a:rPr lang="en-US" sz="1800">
+                <a:effectLst/>
+                <a:latin typeface="Times New Roman" panose="02020603050405020304" pitchFamily="18" charset="0"/>
+                <a:ea typeface="DengXian" panose="02010600030101010101" pitchFamily="2" charset="-122"/>
+              </a:rPr>
+              <a:t> </a:t>
+            </a:r>
+            <a:r>
+              <a:rPr lang="en-US">
+                <a:latin typeface="Times New Roman" panose="02020603050405020304" pitchFamily="18" charset="0"/>
+                <a:ea typeface="DengXian" panose="02010600030101010101" pitchFamily="2" charset="-122"/>
+              </a:rPr>
+              <a:t>Average net charge in first shell of Ln complexes in (a)subset2n (b)subset2w (c)subset2n_non_neutral (d)subset2w_non_neutral across the Ln series; Standard deviations are shown as the error bars.</a:t>
+            </a:r>
+          </a:p>
+        </p:txBody>
+      </p:sp>
+      <p:sp>
+        <p:nvSpPr>
+          <p:cNvPr id="6" name="TextBox 5">
+            <a:extLst>
+              <a:ext uri="{FF2B5EF4-FFF2-40B4-BE49-F238E27FC236}">
+                <a16:creationId xmlns:a16="http://schemas.microsoft.com/office/drawing/2014/main" id="{08BA8A82-3711-BB3A-7E47-FF6E57E2D43A}"/>
+              </a:ext>
+            </a:extLst>
+          </p:cNvPr>
+          <p:cNvSpPr txBox="1"/>
+          <p:nvPr/>
+        </p:nvSpPr>
+        <p:spPr>
+          <a:xfrm>
+            <a:off x="1229457" y="1366620"/>
+            <a:ext cx="453970" cy="369332"/>
+          </a:xfrm>
+          <a:prstGeom prst="rect">
+            <a:avLst/>
+          </a:prstGeom>
+          <a:noFill/>
+        </p:spPr>
+        <p:txBody>
+          <a:bodyPr wrap="none" rtlCol="0">
+            <a:spAutoFit/>
+          </a:bodyPr>
+          <a:lstStyle/>
+          <a:p>
+            <a:r>
+              <a:rPr lang="en-US" b="1">
+                <a:latin typeface="Times New Roman" panose="02020603050405020304" pitchFamily="18" charset="0"/>
+                <a:cs typeface="Times New Roman" panose="02020603050405020304" pitchFamily="18" charset="0"/>
+              </a:rPr>
+              <a:t>(a)</a:t>
+            </a:r>
+          </a:p>
+        </p:txBody>
+      </p:sp>
+      <p:sp>
+        <p:nvSpPr>
+          <p:cNvPr id="9" name="TextBox 8">
+            <a:extLst>
+              <a:ext uri="{FF2B5EF4-FFF2-40B4-BE49-F238E27FC236}">
+                <a16:creationId xmlns:a16="http://schemas.microsoft.com/office/drawing/2014/main" id="{192A58D3-225A-6D78-8DC3-BCA59DF61911}"/>
+              </a:ext>
+            </a:extLst>
+          </p:cNvPr>
+          <p:cNvSpPr txBox="1"/>
+          <p:nvPr/>
+        </p:nvSpPr>
+        <p:spPr>
+          <a:xfrm>
+            <a:off x="4674200" y="1368358"/>
+            <a:ext cx="466794" cy="369332"/>
+          </a:xfrm>
+          <a:prstGeom prst="rect">
+            <a:avLst/>
+          </a:prstGeom>
+          <a:noFill/>
+        </p:spPr>
+        <p:txBody>
+          <a:bodyPr wrap="none" rtlCol="0">
+            <a:spAutoFit/>
+          </a:bodyPr>
+          <a:lstStyle/>
+          <a:p>
+            <a:r>
+              <a:rPr lang="en-US" b="1">
+                <a:latin typeface="Times New Roman" panose="02020603050405020304" pitchFamily="18" charset="0"/>
+                <a:cs typeface="Times New Roman" panose="02020603050405020304" pitchFamily="18" charset="0"/>
+              </a:rPr>
+              <a:t>(b)</a:t>
+            </a:r>
+          </a:p>
+        </p:txBody>
+      </p:sp>
+      <p:pic>
+        <p:nvPicPr>
+          <p:cNvPr id="4" name="Picture 3">
+            <a:extLst>
+              <a:ext uri="{FF2B5EF4-FFF2-40B4-BE49-F238E27FC236}">
+                <a16:creationId xmlns:a16="http://schemas.microsoft.com/office/drawing/2014/main" id="{F5BD3E8C-9A67-02C2-98B9-362D49ACBDB7}"/>
+              </a:ext>
+            </a:extLst>
+          </p:cNvPr>
+          <p:cNvPicPr>
+            <a:picLocks noChangeAspect="1"/>
+          </p:cNvPicPr>
+          <p:nvPr/>
+        </p:nvPicPr>
+        <p:blipFill>
+          <a:blip r:embed="rId4"/>
+          <a:stretch>
+            <a:fillRect/>
+          </a:stretch>
+        </p:blipFill>
+        <p:spPr>
+          <a:xfrm>
+            <a:off x="1383679" y="786265"/>
+            <a:ext cx="3566160" cy="2727960"/>
+          </a:xfrm>
+          <a:prstGeom prst="rect">
+            <a:avLst/>
+          </a:prstGeom>
+        </p:spPr>
+      </p:pic>
+      <p:pic>
+        <p:nvPicPr>
+          <p:cNvPr id="12" name="Picture 11">
+            <a:extLst>
+              <a:ext uri="{FF2B5EF4-FFF2-40B4-BE49-F238E27FC236}">
+                <a16:creationId xmlns:a16="http://schemas.microsoft.com/office/drawing/2014/main" id="{D9EFFC36-0B37-34B9-13F7-94657784182A}"/>
+              </a:ext>
+            </a:extLst>
+          </p:cNvPr>
+          <p:cNvPicPr>
+            <a:picLocks noChangeAspect="1"/>
+          </p:cNvPicPr>
+          <p:nvPr/>
+        </p:nvPicPr>
+        <p:blipFill>
+          <a:blip r:embed="rId5"/>
+          <a:stretch>
+            <a:fillRect/>
+          </a:stretch>
+        </p:blipFill>
+        <p:spPr>
+          <a:xfrm>
+            <a:off x="1383679" y="3108962"/>
+            <a:ext cx="3566160" cy="2727960"/>
+          </a:xfrm>
+          <a:prstGeom prst="rect">
+            <a:avLst/>
+          </a:prstGeom>
+        </p:spPr>
+      </p:pic>
+      <p:pic>
+        <p:nvPicPr>
+          <p:cNvPr id="16" name="Picture 15">
+            <a:extLst>
+              <a:ext uri="{FF2B5EF4-FFF2-40B4-BE49-F238E27FC236}">
+                <a16:creationId xmlns:a16="http://schemas.microsoft.com/office/drawing/2014/main" id="{3F7BF0D1-F45F-FE7B-B525-DD22CE195DDD}"/>
+              </a:ext>
+            </a:extLst>
+          </p:cNvPr>
+          <p:cNvPicPr>
+            <a:picLocks noChangeAspect="1"/>
+          </p:cNvPicPr>
+          <p:nvPr/>
+        </p:nvPicPr>
+        <p:blipFill>
+          <a:blip r:embed="rId6"/>
+          <a:stretch>
+            <a:fillRect/>
+          </a:stretch>
+        </p:blipFill>
+        <p:spPr>
+          <a:xfrm>
+            <a:off x="4833902" y="786265"/>
+            <a:ext cx="3566160" cy="2727960"/>
+          </a:xfrm>
+          <a:prstGeom prst="rect">
+            <a:avLst/>
+          </a:prstGeom>
+        </p:spPr>
+      </p:pic>
+      <p:pic>
+        <p:nvPicPr>
+          <p:cNvPr id="18" name="Picture 17">
+            <a:extLst>
+              <a:ext uri="{FF2B5EF4-FFF2-40B4-BE49-F238E27FC236}">
+                <a16:creationId xmlns:a16="http://schemas.microsoft.com/office/drawing/2014/main" id="{AC859D17-420E-3C2D-CDAC-51C89CC42EC6}"/>
+              </a:ext>
+            </a:extLst>
+          </p:cNvPr>
+          <p:cNvPicPr>
+            <a:picLocks noChangeAspect="1"/>
+          </p:cNvPicPr>
+          <p:nvPr/>
+        </p:nvPicPr>
+        <p:blipFill>
+          <a:blip r:embed="rId7"/>
+          <a:stretch>
+            <a:fillRect/>
+          </a:stretch>
+        </p:blipFill>
+        <p:spPr>
+          <a:xfrm>
+            <a:off x="4833902" y="3108962"/>
+            <a:ext cx="3566160" cy="2727960"/>
+          </a:xfrm>
+          <a:prstGeom prst="rect">
+            <a:avLst/>
+          </a:prstGeom>
+        </p:spPr>
+      </p:pic>
+      <p:sp>
+        <p:nvSpPr>
+          <p:cNvPr id="19" name="TextBox 18">
+            <a:extLst>
+              <a:ext uri="{FF2B5EF4-FFF2-40B4-BE49-F238E27FC236}">
+                <a16:creationId xmlns:a16="http://schemas.microsoft.com/office/drawing/2014/main" id="{4FA26463-215F-AF9C-52BB-B2FB58C6E25E}"/>
+              </a:ext>
+            </a:extLst>
+          </p:cNvPr>
+          <p:cNvSpPr txBox="1"/>
+          <p:nvPr/>
+        </p:nvSpPr>
+        <p:spPr>
+          <a:xfrm>
+            <a:off x="1223977" y="3512491"/>
+            <a:ext cx="441146" cy="369332"/>
+          </a:xfrm>
+          <a:prstGeom prst="rect">
+            <a:avLst/>
+          </a:prstGeom>
+          <a:noFill/>
+        </p:spPr>
+        <p:txBody>
+          <a:bodyPr wrap="none" rtlCol="0">
+            <a:spAutoFit/>
+          </a:bodyPr>
+          <a:lstStyle/>
+          <a:p>
+            <a:r>
+              <a:rPr lang="en-US" b="1">
+                <a:latin typeface="Times New Roman" panose="02020603050405020304" pitchFamily="18" charset="0"/>
+                <a:cs typeface="Times New Roman" panose="02020603050405020304" pitchFamily="18" charset="0"/>
+              </a:rPr>
+              <a:t>(c)</a:t>
+            </a:r>
+          </a:p>
+        </p:txBody>
+      </p:sp>
+      <p:sp>
+        <p:nvSpPr>
+          <p:cNvPr id="20" name="TextBox 19">
+            <a:extLst>
+              <a:ext uri="{FF2B5EF4-FFF2-40B4-BE49-F238E27FC236}">
+                <a16:creationId xmlns:a16="http://schemas.microsoft.com/office/drawing/2014/main" id="{DBFCCB08-C436-2B4D-E952-2F710E47C66A}"/>
+              </a:ext>
+            </a:extLst>
+          </p:cNvPr>
+          <p:cNvSpPr txBox="1"/>
+          <p:nvPr/>
+        </p:nvSpPr>
+        <p:spPr>
+          <a:xfrm>
+            <a:off x="4674200" y="3527410"/>
+            <a:ext cx="466794" cy="369332"/>
+          </a:xfrm>
+          <a:prstGeom prst="rect">
+            <a:avLst/>
+          </a:prstGeom>
+          <a:noFill/>
+        </p:spPr>
+        <p:txBody>
+          <a:bodyPr wrap="none" rtlCol="0">
+            <a:spAutoFit/>
+          </a:bodyPr>
+          <a:lstStyle/>
+          <a:p>
+            <a:r>
+              <a:rPr lang="en-US" b="1">
+                <a:latin typeface="Times New Roman" panose="02020603050405020304" pitchFamily="18" charset="0"/>
+                <a:cs typeface="Times New Roman" panose="02020603050405020304" pitchFamily="18" charset="0"/>
+              </a:rPr>
+              <a:t>(d)</a:t>
+            </a:r>
+          </a:p>
+        </p:txBody>
+      </p:sp>
+    </p:spTree>
+    <p:extLst>
+      <p:ext uri="{BB962C8B-B14F-4D97-AF65-F5344CB8AC3E}">
+        <p14:creationId xmlns:p14="http://schemas.microsoft.com/office/powerpoint/2010/main" val="1471103555"/>
+      </p:ext>
+    </p:extLst>
+  </p:cSld>
+  <p:clrMapOvr>
+    <a:masterClrMapping/>
+  </p:clrMapOvr>
+</p:sld>
+</file>
+
+<file path=ppt/slides/slide16.xml><?xml version="1.0" encoding="utf-8"?>
+<p:sld xmlns:a="http://schemas.openxmlformats.org/drawingml/2006/main" xmlns:r="http://schemas.openxmlformats.org/officeDocument/2006/relationships" xmlns:p="http://schemas.openxmlformats.org/presentationml/2006/main">
+  <p:cSld>
+    <p:spTree>
+      <p:nvGrpSpPr>
+        <p:cNvPr id="1" name=""/>
+        <p:cNvGrpSpPr/>
+        <p:nvPr/>
+      </p:nvGrpSpPr>
+      <p:grpSpPr>
+        <a:xfrm>
+          <a:off x="0" y="0"/>
+          <a:ext cx="0" cy="0"/>
+          <a:chOff x="0" y="0"/>
+          <a:chExt cx="0" cy="0"/>
+        </a:xfrm>
+      </p:grpSpPr>
+      <p:sp>
+        <p:nvSpPr>
+          <p:cNvPr id="2" name="Title 1">
+            <a:extLst>
+              <a:ext uri="{FF2B5EF4-FFF2-40B4-BE49-F238E27FC236}">
+                <a16:creationId xmlns:a16="http://schemas.microsoft.com/office/drawing/2014/main" id="{001E3F70-DC66-8477-9E54-EC5216071F23}"/>
+              </a:ext>
+            </a:extLst>
+          </p:cNvPr>
+          <p:cNvSpPr>
+            <a:spLocks noGrp="1"/>
+          </p:cNvSpPr>
+          <p:nvPr>
+            <p:ph type="title"/>
+          </p:nvPr>
+        </p:nvSpPr>
+        <p:spPr>
+          <a:xfrm>
+            <a:off x="4439" y="1"/>
+            <a:ext cx="9610077" cy="949905"/>
+          </a:xfrm>
+        </p:spPr>
+        <p:txBody>
+          <a:bodyPr>
+            <a:normAutofit/>
+          </a:bodyPr>
+          <a:lstStyle/>
+          <a:p>
+            <a:r>
+              <a:rPr lang="en-US" sz="3200"/>
+              <a:t>Template</a:t>
+            </a:r>
+          </a:p>
+        </p:txBody>
+      </p:sp>
+      <p:cxnSp>
+        <p:nvCxnSpPr>
+          <p:cNvPr id="7" name="Straight Connector 6">
+            <a:extLst>
+              <a:ext uri="{FF2B5EF4-FFF2-40B4-BE49-F238E27FC236}">
+                <a16:creationId xmlns:a16="http://schemas.microsoft.com/office/drawing/2014/main" id="{E9EFDF02-7A77-FB7C-7728-BA116CBCE885}"/>
+              </a:ext>
+            </a:extLst>
+          </p:cNvPr>
+          <p:cNvCxnSpPr>
+            <a:cxnSpLocks/>
+          </p:cNvCxnSpPr>
+          <p:nvPr/>
+        </p:nvCxnSpPr>
+        <p:spPr>
+          <a:xfrm flipV="1">
+            <a:off x="-17756" y="949906"/>
+            <a:ext cx="12209756" cy="4"/>
+          </a:xfrm>
+          <a:prstGeom prst="line">
+            <a:avLst/>
+          </a:prstGeom>
+          <a:ln w="38100">
+            <a:solidFill>
+              <a:schemeClr val="accent1"/>
+            </a:solidFill>
+          </a:ln>
+        </p:spPr>
+        <p:style>
+          <a:lnRef idx="3">
+            <a:schemeClr val="accent4"/>
+          </a:lnRef>
+          <a:fillRef idx="0">
+            <a:schemeClr val="accent4"/>
+          </a:fillRef>
+          <a:effectRef idx="2">
+            <a:schemeClr val="accent4"/>
+          </a:effectRef>
+          <a:fontRef idx="minor">
+            <a:schemeClr val="tx1"/>
+          </a:fontRef>
+        </p:style>
+      </p:cxnSp>
+      <p:pic>
+        <p:nvPicPr>
+          <p:cNvPr id="14" name="Picture 13">
+            <a:extLst>
+              <a:ext uri="{FF2B5EF4-FFF2-40B4-BE49-F238E27FC236}">
+                <a16:creationId xmlns:a16="http://schemas.microsoft.com/office/drawing/2014/main" id="{CD003671-7A56-2C3A-9948-BB852C7AE352}"/>
+              </a:ext>
+            </a:extLst>
+          </p:cNvPr>
+          <p:cNvPicPr>
+            <a:picLocks noChangeAspect="1"/>
+          </p:cNvPicPr>
+          <p:nvPr/>
+        </p:nvPicPr>
+        <p:blipFill>
+          <a:blip r:embed="rId3"/>
+          <a:stretch>
+            <a:fillRect/>
+          </a:stretch>
+        </p:blipFill>
+        <p:spPr>
+          <a:xfrm>
+            <a:off x="11354539" y="322"/>
+            <a:ext cx="833021" cy="917087"/>
+          </a:xfrm>
+          <a:prstGeom prst="rect">
+            <a:avLst/>
+          </a:prstGeom>
+        </p:spPr>
+      </p:pic>
+      <p:sp>
+        <p:nvSpPr>
+          <p:cNvPr id="8" name="Slide Number Placeholder 7">
+            <a:extLst>
+              <a:ext uri="{FF2B5EF4-FFF2-40B4-BE49-F238E27FC236}">
+                <a16:creationId xmlns:a16="http://schemas.microsoft.com/office/drawing/2014/main" id="{EBECB5A2-1C8C-9524-DE39-552759C6889C}"/>
+              </a:ext>
+            </a:extLst>
+          </p:cNvPr>
+          <p:cNvSpPr>
+            <a:spLocks noGrp="1"/>
+          </p:cNvSpPr>
+          <p:nvPr>
+            <p:ph type="sldNum" sz="quarter" idx="12"/>
+          </p:nvPr>
+        </p:nvSpPr>
+        <p:spPr/>
+        <p:txBody>
+          <a:bodyPr/>
+          <a:lstStyle/>
+          <a:p>
+            <a:fld id="{348A67C5-9A30-4AA4-BAAF-98754B134193}" type="slidenum">
+              <a:rPr lang="en-US" smtClean="0"/>
+              <a:t>16</a:t>
             </a:fld>
             <a:endParaRPr lang="en-US"/>
           </a:p>
@@ -9182,7 +10629,7 @@
               <a:buChar char="•"/>
             </a:pPr>
             <a:r>
-              <a:rPr lang="en-US" sz="1800" b="1">
+              <a:rPr lang="en-US" sz="1800" b="1" dirty="0">
                 <a:effectLst/>
                 <a:latin typeface="Times New Roman" panose="02020603050405020304" pitchFamily="18" charset="0"/>
                 <a:ea typeface="DengXian" panose="02010600030101010101" pitchFamily="2" charset="-122"/>
@@ -9190,7 +10637,7 @@
               <a:t>Figure 1.</a:t>
             </a:r>
             <a:r>
-              <a:rPr lang="en-US" sz="1800">
+              <a:rPr lang="en-US" sz="1800" dirty="0">
                 <a:effectLst/>
                 <a:latin typeface="Times New Roman" panose="02020603050405020304" pitchFamily="18" charset="0"/>
                 <a:ea typeface="DengXian" panose="02010600030101010101" pitchFamily="2" charset="-122"/>
@@ -9198,14 +10645,14 @@
               <a:t> (a)Distribution of the 53370 crystal structures of Subset 1 (all Ln complexes) and the </a:t>
             </a:r>
             <a:r>
-              <a:rPr lang="en-US">
+              <a:rPr lang="en-US" dirty="0">
                 <a:latin typeface="Times New Roman" panose="02020603050405020304" pitchFamily="18" charset="0"/>
                 <a:ea typeface="DengXian" panose="02010600030101010101" pitchFamily="2" charset="-122"/>
               </a:rPr>
               <a:t>29891</a:t>
             </a:r>
             <a:r>
-              <a:rPr lang="en-US" sz="1800">
+              <a:rPr lang="en-US" sz="1800" dirty="0">
                 <a:effectLst/>
                 <a:latin typeface="Times New Roman" panose="02020603050405020304" pitchFamily="18" charset="0"/>
                 <a:ea typeface="DengXian" panose="02010600030101010101" pitchFamily="2" charset="-122"/>
@@ -9213,21 +10660,97 @@
               <a:t> crystal structures of Subset 2 (mononuclear Ln complexes) over the Ln series. (b)</a:t>
             </a:r>
             <a:r>
-              <a:rPr lang="en-US">
+              <a:rPr lang="en-US" dirty="0">
                 <a:latin typeface="Times New Roman" panose="02020603050405020304" pitchFamily="18" charset="0"/>
                 <a:ea typeface="DengXian" panose="02010600030101010101" pitchFamily="2" charset="-122"/>
               </a:rPr>
-              <a:t>Distribution of 29891 crystal structures of subset2 (mononuclear Ln complexes), 8991 crystal structures of subset2w (Ln complexes with water in first shell) and 4209 crystal structures of subset2n (Ln complexes with nitrate in first shell) .</a:t>
+              <a:t>Distribution of 8991 crystal structures of subset2w (Ln complexes with water in first shell) and 4209 crystal structures of subset2n (Ln complexes with nitrate in first shell) .</a:t>
+            </a:r>
+          </a:p>
+        </p:txBody>
+      </p:sp>
+      <p:sp>
+        <p:nvSpPr>
+          <p:cNvPr id="9" name="TextBox 8">
+            <a:extLst>
+              <a:ext uri="{FF2B5EF4-FFF2-40B4-BE49-F238E27FC236}">
+                <a16:creationId xmlns:a16="http://schemas.microsoft.com/office/drawing/2014/main" id="{2518E67D-76F0-BC51-68EE-839A05337919}"/>
+              </a:ext>
+            </a:extLst>
+          </p:cNvPr>
+          <p:cNvSpPr txBox="1"/>
+          <p:nvPr/>
+        </p:nvSpPr>
+        <p:spPr>
+          <a:xfrm>
+            <a:off x="482795" y="1603832"/>
+            <a:ext cx="453970" cy="369332"/>
+          </a:xfrm>
+          <a:prstGeom prst="rect">
+            <a:avLst/>
+          </a:prstGeom>
+          <a:noFill/>
+        </p:spPr>
+        <p:txBody>
+          <a:bodyPr wrap="none" rtlCol="0">
+            <a:spAutoFit/>
+          </a:bodyPr>
+          <a:lstStyle/>
+          <a:p>
+            <a:r>
+              <a:rPr lang="en-US" b="1">
+                <a:latin typeface="Times New Roman" panose="02020603050405020304" pitchFamily="18" charset="0"/>
+                <a:cs typeface="Times New Roman" panose="02020603050405020304" pitchFamily="18" charset="0"/>
+              </a:rPr>
+              <a:t>(a)</a:t>
+            </a:r>
+          </a:p>
+        </p:txBody>
+      </p:sp>
+      <p:sp>
+        <p:nvSpPr>
+          <p:cNvPr id="12" name="TextBox 11">
+            <a:extLst>
+              <a:ext uri="{FF2B5EF4-FFF2-40B4-BE49-F238E27FC236}">
+                <a16:creationId xmlns:a16="http://schemas.microsoft.com/office/drawing/2014/main" id="{801E8299-3DEB-56DE-312F-0C4D185CB73F}"/>
+              </a:ext>
+            </a:extLst>
+          </p:cNvPr>
+          <p:cNvSpPr txBox="1"/>
+          <p:nvPr/>
+        </p:nvSpPr>
+        <p:spPr>
+          <a:xfrm>
+            <a:off x="4629273" y="1603828"/>
+            <a:ext cx="466794" cy="369332"/>
+          </a:xfrm>
+          <a:prstGeom prst="rect">
+            <a:avLst/>
+          </a:prstGeom>
+          <a:noFill/>
+        </p:spPr>
+        <p:txBody>
+          <a:bodyPr wrap="none" rtlCol="0">
+            <a:spAutoFit/>
+          </a:bodyPr>
+          <a:lstStyle/>
+          <a:p>
+            <a:r>
+              <a:rPr lang="en-US" b="1" dirty="0">
+                <a:latin typeface="Times New Roman" panose="02020603050405020304" pitchFamily="18" charset="0"/>
+                <a:cs typeface="Times New Roman" panose="02020603050405020304" pitchFamily="18" charset="0"/>
+              </a:rPr>
+              <a:t>(b)</a:t>
             </a:r>
           </a:p>
         </p:txBody>
       </p:sp>
       <p:pic>
         <p:nvPicPr>
-          <p:cNvPr id="3" name="Picture 2">
-            <a:extLst>
-              <a:ext uri="{FF2B5EF4-FFF2-40B4-BE49-F238E27FC236}">
-                <a16:creationId xmlns:a16="http://schemas.microsoft.com/office/drawing/2014/main" id="{CDE0222D-2AC4-DE35-5C8D-208EC33FAC22}"/>
+          <p:cNvPr id="16" name="Picture 15">
+            <a:extLst>
+              <a:ext uri="{FF2B5EF4-FFF2-40B4-BE49-F238E27FC236}">
+                <a16:creationId xmlns:a16="http://schemas.microsoft.com/office/drawing/2014/main" id="{EF036456-C98C-5BAD-8461-FAC0A84FD208}"/>
               </a:ext>
             </a:extLst>
           </p:cNvPr>
@@ -9238,13 +10761,13 @@
         </p:nvPicPr>
         <p:blipFill rotWithShape="1">
           <a:blip r:embed="rId4"/>
-          <a:srcRect l="8196" t="10023" r="13120" b="11563"/>
+          <a:srcRect l="7261" t="9366" r="13182" b="11216"/>
           <a:stretch/>
         </p:blipFill>
         <p:spPr>
           <a:xfrm>
-            <a:off x="703881" y="1788502"/>
-            <a:ext cx="3626485" cy="2774315"/>
+            <a:off x="709780" y="1973164"/>
+            <a:ext cx="4086962" cy="3131727"/>
           </a:xfrm>
           <a:prstGeom prst="rect">
             <a:avLst/>
@@ -9253,10 +10776,10 @@
       </p:pic>
       <p:pic>
         <p:nvPicPr>
-          <p:cNvPr id="6" name="Picture 5">
-            <a:extLst>
-              <a:ext uri="{FF2B5EF4-FFF2-40B4-BE49-F238E27FC236}">
-                <a16:creationId xmlns:a16="http://schemas.microsoft.com/office/drawing/2014/main" id="{804BC695-E51A-3BC8-6FED-39295AA93AD7}"/>
+          <p:cNvPr id="18" name="Picture 17">
+            <a:extLst>
+              <a:ext uri="{FF2B5EF4-FFF2-40B4-BE49-F238E27FC236}">
+                <a16:creationId xmlns:a16="http://schemas.microsoft.com/office/drawing/2014/main" id="{58B1BB87-4583-917D-A786-7861202346B6}"/>
               </a:ext>
             </a:extLst>
           </p:cNvPr>
@@ -9267,95 +10790,19 @@
         </p:nvPicPr>
         <p:blipFill rotWithShape="1">
           <a:blip r:embed="rId5"/>
-          <a:srcRect l="7602" t="9267" r="13300" b="11493"/>
+          <a:srcRect l="7500" t="9366" r="12943" b="11217"/>
           <a:stretch/>
         </p:blipFill>
         <p:spPr>
           <a:xfrm>
-            <a:off x="4687057" y="1731499"/>
-            <a:ext cx="3681822" cy="2831318"/>
+            <a:off x="4862670" y="1973164"/>
+            <a:ext cx="4086962" cy="3131727"/>
           </a:xfrm>
           <a:prstGeom prst="rect">
             <a:avLst/>
           </a:prstGeom>
         </p:spPr>
       </p:pic>
-      <p:sp>
-        <p:nvSpPr>
-          <p:cNvPr id="9" name="TextBox 8">
-            <a:extLst>
-              <a:ext uri="{FF2B5EF4-FFF2-40B4-BE49-F238E27FC236}">
-                <a16:creationId xmlns:a16="http://schemas.microsoft.com/office/drawing/2014/main" id="{2518E67D-76F0-BC51-68EE-839A05337919}"/>
-              </a:ext>
-            </a:extLst>
-          </p:cNvPr>
-          <p:cNvSpPr txBox="1"/>
-          <p:nvPr/>
-        </p:nvSpPr>
-        <p:spPr>
-          <a:xfrm>
-            <a:off x="482795" y="1603832"/>
-            <a:ext cx="453970" cy="369332"/>
-          </a:xfrm>
-          <a:prstGeom prst="rect">
-            <a:avLst/>
-          </a:prstGeom>
-          <a:noFill/>
-        </p:spPr>
-        <p:txBody>
-          <a:bodyPr wrap="none" rtlCol="0">
-            <a:spAutoFit/>
-          </a:bodyPr>
-          <a:lstStyle/>
-          <a:p>
-            <a:r>
-              <a:rPr lang="en-US" b="1">
-                <a:latin typeface="Times New Roman" panose="02020603050405020304" pitchFamily="18" charset="0"/>
-                <a:cs typeface="Times New Roman" panose="02020603050405020304" pitchFamily="18" charset="0"/>
-              </a:rPr>
-              <a:t>(a)</a:t>
-            </a:r>
-          </a:p>
-        </p:txBody>
-      </p:sp>
-      <p:sp>
-        <p:nvSpPr>
-          <p:cNvPr id="12" name="TextBox 11">
-            <a:extLst>
-              <a:ext uri="{FF2B5EF4-FFF2-40B4-BE49-F238E27FC236}">
-                <a16:creationId xmlns:a16="http://schemas.microsoft.com/office/drawing/2014/main" id="{801E8299-3DEB-56DE-312F-0C4D185CB73F}"/>
-              </a:ext>
-            </a:extLst>
-          </p:cNvPr>
-          <p:cNvSpPr txBox="1"/>
-          <p:nvPr/>
-        </p:nvSpPr>
-        <p:spPr>
-          <a:xfrm>
-            <a:off x="4460072" y="1603832"/>
-            <a:ext cx="466794" cy="369332"/>
-          </a:xfrm>
-          <a:prstGeom prst="rect">
-            <a:avLst/>
-          </a:prstGeom>
-          <a:noFill/>
-        </p:spPr>
-        <p:txBody>
-          <a:bodyPr wrap="none" rtlCol="0">
-            <a:spAutoFit/>
-          </a:bodyPr>
-          <a:lstStyle/>
-          <a:p>
-            <a:r>
-              <a:rPr lang="en-US" b="1">
-                <a:latin typeface="Times New Roman" panose="02020603050405020304" pitchFamily="18" charset="0"/>
-                <a:cs typeface="Times New Roman" panose="02020603050405020304" pitchFamily="18" charset="0"/>
-              </a:rPr>
-              <a:t>(b)</a:t>
-            </a:r>
-          </a:p>
-        </p:txBody>
-      </p:sp>
     </p:spTree>
     <p:extLst>
       <p:ext uri="{BB962C8B-B14F-4D97-AF65-F5344CB8AC3E}">
@@ -9415,14 +10862,14 @@
           <a:lstStyle/>
           <a:p>
             <a:r>
-              <a:rPr lang="en-US" sz="3200" b="1">
+              <a:rPr lang="en-US" sz="3200" b="1" dirty="0">
                 <a:effectLst/>
                 <a:latin typeface="Times New Roman" panose="02020603050405020304" pitchFamily="18" charset="0"/>
                 <a:ea typeface="DengXian" panose="02010600030101010101" pitchFamily="2" charset="-122"/>
               </a:rPr>
               <a:t>Figure 2.</a:t>
             </a:r>
-            <a:endParaRPr lang="en-US" sz="3200"/>
+            <a:endParaRPr lang="en-US" sz="3200" dirty="0"/>
           </a:p>
         </p:txBody>
       </p:sp>
@@ -9524,7 +10971,7 @@
               <a:rPr lang="en-US" smtClean="0"/>
               <a:t>4</a:t>
             </a:fld>
-            <a:endParaRPr lang="en-US"/>
+            <a:endParaRPr lang="en-US" dirty="0"/>
           </a:p>
         </p:txBody>
       </p:sp>
@@ -9533,7 +10980,7 @@
           <p:cNvPr id="5" name="TextBox 4">
             <a:extLst>
               <a:ext uri="{FF2B5EF4-FFF2-40B4-BE49-F238E27FC236}">
-                <a16:creationId xmlns:a16="http://schemas.microsoft.com/office/drawing/2014/main" id="{9CB0378C-DD29-230A-C449-BB7B8680D2BA}"/>
+                <a16:creationId xmlns:a16="http://schemas.microsoft.com/office/drawing/2014/main" id="{A5A4C966-320C-39F1-540A-2B536DB93527}"/>
               </a:ext>
             </a:extLst>
           </p:cNvPr>
@@ -9542,8 +10989,8 @@
         </p:nvSpPr>
         <p:spPr>
           <a:xfrm>
-            <a:off x="319002" y="5401417"/>
-            <a:ext cx="10703674" cy="923330"/>
+            <a:off x="312517" y="5673281"/>
+            <a:ext cx="10703674" cy="369332"/>
           </a:xfrm>
           <a:prstGeom prst="rect">
             <a:avLst/>
@@ -9561,7 +11008,7 @@
               <a:buChar char="•"/>
             </a:pPr>
             <a:r>
-              <a:rPr lang="en-US" sz="1800" b="1">
+              <a:rPr lang="en-US" sz="1800" b="1" dirty="0">
                 <a:effectLst/>
                 <a:latin typeface="Times New Roman" panose="02020603050405020304" pitchFamily="18" charset="0"/>
                 <a:ea typeface="DengXian" panose="02010600030101010101" pitchFamily="2" charset="-122"/>
@@ -9569,7 +11016,7 @@
               <a:t>Figure 2.</a:t>
             </a:r>
             <a:r>
-              <a:rPr lang="en-US" sz="1800">
+              <a:rPr lang="en-US" sz="1800" dirty="0">
                 <a:effectLst/>
                 <a:latin typeface="Times New Roman" panose="02020603050405020304" pitchFamily="18" charset="0"/>
                 <a:ea typeface="DengXian" panose="02010600030101010101" pitchFamily="2" charset="-122"/>
@@ -9577,21 +11024,101 @@
               <a:t> </a:t>
             </a:r>
             <a:r>
-              <a:rPr lang="en-US">
+              <a:rPr lang="en-US" altLang="zh-CN" dirty="0">
                 <a:latin typeface="Times New Roman" panose="02020603050405020304" pitchFamily="18" charset="0"/>
                 <a:ea typeface="DengXian" panose="02010600030101010101" pitchFamily="2" charset="-122"/>
               </a:rPr>
-              <a:t>Distribution of 3673 crystal structures of subset2n_org_1 (nitrates in first shell have only mode: bidentate) and  167 crystal structures of subset2n_org_2 (nitrates in first shell have both two modes: monodentate and bidentate) .</a:t>
+              <a:t>Distribution of number of (a)nitrate; (b)water in the first coordination shell.</a:t>
+            </a:r>
+            <a:endParaRPr lang="en-US" dirty="0">
+              <a:latin typeface="Times New Roman" panose="02020603050405020304" pitchFamily="18" charset="0"/>
+              <a:ea typeface="DengXian" panose="02010600030101010101" pitchFamily="2" charset="-122"/>
+            </a:endParaRPr>
+          </a:p>
+        </p:txBody>
+      </p:sp>
+      <p:sp>
+        <p:nvSpPr>
+          <p:cNvPr id="6" name="TextBox 5">
+            <a:extLst>
+              <a:ext uri="{FF2B5EF4-FFF2-40B4-BE49-F238E27FC236}">
+                <a16:creationId xmlns:a16="http://schemas.microsoft.com/office/drawing/2014/main" id="{08BA8A82-3711-BB3A-7E47-FF6E57E2D43A}"/>
+              </a:ext>
+            </a:extLst>
+          </p:cNvPr>
+          <p:cNvSpPr txBox="1"/>
+          <p:nvPr/>
+        </p:nvSpPr>
+        <p:spPr>
+          <a:xfrm>
+            <a:off x="972766" y="1368358"/>
+            <a:ext cx="453970" cy="369332"/>
+          </a:xfrm>
+          <a:prstGeom prst="rect">
+            <a:avLst/>
+          </a:prstGeom>
+          <a:noFill/>
+        </p:spPr>
+        <p:txBody>
+          <a:bodyPr wrap="none" rtlCol="0">
+            <a:spAutoFit/>
+          </a:bodyPr>
+          <a:lstStyle/>
+          <a:p>
+            <a:r>
+              <a:rPr lang="en-US" b="1">
+                <a:latin typeface="Times New Roman" panose="02020603050405020304" pitchFamily="18" charset="0"/>
+                <a:cs typeface="Times New Roman" panose="02020603050405020304" pitchFamily="18" charset="0"/>
+              </a:rPr>
+              <a:t>(a)</a:t>
+            </a:r>
+          </a:p>
+        </p:txBody>
+      </p:sp>
+      <p:sp>
+        <p:nvSpPr>
+          <p:cNvPr id="9" name="TextBox 8">
+            <a:extLst>
+              <a:ext uri="{FF2B5EF4-FFF2-40B4-BE49-F238E27FC236}">
+                <a16:creationId xmlns:a16="http://schemas.microsoft.com/office/drawing/2014/main" id="{192A58D3-225A-6D78-8DC3-BCA59DF61911}"/>
+              </a:ext>
+            </a:extLst>
+          </p:cNvPr>
+          <p:cNvSpPr txBox="1"/>
+          <p:nvPr/>
+        </p:nvSpPr>
+        <p:spPr>
+          <a:xfrm>
+            <a:off x="5007264" y="1368358"/>
+            <a:ext cx="466794" cy="369332"/>
+          </a:xfrm>
+          <a:prstGeom prst="rect">
+            <a:avLst/>
+          </a:prstGeom>
+          <a:noFill/>
+        </p:spPr>
+        <p:txBody>
+          <a:bodyPr wrap="none" rtlCol="0">
+            <a:spAutoFit/>
+          </a:bodyPr>
+          <a:lstStyle/>
+          <a:p>
+            <a:r>
+              <a:rPr lang="en-US" b="1">
+                <a:latin typeface="Times New Roman" panose="02020603050405020304" pitchFamily="18" charset="0"/>
+                <a:cs typeface="Times New Roman" panose="02020603050405020304" pitchFamily="18" charset="0"/>
+              </a:rPr>
+              <a:t>(b)</a:t>
             </a:r>
           </a:p>
         </p:txBody>
       </p:sp>
       <p:pic>
         <p:nvPicPr>
-          <p:cNvPr id="10" name="Picture 9">
-            <a:extLst>
-              <a:ext uri="{FF2B5EF4-FFF2-40B4-BE49-F238E27FC236}">
-                <a16:creationId xmlns:a16="http://schemas.microsoft.com/office/drawing/2014/main" id="{069962A3-6AAD-3706-94B6-CBF715DCF8EE}"/>
+          <p:cNvPr id="11" name="Picture 10">
+            <a:extLst>
+              <a:ext uri="{FF2B5EF4-FFF2-40B4-BE49-F238E27FC236}">
+                <a16:creationId xmlns:a16="http://schemas.microsoft.com/office/drawing/2014/main" id="{A9BC796E-449A-39D5-20A4-7EFC17C00280}"/>
               </a:ext>
             </a:extLst>
           </p:cNvPr>
@@ -9600,15 +11127,46 @@
           </p:cNvPicPr>
           <p:nvPr/>
         </p:nvPicPr>
-        <p:blipFill rotWithShape="1">
+        <p:blipFill>
           <a:blip r:embed="rId4"/>
-          <a:srcRect l="8588" t="10111" r="13045" b="11643"/>
-          <a:stretch/>
+          <a:stretch>
+            <a:fillRect/>
+          </a:stretch>
         </p:blipFill>
         <p:spPr>
           <a:xfrm>
-            <a:off x="3657600" y="1495752"/>
-            <a:ext cx="4614389" cy="3524361"/>
+            <a:off x="4809477" y="1546292"/>
+            <a:ext cx="5137150" cy="3943350"/>
+          </a:xfrm>
+          <a:prstGeom prst="rect">
+            <a:avLst/>
+          </a:prstGeom>
+        </p:spPr>
+      </p:pic>
+      <p:pic>
+        <p:nvPicPr>
+          <p:cNvPr id="13" name="Picture 12">
+            <a:extLst>
+              <a:ext uri="{FF2B5EF4-FFF2-40B4-BE49-F238E27FC236}">
+                <a16:creationId xmlns:a16="http://schemas.microsoft.com/office/drawing/2014/main" id="{E234E97E-6903-2FF7-D322-05296D387280}"/>
+              </a:ext>
+            </a:extLst>
+          </p:cNvPr>
+          <p:cNvPicPr>
+            <a:picLocks noChangeAspect="1"/>
+          </p:cNvPicPr>
+          <p:nvPr/>
+        </p:nvPicPr>
+        <p:blipFill>
+          <a:blip r:embed="rId5"/>
+          <a:stretch>
+            <a:fillRect/>
+          </a:stretch>
+        </p:blipFill>
+        <p:spPr>
+          <a:xfrm>
+            <a:off x="646422" y="1546288"/>
+            <a:ext cx="5137150" cy="3943350"/>
           </a:xfrm>
           <a:prstGeom prst="rect">
             <a:avLst/>
@@ -9618,7 +11176,7 @@
     </p:spTree>
     <p:extLst>
       <p:ext uri="{BB962C8B-B14F-4D97-AF65-F5344CB8AC3E}">
-        <p14:creationId xmlns:p14="http://schemas.microsoft.com/office/powerpoint/2010/main" val="782779783"/>
+        <p14:creationId xmlns:p14="http://schemas.microsoft.com/office/powerpoint/2010/main" val="1728756197"/>
       </p:ext>
     </p:extLst>
   </p:cSld>
@@ -9674,14 +11232,14 @@
           <a:lstStyle/>
           <a:p>
             <a:r>
-              <a:rPr lang="en-US" sz="3200" b="1">
+              <a:rPr lang="en-US" sz="3200" b="1" dirty="0">
                 <a:effectLst/>
                 <a:latin typeface="Times New Roman" panose="02020603050405020304" pitchFamily="18" charset="0"/>
                 <a:ea typeface="DengXian" panose="02010600030101010101" pitchFamily="2" charset="-122"/>
               </a:rPr>
               <a:t>Figure 3.</a:t>
             </a:r>
-            <a:endParaRPr lang="en-US" sz="3200"/>
+            <a:endParaRPr lang="en-US" sz="3200" dirty="0"/>
           </a:p>
         </p:txBody>
       </p:sp>
@@ -9787,12 +11345,70 @@
           </a:p>
         </p:txBody>
       </p:sp>
+      <p:sp>
+        <p:nvSpPr>
+          <p:cNvPr id="5" name="TextBox 4">
+            <a:extLst>
+              <a:ext uri="{FF2B5EF4-FFF2-40B4-BE49-F238E27FC236}">
+                <a16:creationId xmlns:a16="http://schemas.microsoft.com/office/drawing/2014/main" id="{9CB0378C-DD29-230A-C449-BB7B8680D2BA}"/>
+              </a:ext>
+            </a:extLst>
+          </p:cNvPr>
+          <p:cNvSpPr txBox="1"/>
+          <p:nvPr/>
+        </p:nvSpPr>
+        <p:spPr>
+          <a:xfrm>
+            <a:off x="319002" y="5401417"/>
+            <a:ext cx="10703674" cy="923330"/>
+          </a:xfrm>
+          <a:prstGeom prst="rect">
+            <a:avLst/>
+          </a:prstGeom>
+          <a:noFill/>
+        </p:spPr>
+        <p:txBody>
+          <a:bodyPr wrap="square">
+            <a:spAutoFit/>
+          </a:bodyPr>
+          <a:lstStyle/>
+          <a:p>
+            <a:pPr marL="285750" indent="-285750">
+              <a:buFont typeface="Arial" panose="020B0604020202020204" pitchFamily="34" charset="0"/>
+              <a:buChar char="•"/>
+            </a:pPr>
+            <a:r>
+              <a:rPr lang="en-US" sz="1800" b="1" dirty="0">
+                <a:effectLst/>
+                <a:latin typeface="Times New Roman" panose="02020603050405020304" pitchFamily="18" charset="0"/>
+                <a:ea typeface="DengXian" panose="02010600030101010101" pitchFamily="2" charset="-122"/>
+              </a:rPr>
+              <a:t>Figure 3.</a:t>
+            </a:r>
+            <a:r>
+              <a:rPr lang="en-US" sz="1800" dirty="0">
+                <a:effectLst/>
+                <a:latin typeface="Times New Roman" panose="02020603050405020304" pitchFamily="18" charset="0"/>
+                <a:ea typeface="DengXian" panose="02010600030101010101" pitchFamily="2" charset="-122"/>
+              </a:rPr>
+              <a:t> </a:t>
+            </a:r>
+            <a:r>
+              <a:rPr lang="en-US" dirty="0">
+                <a:latin typeface="Times New Roman" panose="02020603050405020304" pitchFamily="18" charset="0"/>
+                <a:ea typeface="DengXian" panose="02010600030101010101" pitchFamily="2" charset="-122"/>
+              </a:rPr>
+              <a:t>Distribution of 3673 crystal structures of subset2n_org_1 (nitrates in first shell have only mode: bidentate) and  167 crystal structures of subset2n_org_2 (nitrates in first shell have both two modes: monodentate and bidentate) .</a:t>
+            </a:r>
+          </a:p>
+        </p:txBody>
+      </p:sp>
       <p:pic>
         <p:nvPicPr>
-          <p:cNvPr id="4" name="Picture 3">
-            <a:extLst>
-              <a:ext uri="{FF2B5EF4-FFF2-40B4-BE49-F238E27FC236}">
-                <a16:creationId xmlns:a16="http://schemas.microsoft.com/office/drawing/2014/main" id="{3E781395-7C43-1DD7-1B92-27E7D394CE4B}"/>
+          <p:cNvPr id="10" name="Picture 9">
+            <a:extLst>
+              <a:ext uri="{FF2B5EF4-FFF2-40B4-BE49-F238E27FC236}">
+                <a16:creationId xmlns:a16="http://schemas.microsoft.com/office/drawing/2014/main" id="{069962A3-6AAD-3706-94B6-CBF715DCF8EE}"/>
               </a:ext>
             </a:extLst>
           </p:cNvPr>
@@ -9803,81 +11419,23 @@
         </p:nvPicPr>
         <p:blipFill rotWithShape="1">
           <a:blip r:embed="rId4"/>
-          <a:srcRect l="7948" t="9377" r="13585" b="11269"/>
+          <a:srcRect l="8588" t="10111" r="13045" b="11643"/>
           <a:stretch/>
         </p:blipFill>
         <p:spPr>
           <a:xfrm>
-            <a:off x="3415374" y="1374639"/>
-            <a:ext cx="5001951" cy="3869524"/>
+            <a:off x="3657600" y="1495752"/>
+            <a:ext cx="4614389" cy="3524361"/>
           </a:xfrm>
           <a:prstGeom prst="rect">
             <a:avLst/>
           </a:prstGeom>
         </p:spPr>
       </p:pic>
-      <p:sp>
-        <p:nvSpPr>
-          <p:cNvPr id="5" name="TextBox 4">
-            <a:extLst>
-              <a:ext uri="{FF2B5EF4-FFF2-40B4-BE49-F238E27FC236}">
-                <a16:creationId xmlns:a16="http://schemas.microsoft.com/office/drawing/2014/main" id="{FFF631A5-928D-717A-31FC-A6D481BCD3BE}"/>
-              </a:ext>
-            </a:extLst>
-          </p:cNvPr>
-          <p:cNvSpPr txBox="1"/>
-          <p:nvPr/>
-        </p:nvSpPr>
-        <p:spPr>
-          <a:xfrm>
-            <a:off x="319002" y="5401417"/>
-            <a:ext cx="10703674" cy="923330"/>
-          </a:xfrm>
-          <a:prstGeom prst="rect">
-            <a:avLst/>
-          </a:prstGeom>
-          <a:noFill/>
-        </p:spPr>
-        <p:txBody>
-          <a:bodyPr wrap="square">
-            <a:spAutoFit/>
-          </a:bodyPr>
-          <a:lstStyle/>
-          <a:p>
-            <a:pPr marL="285750" indent="-285750">
-              <a:buFont typeface="Arial" panose="020B0604020202020204" pitchFamily="34" charset="0"/>
-              <a:buChar char="•"/>
-            </a:pPr>
-            <a:r>
-              <a:rPr lang="en-US" sz="1800" b="1">
-                <a:effectLst/>
-                <a:latin typeface="Times New Roman" panose="02020603050405020304" pitchFamily="18" charset="0"/>
-                <a:ea typeface="DengXian" panose="02010600030101010101" pitchFamily="2" charset="-122"/>
-              </a:rPr>
-              <a:t>Figure 3.</a:t>
-            </a:r>
-            <a:r>
-              <a:rPr lang="en-US" sz="1800">
-                <a:effectLst/>
-                <a:latin typeface="Times New Roman" panose="02020603050405020304" pitchFamily="18" charset="0"/>
-                <a:ea typeface="DengXian" panose="02010600030101010101" pitchFamily="2" charset="-122"/>
-              </a:rPr>
-              <a:t> </a:t>
-            </a:r>
-            <a:r>
-              <a:rPr lang="en-US">
-                <a:latin typeface="Times New Roman" panose="02020603050405020304" pitchFamily="18" charset="0"/>
-                <a:ea typeface="DengXian" panose="02010600030101010101" pitchFamily="2" charset="-122"/>
-              </a:rPr>
-              <a:t>Distribution of 2905 crystal structures of subset2n_no_w_org (nitrates but no water in first shell) ; 935 crystal structures of subset2n_w_org (both nitrates and water in first shell) ; 7509 crystal structures of subset2w_no_n_org (water but no nitrates in first shell) .</a:t>
-            </a:r>
-          </a:p>
-        </p:txBody>
-      </p:sp>
     </p:spTree>
     <p:extLst>
       <p:ext uri="{BB962C8B-B14F-4D97-AF65-F5344CB8AC3E}">
-        <p14:creationId xmlns:p14="http://schemas.microsoft.com/office/powerpoint/2010/main" val="1297170163"/>
+        <p14:creationId xmlns:p14="http://schemas.microsoft.com/office/powerpoint/2010/main" val="782779783"/>
       </p:ext>
     </p:extLst>
   </p:cSld>
@@ -9933,14 +11491,29 @@
           <a:lstStyle/>
           <a:p>
             <a:r>
-              <a:rPr lang="en-US" sz="3200" b="1">
+              <a:rPr lang="en-US" sz="3200" b="1" dirty="0">
                 <a:effectLst/>
                 <a:latin typeface="Times New Roman" panose="02020603050405020304" pitchFamily="18" charset="0"/>
                 <a:ea typeface="DengXian" panose="02010600030101010101" pitchFamily="2" charset="-122"/>
               </a:rPr>
-              <a:t>Figure 4.</a:t>
-            </a:r>
-            <a:endParaRPr lang="en-US" sz="3200"/>
+              <a:t>Figure </a:t>
+            </a:r>
+            <a:r>
+              <a:rPr lang="en-US" sz="3200" b="1" dirty="0">
+                <a:latin typeface="Times New Roman" panose="02020603050405020304" pitchFamily="18" charset="0"/>
+                <a:ea typeface="DengXian" panose="02010600030101010101" pitchFamily="2" charset="-122"/>
+              </a:rPr>
+              <a:t>4</a:t>
+            </a:r>
+            <a:r>
+              <a:rPr lang="en-US" sz="3200" b="1" dirty="0">
+                <a:effectLst/>
+                <a:latin typeface="Times New Roman" panose="02020603050405020304" pitchFamily="18" charset="0"/>
+                <a:ea typeface="DengXian" panose="02010600030101010101" pitchFamily="2" charset="-122"/>
+              </a:rPr>
+              <a:t>.</a:t>
+            </a:r>
+            <a:endParaRPr lang="en-US" sz="3200" dirty="0"/>
           </a:p>
         </p:txBody>
       </p:sp>
@@ -10046,12 +11619,41 @@
           </a:p>
         </p:txBody>
       </p:sp>
-      <p:sp>
-        <p:nvSpPr>
-          <p:cNvPr id="4" name="TextBox 3">
-            <a:extLst>
-              <a:ext uri="{FF2B5EF4-FFF2-40B4-BE49-F238E27FC236}">
-                <a16:creationId xmlns:a16="http://schemas.microsoft.com/office/drawing/2014/main" id="{5877D320-11AB-7BBD-A56A-22BF38E4928E}"/>
+      <p:pic>
+        <p:nvPicPr>
+          <p:cNvPr id="4" name="Picture 3">
+            <a:extLst>
+              <a:ext uri="{FF2B5EF4-FFF2-40B4-BE49-F238E27FC236}">
+                <a16:creationId xmlns:a16="http://schemas.microsoft.com/office/drawing/2014/main" id="{3E781395-7C43-1DD7-1B92-27E7D394CE4B}"/>
+              </a:ext>
+            </a:extLst>
+          </p:cNvPr>
+          <p:cNvPicPr>
+            <a:picLocks noChangeAspect="1"/>
+          </p:cNvPicPr>
+          <p:nvPr/>
+        </p:nvPicPr>
+        <p:blipFill rotWithShape="1">
+          <a:blip r:embed="rId4"/>
+          <a:srcRect l="7948" t="9377" r="13585" b="11269"/>
+          <a:stretch/>
+        </p:blipFill>
+        <p:spPr>
+          <a:xfrm>
+            <a:off x="3415374" y="1374639"/>
+            <a:ext cx="5001951" cy="3869524"/>
+          </a:xfrm>
+          <a:prstGeom prst="rect">
+            <a:avLst/>
+          </a:prstGeom>
+        </p:spPr>
+      </p:pic>
+      <p:sp>
+        <p:nvSpPr>
+          <p:cNvPr id="5" name="TextBox 4">
+            <a:extLst>
+              <a:ext uri="{FF2B5EF4-FFF2-40B4-BE49-F238E27FC236}">
+                <a16:creationId xmlns:a16="http://schemas.microsoft.com/office/drawing/2014/main" id="{FFF631A5-928D-717A-31FC-A6D481BCD3BE}"/>
               </a:ext>
             </a:extLst>
           </p:cNvPr>
@@ -10060,8 +11662,8 @@
         </p:nvSpPr>
         <p:spPr>
           <a:xfrm>
-            <a:off x="312517" y="5673281"/>
-            <a:ext cx="10703674" cy="646331"/>
+            <a:off x="319002" y="5401417"/>
+            <a:ext cx="10703674" cy="923330"/>
           </a:xfrm>
           <a:prstGeom prst="rect">
             <a:avLst/>
@@ -10079,7 +11681,7 @@
               <a:buChar char="•"/>
             </a:pPr>
             <a:r>
-              <a:rPr lang="en-US" sz="1800" b="1">
+              <a:rPr lang="en-US" sz="1800" b="1" dirty="0">
                 <a:effectLst/>
                 <a:latin typeface="Times New Roman" panose="02020603050405020304" pitchFamily="18" charset="0"/>
                 <a:ea typeface="DengXian" panose="02010600030101010101" pitchFamily="2" charset="-122"/>
@@ -10087,7 +11689,7 @@
               <a:t>Figure 4.</a:t>
             </a:r>
             <a:r>
-              <a:rPr lang="en-US" sz="1800">
+              <a:rPr lang="en-US" sz="1800" dirty="0">
                 <a:effectLst/>
                 <a:latin typeface="Times New Roman" panose="02020603050405020304" pitchFamily="18" charset="0"/>
                 <a:ea typeface="DengXian" panose="02010600030101010101" pitchFamily="2" charset="-122"/>
@@ -10095,77 +11697,19 @@
               <a:t> </a:t>
             </a:r>
             <a:r>
-              <a:rPr lang="en-US">
+              <a:rPr lang="en-US" dirty="0">
                 <a:latin typeface="Times New Roman" panose="02020603050405020304" pitchFamily="18" charset="0"/>
                 <a:ea typeface="DengXian" panose="02010600030101010101" pitchFamily="2" charset="-122"/>
               </a:rPr>
-              <a:t>Average coordination number of the first coordination shell of Ln complexes in subset2 (</a:t>
-            </a:r>
-            <a:r>
-              <a:rPr lang="en-US" altLang="zh-CN">
-                <a:latin typeface="Times New Roman" panose="02020603050405020304" pitchFamily="18" charset="0"/>
-                <a:ea typeface="DengXian" panose="02010600030101010101" pitchFamily="2" charset="-122"/>
-              </a:rPr>
-              <a:t>black</a:t>
-            </a:r>
-            <a:r>
-              <a:rPr lang="en-US">
-                <a:latin typeface="Times New Roman" panose="02020603050405020304" pitchFamily="18" charset="0"/>
-                <a:ea typeface="DengXian" panose="02010600030101010101" pitchFamily="2" charset="-122"/>
-              </a:rPr>
-              <a:t>) ,subset2n (</a:t>
-            </a:r>
-            <a:r>
-              <a:rPr lang="en-US" altLang="zh-CN">
-                <a:latin typeface="Times New Roman" panose="02020603050405020304" pitchFamily="18" charset="0"/>
-                <a:ea typeface="DengXian" panose="02010600030101010101" pitchFamily="2" charset="-122"/>
-              </a:rPr>
-              <a:t>blue</a:t>
-            </a:r>
-            <a:r>
-              <a:rPr lang="en-US">
-                <a:latin typeface="Times New Roman" panose="02020603050405020304" pitchFamily="18" charset="0"/>
-                <a:ea typeface="DengXian" panose="02010600030101010101" pitchFamily="2" charset="-122"/>
-              </a:rPr>
-              <a:t>) and subset2w (red) across the Ln series; Standard deviations are shown as the error bars.</a:t>
-            </a:r>
-          </a:p>
-        </p:txBody>
-      </p:sp>
-      <p:pic>
-        <p:nvPicPr>
-          <p:cNvPr id="6" name="Picture 5">
-            <a:extLst>
-              <a:ext uri="{FF2B5EF4-FFF2-40B4-BE49-F238E27FC236}">
-                <a16:creationId xmlns:a16="http://schemas.microsoft.com/office/drawing/2014/main" id="{540A97E8-3977-8F3A-F14B-8F29E72601CE}"/>
-              </a:ext>
-            </a:extLst>
-          </p:cNvPr>
-          <p:cNvPicPr>
-            <a:picLocks noChangeAspect="1"/>
-          </p:cNvPicPr>
-          <p:nvPr/>
-        </p:nvPicPr>
-        <p:blipFill>
-          <a:blip r:embed="rId4"/>
-          <a:stretch>
-            <a:fillRect/>
-          </a:stretch>
-        </p:blipFill>
-        <p:spPr>
-          <a:xfrm>
-            <a:off x="2690328" y="814757"/>
-            <a:ext cx="6811343" cy="5228485"/>
-          </a:xfrm>
-          <a:prstGeom prst="rect">
-            <a:avLst/>
-          </a:prstGeom>
-        </p:spPr>
-      </p:pic>
+              <a:t>Distribution of 2905 crystal structures of subset2n_no_w_org (nitrates but no water in first shell) ; 935 crystal structures of subset2n_w_org (both nitrates and water in first shell) ; 7509 crystal structures of subset2w_no_n_org (water but no nitrates in first shell) .</a:t>
+            </a:r>
+          </a:p>
+        </p:txBody>
+      </p:sp>
     </p:spTree>
     <p:extLst>
       <p:ext uri="{BB962C8B-B14F-4D97-AF65-F5344CB8AC3E}">
-        <p14:creationId xmlns:p14="http://schemas.microsoft.com/office/powerpoint/2010/main" val="3185644417"/>
+        <p14:creationId xmlns:p14="http://schemas.microsoft.com/office/powerpoint/2010/main" val="1297170163"/>
       </p:ext>
     </p:extLst>
   </p:cSld>
@@ -10221,14 +11765,14 @@
           <a:lstStyle/>
           <a:p>
             <a:r>
-              <a:rPr lang="en-US" sz="3200" b="1">
+              <a:rPr lang="en-US" sz="3200" b="1" dirty="0">
                 <a:effectLst/>
                 <a:latin typeface="Times New Roman" panose="02020603050405020304" pitchFamily="18" charset="0"/>
                 <a:ea typeface="DengXian" panose="02010600030101010101" pitchFamily="2" charset="-122"/>
               </a:rPr>
               <a:t>Figure 5.</a:t>
             </a:r>
-            <a:endParaRPr lang="en-US" sz="3200"/>
+            <a:endParaRPr lang="en-US" sz="3200" dirty="0"/>
           </a:p>
         </p:txBody>
       </p:sp>
@@ -10336,10 +11880,10 @@
       </p:sp>
       <p:sp>
         <p:nvSpPr>
-          <p:cNvPr id="5" name="TextBox 4">
-            <a:extLst>
-              <a:ext uri="{FF2B5EF4-FFF2-40B4-BE49-F238E27FC236}">
-                <a16:creationId xmlns:a16="http://schemas.microsoft.com/office/drawing/2014/main" id="{A5A4C966-320C-39F1-540A-2B536DB93527}"/>
+          <p:cNvPr id="4" name="TextBox 3">
+            <a:extLst>
+              <a:ext uri="{FF2B5EF4-FFF2-40B4-BE49-F238E27FC236}">
+                <a16:creationId xmlns:a16="http://schemas.microsoft.com/office/drawing/2014/main" id="{5877D320-11AB-7BBD-A56A-22BF38E4928E}"/>
               </a:ext>
             </a:extLst>
           </p:cNvPr>
@@ -10367,7 +11911,7 @@
               <a:buChar char="•"/>
             </a:pPr>
             <a:r>
-              <a:rPr lang="en-US" sz="1800" b="1">
+              <a:rPr lang="en-US" sz="1800" b="1" dirty="0">
                 <a:effectLst/>
                 <a:latin typeface="Times New Roman" panose="02020603050405020304" pitchFamily="18" charset="0"/>
                 <a:ea typeface="DengXian" panose="02010600030101010101" pitchFamily="2" charset="-122"/>
@@ -10375,7 +11919,7 @@
               <a:t>Figure 5.</a:t>
             </a:r>
             <a:r>
-              <a:rPr lang="en-US" sz="1800">
+              <a:rPr lang="en-US" sz="1800" dirty="0">
                 <a:effectLst/>
                 <a:latin typeface="Times New Roman" panose="02020603050405020304" pitchFamily="18" charset="0"/>
                 <a:ea typeface="DengXian" panose="02010600030101010101" pitchFamily="2" charset="-122"/>
@@ -10383,21 +11927,49 @@
               <a:t> </a:t>
             </a:r>
             <a:r>
-              <a:rPr lang="en-US">
+              <a:rPr lang="en-US" dirty="0">
                 <a:latin typeface="Times New Roman" panose="02020603050405020304" pitchFamily="18" charset="0"/>
                 <a:ea typeface="DengXian" panose="02010600030101010101" pitchFamily="2" charset="-122"/>
               </a:rPr>
-              <a:t>Average ratio of  nitrate/water in first coordination shell in subset2n_w_org across the Ln series; Standard deviations are shown as the error bars.</a:t>
+              <a:t>Average coordination number of the first coordination shell of Ln complexes in subset2 (</a:t>
+            </a:r>
+            <a:r>
+              <a:rPr lang="en-US" altLang="zh-CN" dirty="0">
+                <a:latin typeface="Times New Roman" panose="02020603050405020304" pitchFamily="18" charset="0"/>
+                <a:ea typeface="DengXian" panose="02010600030101010101" pitchFamily="2" charset="-122"/>
+              </a:rPr>
+              <a:t>black</a:t>
+            </a:r>
+            <a:r>
+              <a:rPr lang="en-US" dirty="0">
+                <a:latin typeface="Times New Roman" panose="02020603050405020304" pitchFamily="18" charset="0"/>
+                <a:ea typeface="DengXian" panose="02010600030101010101" pitchFamily="2" charset="-122"/>
+              </a:rPr>
+              <a:t>) ,subset2n (</a:t>
+            </a:r>
+            <a:r>
+              <a:rPr lang="en-US" altLang="zh-CN" dirty="0">
+                <a:latin typeface="Times New Roman" panose="02020603050405020304" pitchFamily="18" charset="0"/>
+                <a:ea typeface="DengXian" panose="02010600030101010101" pitchFamily="2" charset="-122"/>
+              </a:rPr>
+              <a:t>blue</a:t>
+            </a:r>
+            <a:r>
+              <a:rPr lang="en-US" dirty="0">
+                <a:latin typeface="Times New Roman" panose="02020603050405020304" pitchFamily="18" charset="0"/>
+                <a:ea typeface="DengXian" panose="02010600030101010101" pitchFamily="2" charset="-122"/>
+              </a:rPr>
+              <a:t>) and subset2w (red) across the Ln series; Standard deviations are shown as the error bars.</a:t>
             </a:r>
           </a:p>
         </p:txBody>
       </p:sp>
       <p:pic>
         <p:nvPicPr>
-          <p:cNvPr id="9" name="Picture 8">
-            <a:extLst>
-              <a:ext uri="{FF2B5EF4-FFF2-40B4-BE49-F238E27FC236}">
-                <a16:creationId xmlns:a16="http://schemas.microsoft.com/office/drawing/2014/main" id="{8D5565DE-F182-E0B9-7A45-DF1E0B4625CE}"/>
+          <p:cNvPr id="6" name="Picture 5">
+            <a:extLst>
+              <a:ext uri="{FF2B5EF4-FFF2-40B4-BE49-F238E27FC236}">
+                <a16:creationId xmlns:a16="http://schemas.microsoft.com/office/drawing/2014/main" id="{540A97E8-3977-8F3A-F14B-8F29E72601CE}"/>
               </a:ext>
             </a:extLst>
           </p:cNvPr>
@@ -10406,15 +11978,16 @@
           </p:cNvPicPr>
           <p:nvPr/>
         </p:nvPicPr>
-        <p:blipFill rotWithShape="1">
+        <p:blipFill>
           <a:blip r:embed="rId4"/>
-          <a:srcRect l="9303" t="10483" r="12985" b="10578"/>
-          <a:stretch/>
+          <a:stretch>
+            <a:fillRect/>
+          </a:stretch>
         </p:blipFill>
         <p:spPr>
           <a:xfrm>
-            <a:off x="3663656" y="1580523"/>
-            <a:ext cx="4644667" cy="3609139"/>
+            <a:off x="2690328" y="814757"/>
+            <a:ext cx="6811343" cy="5228485"/>
           </a:xfrm>
           <a:prstGeom prst="rect">
             <a:avLst/>
@@ -10424,7 +11997,7 @@
     </p:spTree>
     <p:extLst>
       <p:ext uri="{BB962C8B-B14F-4D97-AF65-F5344CB8AC3E}">
-        <p14:creationId xmlns:p14="http://schemas.microsoft.com/office/powerpoint/2010/main" val="1472280000"/>
+        <p14:creationId xmlns:p14="http://schemas.microsoft.com/office/powerpoint/2010/main" val="3185644417"/>
       </p:ext>
     </p:extLst>
   </p:cSld>
@@ -10626,7 +12199,10 @@
               <a:buChar char="•"/>
             </a:pPr>
             <a:r>
-              <a:rPr lang="en-US" sz="1800" b="1">
+              <a:rPr lang="en-US" sz="1800" b="1" dirty="0">
+                <a:solidFill>
+                  <a:srgbClr val="FF0000"/>
+                </a:solidFill>
                 <a:effectLst/>
                 <a:latin typeface="Times New Roman" panose="02020603050405020304" pitchFamily="18" charset="0"/>
                 <a:ea typeface="DengXian" panose="02010600030101010101" pitchFamily="2" charset="-122"/>
@@ -10634,7 +12210,10 @@
               <a:t>Figure 6.</a:t>
             </a:r>
             <a:r>
-              <a:rPr lang="en-US" sz="1800">
+              <a:rPr lang="en-US" sz="1800" dirty="0">
+                <a:solidFill>
+                  <a:srgbClr val="FF0000"/>
+                </a:solidFill>
                 <a:effectLst/>
                 <a:latin typeface="Times New Roman" panose="02020603050405020304" pitchFamily="18" charset="0"/>
                 <a:ea typeface="DengXian" panose="02010600030101010101" pitchFamily="2" charset="-122"/>
@@ -10642,13 +12221,19 @@
               <a:t> </a:t>
             </a:r>
             <a:r>
-              <a:rPr lang="en-US" altLang="zh-CN">
+              <a:rPr lang="en-US" altLang="zh-CN" dirty="0">
+                <a:solidFill>
+                  <a:srgbClr val="FF0000"/>
+                </a:solidFill>
                 <a:latin typeface="Times New Roman" panose="02020603050405020304" pitchFamily="18" charset="0"/>
                 <a:ea typeface="DengXian" panose="02010600030101010101" pitchFamily="2" charset="-122"/>
               </a:rPr>
               <a:t>Distribution of net charge of the first coordination shell in (a)subset2n and (b)subset2w. </a:t>
             </a:r>
-            <a:endParaRPr lang="en-US">
+            <a:endParaRPr lang="en-US" dirty="0">
+              <a:solidFill>
+                <a:srgbClr val="FF0000"/>
+              </a:solidFill>
               <a:latin typeface="Times New Roman" panose="02020603050405020304" pitchFamily="18" charset="0"/>
               <a:ea typeface="DengXian" panose="02010600030101010101" pitchFamily="2" charset="-122"/>
             </a:endParaRPr>
@@ -10733,10 +12318,10 @@
       </p:sp>
       <p:pic>
         <p:nvPicPr>
-          <p:cNvPr id="12" name="Picture 11">
-            <a:extLst>
-              <a:ext uri="{FF2B5EF4-FFF2-40B4-BE49-F238E27FC236}">
-                <a16:creationId xmlns:a16="http://schemas.microsoft.com/office/drawing/2014/main" id="{BFC26830-5D1C-FDC4-8FBB-1A58D2023D63}"/>
+          <p:cNvPr id="3" name="Picture 2">
+            <a:extLst>
+              <a:ext uri="{FF2B5EF4-FFF2-40B4-BE49-F238E27FC236}">
+                <a16:creationId xmlns:a16="http://schemas.microsoft.com/office/drawing/2014/main" id="{98E1F918-BF4F-80D5-7842-E75A974C6ADF}"/>
               </a:ext>
             </a:extLst>
           </p:cNvPr>
@@ -10745,16 +12330,15 @@
           </p:cNvPicPr>
           <p:nvPr/>
         </p:nvPicPr>
-        <p:blipFill>
+        <p:blipFill rotWithShape="1">
           <a:blip r:embed="rId4"/>
-          <a:stretch>
-            <a:fillRect/>
-          </a:stretch>
+          <a:srcRect l="7316" t="17074" r="7068" b="3373"/>
+          <a:stretch/>
         </p:blipFill>
         <p:spPr>
           <a:xfrm>
-            <a:off x="882910" y="1365387"/>
-            <a:ext cx="4781444" cy="3657600"/>
+            <a:off x="1426736" y="1737690"/>
+            <a:ext cx="2755311" cy="2725009"/>
           </a:xfrm>
           <a:prstGeom prst="rect">
             <a:avLst/>
@@ -10763,10 +12347,10 @@
       </p:pic>
       <p:pic>
         <p:nvPicPr>
-          <p:cNvPr id="16" name="Picture 15">
-            <a:extLst>
-              <a:ext uri="{FF2B5EF4-FFF2-40B4-BE49-F238E27FC236}">
-                <a16:creationId xmlns:a16="http://schemas.microsoft.com/office/drawing/2014/main" id="{577C420E-FB7C-1386-2776-2F7467F3D5D4}"/>
+          <p:cNvPr id="4" name="Picture 3">
+            <a:extLst>
+              <a:ext uri="{FF2B5EF4-FFF2-40B4-BE49-F238E27FC236}">
+                <a16:creationId xmlns:a16="http://schemas.microsoft.com/office/drawing/2014/main" id="{1E9778E0-9992-6E36-BF4A-83FA05386850}"/>
               </a:ext>
             </a:extLst>
           </p:cNvPr>
@@ -10775,16 +12359,15 @@
           </p:cNvPicPr>
           <p:nvPr/>
         </p:nvPicPr>
-        <p:blipFill>
+        <p:blipFill rotWithShape="1">
           <a:blip r:embed="rId5"/>
-          <a:stretch>
-            <a:fillRect/>
-          </a:stretch>
+          <a:srcRect l="18648" t="23128" r="15787"/>
+          <a:stretch/>
         </p:blipFill>
         <p:spPr>
           <a:xfrm>
-            <a:off x="5200756" y="1365387"/>
-            <a:ext cx="4781444" cy="3657600"/>
+            <a:off x="5474058" y="1916877"/>
+            <a:ext cx="2143693" cy="2366633"/>
           </a:xfrm>
           <a:prstGeom prst="rect">
             <a:avLst/>
@@ -10794,7 +12377,7 @@
     </p:spTree>
     <p:extLst>
       <p:ext uri="{BB962C8B-B14F-4D97-AF65-F5344CB8AC3E}">
-        <p14:creationId xmlns:p14="http://schemas.microsoft.com/office/powerpoint/2010/main" val="1497024170"/>
+        <p14:creationId xmlns:p14="http://schemas.microsoft.com/office/powerpoint/2010/main" val="2196169373"/>
       </p:ext>
     </p:extLst>
   </p:cSld>
@@ -10850,14 +12433,29 @@
           <a:lstStyle/>
           <a:p>
             <a:r>
-              <a:rPr lang="en-US" sz="3200" b="1">
+              <a:rPr lang="en-US" sz="3200" b="1" dirty="0">
                 <a:effectLst/>
                 <a:latin typeface="Times New Roman" panose="02020603050405020304" pitchFamily="18" charset="0"/>
                 <a:ea typeface="DengXian" panose="02010600030101010101" pitchFamily="2" charset="-122"/>
               </a:rPr>
-              <a:t>Figure 6.</a:t>
-            </a:r>
-            <a:endParaRPr lang="en-US" sz="3200"/>
+              <a:t>Figure </a:t>
+            </a:r>
+            <a:r>
+              <a:rPr lang="en-US" sz="3200" b="1" dirty="0">
+                <a:latin typeface="Times New Roman" panose="02020603050405020304" pitchFamily="18" charset="0"/>
+                <a:ea typeface="DengXian" panose="02010600030101010101" pitchFamily="2" charset="-122"/>
+              </a:rPr>
+              <a:t>7</a:t>
+            </a:r>
+            <a:r>
+              <a:rPr lang="en-US" sz="3200" b="1" dirty="0">
+                <a:effectLst/>
+                <a:latin typeface="Times New Roman" panose="02020603050405020304" pitchFamily="18" charset="0"/>
+                <a:ea typeface="DengXian" panose="02010600030101010101" pitchFamily="2" charset="-122"/>
+              </a:rPr>
+              <a:t>.</a:t>
+            </a:r>
+            <a:endParaRPr lang="en-US" sz="3200" dirty="0"/>
           </a:p>
         </p:txBody>
       </p:sp>
@@ -10977,7 +12575,7 @@
         </p:nvSpPr>
         <p:spPr>
           <a:xfrm>
-            <a:off x="306032" y="5812095"/>
+            <a:off x="312517" y="5673281"/>
             <a:ext cx="10703674" cy="646331"/>
           </a:xfrm>
           <a:prstGeom prst="rect">
@@ -10996,15 +12594,30 @@
               <a:buChar char="•"/>
             </a:pPr>
             <a:r>
-              <a:rPr lang="en-US" sz="1800" b="1">
+              <a:rPr lang="en-US" sz="1800" b="1" dirty="0">
                 <a:effectLst/>
                 <a:latin typeface="Times New Roman" panose="02020603050405020304" pitchFamily="18" charset="0"/>
                 <a:ea typeface="DengXian" panose="02010600030101010101" pitchFamily="2" charset="-122"/>
               </a:rPr>
-              <a:t>Figure 7.</a:t>
-            </a:r>
-            <a:r>
-              <a:rPr lang="en-US" sz="1800">
+              <a:t>Figure </a:t>
+            </a:r>
+            <a:r>
+              <a:rPr lang="en-US" b="1" dirty="0">
+                <a:latin typeface="Times New Roman" panose="02020603050405020304" pitchFamily="18" charset="0"/>
+                <a:ea typeface="DengXian" panose="02010600030101010101" pitchFamily="2" charset="-122"/>
+              </a:rPr>
+              <a:t>7</a:t>
+            </a:r>
+            <a:r>
+              <a:rPr lang="en-US" sz="1800" b="1" dirty="0">
+                <a:effectLst/>
+                <a:latin typeface="Times New Roman" panose="02020603050405020304" pitchFamily="18" charset="0"/>
+                <a:ea typeface="DengXian" panose="02010600030101010101" pitchFamily="2" charset="-122"/>
+              </a:rPr>
+              <a:t>.</a:t>
+            </a:r>
+            <a:r>
+              <a:rPr lang="en-US" sz="1800" dirty="0">
                 <a:effectLst/>
                 <a:latin typeface="Times New Roman" panose="02020603050405020304" pitchFamily="18" charset="0"/>
                 <a:ea typeface="DengXian" panose="02010600030101010101" pitchFamily="2" charset="-122"/>
@@ -11012,180 +12625,21 @@
               <a:t> </a:t>
             </a:r>
             <a:r>
-              <a:rPr lang="en-US" altLang="zh-CN">
+              <a:rPr lang="en-US" dirty="0">
                 <a:latin typeface="Times New Roman" panose="02020603050405020304" pitchFamily="18" charset="0"/>
                 <a:ea typeface="DengXian" panose="02010600030101010101" pitchFamily="2" charset="-122"/>
               </a:rPr>
-              <a:t>Distribution of net charge </a:t>
-            </a:r>
-            <a:r>
-              <a:rPr lang="en-US">
-                <a:latin typeface="Times New Roman" panose="02020603050405020304" pitchFamily="18" charset="0"/>
-                <a:ea typeface="DengXian" panose="02010600030101010101" pitchFamily="2" charset="-122"/>
-              </a:rPr>
-              <a:t>in first shell of Ln complexes in (a)subset2n (b)subset2n_non_neutral (c)subset2w (d)subset2w_non_neutral across the Ln series.</a:t>
-            </a:r>
-          </a:p>
-        </p:txBody>
-      </p:sp>
-      <p:sp>
-        <p:nvSpPr>
-          <p:cNvPr id="6" name="TextBox 5">
-            <a:extLst>
-              <a:ext uri="{FF2B5EF4-FFF2-40B4-BE49-F238E27FC236}">
-                <a16:creationId xmlns:a16="http://schemas.microsoft.com/office/drawing/2014/main" id="{08BA8A82-3711-BB3A-7E47-FF6E57E2D43A}"/>
-              </a:ext>
-            </a:extLst>
-          </p:cNvPr>
-          <p:cNvSpPr txBox="1"/>
-          <p:nvPr/>
-        </p:nvSpPr>
-        <p:spPr>
-          <a:xfrm>
-            <a:off x="1229457" y="1366620"/>
-            <a:ext cx="453970" cy="369332"/>
-          </a:xfrm>
-          <a:prstGeom prst="rect">
-            <a:avLst/>
-          </a:prstGeom>
-          <a:noFill/>
-        </p:spPr>
-        <p:txBody>
-          <a:bodyPr wrap="none" rtlCol="0">
-            <a:spAutoFit/>
-          </a:bodyPr>
-          <a:lstStyle/>
-          <a:p>
-            <a:r>
-              <a:rPr lang="en-US" b="1">
-                <a:latin typeface="Times New Roman" panose="02020603050405020304" pitchFamily="18" charset="0"/>
-                <a:cs typeface="Times New Roman" panose="02020603050405020304" pitchFamily="18" charset="0"/>
-              </a:rPr>
-              <a:t>(a)</a:t>
-            </a:r>
-          </a:p>
-        </p:txBody>
-      </p:sp>
-      <p:sp>
-        <p:nvSpPr>
-          <p:cNvPr id="9" name="TextBox 8">
-            <a:extLst>
-              <a:ext uri="{FF2B5EF4-FFF2-40B4-BE49-F238E27FC236}">
-                <a16:creationId xmlns:a16="http://schemas.microsoft.com/office/drawing/2014/main" id="{192A58D3-225A-6D78-8DC3-BCA59DF61911}"/>
-              </a:ext>
-            </a:extLst>
-          </p:cNvPr>
-          <p:cNvSpPr txBox="1"/>
-          <p:nvPr/>
-        </p:nvSpPr>
-        <p:spPr>
-          <a:xfrm>
-            <a:off x="4674200" y="1368358"/>
-            <a:ext cx="466794" cy="369332"/>
-          </a:xfrm>
-          <a:prstGeom prst="rect">
-            <a:avLst/>
-          </a:prstGeom>
-          <a:noFill/>
-        </p:spPr>
-        <p:txBody>
-          <a:bodyPr wrap="none" rtlCol="0">
-            <a:spAutoFit/>
-          </a:bodyPr>
-          <a:lstStyle/>
-          <a:p>
-            <a:r>
-              <a:rPr lang="en-US" b="1">
-                <a:latin typeface="Times New Roman" panose="02020603050405020304" pitchFamily="18" charset="0"/>
-                <a:cs typeface="Times New Roman" panose="02020603050405020304" pitchFamily="18" charset="0"/>
-              </a:rPr>
-              <a:t>(b)</a:t>
-            </a:r>
-          </a:p>
-        </p:txBody>
-      </p:sp>
-      <p:sp>
-        <p:nvSpPr>
-          <p:cNvPr id="19" name="TextBox 18">
-            <a:extLst>
-              <a:ext uri="{FF2B5EF4-FFF2-40B4-BE49-F238E27FC236}">
-                <a16:creationId xmlns:a16="http://schemas.microsoft.com/office/drawing/2014/main" id="{4FA26463-215F-AF9C-52BB-B2FB58C6E25E}"/>
-              </a:ext>
-            </a:extLst>
-          </p:cNvPr>
-          <p:cNvSpPr txBox="1"/>
-          <p:nvPr/>
-        </p:nvSpPr>
-        <p:spPr>
-          <a:xfrm>
-            <a:off x="1223977" y="3512491"/>
-            <a:ext cx="441146" cy="369332"/>
-          </a:xfrm>
-          <a:prstGeom prst="rect">
-            <a:avLst/>
-          </a:prstGeom>
-          <a:noFill/>
-        </p:spPr>
-        <p:txBody>
-          <a:bodyPr wrap="none" rtlCol="0">
-            <a:spAutoFit/>
-          </a:bodyPr>
-          <a:lstStyle/>
-          <a:p>
-            <a:r>
-              <a:rPr lang="en-US" b="1">
-                <a:latin typeface="Times New Roman" panose="02020603050405020304" pitchFamily="18" charset="0"/>
-                <a:cs typeface="Times New Roman" panose="02020603050405020304" pitchFamily="18" charset="0"/>
-              </a:rPr>
-              <a:t>(c)</a:t>
-            </a:r>
-          </a:p>
-        </p:txBody>
-      </p:sp>
-      <p:sp>
-        <p:nvSpPr>
-          <p:cNvPr id="20" name="TextBox 19">
-            <a:extLst>
-              <a:ext uri="{FF2B5EF4-FFF2-40B4-BE49-F238E27FC236}">
-                <a16:creationId xmlns:a16="http://schemas.microsoft.com/office/drawing/2014/main" id="{DBFCCB08-C436-2B4D-E952-2F710E47C66A}"/>
-              </a:ext>
-            </a:extLst>
-          </p:cNvPr>
-          <p:cNvSpPr txBox="1"/>
-          <p:nvPr/>
-        </p:nvSpPr>
-        <p:spPr>
-          <a:xfrm>
-            <a:off x="4674200" y="3527410"/>
-            <a:ext cx="466794" cy="369332"/>
-          </a:xfrm>
-          <a:prstGeom prst="rect">
-            <a:avLst/>
-          </a:prstGeom>
-          <a:noFill/>
-        </p:spPr>
-        <p:txBody>
-          <a:bodyPr wrap="none" rtlCol="0">
-            <a:spAutoFit/>
-          </a:bodyPr>
-          <a:lstStyle/>
-          <a:p>
-            <a:r>
-              <a:rPr lang="en-US" b="1">
-                <a:latin typeface="Times New Roman" panose="02020603050405020304" pitchFamily="18" charset="0"/>
-                <a:cs typeface="Times New Roman" panose="02020603050405020304" pitchFamily="18" charset="0"/>
-              </a:rPr>
-              <a:t>(d)</a:t>
+              <a:t>Average ratio of  nitrate/water in first coordination shell in subset2n_w_org across the Ln series; Standard deviations are shown as the error bars.</a:t>
             </a:r>
           </a:p>
         </p:txBody>
       </p:sp>
       <p:pic>
         <p:nvPicPr>
-          <p:cNvPr id="13" name="Picture 12">
-            <a:extLst>
-              <a:ext uri="{FF2B5EF4-FFF2-40B4-BE49-F238E27FC236}">
-                <a16:creationId xmlns:a16="http://schemas.microsoft.com/office/drawing/2014/main" id="{995D70F8-AFE6-0D41-469F-0FD47AC6C48E}"/>
+          <p:cNvPr id="9" name="Picture 8">
+            <a:extLst>
+              <a:ext uri="{FF2B5EF4-FFF2-40B4-BE49-F238E27FC236}">
+                <a16:creationId xmlns:a16="http://schemas.microsoft.com/office/drawing/2014/main" id="{8D5565DE-F182-E0B9-7A45-DF1E0B4625CE}"/>
               </a:ext>
             </a:extLst>
           </p:cNvPr>
@@ -11194,157 +12648,25 @@
           </p:cNvPicPr>
           <p:nvPr/>
         </p:nvPicPr>
-        <p:blipFill>
+        <p:blipFill rotWithShape="1">
           <a:blip r:embed="rId4"/>
-          <a:stretch>
-            <a:fillRect/>
-          </a:stretch>
+          <a:srcRect l="9303" t="10483" r="12985" b="10578"/>
+          <a:stretch/>
         </p:blipFill>
         <p:spPr>
           <a:xfrm>
-            <a:off x="1377430" y="917409"/>
-            <a:ext cx="3566160" cy="2727960"/>
+            <a:off x="3663656" y="1580523"/>
+            <a:ext cx="4644667" cy="3609139"/>
           </a:xfrm>
           <a:prstGeom prst="rect">
             <a:avLst/>
           </a:prstGeom>
         </p:spPr>
       </p:pic>
-      <p:pic>
-        <p:nvPicPr>
-          <p:cNvPr id="24" name="Picture 23">
-            <a:extLst>
-              <a:ext uri="{FF2B5EF4-FFF2-40B4-BE49-F238E27FC236}">
-                <a16:creationId xmlns:a16="http://schemas.microsoft.com/office/drawing/2014/main" id="{3FB5D1DF-012A-3743-1ABC-9A2A18F1E03D}"/>
-              </a:ext>
-            </a:extLst>
-          </p:cNvPr>
-          <p:cNvPicPr>
-            <a:picLocks noChangeAspect="1"/>
-          </p:cNvPicPr>
-          <p:nvPr/>
-        </p:nvPicPr>
-        <p:blipFill>
-          <a:blip r:embed="rId5"/>
-          <a:stretch>
-            <a:fillRect/>
-          </a:stretch>
-        </p:blipFill>
-        <p:spPr>
-          <a:xfrm>
-            <a:off x="1377430" y="3255564"/>
-            <a:ext cx="3566160" cy="2727960"/>
-          </a:xfrm>
-          <a:prstGeom prst="rect">
-            <a:avLst/>
-          </a:prstGeom>
-        </p:spPr>
-      </p:pic>
-      <p:pic>
-        <p:nvPicPr>
-          <p:cNvPr id="28" name="Picture 27">
-            <a:extLst>
-              <a:ext uri="{FF2B5EF4-FFF2-40B4-BE49-F238E27FC236}">
-                <a16:creationId xmlns:a16="http://schemas.microsoft.com/office/drawing/2014/main" id="{A5DFB900-3B3D-BF42-1F0B-E5FA5F138DF8}"/>
-              </a:ext>
-            </a:extLst>
-          </p:cNvPr>
-          <p:cNvPicPr>
-            <a:picLocks noChangeAspect="1"/>
-          </p:cNvPicPr>
-          <p:nvPr/>
-        </p:nvPicPr>
-        <p:blipFill>
-          <a:blip r:embed="rId6"/>
-          <a:stretch>
-            <a:fillRect/>
-          </a:stretch>
-        </p:blipFill>
-        <p:spPr>
-          <a:xfrm>
-            <a:off x="4871604" y="3255564"/>
-            <a:ext cx="3566160" cy="2727960"/>
-          </a:xfrm>
-          <a:prstGeom prst="rect">
-            <a:avLst/>
-          </a:prstGeom>
-        </p:spPr>
-      </p:pic>
-      <p:pic>
-        <p:nvPicPr>
-          <p:cNvPr id="30" name="Picture 29">
-            <a:extLst>
-              <a:ext uri="{FF2B5EF4-FFF2-40B4-BE49-F238E27FC236}">
-                <a16:creationId xmlns:a16="http://schemas.microsoft.com/office/drawing/2014/main" id="{5FD3A135-F6EC-1815-9E8F-194696EF19A3}"/>
-              </a:ext>
-            </a:extLst>
-          </p:cNvPr>
-          <p:cNvPicPr>
-            <a:picLocks noChangeAspect="1"/>
-          </p:cNvPicPr>
-          <p:nvPr/>
-        </p:nvPicPr>
-        <p:blipFill>
-          <a:blip r:embed="rId7"/>
-          <a:stretch>
-            <a:fillRect/>
-          </a:stretch>
-        </p:blipFill>
-        <p:spPr>
-          <a:xfrm>
-            <a:off x="4876407" y="917409"/>
-            <a:ext cx="3561357" cy="2724912"/>
-          </a:xfrm>
-          <a:prstGeom prst="rect">
-            <a:avLst/>
-          </a:prstGeom>
-        </p:spPr>
-      </p:pic>
-      <p:sp>
-        <p:nvSpPr>
-          <p:cNvPr id="31" name="TextBox 30">
-            <a:extLst>
-              <a:ext uri="{FF2B5EF4-FFF2-40B4-BE49-F238E27FC236}">
-                <a16:creationId xmlns:a16="http://schemas.microsoft.com/office/drawing/2014/main" id="{FFA1F4AB-8F41-1EE0-F0BB-63366BC0B6C7}"/>
-              </a:ext>
-            </a:extLst>
-          </p:cNvPr>
-          <p:cNvSpPr txBox="1"/>
-          <p:nvPr/>
-        </p:nvSpPr>
-        <p:spPr>
-          <a:xfrm>
-            <a:off x="8313906" y="1940449"/>
-            <a:ext cx="3218125" cy="646331"/>
-          </a:xfrm>
-          <a:prstGeom prst="rect">
-            <a:avLst/>
-          </a:prstGeom>
-          <a:noFill/>
-        </p:spPr>
-        <p:txBody>
-          <a:bodyPr wrap="none" rtlCol="0">
-            <a:spAutoFit/>
-          </a:bodyPr>
-          <a:lstStyle/>
-          <a:p>
-            <a:r>
-              <a:rPr lang="en-US"/>
-              <a:t>For non-neutral fs,</a:t>
-            </a:r>
-          </a:p>
-          <a:p>
-            <a:r>
-              <a:rPr lang="en-US"/>
-              <a:t>Nitrates prefer net charge  = +1</a:t>
-            </a:r>
-          </a:p>
-        </p:txBody>
-      </p:sp>
     </p:spTree>
     <p:extLst>
       <p:ext uri="{BB962C8B-B14F-4D97-AF65-F5344CB8AC3E}">
-        <p14:creationId xmlns:p14="http://schemas.microsoft.com/office/powerpoint/2010/main" val="1861708718"/>
+        <p14:creationId xmlns:p14="http://schemas.microsoft.com/office/powerpoint/2010/main" val="1472280000"/>
       </p:ext>
     </p:extLst>
   </p:cSld>

--- a/Figure in paper 2.pptx
+++ b/Figure in paper 2.pptx
@@ -130,652 +130,8 @@
 </p:presentation>
 </file>
 
-<file path=ppt/revisionInfo.xml><?xml version="1.0" encoding="utf-8"?>
-<p1510:revInfo xmlns:a="http://schemas.openxmlformats.org/drawingml/2006/main" xmlns:r="http://schemas.openxmlformats.org/officeDocument/2006/relationships" xmlns:p1510="http://schemas.microsoft.com/office/powerpoint/2015/10/main">
-  <p1510:revLst>
-    <p1510:client id="{7E5EB6AF-9D82-46FE-8E7A-CD8501CCC7B9}" v="111" dt="2024-07-10T20:56:43.902"/>
-  </p1510:revLst>
-</p1510:revInfo>
-</file>
-
 <file path=ppt/changesInfos/changesInfo1.xml><?xml version="1.0" encoding="utf-8"?>
 <pc:chgInfo xmlns:a="http://schemas.openxmlformats.org/drawingml/2006/main" xmlns:r="http://schemas.openxmlformats.org/officeDocument/2006/relationships" xmlns:ac="http://schemas.microsoft.com/office/drawing/2013/main/command" xmlns:pc="http://schemas.microsoft.com/office/powerpoint/2013/main/command">
-  <pc:docChgLst>
-    <pc:chgData name="Li, Shicheng" userId="7425521c-7c11-4331-97d3-6e2702dd7f11" providerId="ADAL" clId="{7E5EB6AF-9D82-46FE-8E7A-CD8501CCC7B9}"/>
-    <pc:docChg chg="undo custSel addSld delSld modSld sldOrd">
-      <pc:chgData name="Li, Shicheng" userId="7425521c-7c11-4331-97d3-6e2702dd7f11" providerId="ADAL" clId="{7E5EB6AF-9D82-46FE-8E7A-CD8501CCC7B9}" dt="2024-07-10T21:32:46.839" v="489" actId="20577"/>
-      <pc:docMkLst>
-        <pc:docMk/>
-      </pc:docMkLst>
-      <pc:sldChg chg="modSp mod">
-        <pc:chgData name="Li, Shicheng" userId="7425521c-7c11-4331-97d3-6e2702dd7f11" providerId="ADAL" clId="{7E5EB6AF-9D82-46FE-8E7A-CD8501CCC7B9}" dt="2024-06-21T16:02:30.772" v="42" actId="732"/>
-        <pc:sldMkLst>
-          <pc:docMk/>
-          <pc:sldMk cId="3626113393" sldId="278"/>
-        </pc:sldMkLst>
-        <pc:picChg chg="mod modCrop">
-          <ac:chgData name="Li, Shicheng" userId="7425521c-7c11-4331-97d3-6e2702dd7f11" providerId="ADAL" clId="{7E5EB6AF-9D82-46FE-8E7A-CD8501CCC7B9}" dt="2024-06-21T16:02:30.772" v="42" actId="732"/>
-          <ac:picMkLst>
-            <pc:docMk/>
-            <pc:sldMk cId="3626113393" sldId="278"/>
-            <ac:picMk id="10" creationId="{90F64B60-B7ED-0FB1-0406-C907BF31561F}"/>
-          </ac:picMkLst>
-        </pc:picChg>
-      </pc:sldChg>
-      <pc:sldChg chg="modSp mod">
-        <pc:chgData name="Li, Shicheng" userId="7425521c-7c11-4331-97d3-6e2702dd7f11" providerId="ADAL" clId="{7E5EB6AF-9D82-46FE-8E7A-CD8501CCC7B9}" dt="2024-07-10T21:30:19.986" v="409" actId="20577"/>
-        <pc:sldMkLst>
-          <pc:docMk/>
-          <pc:sldMk cId="782779783" sldId="280"/>
-        </pc:sldMkLst>
-        <pc:spChg chg="mod">
-          <ac:chgData name="Li, Shicheng" userId="7425521c-7c11-4331-97d3-6e2702dd7f11" providerId="ADAL" clId="{7E5EB6AF-9D82-46FE-8E7A-CD8501CCC7B9}" dt="2024-07-10T21:30:11.681" v="401" actId="20577"/>
-          <ac:spMkLst>
-            <pc:docMk/>
-            <pc:sldMk cId="782779783" sldId="280"/>
-            <ac:spMk id="2" creationId="{001E3F70-DC66-8477-9E54-EC5216071F23}"/>
-          </ac:spMkLst>
-        </pc:spChg>
-        <pc:spChg chg="mod">
-          <ac:chgData name="Li, Shicheng" userId="7425521c-7c11-4331-97d3-6e2702dd7f11" providerId="ADAL" clId="{7E5EB6AF-9D82-46FE-8E7A-CD8501CCC7B9}" dt="2024-07-10T21:30:19.986" v="409" actId="20577"/>
-          <ac:spMkLst>
-            <pc:docMk/>
-            <pc:sldMk cId="782779783" sldId="280"/>
-            <ac:spMk id="5" creationId="{9CB0378C-DD29-230A-C449-BB7B8680D2BA}"/>
-          </ac:spMkLst>
-        </pc:spChg>
-        <pc:picChg chg="mod modCrop">
-          <ac:chgData name="Li, Shicheng" userId="7425521c-7c11-4331-97d3-6e2702dd7f11" providerId="ADAL" clId="{7E5EB6AF-9D82-46FE-8E7A-CD8501CCC7B9}" dt="2024-06-21T16:06:54.580" v="46" actId="732"/>
-          <ac:picMkLst>
-            <pc:docMk/>
-            <pc:sldMk cId="782779783" sldId="280"/>
-            <ac:picMk id="10" creationId="{069962A3-6AAD-3706-94B6-CBF715DCF8EE}"/>
-          </ac:picMkLst>
-        </pc:picChg>
-      </pc:sldChg>
-      <pc:sldChg chg="modSp mod">
-        <pc:chgData name="Li, Shicheng" userId="7425521c-7c11-4331-97d3-6e2702dd7f11" providerId="ADAL" clId="{7E5EB6AF-9D82-46FE-8E7A-CD8501CCC7B9}" dt="2024-07-10T21:30:23.590" v="411" actId="20577"/>
-        <pc:sldMkLst>
-          <pc:docMk/>
-          <pc:sldMk cId="1297170163" sldId="282"/>
-        </pc:sldMkLst>
-        <pc:spChg chg="mod">
-          <ac:chgData name="Li, Shicheng" userId="7425521c-7c11-4331-97d3-6e2702dd7f11" providerId="ADAL" clId="{7E5EB6AF-9D82-46FE-8E7A-CD8501CCC7B9}" dt="2024-07-10T21:30:16.673" v="407" actId="20577"/>
-          <ac:spMkLst>
-            <pc:docMk/>
-            <pc:sldMk cId="1297170163" sldId="282"/>
-            <ac:spMk id="2" creationId="{001E3F70-DC66-8477-9E54-EC5216071F23}"/>
-          </ac:spMkLst>
-        </pc:spChg>
-        <pc:spChg chg="mod">
-          <ac:chgData name="Li, Shicheng" userId="7425521c-7c11-4331-97d3-6e2702dd7f11" providerId="ADAL" clId="{7E5EB6AF-9D82-46FE-8E7A-CD8501CCC7B9}" dt="2024-07-10T21:30:23.590" v="411" actId="20577"/>
-          <ac:spMkLst>
-            <pc:docMk/>
-            <pc:sldMk cId="1297170163" sldId="282"/>
-            <ac:spMk id="5" creationId="{FFF631A5-928D-717A-31FC-A6D481BCD3BE}"/>
-          </ac:spMkLst>
-        </pc:spChg>
-        <pc:picChg chg="mod modCrop">
-          <ac:chgData name="Li, Shicheng" userId="7425521c-7c11-4331-97d3-6e2702dd7f11" providerId="ADAL" clId="{7E5EB6AF-9D82-46FE-8E7A-CD8501CCC7B9}" dt="2024-06-21T16:08:23.342" v="50" actId="732"/>
-          <ac:picMkLst>
-            <pc:docMk/>
-            <pc:sldMk cId="1297170163" sldId="282"/>
-            <ac:picMk id="4" creationId="{3E781395-7C43-1DD7-1B92-27E7D394CE4B}"/>
-          </ac:picMkLst>
-        </pc:picChg>
-      </pc:sldChg>
-      <pc:sldChg chg="modSp mod">
-        <pc:chgData name="Li, Shicheng" userId="7425521c-7c11-4331-97d3-6e2702dd7f11" providerId="ADAL" clId="{7E5EB6AF-9D82-46FE-8E7A-CD8501CCC7B9}" dt="2024-07-10T21:30:29.686" v="415" actId="20577"/>
-        <pc:sldMkLst>
-          <pc:docMk/>
-          <pc:sldMk cId="3185644417" sldId="283"/>
-        </pc:sldMkLst>
-        <pc:spChg chg="mod">
-          <ac:chgData name="Li, Shicheng" userId="7425521c-7c11-4331-97d3-6e2702dd7f11" providerId="ADAL" clId="{7E5EB6AF-9D82-46FE-8E7A-CD8501CCC7B9}" dt="2024-07-10T21:30:26.902" v="413" actId="20577"/>
-          <ac:spMkLst>
-            <pc:docMk/>
-            <pc:sldMk cId="3185644417" sldId="283"/>
-            <ac:spMk id="2" creationId="{001E3F70-DC66-8477-9E54-EC5216071F23}"/>
-          </ac:spMkLst>
-        </pc:spChg>
-        <pc:spChg chg="mod">
-          <ac:chgData name="Li, Shicheng" userId="7425521c-7c11-4331-97d3-6e2702dd7f11" providerId="ADAL" clId="{7E5EB6AF-9D82-46FE-8E7A-CD8501CCC7B9}" dt="2024-07-10T21:30:29.686" v="415" actId="20577"/>
-          <ac:spMkLst>
-            <pc:docMk/>
-            <pc:sldMk cId="3185644417" sldId="283"/>
-            <ac:spMk id="4" creationId="{5877D320-11AB-7BBD-A56A-22BF38E4928E}"/>
-          </ac:spMkLst>
-        </pc:spChg>
-        <pc:picChg chg="mod modCrop">
-          <ac:chgData name="Li, Shicheng" userId="7425521c-7c11-4331-97d3-6e2702dd7f11" providerId="ADAL" clId="{7E5EB6AF-9D82-46FE-8E7A-CD8501CCC7B9}" dt="2024-06-21T16:09:43.211" v="54" actId="732"/>
-          <ac:picMkLst>
-            <pc:docMk/>
-            <pc:sldMk cId="3185644417" sldId="283"/>
-            <ac:picMk id="3" creationId="{6EA4C9B3-D6D2-C7BD-BDF7-8434B34B5FA0}"/>
-          </ac:picMkLst>
-        </pc:picChg>
-      </pc:sldChg>
-      <pc:sldChg chg="modSp mod">
-        <pc:chgData name="Li, Shicheng" userId="7425521c-7c11-4331-97d3-6e2702dd7f11" providerId="ADAL" clId="{7E5EB6AF-9D82-46FE-8E7A-CD8501CCC7B9}" dt="2024-07-10T21:31:48.870" v="435" actId="20577"/>
-        <pc:sldMkLst>
-          <pc:docMk/>
-          <pc:sldMk cId="1472280000" sldId="284"/>
-        </pc:sldMkLst>
-        <pc:spChg chg="mod">
-          <ac:chgData name="Li, Shicheng" userId="7425521c-7c11-4331-97d3-6e2702dd7f11" providerId="ADAL" clId="{7E5EB6AF-9D82-46FE-8E7A-CD8501CCC7B9}" dt="2024-07-10T21:31:36.765" v="429" actId="20577"/>
-          <ac:spMkLst>
-            <pc:docMk/>
-            <pc:sldMk cId="1472280000" sldId="284"/>
-            <ac:spMk id="2" creationId="{001E3F70-DC66-8477-9E54-EC5216071F23}"/>
-          </ac:spMkLst>
-        </pc:spChg>
-        <pc:spChg chg="mod">
-          <ac:chgData name="Li, Shicheng" userId="7425521c-7c11-4331-97d3-6e2702dd7f11" providerId="ADAL" clId="{7E5EB6AF-9D82-46FE-8E7A-CD8501CCC7B9}" dt="2024-07-10T21:31:48.870" v="435" actId="20577"/>
-          <ac:spMkLst>
-            <pc:docMk/>
-            <pc:sldMk cId="1472280000" sldId="284"/>
-            <ac:spMk id="5" creationId="{A5A4C966-320C-39F1-540A-2B536DB93527}"/>
-          </ac:spMkLst>
-        </pc:spChg>
-        <pc:picChg chg="mod modCrop">
-          <ac:chgData name="Li, Shicheng" userId="7425521c-7c11-4331-97d3-6e2702dd7f11" providerId="ADAL" clId="{7E5EB6AF-9D82-46FE-8E7A-CD8501CCC7B9}" dt="2024-06-21T16:10:40.601" v="58" actId="732"/>
-          <ac:picMkLst>
-            <pc:docMk/>
-            <pc:sldMk cId="1472280000" sldId="284"/>
-            <ac:picMk id="9" creationId="{8D5565DE-F182-E0B9-7A45-DF1E0B4625CE}"/>
-          </ac:picMkLst>
-        </pc:picChg>
-      </pc:sldChg>
-      <pc:sldChg chg="modSp mod">
-        <pc:chgData name="Li, Shicheng" userId="7425521c-7c11-4331-97d3-6e2702dd7f11" providerId="ADAL" clId="{7E5EB6AF-9D82-46FE-8E7A-CD8501CCC7B9}" dt="2024-06-21T16:12:18.373" v="83" actId="1076"/>
-        <pc:sldMkLst>
-          <pc:docMk/>
-          <pc:sldMk cId="4049957910" sldId="285"/>
-        </pc:sldMkLst>
-        <pc:spChg chg="mod">
-          <ac:chgData name="Li, Shicheng" userId="7425521c-7c11-4331-97d3-6e2702dd7f11" providerId="ADAL" clId="{7E5EB6AF-9D82-46FE-8E7A-CD8501CCC7B9}" dt="2024-06-21T16:12:18.373" v="83" actId="1076"/>
-          <ac:spMkLst>
-            <pc:docMk/>
-            <pc:sldMk cId="4049957910" sldId="285"/>
-            <ac:spMk id="5" creationId="{A5A4C966-320C-39F1-540A-2B536DB93527}"/>
-          </ac:spMkLst>
-        </pc:spChg>
-        <pc:spChg chg="mod">
-          <ac:chgData name="Li, Shicheng" userId="7425521c-7c11-4331-97d3-6e2702dd7f11" providerId="ADAL" clId="{7E5EB6AF-9D82-46FE-8E7A-CD8501CCC7B9}" dt="2024-06-21T16:11:48.772" v="81" actId="1037"/>
-          <ac:spMkLst>
-            <pc:docMk/>
-            <pc:sldMk cId="4049957910" sldId="285"/>
-            <ac:spMk id="9" creationId="{192A58D3-225A-6D78-8DC3-BCA59DF61911}"/>
-          </ac:spMkLst>
-        </pc:spChg>
-        <pc:picChg chg="mod">
-          <ac:chgData name="Li, Shicheng" userId="7425521c-7c11-4331-97d3-6e2702dd7f11" providerId="ADAL" clId="{7E5EB6AF-9D82-46FE-8E7A-CD8501CCC7B9}" dt="2024-06-21T16:11:48.772" v="81" actId="1037"/>
-          <ac:picMkLst>
-            <pc:docMk/>
-            <pc:sldMk cId="4049957910" sldId="285"/>
-            <ac:picMk id="13" creationId="{8CDE5DBB-2338-5ED8-490A-EB62B456559C}"/>
-          </ac:picMkLst>
-        </pc:picChg>
-      </pc:sldChg>
-      <pc:sldChg chg="addSp modSp mod ord">
-        <pc:chgData name="Li, Shicheng" userId="7425521c-7c11-4331-97d3-6e2702dd7f11" providerId="ADAL" clId="{7E5EB6AF-9D82-46FE-8E7A-CD8501CCC7B9}" dt="2024-07-10T21:31:44.195" v="433" actId="20577"/>
-        <pc:sldMkLst>
-          <pc:docMk/>
-          <pc:sldMk cId="1861708718" sldId="286"/>
-        </pc:sldMkLst>
-        <pc:spChg chg="mod">
-          <ac:chgData name="Li, Shicheng" userId="7425521c-7c11-4331-97d3-6e2702dd7f11" providerId="ADAL" clId="{7E5EB6AF-9D82-46FE-8E7A-CD8501CCC7B9}" dt="2024-07-10T21:31:40.363" v="431" actId="20577"/>
-          <ac:spMkLst>
-            <pc:docMk/>
-            <pc:sldMk cId="1861708718" sldId="286"/>
-            <ac:spMk id="2" creationId="{001E3F70-DC66-8477-9E54-EC5216071F23}"/>
-          </ac:spMkLst>
-        </pc:spChg>
-        <pc:spChg chg="mod">
-          <ac:chgData name="Li, Shicheng" userId="7425521c-7c11-4331-97d3-6e2702dd7f11" providerId="ADAL" clId="{7E5EB6AF-9D82-46FE-8E7A-CD8501CCC7B9}" dt="2024-07-10T21:31:44.195" v="433" actId="20577"/>
-          <ac:spMkLst>
-            <pc:docMk/>
-            <pc:sldMk cId="1861708718" sldId="286"/>
-            <ac:spMk id="5" creationId="{A5A4C966-320C-39F1-540A-2B536DB93527}"/>
-          </ac:spMkLst>
-        </pc:spChg>
-        <pc:spChg chg="mod">
-          <ac:chgData name="Li, Shicheng" userId="7425521c-7c11-4331-97d3-6e2702dd7f11" providerId="ADAL" clId="{7E5EB6AF-9D82-46FE-8E7A-CD8501CCC7B9}" dt="2024-06-21T16:13:17.428" v="133" actId="1076"/>
-          <ac:spMkLst>
-            <pc:docMk/>
-            <pc:sldMk cId="1861708718" sldId="286"/>
-            <ac:spMk id="6" creationId="{08BA8A82-3711-BB3A-7E47-FF6E57E2D43A}"/>
-          </ac:spMkLst>
-        </pc:spChg>
-        <pc:spChg chg="mod">
-          <ac:chgData name="Li, Shicheng" userId="7425521c-7c11-4331-97d3-6e2702dd7f11" providerId="ADAL" clId="{7E5EB6AF-9D82-46FE-8E7A-CD8501CCC7B9}" dt="2024-06-21T16:13:06.267" v="132" actId="1037"/>
-          <ac:spMkLst>
-            <pc:docMk/>
-            <pc:sldMk cId="1861708718" sldId="286"/>
-            <ac:spMk id="9" creationId="{192A58D3-225A-6D78-8DC3-BCA59DF61911}"/>
-          </ac:spMkLst>
-        </pc:spChg>
-        <pc:spChg chg="add mod">
-          <ac:chgData name="Li, Shicheng" userId="7425521c-7c11-4331-97d3-6e2702dd7f11" providerId="ADAL" clId="{7E5EB6AF-9D82-46FE-8E7A-CD8501CCC7B9}" dt="2024-06-21T16:12:49.027" v="87" actId="571"/>
-          <ac:spMkLst>
-            <pc:docMk/>
-            <pc:sldMk cId="1861708718" sldId="286"/>
-            <ac:spMk id="10" creationId="{BDA96BF5-5461-7CAC-81DF-7977C388162E}"/>
-          </ac:spMkLst>
-        </pc:spChg>
-        <pc:spChg chg="mod">
-          <ac:chgData name="Li, Shicheng" userId="7425521c-7c11-4331-97d3-6e2702dd7f11" providerId="ADAL" clId="{7E5EB6AF-9D82-46FE-8E7A-CD8501CCC7B9}" dt="2024-06-21T16:13:23.382" v="134" actId="1076"/>
-          <ac:spMkLst>
-            <pc:docMk/>
-            <pc:sldMk cId="1861708718" sldId="286"/>
-            <ac:spMk id="19" creationId="{4FA26463-215F-AF9C-52BB-B2FB58C6E25E}"/>
-          </ac:spMkLst>
-        </pc:spChg>
-        <pc:spChg chg="mod">
-          <ac:chgData name="Li, Shicheng" userId="7425521c-7c11-4331-97d3-6e2702dd7f11" providerId="ADAL" clId="{7E5EB6AF-9D82-46FE-8E7A-CD8501CCC7B9}" dt="2024-06-21T16:13:06.267" v="132" actId="1037"/>
-          <ac:spMkLst>
-            <pc:docMk/>
-            <pc:sldMk cId="1861708718" sldId="286"/>
-            <ac:spMk id="20" creationId="{DBFCCB08-C436-2B4D-E952-2F710E47C66A}"/>
-          </ac:spMkLst>
-        </pc:spChg>
-        <pc:picChg chg="add mod">
-          <ac:chgData name="Li, Shicheng" userId="7425521c-7c11-4331-97d3-6e2702dd7f11" providerId="ADAL" clId="{7E5EB6AF-9D82-46FE-8E7A-CD8501CCC7B9}" dt="2024-06-21T16:12:44.920" v="85" actId="571"/>
-          <ac:picMkLst>
-            <pc:docMk/>
-            <pc:sldMk cId="1861708718" sldId="286"/>
-            <ac:picMk id="3" creationId="{E1C69898-C324-FB2F-C856-5CCF78739D57}"/>
-          </ac:picMkLst>
-        </pc:picChg>
-        <pc:picChg chg="mod">
-          <ac:chgData name="Li, Shicheng" userId="7425521c-7c11-4331-97d3-6e2702dd7f11" providerId="ADAL" clId="{7E5EB6AF-9D82-46FE-8E7A-CD8501CCC7B9}" dt="2024-06-21T16:13:06.267" v="132" actId="1037"/>
-          <ac:picMkLst>
-            <pc:docMk/>
-            <pc:sldMk cId="1861708718" sldId="286"/>
-            <ac:picMk id="16" creationId="{3F7BF0D1-F45F-FE7B-B525-DD22CE195DDD}"/>
-          </ac:picMkLst>
-        </pc:picChg>
-        <pc:picChg chg="mod">
-          <ac:chgData name="Li, Shicheng" userId="7425521c-7c11-4331-97d3-6e2702dd7f11" providerId="ADAL" clId="{7E5EB6AF-9D82-46FE-8E7A-CD8501CCC7B9}" dt="2024-06-21T16:13:06.267" v="132" actId="1037"/>
-          <ac:picMkLst>
-            <pc:docMk/>
-            <pc:sldMk cId="1861708718" sldId="286"/>
-            <ac:picMk id="18" creationId="{AC859D17-420E-3C2D-CDAC-51C89CC42EC6}"/>
-          </ac:picMkLst>
-        </pc:picChg>
-      </pc:sldChg>
-      <pc:sldChg chg="addSp delSp modSp add mod modNotesTx">
-        <pc:chgData name="Li, Shicheng" userId="7425521c-7c11-4331-97d3-6e2702dd7f11" providerId="ADAL" clId="{7E5EB6AF-9D82-46FE-8E7A-CD8501CCC7B9}" dt="2024-07-10T21:24:35.079" v="345" actId="20577"/>
-        <pc:sldMkLst>
-          <pc:docMk/>
-          <pc:sldMk cId="1757090110" sldId="287"/>
-        </pc:sldMkLst>
-        <pc:spChg chg="mod">
-          <ac:chgData name="Li, Shicheng" userId="7425521c-7c11-4331-97d3-6e2702dd7f11" providerId="ADAL" clId="{7E5EB6AF-9D82-46FE-8E7A-CD8501CCC7B9}" dt="2024-07-10T21:24:35.079" v="345" actId="20577"/>
-          <ac:spMkLst>
-            <pc:docMk/>
-            <pc:sldMk cId="1757090110" sldId="287"/>
-            <ac:spMk id="4" creationId="{B791E31B-51C9-ED56-F00E-638B69F194E5}"/>
-          </ac:spMkLst>
-        </pc:spChg>
-        <pc:spChg chg="add mod">
-          <ac:chgData name="Li, Shicheng" userId="7425521c-7c11-4331-97d3-6e2702dd7f11" providerId="ADAL" clId="{7E5EB6AF-9D82-46FE-8E7A-CD8501CCC7B9}" dt="2024-06-21T15:59:33.721" v="34" actId="113"/>
-          <ac:spMkLst>
-            <pc:docMk/>
-            <pc:sldMk cId="1757090110" sldId="287"/>
-            <ac:spMk id="9" creationId="{2518E67D-76F0-BC51-68EE-839A05337919}"/>
-          </ac:spMkLst>
-        </pc:spChg>
-        <pc:spChg chg="del">
-          <ac:chgData name="Li, Shicheng" userId="7425521c-7c11-4331-97d3-6e2702dd7f11" providerId="ADAL" clId="{7E5EB6AF-9D82-46FE-8E7A-CD8501CCC7B9}" dt="2024-06-21T15:54:23.169" v="2" actId="478"/>
-          <ac:spMkLst>
-            <pc:docMk/>
-            <pc:sldMk cId="1757090110" sldId="287"/>
-            <ac:spMk id="11" creationId="{08508D76-E113-76D2-EF15-A8745DAE3E6F}"/>
-          </ac:spMkLst>
-        </pc:spChg>
-        <pc:spChg chg="add mod">
-          <ac:chgData name="Li, Shicheng" userId="7425521c-7c11-4331-97d3-6e2702dd7f11" providerId="ADAL" clId="{7E5EB6AF-9D82-46FE-8E7A-CD8501CCC7B9}" dt="2024-07-10T21:24:13.772" v="344" actId="1076"/>
-          <ac:spMkLst>
-            <pc:docMk/>
-            <pc:sldMk cId="1757090110" sldId="287"/>
-            <ac:spMk id="12" creationId="{801E8299-3DEB-56DE-312F-0C4D185CB73F}"/>
-          </ac:spMkLst>
-        </pc:spChg>
-        <pc:spChg chg="del">
-          <ac:chgData name="Li, Shicheng" userId="7425521c-7c11-4331-97d3-6e2702dd7f11" providerId="ADAL" clId="{7E5EB6AF-9D82-46FE-8E7A-CD8501CCC7B9}" dt="2024-06-21T15:54:23.169" v="2" actId="478"/>
-          <ac:spMkLst>
-            <pc:docMk/>
-            <pc:sldMk cId="1757090110" sldId="287"/>
-            <ac:spMk id="13" creationId="{725DCD6F-0EDB-3731-6429-5116EC94C0B0}"/>
-          </ac:spMkLst>
-        </pc:spChg>
-        <pc:spChg chg="del">
-          <ac:chgData name="Li, Shicheng" userId="7425521c-7c11-4331-97d3-6e2702dd7f11" providerId="ADAL" clId="{7E5EB6AF-9D82-46FE-8E7A-CD8501CCC7B9}" dt="2024-06-21T15:54:23.169" v="2" actId="478"/>
-          <ac:spMkLst>
-            <pc:docMk/>
-            <pc:sldMk cId="1757090110" sldId="287"/>
-            <ac:spMk id="15" creationId="{78F7B72D-7C37-98E9-ADB9-976EDA02F537}"/>
-          </ac:spMkLst>
-        </pc:spChg>
-        <pc:spChg chg="del">
-          <ac:chgData name="Li, Shicheng" userId="7425521c-7c11-4331-97d3-6e2702dd7f11" providerId="ADAL" clId="{7E5EB6AF-9D82-46FE-8E7A-CD8501CCC7B9}" dt="2024-06-21T15:54:23.169" v="2" actId="478"/>
-          <ac:spMkLst>
-            <pc:docMk/>
-            <pc:sldMk cId="1757090110" sldId="287"/>
-            <ac:spMk id="16" creationId="{F4603546-65C2-68D6-FC8C-01EBB9A6E4A7}"/>
-          </ac:spMkLst>
-        </pc:spChg>
-        <pc:spChg chg="del">
-          <ac:chgData name="Li, Shicheng" userId="7425521c-7c11-4331-97d3-6e2702dd7f11" providerId="ADAL" clId="{7E5EB6AF-9D82-46FE-8E7A-CD8501CCC7B9}" dt="2024-06-21T15:54:23.169" v="2" actId="478"/>
-          <ac:spMkLst>
-            <pc:docMk/>
-            <pc:sldMk cId="1757090110" sldId="287"/>
-            <ac:spMk id="17" creationId="{2D9E12B3-90FE-620D-589F-21D0C341ED8B}"/>
-          </ac:spMkLst>
-        </pc:spChg>
-        <pc:spChg chg="del">
-          <ac:chgData name="Li, Shicheng" userId="7425521c-7c11-4331-97d3-6e2702dd7f11" providerId="ADAL" clId="{7E5EB6AF-9D82-46FE-8E7A-CD8501CCC7B9}" dt="2024-06-21T15:54:23.169" v="2" actId="478"/>
-          <ac:spMkLst>
-            <pc:docMk/>
-            <pc:sldMk cId="1757090110" sldId="287"/>
-            <ac:spMk id="18" creationId="{C2AEB075-1EFB-F925-9081-55E8C1A7EFCF}"/>
-          </ac:spMkLst>
-        </pc:spChg>
-        <pc:spChg chg="del">
-          <ac:chgData name="Li, Shicheng" userId="7425521c-7c11-4331-97d3-6e2702dd7f11" providerId="ADAL" clId="{7E5EB6AF-9D82-46FE-8E7A-CD8501CCC7B9}" dt="2024-06-21T15:54:23.169" v="2" actId="478"/>
-          <ac:spMkLst>
-            <pc:docMk/>
-            <pc:sldMk cId="1757090110" sldId="287"/>
-            <ac:spMk id="31" creationId="{FB506067-9A14-DE4E-4C1D-DD0893D41DD2}"/>
-          </ac:spMkLst>
-        </pc:spChg>
-        <pc:spChg chg="del">
-          <ac:chgData name="Li, Shicheng" userId="7425521c-7c11-4331-97d3-6e2702dd7f11" providerId="ADAL" clId="{7E5EB6AF-9D82-46FE-8E7A-CD8501CCC7B9}" dt="2024-06-21T15:54:23.169" v="2" actId="478"/>
-          <ac:spMkLst>
-            <pc:docMk/>
-            <pc:sldMk cId="1757090110" sldId="287"/>
-            <ac:spMk id="32" creationId="{1BF72CAB-EB5A-83FD-D63B-7AE6545748E7}"/>
-          </ac:spMkLst>
-        </pc:spChg>
-        <pc:spChg chg="del">
-          <ac:chgData name="Li, Shicheng" userId="7425521c-7c11-4331-97d3-6e2702dd7f11" providerId="ADAL" clId="{7E5EB6AF-9D82-46FE-8E7A-CD8501CCC7B9}" dt="2024-06-21T15:54:23.169" v="2" actId="478"/>
-          <ac:spMkLst>
-            <pc:docMk/>
-            <pc:sldMk cId="1757090110" sldId="287"/>
-            <ac:spMk id="34" creationId="{F016CAF2-6465-823C-1FC7-A6382EF8572E}"/>
-          </ac:spMkLst>
-        </pc:spChg>
-        <pc:picChg chg="add del mod">
-          <ac:chgData name="Li, Shicheng" userId="7425521c-7c11-4331-97d3-6e2702dd7f11" providerId="ADAL" clId="{7E5EB6AF-9D82-46FE-8E7A-CD8501CCC7B9}" dt="2024-07-10T21:22:33.861" v="325" actId="478"/>
-          <ac:picMkLst>
-            <pc:docMk/>
-            <pc:sldMk cId="1757090110" sldId="287"/>
-            <ac:picMk id="3" creationId="{CDE0222D-2AC4-DE35-5C8D-208EC33FAC22}"/>
-          </ac:picMkLst>
-        </pc:picChg>
-        <pc:picChg chg="add del mod modCrop">
-          <ac:chgData name="Li, Shicheng" userId="7425521c-7c11-4331-97d3-6e2702dd7f11" providerId="ADAL" clId="{7E5EB6AF-9D82-46FE-8E7A-CD8501CCC7B9}" dt="2024-07-10T21:09:17.070" v="314" actId="478"/>
-          <ac:picMkLst>
-            <pc:docMk/>
-            <pc:sldMk cId="1757090110" sldId="287"/>
-            <ac:picMk id="6" creationId="{804BC695-E51A-3BC8-6FED-39295AA93AD7}"/>
-          </ac:picMkLst>
-        </pc:picChg>
-        <pc:picChg chg="del mod modCrop">
-          <ac:chgData name="Li, Shicheng" userId="7425521c-7c11-4331-97d3-6e2702dd7f11" providerId="ADAL" clId="{7E5EB6AF-9D82-46FE-8E7A-CD8501CCC7B9}" dt="2024-06-21T15:58:27.709" v="18" actId="478"/>
-          <ac:picMkLst>
-            <pc:docMk/>
-            <pc:sldMk cId="1757090110" sldId="287"/>
-            <ac:picMk id="10" creationId="{90F64B60-B7ED-0FB1-0406-C907BF31561F}"/>
-          </ac:picMkLst>
-        </pc:picChg>
-        <pc:picChg chg="add del mod modCrop">
-          <ac:chgData name="Li, Shicheng" userId="7425521c-7c11-4331-97d3-6e2702dd7f11" providerId="ADAL" clId="{7E5EB6AF-9D82-46FE-8E7A-CD8501CCC7B9}" dt="2024-07-10T21:23:26.543" v="337" actId="478"/>
-          <ac:picMkLst>
-            <pc:docMk/>
-            <pc:sldMk cId="1757090110" sldId="287"/>
-            <ac:picMk id="10" creationId="{EB773C13-F5D8-908A-AE61-F52734C4078B}"/>
-          </ac:picMkLst>
-        </pc:picChg>
-        <pc:picChg chg="add del mod">
-          <ac:chgData name="Li, Shicheng" userId="7425521c-7c11-4331-97d3-6e2702dd7f11" providerId="ADAL" clId="{7E5EB6AF-9D82-46FE-8E7A-CD8501CCC7B9}" dt="2024-07-10T21:22:51.496" v="328" actId="478"/>
-          <ac:picMkLst>
-            <pc:docMk/>
-            <pc:sldMk cId="1757090110" sldId="287"/>
-            <ac:picMk id="13" creationId="{686BFEA6-288C-00EA-9249-0960E15D4052}"/>
-          </ac:picMkLst>
-        </pc:picChg>
-        <pc:picChg chg="add mod modCrop">
-          <ac:chgData name="Li, Shicheng" userId="7425521c-7c11-4331-97d3-6e2702dd7f11" providerId="ADAL" clId="{7E5EB6AF-9D82-46FE-8E7A-CD8501CCC7B9}" dt="2024-07-10T21:23:23.276" v="335" actId="1076"/>
-          <ac:picMkLst>
-            <pc:docMk/>
-            <pc:sldMk cId="1757090110" sldId="287"/>
-            <ac:picMk id="16" creationId="{EF036456-C98C-5BAD-8461-FAC0A84FD208}"/>
-          </ac:picMkLst>
-        </pc:picChg>
-        <pc:picChg chg="add mod modCrop">
-          <ac:chgData name="Li, Shicheng" userId="7425521c-7c11-4331-97d3-6e2702dd7f11" providerId="ADAL" clId="{7E5EB6AF-9D82-46FE-8E7A-CD8501CCC7B9}" dt="2024-07-10T21:24:06.236" v="343" actId="732"/>
-          <ac:picMkLst>
-            <pc:docMk/>
-            <pc:sldMk cId="1757090110" sldId="287"/>
-            <ac:picMk id="18" creationId="{58B1BB87-4583-917D-A786-7861202346B6}"/>
-          </ac:picMkLst>
-        </pc:picChg>
-        <pc:cxnChg chg="del mod">
-          <ac:chgData name="Li, Shicheng" userId="7425521c-7c11-4331-97d3-6e2702dd7f11" providerId="ADAL" clId="{7E5EB6AF-9D82-46FE-8E7A-CD8501CCC7B9}" dt="2024-06-21T15:54:26.742" v="3" actId="478"/>
-          <ac:cxnSpMkLst>
-            <pc:docMk/>
-            <pc:sldMk cId="1757090110" sldId="287"/>
-            <ac:cxnSpMk id="20" creationId="{5235B565-2E16-C11B-443C-D882A600D8F9}"/>
-          </ac:cxnSpMkLst>
-        </pc:cxnChg>
-        <pc:cxnChg chg="del mod">
-          <ac:chgData name="Li, Shicheng" userId="7425521c-7c11-4331-97d3-6e2702dd7f11" providerId="ADAL" clId="{7E5EB6AF-9D82-46FE-8E7A-CD8501CCC7B9}" dt="2024-06-21T15:54:26.742" v="3" actId="478"/>
-          <ac:cxnSpMkLst>
-            <pc:docMk/>
-            <pc:sldMk cId="1757090110" sldId="287"/>
-            <ac:cxnSpMk id="22" creationId="{D4243B86-FD14-8F2C-7D63-9799A564886B}"/>
-          </ac:cxnSpMkLst>
-        </pc:cxnChg>
-        <pc:cxnChg chg="del mod">
-          <ac:chgData name="Li, Shicheng" userId="7425521c-7c11-4331-97d3-6e2702dd7f11" providerId="ADAL" clId="{7E5EB6AF-9D82-46FE-8E7A-CD8501CCC7B9}" dt="2024-06-21T15:54:26.742" v="3" actId="478"/>
-          <ac:cxnSpMkLst>
-            <pc:docMk/>
-            <pc:sldMk cId="1757090110" sldId="287"/>
-            <ac:cxnSpMk id="24" creationId="{0377F051-8707-23EB-81D8-1532753598DF}"/>
-          </ac:cxnSpMkLst>
-        </pc:cxnChg>
-        <pc:cxnChg chg="del mod">
-          <ac:chgData name="Li, Shicheng" userId="7425521c-7c11-4331-97d3-6e2702dd7f11" providerId="ADAL" clId="{7E5EB6AF-9D82-46FE-8E7A-CD8501CCC7B9}" dt="2024-06-21T15:54:26.742" v="3" actId="478"/>
-          <ac:cxnSpMkLst>
-            <pc:docMk/>
-            <pc:sldMk cId="1757090110" sldId="287"/>
-            <ac:cxnSpMk id="26" creationId="{97142F32-0409-B4D1-A77D-69216E07F1B8}"/>
-          </ac:cxnSpMkLst>
-        </pc:cxnChg>
-        <pc:cxnChg chg="del mod">
-          <ac:chgData name="Li, Shicheng" userId="7425521c-7c11-4331-97d3-6e2702dd7f11" providerId="ADAL" clId="{7E5EB6AF-9D82-46FE-8E7A-CD8501CCC7B9}" dt="2024-06-21T15:54:26.742" v="3" actId="478"/>
-          <ac:cxnSpMkLst>
-            <pc:docMk/>
-            <pc:sldMk cId="1757090110" sldId="287"/>
-            <ac:cxnSpMk id="28" creationId="{35959DB3-E749-25A6-2836-2A4F4FF03D36}"/>
-          </ac:cxnSpMkLst>
-        </pc:cxnChg>
-        <pc:cxnChg chg="del mod">
-          <ac:chgData name="Li, Shicheng" userId="7425521c-7c11-4331-97d3-6e2702dd7f11" providerId="ADAL" clId="{7E5EB6AF-9D82-46FE-8E7A-CD8501CCC7B9}" dt="2024-06-21T15:54:23.169" v="2" actId="478"/>
-          <ac:cxnSpMkLst>
-            <pc:docMk/>
-            <pc:sldMk cId="1757090110" sldId="287"/>
-            <ac:cxnSpMk id="30" creationId="{2C63E6F7-2645-F26B-4983-37A6FCA55E16}"/>
-          </ac:cxnSpMkLst>
-        </pc:cxnChg>
-        <pc:cxnChg chg="del mod">
-          <ac:chgData name="Li, Shicheng" userId="7425521c-7c11-4331-97d3-6e2702dd7f11" providerId="ADAL" clId="{7E5EB6AF-9D82-46FE-8E7A-CD8501CCC7B9}" dt="2024-06-21T15:54:26.742" v="3" actId="478"/>
-          <ac:cxnSpMkLst>
-            <pc:docMk/>
-            <pc:sldMk cId="1757090110" sldId="287"/>
-            <ac:cxnSpMk id="36" creationId="{A10C6668-F9D3-8201-C41E-5D1227291A9F}"/>
-          </ac:cxnSpMkLst>
-        </pc:cxnChg>
-        <pc:cxnChg chg="del mod">
-          <ac:chgData name="Li, Shicheng" userId="7425521c-7c11-4331-97d3-6e2702dd7f11" providerId="ADAL" clId="{7E5EB6AF-9D82-46FE-8E7A-CD8501CCC7B9}" dt="2024-06-21T15:54:23.169" v="2" actId="478"/>
-          <ac:cxnSpMkLst>
-            <pc:docMk/>
-            <pc:sldMk cId="1757090110" sldId="287"/>
-            <ac:cxnSpMk id="38" creationId="{16EFBFF7-524E-6C8D-9A7C-72D7949E0C46}"/>
-          </ac:cxnSpMkLst>
-        </pc:cxnChg>
-      </pc:sldChg>
-      <pc:sldChg chg="ord modNotesTx">
-        <pc:chgData name="Li, Shicheng" userId="7425521c-7c11-4331-97d3-6e2702dd7f11" providerId="ADAL" clId="{7E5EB6AF-9D82-46FE-8E7A-CD8501CCC7B9}" dt="2024-07-10T21:32:46.839" v="489" actId="20577"/>
-        <pc:sldMkLst>
-          <pc:docMk/>
-          <pc:sldMk cId="1497024170" sldId="288"/>
-        </pc:sldMkLst>
-      </pc:sldChg>
-      <pc:sldChg chg="modSp mod modNotesTx">
-        <pc:chgData name="Li, Shicheng" userId="7425521c-7c11-4331-97d3-6e2702dd7f11" providerId="ADAL" clId="{7E5EB6AF-9D82-46FE-8E7A-CD8501CCC7B9}" dt="2024-07-08T16:22:11.041" v="239" actId="20577"/>
-        <pc:sldMkLst>
-          <pc:docMk/>
-          <pc:sldMk cId="336587402" sldId="290"/>
-        </pc:sldMkLst>
-        <pc:spChg chg="mod">
-          <ac:chgData name="Li, Shicheng" userId="7425521c-7c11-4331-97d3-6e2702dd7f11" providerId="ADAL" clId="{7E5EB6AF-9D82-46FE-8E7A-CD8501CCC7B9}" dt="2024-07-08T15:56:05.482" v="168" actId="20577"/>
-          <ac:spMkLst>
-            <pc:docMk/>
-            <pc:sldMk cId="336587402" sldId="290"/>
-            <ac:spMk id="2" creationId="{E1FB756D-EC35-B6F4-BA6A-2DB04EBBDF1B}"/>
-          </ac:spMkLst>
-        </pc:spChg>
-      </pc:sldChg>
-      <pc:sldChg chg="addSp modSp new del">
-        <pc:chgData name="Li, Shicheng" userId="7425521c-7c11-4331-97d3-6e2702dd7f11" providerId="ADAL" clId="{7E5EB6AF-9D82-46FE-8E7A-CD8501CCC7B9}" dt="2024-07-10T20:48:39.006" v="253" actId="47"/>
-        <pc:sldMkLst>
-          <pc:docMk/>
-          <pc:sldMk cId="381699891" sldId="291"/>
-        </pc:sldMkLst>
-        <pc:picChg chg="add mod">
-          <ac:chgData name="Li, Shicheng" userId="7425521c-7c11-4331-97d3-6e2702dd7f11" providerId="ADAL" clId="{7E5EB6AF-9D82-46FE-8E7A-CD8501CCC7B9}" dt="2024-07-10T20:47:40.562" v="241"/>
-          <ac:picMkLst>
-            <pc:docMk/>
-            <pc:sldMk cId="381699891" sldId="291"/>
-            <ac:picMk id="2" creationId="{F3F99D85-8467-7A48-BE93-CB524D24F734}"/>
-          </ac:picMkLst>
-        </pc:picChg>
-        <pc:picChg chg="add mod">
-          <ac:chgData name="Li, Shicheng" userId="7425521c-7c11-4331-97d3-6e2702dd7f11" providerId="ADAL" clId="{7E5EB6AF-9D82-46FE-8E7A-CD8501CCC7B9}" dt="2024-07-10T20:47:43.309" v="242"/>
-          <ac:picMkLst>
-            <pc:docMk/>
-            <pc:sldMk cId="381699891" sldId="291"/>
-            <ac:picMk id="3" creationId="{ED7C4AF5-7A7C-BCC2-AB8E-136AD896701A}"/>
-          </ac:picMkLst>
-        </pc:picChg>
-      </pc:sldChg>
-      <pc:sldChg chg="addSp delSp modSp add mod ord">
-        <pc:chgData name="Li, Shicheng" userId="7425521c-7c11-4331-97d3-6e2702dd7f11" providerId="ADAL" clId="{7E5EB6AF-9D82-46FE-8E7A-CD8501CCC7B9}" dt="2024-07-10T21:32:02.691" v="436" actId="207"/>
-        <pc:sldMkLst>
-          <pc:docMk/>
-          <pc:sldMk cId="2196169373" sldId="292"/>
-        </pc:sldMkLst>
-        <pc:spChg chg="mod">
-          <ac:chgData name="Li, Shicheng" userId="7425521c-7c11-4331-97d3-6e2702dd7f11" providerId="ADAL" clId="{7E5EB6AF-9D82-46FE-8E7A-CD8501CCC7B9}" dt="2024-07-10T21:32:02.691" v="436" actId="207"/>
-          <ac:spMkLst>
-            <pc:docMk/>
-            <pc:sldMk cId="2196169373" sldId="292"/>
-            <ac:spMk id="5" creationId="{A5A4C966-320C-39F1-540A-2B536DB93527}"/>
-          </ac:spMkLst>
-        </pc:spChg>
-        <pc:picChg chg="add mod modCrop">
-          <ac:chgData name="Li, Shicheng" userId="7425521c-7c11-4331-97d3-6e2702dd7f11" providerId="ADAL" clId="{7E5EB6AF-9D82-46FE-8E7A-CD8501CCC7B9}" dt="2024-07-10T20:49:53.091" v="265" actId="1076"/>
-          <ac:picMkLst>
-            <pc:docMk/>
-            <pc:sldMk cId="2196169373" sldId="292"/>
-            <ac:picMk id="3" creationId="{98E1F918-BF4F-80D5-7842-E75A974C6ADF}"/>
-          </ac:picMkLst>
-        </pc:picChg>
-        <pc:picChg chg="add mod modCrop">
-          <ac:chgData name="Li, Shicheng" userId="7425521c-7c11-4331-97d3-6e2702dd7f11" providerId="ADAL" clId="{7E5EB6AF-9D82-46FE-8E7A-CD8501CCC7B9}" dt="2024-07-10T20:50:12.242" v="267" actId="1076"/>
-          <ac:picMkLst>
-            <pc:docMk/>
-            <pc:sldMk cId="2196169373" sldId="292"/>
-            <ac:picMk id="4" creationId="{1E9778E0-9992-6E36-BF4A-83FA05386850}"/>
-          </ac:picMkLst>
-        </pc:picChg>
-        <pc:picChg chg="del">
-          <ac:chgData name="Li, Shicheng" userId="7425521c-7c11-4331-97d3-6e2702dd7f11" providerId="ADAL" clId="{7E5EB6AF-9D82-46FE-8E7A-CD8501CCC7B9}" dt="2024-07-10T20:48:12.042" v="246" actId="478"/>
-          <ac:picMkLst>
-            <pc:docMk/>
-            <pc:sldMk cId="2196169373" sldId="292"/>
-            <ac:picMk id="12" creationId="{BFC26830-5D1C-FDC4-8FBB-1A58D2023D63}"/>
-          </ac:picMkLst>
-        </pc:picChg>
-        <pc:picChg chg="del">
-          <ac:chgData name="Li, Shicheng" userId="7425521c-7c11-4331-97d3-6e2702dd7f11" providerId="ADAL" clId="{7E5EB6AF-9D82-46FE-8E7A-CD8501CCC7B9}" dt="2024-07-10T20:48:13.629" v="247" actId="478"/>
-          <ac:picMkLst>
-            <pc:docMk/>
-            <pc:sldMk cId="2196169373" sldId="292"/>
-            <ac:picMk id="16" creationId="{577C420E-FB7C-1386-2776-2F7467F3D5D4}"/>
-          </ac:picMkLst>
-        </pc:picChg>
-      </pc:sldChg>
-      <pc:sldChg chg="addSp delSp modSp add mod ord">
-        <pc:chgData name="Li, Shicheng" userId="7425521c-7c11-4331-97d3-6e2702dd7f11" providerId="ADAL" clId="{7E5EB6AF-9D82-46FE-8E7A-CD8501CCC7B9}" dt="2024-07-10T21:30:08.216" v="399" actId="20577"/>
-        <pc:sldMkLst>
-          <pc:docMk/>
-          <pc:sldMk cId="1728756197" sldId="293"/>
-        </pc:sldMkLst>
-        <pc:spChg chg="mod">
-          <ac:chgData name="Li, Shicheng" userId="7425521c-7c11-4331-97d3-6e2702dd7f11" providerId="ADAL" clId="{7E5EB6AF-9D82-46FE-8E7A-CD8501CCC7B9}" dt="2024-07-10T21:30:05.407" v="397" actId="20577"/>
-          <ac:spMkLst>
-            <pc:docMk/>
-            <pc:sldMk cId="1728756197" sldId="293"/>
-            <ac:spMk id="2" creationId="{001E3F70-DC66-8477-9E54-EC5216071F23}"/>
-          </ac:spMkLst>
-        </pc:spChg>
-        <pc:spChg chg="mod">
-          <ac:chgData name="Li, Shicheng" userId="7425521c-7c11-4331-97d3-6e2702dd7f11" providerId="ADAL" clId="{7E5EB6AF-9D82-46FE-8E7A-CD8501CCC7B9}" dt="2024-07-10T21:30:08.216" v="399" actId="20577"/>
-          <ac:spMkLst>
-            <pc:docMk/>
-            <pc:sldMk cId="1728756197" sldId="293"/>
-            <ac:spMk id="5" creationId="{A5A4C966-320C-39F1-540A-2B536DB93527}"/>
-          </ac:spMkLst>
-        </pc:spChg>
-        <pc:picChg chg="del">
-          <ac:chgData name="Li, Shicheng" userId="7425521c-7c11-4331-97d3-6e2702dd7f11" providerId="ADAL" clId="{7E5EB6AF-9D82-46FE-8E7A-CD8501CCC7B9}" dt="2024-07-10T20:56:47.986" v="302" actId="478"/>
-          <ac:picMkLst>
-            <pc:docMk/>
-            <pc:sldMk cId="1728756197" sldId="293"/>
-            <ac:picMk id="3" creationId="{98E1F918-BF4F-80D5-7842-E75A974C6ADF}"/>
-          </ac:picMkLst>
-        </pc:picChg>
-        <pc:picChg chg="del">
-          <ac:chgData name="Li, Shicheng" userId="7425521c-7c11-4331-97d3-6e2702dd7f11" providerId="ADAL" clId="{7E5EB6AF-9D82-46FE-8E7A-CD8501CCC7B9}" dt="2024-07-10T20:56:49.726" v="303" actId="478"/>
-          <ac:picMkLst>
-            <pc:docMk/>
-            <pc:sldMk cId="1728756197" sldId="293"/>
-            <ac:picMk id="4" creationId="{1E9778E0-9992-6E36-BF4A-83FA05386850}"/>
-          </ac:picMkLst>
-        </pc:picChg>
-        <pc:picChg chg="add mod">
-          <ac:chgData name="Li, Shicheng" userId="7425521c-7c11-4331-97d3-6e2702dd7f11" providerId="ADAL" clId="{7E5EB6AF-9D82-46FE-8E7A-CD8501CCC7B9}" dt="2024-07-10T20:59:47.699" v="312" actId="1076"/>
-          <ac:picMkLst>
-            <pc:docMk/>
-            <pc:sldMk cId="1728756197" sldId="293"/>
-            <ac:picMk id="11" creationId="{A9BC796E-449A-39D5-20A4-7EFC17C00280}"/>
-          </ac:picMkLst>
-        </pc:picChg>
-        <pc:picChg chg="add mod">
-          <ac:chgData name="Li, Shicheng" userId="7425521c-7c11-4331-97d3-6e2702dd7f11" providerId="ADAL" clId="{7E5EB6AF-9D82-46FE-8E7A-CD8501CCC7B9}" dt="2024-07-10T20:59:56.819" v="313" actId="1076"/>
-          <ac:picMkLst>
-            <pc:docMk/>
-            <pc:sldMk cId="1728756197" sldId="293"/>
-            <ac:picMk id="13" creationId="{E234E97E-6903-2FF7-D322-05296D387280}"/>
-          </ac:picMkLst>
-        </pc:picChg>
-      </pc:sldChg>
-    </pc:docChg>
-  </pc:docChgLst>
   <pc:docChgLst>
     <pc:chgData name="Li, Shicheng" userId="7425521c-7c11-4331-97d3-6e2702dd7f11" providerId="ADAL" clId="{C8EB9581-3A01-49CB-991F-1FA336667468}"/>
     <pc:docChg chg="undo custSel addSld delSld modSld sldOrd">
@@ -1207,26 +563,638 @@
     </pc:docChg>
   </pc:docChgLst>
   <pc:docChgLst>
-    <pc:chgData name="Li, Shicheng" userId="7425521c-7c11-4331-97d3-6e2702dd7f11" providerId="ADAL" clId="{620F86FA-1D84-4EFC-8EE5-817A9E04ED9D}"/>
-    <pc:docChg chg="modSld">
-      <pc:chgData name="Li, Shicheng" userId="7425521c-7c11-4331-97d3-6e2702dd7f11" providerId="ADAL" clId="{620F86FA-1D84-4EFC-8EE5-817A9E04ED9D}" dt="2024-07-11T18:20:38.152" v="14" actId="20577"/>
+    <pc:chgData name="Li, Shicheng" userId="7425521c-7c11-4331-97d3-6e2702dd7f11" providerId="ADAL" clId="{7E5EB6AF-9D82-46FE-8E7A-CD8501CCC7B9}"/>
+    <pc:docChg chg="undo custSel addSld delSld modSld sldOrd">
+      <pc:chgData name="Li, Shicheng" userId="7425521c-7c11-4331-97d3-6e2702dd7f11" providerId="ADAL" clId="{7E5EB6AF-9D82-46FE-8E7A-CD8501CCC7B9}" dt="2024-07-10T21:32:46.839" v="489" actId="20577"/>
       <pc:docMkLst>
         <pc:docMk/>
       </pc:docMkLst>
       <pc:sldChg chg="modSp mod">
-        <pc:chgData name="Li, Shicheng" userId="7425521c-7c11-4331-97d3-6e2702dd7f11" providerId="ADAL" clId="{620F86FA-1D84-4EFC-8EE5-817A9E04ED9D}" dt="2024-07-11T18:20:38.152" v="14" actId="20577"/>
+        <pc:chgData name="Li, Shicheng" userId="7425521c-7c11-4331-97d3-6e2702dd7f11" providerId="ADAL" clId="{7E5EB6AF-9D82-46FE-8E7A-CD8501CCC7B9}" dt="2024-06-21T16:02:30.772" v="42" actId="732"/>
+        <pc:sldMkLst>
+          <pc:docMk/>
+          <pc:sldMk cId="3626113393" sldId="278"/>
+        </pc:sldMkLst>
+        <pc:picChg chg="mod modCrop">
+          <ac:chgData name="Li, Shicheng" userId="7425521c-7c11-4331-97d3-6e2702dd7f11" providerId="ADAL" clId="{7E5EB6AF-9D82-46FE-8E7A-CD8501CCC7B9}" dt="2024-06-21T16:02:30.772" v="42" actId="732"/>
+          <ac:picMkLst>
+            <pc:docMk/>
+            <pc:sldMk cId="3626113393" sldId="278"/>
+            <ac:picMk id="10" creationId="{90F64B60-B7ED-0FB1-0406-C907BF31561F}"/>
+          </ac:picMkLst>
+        </pc:picChg>
+      </pc:sldChg>
+      <pc:sldChg chg="modSp mod">
+        <pc:chgData name="Li, Shicheng" userId="7425521c-7c11-4331-97d3-6e2702dd7f11" providerId="ADAL" clId="{7E5EB6AF-9D82-46FE-8E7A-CD8501CCC7B9}" dt="2024-07-10T21:30:19.986" v="409" actId="20577"/>
+        <pc:sldMkLst>
+          <pc:docMk/>
+          <pc:sldMk cId="782779783" sldId="280"/>
+        </pc:sldMkLst>
+        <pc:spChg chg="mod">
+          <ac:chgData name="Li, Shicheng" userId="7425521c-7c11-4331-97d3-6e2702dd7f11" providerId="ADAL" clId="{7E5EB6AF-9D82-46FE-8E7A-CD8501CCC7B9}" dt="2024-07-10T21:30:11.681" v="401" actId="20577"/>
+          <ac:spMkLst>
+            <pc:docMk/>
+            <pc:sldMk cId="782779783" sldId="280"/>
+            <ac:spMk id="2" creationId="{001E3F70-DC66-8477-9E54-EC5216071F23}"/>
+          </ac:spMkLst>
+        </pc:spChg>
+        <pc:spChg chg="mod">
+          <ac:chgData name="Li, Shicheng" userId="7425521c-7c11-4331-97d3-6e2702dd7f11" providerId="ADAL" clId="{7E5EB6AF-9D82-46FE-8E7A-CD8501CCC7B9}" dt="2024-07-10T21:30:19.986" v="409" actId="20577"/>
+          <ac:spMkLst>
+            <pc:docMk/>
+            <pc:sldMk cId="782779783" sldId="280"/>
+            <ac:spMk id="5" creationId="{9CB0378C-DD29-230A-C449-BB7B8680D2BA}"/>
+          </ac:spMkLst>
+        </pc:spChg>
+        <pc:picChg chg="mod modCrop">
+          <ac:chgData name="Li, Shicheng" userId="7425521c-7c11-4331-97d3-6e2702dd7f11" providerId="ADAL" clId="{7E5EB6AF-9D82-46FE-8E7A-CD8501CCC7B9}" dt="2024-06-21T16:06:54.580" v="46" actId="732"/>
+          <ac:picMkLst>
+            <pc:docMk/>
+            <pc:sldMk cId="782779783" sldId="280"/>
+            <ac:picMk id="10" creationId="{069962A3-6AAD-3706-94B6-CBF715DCF8EE}"/>
+          </ac:picMkLst>
+        </pc:picChg>
+      </pc:sldChg>
+      <pc:sldChg chg="modSp mod">
+        <pc:chgData name="Li, Shicheng" userId="7425521c-7c11-4331-97d3-6e2702dd7f11" providerId="ADAL" clId="{7E5EB6AF-9D82-46FE-8E7A-CD8501CCC7B9}" dt="2024-07-10T21:30:23.590" v="411" actId="20577"/>
+        <pc:sldMkLst>
+          <pc:docMk/>
+          <pc:sldMk cId="1297170163" sldId="282"/>
+        </pc:sldMkLst>
+        <pc:spChg chg="mod">
+          <ac:chgData name="Li, Shicheng" userId="7425521c-7c11-4331-97d3-6e2702dd7f11" providerId="ADAL" clId="{7E5EB6AF-9D82-46FE-8E7A-CD8501CCC7B9}" dt="2024-07-10T21:30:16.673" v="407" actId="20577"/>
+          <ac:spMkLst>
+            <pc:docMk/>
+            <pc:sldMk cId="1297170163" sldId="282"/>
+            <ac:spMk id="2" creationId="{001E3F70-DC66-8477-9E54-EC5216071F23}"/>
+          </ac:spMkLst>
+        </pc:spChg>
+        <pc:spChg chg="mod">
+          <ac:chgData name="Li, Shicheng" userId="7425521c-7c11-4331-97d3-6e2702dd7f11" providerId="ADAL" clId="{7E5EB6AF-9D82-46FE-8E7A-CD8501CCC7B9}" dt="2024-07-10T21:30:23.590" v="411" actId="20577"/>
+          <ac:spMkLst>
+            <pc:docMk/>
+            <pc:sldMk cId="1297170163" sldId="282"/>
+            <ac:spMk id="5" creationId="{FFF631A5-928D-717A-31FC-A6D481BCD3BE}"/>
+          </ac:spMkLst>
+        </pc:spChg>
+        <pc:picChg chg="mod modCrop">
+          <ac:chgData name="Li, Shicheng" userId="7425521c-7c11-4331-97d3-6e2702dd7f11" providerId="ADAL" clId="{7E5EB6AF-9D82-46FE-8E7A-CD8501CCC7B9}" dt="2024-06-21T16:08:23.342" v="50" actId="732"/>
+          <ac:picMkLst>
+            <pc:docMk/>
+            <pc:sldMk cId="1297170163" sldId="282"/>
+            <ac:picMk id="4" creationId="{3E781395-7C43-1DD7-1B92-27E7D394CE4B}"/>
+          </ac:picMkLst>
+        </pc:picChg>
+      </pc:sldChg>
+      <pc:sldChg chg="modSp mod">
+        <pc:chgData name="Li, Shicheng" userId="7425521c-7c11-4331-97d3-6e2702dd7f11" providerId="ADAL" clId="{7E5EB6AF-9D82-46FE-8E7A-CD8501CCC7B9}" dt="2024-07-10T21:30:29.686" v="415" actId="20577"/>
+        <pc:sldMkLst>
+          <pc:docMk/>
+          <pc:sldMk cId="3185644417" sldId="283"/>
+        </pc:sldMkLst>
+        <pc:spChg chg="mod">
+          <ac:chgData name="Li, Shicheng" userId="7425521c-7c11-4331-97d3-6e2702dd7f11" providerId="ADAL" clId="{7E5EB6AF-9D82-46FE-8E7A-CD8501CCC7B9}" dt="2024-07-10T21:30:26.902" v="413" actId="20577"/>
+          <ac:spMkLst>
+            <pc:docMk/>
+            <pc:sldMk cId="3185644417" sldId="283"/>
+            <ac:spMk id="2" creationId="{001E3F70-DC66-8477-9E54-EC5216071F23}"/>
+          </ac:spMkLst>
+        </pc:spChg>
+        <pc:spChg chg="mod">
+          <ac:chgData name="Li, Shicheng" userId="7425521c-7c11-4331-97d3-6e2702dd7f11" providerId="ADAL" clId="{7E5EB6AF-9D82-46FE-8E7A-CD8501CCC7B9}" dt="2024-07-10T21:30:29.686" v="415" actId="20577"/>
+          <ac:spMkLst>
+            <pc:docMk/>
+            <pc:sldMk cId="3185644417" sldId="283"/>
+            <ac:spMk id="4" creationId="{5877D320-11AB-7BBD-A56A-22BF38E4928E}"/>
+          </ac:spMkLst>
+        </pc:spChg>
+        <pc:picChg chg="mod modCrop">
+          <ac:chgData name="Li, Shicheng" userId="7425521c-7c11-4331-97d3-6e2702dd7f11" providerId="ADAL" clId="{7E5EB6AF-9D82-46FE-8E7A-CD8501CCC7B9}" dt="2024-06-21T16:09:43.211" v="54" actId="732"/>
+          <ac:picMkLst>
+            <pc:docMk/>
+            <pc:sldMk cId="3185644417" sldId="283"/>
+            <ac:picMk id="3" creationId="{6EA4C9B3-D6D2-C7BD-BDF7-8434B34B5FA0}"/>
+          </ac:picMkLst>
+        </pc:picChg>
+      </pc:sldChg>
+      <pc:sldChg chg="modSp mod">
+        <pc:chgData name="Li, Shicheng" userId="7425521c-7c11-4331-97d3-6e2702dd7f11" providerId="ADAL" clId="{7E5EB6AF-9D82-46FE-8E7A-CD8501CCC7B9}" dt="2024-07-10T21:31:48.870" v="435" actId="20577"/>
+        <pc:sldMkLst>
+          <pc:docMk/>
+          <pc:sldMk cId="1472280000" sldId="284"/>
+        </pc:sldMkLst>
+        <pc:spChg chg="mod">
+          <ac:chgData name="Li, Shicheng" userId="7425521c-7c11-4331-97d3-6e2702dd7f11" providerId="ADAL" clId="{7E5EB6AF-9D82-46FE-8E7A-CD8501CCC7B9}" dt="2024-07-10T21:31:36.765" v="429" actId="20577"/>
+          <ac:spMkLst>
+            <pc:docMk/>
+            <pc:sldMk cId="1472280000" sldId="284"/>
+            <ac:spMk id="2" creationId="{001E3F70-DC66-8477-9E54-EC5216071F23}"/>
+          </ac:spMkLst>
+        </pc:spChg>
+        <pc:spChg chg="mod">
+          <ac:chgData name="Li, Shicheng" userId="7425521c-7c11-4331-97d3-6e2702dd7f11" providerId="ADAL" clId="{7E5EB6AF-9D82-46FE-8E7A-CD8501CCC7B9}" dt="2024-07-10T21:31:48.870" v="435" actId="20577"/>
+          <ac:spMkLst>
+            <pc:docMk/>
+            <pc:sldMk cId="1472280000" sldId="284"/>
+            <ac:spMk id="5" creationId="{A5A4C966-320C-39F1-540A-2B536DB93527}"/>
+          </ac:spMkLst>
+        </pc:spChg>
+        <pc:picChg chg="mod modCrop">
+          <ac:chgData name="Li, Shicheng" userId="7425521c-7c11-4331-97d3-6e2702dd7f11" providerId="ADAL" clId="{7E5EB6AF-9D82-46FE-8E7A-CD8501CCC7B9}" dt="2024-06-21T16:10:40.601" v="58" actId="732"/>
+          <ac:picMkLst>
+            <pc:docMk/>
+            <pc:sldMk cId="1472280000" sldId="284"/>
+            <ac:picMk id="9" creationId="{8D5565DE-F182-E0B9-7A45-DF1E0B4625CE}"/>
+          </ac:picMkLst>
+        </pc:picChg>
+      </pc:sldChg>
+      <pc:sldChg chg="modSp mod">
+        <pc:chgData name="Li, Shicheng" userId="7425521c-7c11-4331-97d3-6e2702dd7f11" providerId="ADAL" clId="{7E5EB6AF-9D82-46FE-8E7A-CD8501CCC7B9}" dt="2024-06-21T16:12:18.373" v="83" actId="1076"/>
+        <pc:sldMkLst>
+          <pc:docMk/>
+          <pc:sldMk cId="4049957910" sldId="285"/>
+        </pc:sldMkLst>
+        <pc:spChg chg="mod">
+          <ac:chgData name="Li, Shicheng" userId="7425521c-7c11-4331-97d3-6e2702dd7f11" providerId="ADAL" clId="{7E5EB6AF-9D82-46FE-8E7A-CD8501CCC7B9}" dt="2024-06-21T16:12:18.373" v="83" actId="1076"/>
+          <ac:spMkLst>
+            <pc:docMk/>
+            <pc:sldMk cId="4049957910" sldId="285"/>
+            <ac:spMk id="5" creationId="{A5A4C966-320C-39F1-540A-2B536DB93527}"/>
+          </ac:spMkLst>
+        </pc:spChg>
+        <pc:spChg chg="mod">
+          <ac:chgData name="Li, Shicheng" userId="7425521c-7c11-4331-97d3-6e2702dd7f11" providerId="ADAL" clId="{7E5EB6AF-9D82-46FE-8E7A-CD8501CCC7B9}" dt="2024-06-21T16:11:48.772" v="81" actId="1037"/>
+          <ac:spMkLst>
+            <pc:docMk/>
+            <pc:sldMk cId="4049957910" sldId="285"/>
+            <ac:spMk id="9" creationId="{192A58D3-225A-6D78-8DC3-BCA59DF61911}"/>
+          </ac:spMkLst>
+        </pc:spChg>
+        <pc:picChg chg="mod">
+          <ac:chgData name="Li, Shicheng" userId="7425521c-7c11-4331-97d3-6e2702dd7f11" providerId="ADAL" clId="{7E5EB6AF-9D82-46FE-8E7A-CD8501CCC7B9}" dt="2024-06-21T16:11:48.772" v="81" actId="1037"/>
+          <ac:picMkLst>
+            <pc:docMk/>
+            <pc:sldMk cId="4049957910" sldId="285"/>
+            <ac:picMk id="13" creationId="{8CDE5DBB-2338-5ED8-490A-EB62B456559C}"/>
+          </ac:picMkLst>
+        </pc:picChg>
+      </pc:sldChg>
+      <pc:sldChg chg="addSp modSp mod ord">
+        <pc:chgData name="Li, Shicheng" userId="7425521c-7c11-4331-97d3-6e2702dd7f11" providerId="ADAL" clId="{7E5EB6AF-9D82-46FE-8E7A-CD8501CCC7B9}" dt="2024-07-10T21:31:44.195" v="433" actId="20577"/>
+        <pc:sldMkLst>
+          <pc:docMk/>
+          <pc:sldMk cId="1861708718" sldId="286"/>
+        </pc:sldMkLst>
+        <pc:spChg chg="mod">
+          <ac:chgData name="Li, Shicheng" userId="7425521c-7c11-4331-97d3-6e2702dd7f11" providerId="ADAL" clId="{7E5EB6AF-9D82-46FE-8E7A-CD8501CCC7B9}" dt="2024-07-10T21:31:40.363" v="431" actId="20577"/>
+          <ac:spMkLst>
+            <pc:docMk/>
+            <pc:sldMk cId="1861708718" sldId="286"/>
+            <ac:spMk id="2" creationId="{001E3F70-DC66-8477-9E54-EC5216071F23}"/>
+          </ac:spMkLst>
+        </pc:spChg>
+        <pc:spChg chg="mod">
+          <ac:chgData name="Li, Shicheng" userId="7425521c-7c11-4331-97d3-6e2702dd7f11" providerId="ADAL" clId="{7E5EB6AF-9D82-46FE-8E7A-CD8501CCC7B9}" dt="2024-07-10T21:31:44.195" v="433" actId="20577"/>
+          <ac:spMkLst>
+            <pc:docMk/>
+            <pc:sldMk cId="1861708718" sldId="286"/>
+            <ac:spMk id="5" creationId="{A5A4C966-320C-39F1-540A-2B536DB93527}"/>
+          </ac:spMkLst>
+        </pc:spChg>
+        <pc:spChg chg="mod">
+          <ac:chgData name="Li, Shicheng" userId="7425521c-7c11-4331-97d3-6e2702dd7f11" providerId="ADAL" clId="{7E5EB6AF-9D82-46FE-8E7A-CD8501CCC7B9}" dt="2024-06-21T16:13:17.428" v="133" actId="1076"/>
+          <ac:spMkLst>
+            <pc:docMk/>
+            <pc:sldMk cId="1861708718" sldId="286"/>
+            <ac:spMk id="6" creationId="{08BA8A82-3711-BB3A-7E47-FF6E57E2D43A}"/>
+          </ac:spMkLst>
+        </pc:spChg>
+        <pc:spChg chg="mod">
+          <ac:chgData name="Li, Shicheng" userId="7425521c-7c11-4331-97d3-6e2702dd7f11" providerId="ADAL" clId="{7E5EB6AF-9D82-46FE-8E7A-CD8501CCC7B9}" dt="2024-06-21T16:13:06.267" v="132" actId="1037"/>
+          <ac:spMkLst>
+            <pc:docMk/>
+            <pc:sldMk cId="1861708718" sldId="286"/>
+            <ac:spMk id="9" creationId="{192A58D3-225A-6D78-8DC3-BCA59DF61911}"/>
+          </ac:spMkLst>
+        </pc:spChg>
+        <pc:spChg chg="add mod">
+          <ac:chgData name="Li, Shicheng" userId="7425521c-7c11-4331-97d3-6e2702dd7f11" providerId="ADAL" clId="{7E5EB6AF-9D82-46FE-8E7A-CD8501CCC7B9}" dt="2024-06-21T16:12:49.027" v="87" actId="571"/>
+          <ac:spMkLst>
+            <pc:docMk/>
+            <pc:sldMk cId="1861708718" sldId="286"/>
+            <ac:spMk id="10" creationId="{BDA96BF5-5461-7CAC-81DF-7977C388162E}"/>
+          </ac:spMkLst>
+        </pc:spChg>
+        <pc:spChg chg="mod">
+          <ac:chgData name="Li, Shicheng" userId="7425521c-7c11-4331-97d3-6e2702dd7f11" providerId="ADAL" clId="{7E5EB6AF-9D82-46FE-8E7A-CD8501CCC7B9}" dt="2024-06-21T16:13:23.382" v="134" actId="1076"/>
+          <ac:spMkLst>
+            <pc:docMk/>
+            <pc:sldMk cId="1861708718" sldId="286"/>
+            <ac:spMk id="19" creationId="{4FA26463-215F-AF9C-52BB-B2FB58C6E25E}"/>
+          </ac:spMkLst>
+        </pc:spChg>
+        <pc:spChg chg="mod">
+          <ac:chgData name="Li, Shicheng" userId="7425521c-7c11-4331-97d3-6e2702dd7f11" providerId="ADAL" clId="{7E5EB6AF-9D82-46FE-8E7A-CD8501CCC7B9}" dt="2024-06-21T16:13:06.267" v="132" actId="1037"/>
+          <ac:spMkLst>
+            <pc:docMk/>
+            <pc:sldMk cId="1861708718" sldId="286"/>
+            <ac:spMk id="20" creationId="{DBFCCB08-C436-2B4D-E952-2F710E47C66A}"/>
+          </ac:spMkLst>
+        </pc:spChg>
+        <pc:picChg chg="add mod">
+          <ac:chgData name="Li, Shicheng" userId="7425521c-7c11-4331-97d3-6e2702dd7f11" providerId="ADAL" clId="{7E5EB6AF-9D82-46FE-8E7A-CD8501CCC7B9}" dt="2024-06-21T16:12:44.920" v="85" actId="571"/>
+          <ac:picMkLst>
+            <pc:docMk/>
+            <pc:sldMk cId="1861708718" sldId="286"/>
+            <ac:picMk id="3" creationId="{E1C69898-C324-FB2F-C856-5CCF78739D57}"/>
+          </ac:picMkLst>
+        </pc:picChg>
+        <pc:picChg chg="mod">
+          <ac:chgData name="Li, Shicheng" userId="7425521c-7c11-4331-97d3-6e2702dd7f11" providerId="ADAL" clId="{7E5EB6AF-9D82-46FE-8E7A-CD8501CCC7B9}" dt="2024-06-21T16:13:06.267" v="132" actId="1037"/>
+          <ac:picMkLst>
+            <pc:docMk/>
+            <pc:sldMk cId="1861708718" sldId="286"/>
+            <ac:picMk id="16" creationId="{3F7BF0D1-F45F-FE7B-B525-DD22CE195DDD}"/>
+          </ac:picMkLst>
+        </pc:picChg>
+        <pc:picChg chg="mod">
+          <ac:chgData name="Li, Shicheng" userId="7425521c-7c11-4331-97d3-6e2702dd7f11" providerId="ADAL" clId="{7E5EB6AF-9D82-46FE-8E7A-CD8501CCC7B9}" dt="2024-06-21T16:13:06.267" v="132" actId="1037"/>
+          <ac:picMkLst>
+            <pc:docMk/>
+            <pc:sldMk cId="1861708718" sldId="286"/>
+            <ac:picMk id="18" creationId="{AC859D17-420E-3C2D-CDAC-51C89CC42EC6}"/>
+          </ac:picMkLst>
+        </pc:picChg>
+      </pc:sldChg>
+      <pc:sldChg chg="addSp delSp modSp add mod modNotesTx">
+        <pc:chgData name="Li, Shicheng" userId="7425521c-7c11-4331-97d3-6e2702dd7f11" providerId="ADAL" clId="{7E5EB6AF-9D82-46FE-8E7A-CD8501CCC7B9}" dt="2024-07-10T21:24:35.079" v="345" actId="20577"/>
+        <pc:sldMkLst>
+          <pc:docMk/>
+          <pc:sldMk cId="1757090110" sldId="287"/>
+        </pc:sldMkLst>
+        <pc:spChg chg="mod">
+          <ac:chgData name="Li, Shicheng" userId="7425521c-7c11-4331-97d3-6e2702dd7f11" providerId="ADAL" clId="{7E5EB6AF-9D82-46FE-8E7A-CD8501CCC7B9}" dt="2024-07-10T21:24:35.079" v="345" actId="20577"/>
+          <ac:spMkLst>
+            <pc:docMk/>
+            <pc:sldMk cId="1757090110" sldId="287"/>
+            <ac:spMk id="4" creationId="{B791E31B-51C9-ED56-F00E-638B69F194E5}"/>
+          </ac:spMkLst>
+        </pc:spChg>
+        <pc:spChg chg="add mod">
+          <ac:chgData name="Li, Shicheng" userId="7425521c-7c11-4331-97d3-6e2702dd7f11" providerId="ADAL" clId="{7E5EB6AF-9D82-46FE-8E7A-CD8501CCC7B9}" dt="2024-06-21T15:59:33.721" v="34" actId="113"/>
+          <ac:spMkLst>
+            <pc:docMk/>
+            <pc:sldMk cId="1757090110" sldId="287"/>
+            <ac:spMk id="9" creationId="{2518E67D-76F0-BC51-68EE-839A05337919}"/>
+          </ac:spMkLst>
+        </pc:spChg>
+        <pc:spChg chg="del">
+          <ac:chgData name="Li, Shicheng" userId="7425521c-7c11-4331-97d3-6e2702dd7f11" providerId="ADAL" clId="{7E5EB6AF-9D82-46FE-8E7A-CD8501CCC7B9}" dt="2024-06-21T15:54:23.169" v="2" actId="478"/>
+          <ac:spMkLst>
+            <pc:docMk/>
+            <pc:sldMk cId="1757090110" sldId="287"/>
+            <ac:spMk id="11" creationId="{08508D76-E113-76D2-EF15-A8745DAE3E6F}"/>
+          </ac:spMkLst>
+        </pc:spChg>
+        <pc:spChg chg="add mod">
+          <ac:chgData name="Li, Shicheng" userId="7425521c-7c11-4331-97d3-6e2702dd7f11" providerId="ADAL" clId="{7E5EB6AF-9D82-46FE-8E7A-CD8501CCC7B9}" dt="2024-07-10T21:24:13.772" v="344" actId="1076"/>
+          <ac:spMkLst>
+            <pc:docMk/>
+            <pc:sldMk cId="1757090110" sldId="287"/>
+            <ac:spMk id="12" creationId="{801E8299-3DEB-56DE-312F-0C4D185CB73F}"/>
+          </ac:spMkLst>
+        </pc:spChg>
+        <pc:spChg chg="del">
+          <ac:chgData name="Li, Shicheng" userId="7425521c-7c11-4331-97d3-6e2702dd7f11" providerId="ADAL" clId="{7E5EB6AF-9D82-46FE-8E7A-CD8501CCC7B9}" dt="2024-06-21T15:54:23.169" v="2" actId="478"/>
+          <ac:spMkLst>
+            <pc:docMk/>
+            <pc:sldMk cId="1757090110" sldId="287"/>
+            <ac:spMk id="13" creationId="{725DCD6F-0EDB-3731-6429-5116EC94C0B0}"/>
+          </ac:spMkLst>
+        </pc:spChg>
+        <pc:spChg chg="del">
+          <ac:chgData name="Li, Shicheng" userId="7425521c-7c11-4331-97d3-6e2702dd7f11" providerId="ADAL" clId="{7E5EB6AF-9D82-46FE-8E7A-CD8501CCC7B9}" dt="2024-06-21T15:54:23.169" v="2" actId="478"/>
+          <ac:spMkLst>
+            <pc:docMk/>
+            <pc:sldMk cId="1757090110" sldId="287"/>
+            <ac:spMk id="15" creationId="{78F7B72D-7C37-98E9-ADB9-976EDA02F537}"/>
+          </ac:spMkLst>
+        </pc:spChg>
+        <pc:spChg chg="del">
+          <ac:chgData name="Li, Shicheng" userId="7425521c-7c11-4331-97d3-6e2702dd7f11" providerId="ADAL" clId="{7E5EB6AF-9D82-46FE-8E7A-CD8501CCC7B9}" dt="2024-06-21T15:54:23.169" v="2" actId="478"/>
+          <ac:spMkLst>
+            <pc:docMk/>
+            <pc:sldMk cId="1757090110" sldId="287"/>
+            <ac:spMk id="16" creationId="{F4603546-65C2-68D6-FC8C-01EBB9A6E4A7}"/>
+          </ac:spMkLst>
+        </pc:spChg>
+        <pc:spChg chg="del">
+          <ac:chgData name="Li, Shicheng" userId="7425521c-7c11-4331-97d3-6e2702dd7f11" providerId="ADAL" clId="{7E5EB6AF-9D82-46FE-8E7A-CD8501CCC7B9}" dt="2024-06-21T15:54:23.169" v="2" actId="478"/>
+          <ac:spMkLst>
+            <pc:docMk/>
+            <pc:sldMk cId="1757090110" sldId="287"/>
+            <ac:spMk id="17" creationId="{2D9E12B3-90FE-620D-589F-21D0C341ED8B}"/>
+          </ac:spMkLst>
+        </pc:spChg>
+        <pc:spChg chg="del">
+          <ac:chgData name="Li, Shicheng" userId="7425521c-7c11-4331-97d3-6e2702dd7f11" providerId="ADAL" clId="{7E5EB6AF-9D82-46FE-8E7A-CD8501CCC7B9}" dt="2024-06-21T15:54:23.169" v="2" actId="478"/>
+          <ac:spMkLst>
+            <pc:docMk/>
+            <pc:sldMk cId="1757090110" sldId="287"/>
+            <ac:spMk id="18" creationId="{C2AEB075-1EFB-F925-9081-55E8C1A7EFCF}"/>
+          </ac:spMkLst>
+        </pc:spChg>
+        <pc:spChg chg="del">
+          <ac:chgData name="Li, Shicheng" userId="7425521c-7c11-4331-97d3-6e2702dd7f11" providerId="ADAL" clId="{7E5EB6AF-9D82-46FE-8E7A-CD8501CCC7B9}" dt="2024-06-21T15:54:23.169" v="2" actId="478"/>
+          <ac:spMkLst>
+            <pc:docMk/>
+            <pc:sldMk cId="1757090110" sldId="287"/>
+            <ac:spMk id="31" creationId="{FB506067-9A14-DE4E-4C1D-DD0893D41DD2}"/>
+          </ac:spMkLst>
+        </pc:spChg>
+        <pc:spChg chg="del">
+          <ac:chgData name="Li, Shicheng" userId="7425521c-7c11-4331-97d3-6e2702dd7f11" providerId="ADAL" clId="{7E5EB6AF-9D82-46FE-8E7A-CD8501CCC7B9}" dt="2024-06-21T15:54:23.169" v="2" actId="478"/>
+          <ac:spMkLst>
+            <pc:docMk/>
+            <pc:sldMk cId="1757090110" sldId="287"/>
+            <ac:spMk id="32" creationId="{1BF72CAB-EB5A-83FD-D63B-7AE6545748E7}"/>
+          </ac:spMkLst>
+        </pc:spChg>
+        <pc:spChg chg="del">
+          <ac:chgData name="Li, Shicheng" userId="7425521c-7c11-4331-97d3-6e2702dd7f11" providerId="ADAL" clId="{7E5EB6AF-9D82-46FE-8E7A-CD8501CCC7B9}" dt="2024-06-21T15:54:23.169" v="2" actId="478"/>
+          <ac:spMkLst>
+            <pc:docMk/>
+            <pc:sldMk cId="1757090110" sldId="287"/>
+            <ac:spMk id="34" creationId="{F016CAF2-6465-823C-1FC7-A6382EF8572E}"/>
+          </ac:spMkLst>
+        </pc:spChg>
+        <pc:picChg chg="add del mod">
+          <ac:chgData name="Li, Shicheng" userId="7425521c-7c11-4331-97d3-6e2702dd7f11" providerId="ADAL" clId="{7E5EB6AF-9D82-46FE-8E7A-CD8501CCC7B9}" dt="2024-07-10T21:22:33.861" v="325" actId="478"/>
+          <ac:picMkLst>
+            <pc:docMk/>
+            <pc:sldMk cId="1757090110" sldId="287"/>
+            <ac:picMk id="3" creationId="{CDE0222D-2AC4-DE35-5C8D-208EC33FAC22}"/>
+          </ac:picMkLst>
+        </pc:picChg>
+        <pc:picChg chg="add del mod modCrop">
+          <ac:chgData name="Li, Shicheng" userId="7425521c-7c11-4331-97d3-6e2702dd7f11" providerId="ADAL" clId="{7E5EB6AF-9D82-46FE-8E7A-CD8501CCC7B9}" dt="2024-07-10T21:09:17.070" v="314" actId="478"/>
+          <ac:picMkLst>
+            <pc:docMk/>
+            <pc:sldMk cId="1757090110" sldId="287"/>
+            <ac:picMk id="6" creationId="{804BC695-E51A-3BC8-6FED-39295AA93AD7}"/>
+          </ac:picMkLst>
+        </pc:picChg>
+        <pc:picChg chg="del mod modCrop">
+          <ac:chgData name="Li, Shicheng" userId="7425521c-7c11-4331-97d3-6e2702dd7f11" providerId="ADAL" clId="{7E5EB6AF-9D82-46FE-8E7A-CD8501CCC7B9}" dt="2024-06-21T15:58:27.709" v="18" actId="478"/>
+          <ac:picMkLst>
+            <pc:docMk/>
+            <pc:sldMk cId="1757090110" sldId="287"/>
+            <ac:picMk id="10" creationId="{90F64B60-B7ED-0FB1-0406-C907BF31561F}"/>
+          </ac:picMkLst>
+        </pc:picChg>
+        <pc:picChg chg="add del mod modCrop">
+          <ac:chgData name="Li, Shicheng" userId="7425521c-7c11-4331-97d3-6e2702dd7f11" providerId="ADAL" clId="{7E5EB6AF-9D82-46FE-8E7A-CD8501CCC7B9}" dt="2024-07-10T21:23:26.543" v="337" actId="478"/>
+          <ac:picMkLst>
+            <pc:docMk/>
+            <pc:sldMk cId="1757090110" sldId="287"/>
+            <ac:picMk id="10" creationId="{EB773C13-F5D8-908A-AE61-F52734C4078B}"/>
+          </ac:picMkLst>
+        </pc:picChg>
+        <pc:picChg chg="add del mod">
+          <ac:chgData name="Li, Shicheng" userId="7425521c-7c11-4331-97d3-6e2702dd7f11" providerId="ADAL" clId="{7E5EB6AF-9D82-46FE-8E7A-CD8501CCC7B9}" dt="2024-07-10T21:22:51.496" v="328" actId="478"/>
+          <ac:picMkLst>
+            <pc:docMk/>
+            <pc:sldMk cId="1757090110" sldId="287"/>
+            <ac:picMk id="13" creationId="{686BFEA6-288C-00EA-9249-0960E15D4052}"/>
+          </ac:picMkLst>
+        </pc:picChg>
+        <pc:picChg chg="add mod modCrop">
+          <ac:chgData name="Li, Shicheng" userId="7425521c-7c11-4331-97d3-6e2702dd7f11" providerId="ADAL" clId="{7E5EB6AF-9D82-46FE-8E7A-CD8501CCC7B9}" dt="2024-07-10T21:23:23.276" v="335" actId="1076"/>
+          <ac:picMkLst>
+            <pc:docMk/>
+            <pc:sldMk cId="1757090110" sldId="287"/>
+            <ac:picMk id="16" creationId="{EF036456-C98C-5BAD-8461-FAC0A84FD208}"/>
+          </ac:picMkLst>
+        </pc:picChg>
+        <pc:picChg chg="add mod modCrop">
+          <ac:chgData name="Li, Shicheng" userId="7425521c-7c11-4331-97d3-6e2702dd7f11" providerId="ADAL" clId="{7E5EB6AF-9D82-46FE-8E7A-CD8501CCC7B9}" dt="2024-07-10T21:24:06.236" v="343" actId="732"/>
+          <ac:picMkLst>
+            <pc:docMk/>
+            <pc:sldMk cId="1757090110" sldId="287"/>
+            <ac:picMk id="18" creationId="{58B1BB87-4583-917D-A786-7861202346B6}"/>
+          </ac:picMkLst>
+        </pc:picChg>
+        <pc:cxnChg chg="del mod">
+          <ac:chgData name="Li, Shicheng" userId="7425521c-7c11-4331-97d3-6e2702dd7f11" providerId="ADAL" clId="{7E5EB6AF-9D82-46FE-8E7A-CD8501CCC7B9}" dt="2024-06-21T15:54:26.742" v="3" actId="478"/>
+          <ac:cxnSpMkLst>
+            <pc:docMk/>
+            <pc:sldMk cId="1757090110" sldId="287"/>
+            <ac:cxnSpMk id="20" creationId="{5235B565-2E16-C11B-443C-D882A600D8F9}"/>
+          </ac:cxnSpMkLst>
+        </pc:cxnChg>
+        <pc:cxnChg chg="del mod">
+          <ac:chgData name="Li, Shicheng" userId="7425521c-7c11-4331-97d3-6e2702dd7f11" providerId="ADAL" clId="{7E5EB6AF-9D82-46FE-8E7A-CD8501CCC7B9}" dt="2024-06-21T15:54:26.742" v="3" actId="478"/>
+          <ac:cxnSpMkLst>
+            <pc:docMk/>
+            <pc:sldMk cId="1757090110" sldId="287"/>
+            <ac:cxnSpMk id="22" creationId="{D4243B86-FD14-8F2C-7D63-9799A564886B}"/>
+          </ac:cxnSpMkLst>
+        </pc:cxnChg>
+        <pc:cxnChg chg="del mod">
+          <ac:chgData name="Li, Shicheng" userId="7425521c-7c11-4331-97d3-6e2702dd7f11" providerId="ADAL" clId="{7E5EB6AF-9D82-46FE-8E7A-CD8501CCC7B9}" dt="2024-06-21T15:54:26.742" v="3" actId="478"/>
+          <ac:cxnSpMkLst>
+            <pc:docMk/>
+            <pc:sldMk cId="1757090110" sldId="287"/>
+            <ac:cxnSpMk id="24" creationId="{0377F051-8707-23EB-81D8-1532753598DF}"/>
+          </ac:cxnSpMkLst>
+        </pc:cxnChg>
+        <pc:cxnChg chg="del mod">
+          <ac:chgData name="Li, Shicheng" userId="7425521c-7c11-4331-97d3-6e2702dd7f11" providerId="ADAL" clId="{7E5EB6AF-9D82-46FE-8E7A-CD8501CCC7B9}" dt="2024-06-21T15:54:26.742" v="3" actId="478"/>
+          <ac:cxnSpMkLst>
+            <pc:docMk/>
+            <pc:sldMk cId="1757090110" sldId="287"/>
+            <ac:cxnSpMk id="26" creationId="{97142F32-0409-B4D1-A77D-69216E07F1B8}"/>
+          </ac:cxnSpMkLst>
+        </pc:cxnChg>
+        <pc:cxnChg chg="del mod">
+          <ac:chgData name="Li, Shicheng" userId="7425521c-7c11-4331-97d3-6e2702dd7f11" providerId="ADAL" clId="{7E5EB6AF-9D82-46FE-8E7A-CD8501CCC7B9}" dt="2024-06-21T15:54:26.742" v="3" actId="478"/>
+          <ac:cxnSpMkLst>
+            <pc:docMk/>
+            <pc:sldMk cId="1757090110" sldId="287"/>
+            <ac:cxnSpMk id="28" creationId="{35959DB3-E749-25A6-2836-2A4F4FF03D36}"/>
+          </ac:cxnSpMkLst>
+        </pc:cxnChg>
+        <pc:cxnChg chg="del mod">
+          <ac:chgData name="Li, Shicheng" userId="7425521c-7c11-4331-97d3-6e2702dd7f11" providerId="ADAL" clId="{7E5EB6AF-9D82-46FE-8E7A-CD8501CCC7B9}" dt="2024-06-21T15:54:23.169" v="2" actId="478"/>
+          <ac:cxnSpMkLst>
+            <pc:docMk/>
+            <pc:sldMk cId="1757090110" sldId="287"/>
+            <ac:cxnSpMk id="30" creationId="{2C63E6F7-2645-F26B-4983-37A6FCA55E16}"/>
+          </ac:cxnSpMkLst>
+        </pc:cxnChg>
+        <pc:cxnChg chg="del mod">
+          <ac:chgData name="Li, Shicheng" userId="7425521c-7c11-4331-97d3-6e2702dd7f11" providerId="ADAL" clId="{7E5EB6AF-9D82-46FE-8E7A-CD8501CCC7B9}" dt="2024-06-21T15:54:26.742" v="3" actId="478"/>
+          <ac:cxnSpMkLst>
+            <pc:docMk/>
+            <pc:sldMk cId="1757090110" sldId="287"/>
+            <ac:cxnSpMk id="36" creationId="{A10C6668-F9D3-8201-C41E-5D1227291A9F}"/>
+          </ac:cxnSpMkLst>
+        </pc:cxnChg>
+        <pc:cxnChg chg="del mod">
+          <ac:chgData name="Li, Shicheng" userId="7425521c-7c11-4331-97d3-6e2702dd7f11" providerId="ADAL" clId="{7E5EB6AF-9D82-46FE-8E7A-CD8501CCC7B9}" dt="2024-06-21T15:54:23.169" v="2" actId="478"/>
+          <ac:cxnSpMkLst>
+            <pc:docMk/>
+            <pc:sldMk cId="1757090110" sldId="287"/>
+            <ac:cxnSpMk id="38" creationId="{16EFBFF7-524E-6C8D-9A7C-72D7949E0C46}"/>
+          </ac:cxnSpMkLst>
+        </pc:cxnChg>
+      </pc:sldChg>
+      <pc:sldChg chg="ord modNotesTx">
+        <pc:chgData name="Li, Shicheng" userId="7425521c-7c11-4331-97d3-6e2702dd7f11" providerId="ADAL" clId="{7E5EB6AF-9D82-46FE-8E7A-CD8501CCC7B9}" dt="2024-07-10T21:32:46.839" v="489" actId="20577"/>
         <pc:sldMkLst>
           <pc:docMk/>
           <pc:sldMk cId="1497024170" sldId="288"/>
         </pc:sldMkLst>
+      </pc:sldChg>
+      <pc:sldChg chg="modSp mod modNotesTx">
+        <pc:chgData name="Li, Shicheng" userId="7425521c-7c11-4331-97d3-6e2702dd7f11" providerId="ADAL" clId="{7E5EB6AF-9D82-46FE-8E7A-CD8501CCC7B9}" dt="2024-07-08T16:22:11.041" v="239" actId="20577"/>
+        <pc:sldMkLst>
+          <pc:docMk/>
+          <pc:sldMk cId="336587402" sldId="290"/>
+        </pc:sldMkLst>
         <pc:spChg chg="mod">
-          <ac:chgData name="Li, Shicheng" userId="7425521c-7c11-4331-97d3-6e2702dd7f11" providerId="ADAL" clId="{620F86FA-1D84-4EFC-8EE5-817A9E04ED9D}" dt="2024-07-11T18:20:38.152" v="14" actId="20577"/>
+          <ac:chgData name="Li, Shicheng" userId="7425521c-7c11-4331-97d3-6e2702dd7f11" providerId="ADAL" clId="{7E5EB6AF-9D82-46FE-8E7A-CD8501CCC7B9}" dt="2024-07-08T15:56:05.482" v="168" actId="20577"/>
           <ac:spMkLst>
             <pc:docMk/>
-            <pc:sldMk cId="1497024170" sldId="288"/>
+            <pc:sldMk cId="336587402" sldId="290"/>
+            <ac:spMk id="2" creationId="{E1FB756D-EC35-B6F4-BA6A-2DB04EBBDF1B}"/>
+          </ac:spMkLst>
+        </pc:spChg>
+      </pc:sldChg>
+      <pc:sldChg chg="addSp modSp new del">
+        <pc:chgData name="Li, Shicheng" userId="7425521c-7c11-4331-97d3-6e2702dd7f11" providerId="ADAL" clId="{7E5EB6AF-9D82-46FE-8E7A-CD8501CCC7B9}" dt="2024-07-10T20:48:39.006" v="253" actId="47"/>
+        <pc:sldMkLst>
+          <pc:docMk/>
+          <pc:sldMk cId="381699891" sldId="291"/>
+        </pc:sldMkLst>
+        <pc:picChg chg="add mod">
+          <ac:chgData name="Li, Shicheng" userId="7425521c-7c11-4331-97d3-6e2702dd7f11" providerId="ADAL" clId="{7E5EB6AF-9D82-46FE-8E7A-CD8501CCC7B9}" dt="2024-07-10T20:47:40.562" v="241"/>
+          <ac:picMkLst>
+            <pc:docMk/>
+            <pc:sldMk cId="381699891" sldId="291"/>
+            <ac:picMk id="2" creationId="{F3F99D85-8467-7A48-BE93-CB524D24F734}"/>
+          </ac:picMkLst>
+        </pc:picChg>
+        <pc:picChg chg="add mod">
+          <ac:chgData name="Li, Shicheng" userId="7425521c-7c11-4331-97d3-6e2702dd7f11" providerId="ADAL" clId="{7E5EB6AF-9D82-46FE-8E7A-CD8501CCC7B9}" dt="2024-07-10T20:47:43.309" v="242"/>
+          <ac:picMkLst>
+            <pc:docMk/>
+            <pc:sldMk cId="381699891" sldId="291"/>
+            <ac:picMk id="3" creationId="{ED7C4AF5-7A7C-BCC2-AB8E-136AD896701A}"/>
+          </ac:picMkLst>
+        </pc:picChg>
+      </pc:sldChg>
+      <pc:sldChg chg="addSp delSp modSp add mod ord">
+        <pc:chgData name="Li, Shicheng" userId="7425521c-7c11-4331-97d3-6e2702dd7f11" providerId="ADAL" clId="{7E5EB6AF-9D82-46FE-8E7A-CD8501CCC7B9}" dt="2024-07-10T21:32:02.691" v="436" actId="207"/>
+        <pc:sldMkLst>
+          <pc:docMk/>
+          <pc:sldMk cId="2196169373" sldId="292"/>
+        </pc:sldMkLst>
+        <pc:spChg chg="mod">
+          <ac:chgData name="Li, Shicheng" userId="7425521c-7c11-4331-97d3-6e2702dd7f11" providerId="ADAL" clId="{7E5EB6AF-9D82-46FE-8E7A-CD8501CCC7B9}" dt="2024-07-10T21:32:02.691" v="436" actId="207"/>
+          <ac:spMkLst>
+            <pc:docMk/>
+            <pc:sldMk cId="2196169373" sldId="292"/>
             <ac:spMk id="5" creationId="{A5A4C966-320C-39F1-540A-2B536DB93527}"/>
           </ac:spMkLst>
         </pc:spChg>
+        <pc:picChg chg="add mod modCrop">
+          <ac:chgData name="Li, Shicheng" userId="7425521c-7c11-4331-97d3-6e2702dd7f11" providerId="ADAL" clId="{7E5EB6AF-9D82-46FE-8E7A-CD8501CCC7B9}" dt="2024-07-10T20:49:53.091" v="265" actId="1076"/>
+          <ac:picMkLst>
+            <pc:docMk/>
+            <pc:sldMk cId="2196169373" sldId="292"/>
+            <ac:picMk id="3" creationId="{98E1F918-BF4F-80D5-7842-E75A974C6ADF}"/>
+          </ac:picMkLst>
+        </pc:picChg>
+        <pc:picChg chg="add mod modCrop">
+          <ac:chgData name="Li, Shicheng" userId="7425521c-7c11-4331-97d3-6e2702dd7f11" providerId="ADAL" clId="{7E5EB6AF-9D82-46FE-8E7A-CD8501CCC7B9}" dt="2024-07-10T20:50:12.242" v="267" actId="1076"/>
+          <ac:picMkLst>
+            <pc:docMk/>
+            <pc:sldMk cId="2196169373" sldId="292"/>
+            <ac:picMk id="4" creationId="{1E9778E0-9992-6E36-BF4A-83FA05386850}"/>
+          </ac:picMkLst>
+        </pc:picChg>
+        <pc:picChg chg="del">
+          <ac:chgData name="Li, Shicheng" userId="7425521c-7c11-4331-97d3-6e2702dd7f11" providerId="ADAL" clId="{7E5EB6AF-9D82-46FE-8E7A-CD8501CCC7B9}" dt="2024-07-10T20:48:12.042" v="246" actId="478"/>
+          <ac:picMkLst>
+            <pc:docMk/>
+            <pc:sldMk cId="2196169373" sldId="292"/>
+            <ac:picMk id="12" creationId="{BFC26830-5D1C-FDC4-8FBB-1A58D2023D63}"/>
+          </ac:picMkLst>
+        </pc:picChg>
+        <pc:picChg chg="del">
+          <ac:chgData name="Li, Shicheng" userId="7425521c-7c11-4331-97d3-6e2702dd7f11" providerId="ADAL" clId="{7E5EB6AF-9D82-46FE-8E7A-CD8501CCC7B9}" dt="2024-07-10T20:48:13.629" v="247" actId="478"/>
+          <ac:picMkLst>
+            <pc:docMk/>
+            <pc:sldMk cId="2196169373" sldId="292"/>
+            <ac:picMk id="16" creationId="{577C420E-FB7C-1386-2776-2F7467F3D5D4}"/>
+          </ac:picMkLst>
+        </pc:picChg>
+      </pc:sldChg>
+      <pc:sldChg chg="addSp delSp modSp add mod ord">
+        <pc:chgData name="Li, Shicheng" userId="7425521c-7c11-4331-97d3-6e2702dd7f11" providerId="ADAL" clId="{7E5EB6AF-9D82-46FE-8E7A-CD8501CCC7B9}" dt="2024-07-10T21:30:08.216" v="399" actId="20577"/>
+        <pc:sldMkLst>
+          <pc:docMk/>
+          <pc:sldMk cId="1728756197" sldId="293"/>
+        </pc:sldMkLst>
+        <pc:spChg chg="mod">
+          <ac:chgData name="Li, Shicheng" userId="7425521c-7c11-4331-97d3-6e2702dd7f11" providerId="ADAL" clId="{7E5EB6AF-9D82-46FE-8E7A-CD8501CCC7B9}" dt="2024-07-10T21:30:05.407" v="397" actId="20577"/>
+          <ac:spMkLst>
+            <pc:docMk/>
+            <pc:sldMk cId="1728756197" sldId="293"/>
+            <ac:spMk id="2" creationId="{001E3F70-DC66-8477-9E54-EC5216071F23}"/>
+          </ac:spMkLst>
+        </pc:spChg>
+        <pc:spChg chg="mod">
+          <ac:chgData name="Li, Shicheng" userId="7425521c-7c11-4331-97d3-6e2702dd7f11" providerId="ADAL" clId="{7E5EB6AF-9D82-46FE-8E7A-CD8501CCC7B9}" dt="2024-07-10T21:30:08.216" v="399" actId="20577"/>
+          <ac:spMkLst>
+            <pc:docMk/>
+            <pc:sldMk cId="1728756197" sldId="293"/>
+            <ac:spMk id="5" creationId="{A5A4C966-320C-39F1-540A-2B536DB93527}"/>
+          </ac:spMkLst>
+        </pc:spChg>
+        <pc:picChg chg="del">
+          <ac:chgData name="Li, Shicheng" userId="7425521c-7c11-4331-97d3-6e2702dd7f11" providerId="ADAL" clId="{7E5EB6AF-9D82-46FE-8E7A-CD8501CCC7B9}" dt="2024-07-10T20:56:47.986" v="302" actId="478"/>
+          <ac:picMkLst>
+            <pc:docMk/>
+            <pc:sldMk cId="1728756197" sldId="293"/>
+            <ac:picMk id="3" creationId="{98E1F918-BF4F-80D5-7842-E75A974C6ADF}"/>
+          </ac:picMkLst>
+        </pc:picChg>
+        <pc:picChg chg="del">
+          <ac:chgData name="Li, Shicheng" userId="7425521c-7c11-4331-97d3-6e2702dd7f11" providerId="ADAL" clId="{7E5EB6AF-9D82-46FE-8E7A-CD8501CCC7B9}" dt="2024-07-10T20:56:49.726" v="303" actId="478"/>
+          <ac:picMkLst>
+            <pc:docMk/>
+            <pc:sldMk cId="1728756197" sldId="293"/>
+            <ac:picMk id="4" creationId="{1E9778E0-9992-6E36-BF4A-83FA05386850}"/>
+          </ac:picMkLst>
+        </pc:picChg>
+        <pc:picChg chg="add mod">
+          <ac:chgData name="Li, Shicheng" userId="7425521c-7c11-4331-97d3-6e2702dd7f11" providerId="ADAL" clId="{7E5EB6AF-9D82-46FE-8E7A-CD8501CCC7B9}" dt="2024-07-10T20:59:47.699" v="312" actId="1076"/>
+          <ac:picMkLst>
+            <pc:docMk/>
+            <pc:sldMk cId="1728756197" sldId="293"/>
+            <ac:picMk id="11" creationId="{A9BC796E-449A-39D5-20A4-7EFC17C00280}"/>
+          </ac:picMkLst>
+        </pc:picChg>
+        <pc:picChg chg="add mod">
+          <ac:chgData name="Li, Shicheng" userId="7425521c-7c11-4331-97d3-6e2702dd7f11" providerId="ADAL" clId="{7E5EB6AF-9D82-46FE-8E7A-CD8501CCC7B9}" dt="2024-07-10T20:59:56.819" v="313" actId="1076"/>
+          <ac:picMkLst>
+            <pc:docMk/>
+            <pc:sldMk cId="1728756197" sldId="293"/>
+            <ac:picMk id="13" creationId="{E234E97E-6903-2FF7-D322-05296D387280}"/>
+          </ac:picMkLst>
+        </pc:picChg>
       </pc:sldChg>
     </pc:docChg>
   </pc:docChgLst>
@@ -1843,6 +1811,30 @@
             <ac:picMk id="18" creationId="{AC859D17-420E-3C2D-CDAC-51C89CC42EC6}"/>
           </ac:picMkLst>
         </pc:picChg>
+      </pc:sldChg>
+    </pc:docChg>
+  </pc:docChgLst>
+  <pc:docChgLst>
+    <pc:chgData name="Li, Shicheng" userId="7425521c-7c11-4331-97d3-6e2702dd7f11" providerId="ADAL" clId="{620F86FA-1D84-4EFC-8EE5-817A9E04ED9D}"/>
+    <pc:docChg chg="modSld">
+      <pc:chgData name="Li, Shicheng" userId="7425521c-7c11-4331-97d3-6e2702dd7f11" providerId="ADAL" clId="{620F86FA-1D84-4EFC-8EE5-817A9E04ED9D}" dt="2024-07-11T18:20:38.152" v="14" actId="20577"/>
+      <pc:docMkLst>
+        <pc:docMk/>
+      </pc:docMkLst>
+      <pc:sldChg chg="modSp mod">
+        <pc:chgData name="Li, Shicheng" userId="7425521c-7c11-4331-97d3-6e2702dd7f11" providerId="ADAL" clId="{620F86FA-1D84-4EFC-8EE5-817A9E04ED9D}" dt="2024-07-11T18:20:38.152" v="14" actId="20577"/>
+        <pc:sldMkLst>
+          <pc:docMk/>
+          <pc:sldMk cId="1497024170" sldId="288"/>
+        </pc:sldMkLst>
+        <pc:spChg chg="mod">
+          <ac:chgData name="Li, Shicheng" userId="7425521c-7c11-4331-97d3-6e2702dd7f11" providerId="ADAL" clId="{620F86FA-1D84-4EFC-8EE5-817A9E04ED9D}" dt="2024-07-11T18:20:38.152" v="14" actId="20577"/>
+          <ac:spMkLst>
+            <pc:docMk/>
+            <pc:sldMk cId="1497024170" sldId="288"/>
+            <ac:spMk id="5" creationId="{A5A4C966-320C-39F1-540A-2B536DB93527}"/>
+          </ac:spMkLst>
+        </pc:spChg>
       </pc:sldChg>
     </pc:docChg>
   </pc:docChgLst>
@@ -1931,7 +1923,7 @@
           <a:p>
             <a:fld id="{56A43E7F-2FBD-4C74-A6A3-71F46B4D3471}" type="datetimeFigureOut">
               <a:rPr lang="en-US" smtClean="0"/>
-              <a:t>7/11/2024</a:t>
+              <a:t>7/14/2024</a:t>
             </a:fld>
             <a:endParaRPr lang="en-US"/>
           </a:p>
@@ -2411,12 +2403,8 @@
           <a:lstStyle/>
           <a:p>
             <a:r>
-              <a:rPr lang="en-US" dirty="0"/>
-              <a:t>Add one more fig </a:t>
-            </a:r>
-            <a:r>
               <a:rPr lang="en-US"/>
-              <a:t>for subset2nw</a:t>
+              <a:t>Add one more fig for subset2nw</a:t>
             </a:r>
           </a:p>
         </p:txBody>
@@ -2933,18 +2921,18 @@
           <a:lstStyle/>
           <a:p>
             <a:r>
-              <a:rPr lang="en-US" dirty="0"/>
+              <a:rPr lang="en-US"/>
               <a:t>How many nitrate and water in first shell</a:t>
             </a:r>
           </a:p>
           <a:p>
             <a:r>
-              <a:rPr lang="en-US" dirty="0"/>
+              <a:rPr lang="en-US"/>
               <a:t>Remove subset2 in b</a:t>
             </a:r>
           </a:p>
           <a:p>
-            <a:endParaRPr lang="en-US" dirty="0"/>
+            <a:endParaRPr lang="en-US"/>
           </a:p>
         </p:txBody>
       </p:sp>
@@ -3635,7 +3623,7 @@
           <a:p>
             <a:fld id="{95396F27-02BC-4467-B681-1C6B8C3FCDB1}" type="datetimeFigureOut">
               <a:rPr lang="en-US" smtClean="0"/>
-              <a:t>7/11/2024</a:t>
+              <a:t>7/14/2024</a:t>
             </a:fld>
             <a:endParaRPr lang="en-US"/>
           </a:p>
@@ -3833,7 +3821,7 @@
           <a:p>
             <a:fld id="{95396F27-02BC-4467-B681-1C6B8C3FCDB1}" type="datetimeFigureOut">
               <a:rPr lang="en-US" smtClean="0"/>
-              <a:t>7/11/2024</a:t>
+              <a:t>7/14/2024</a:t>
             </a:fld>
             <a:endParaRPr lang="en-US"/>
           </a:p>
@@ -4041,7 +4029,7 @@
           <a:p>
             <a:fld id="{95396F27-02BC-4467-B681-1C6B8C3FCDB1}" type="datetimeFigureOut">
               <a:rPr lang="en-US" smtClean="0"/>
-              <a:t>7/11/2024</a:t>
+              <a:t>7/14/2024</a:t>
             </a:fld>
             <a:endParaRPr lang="en-US"/>
           </a:p>
@@ -4239,7 +4227,7 @@
           <a:p>
             <a:fld id="{95396F27-02BC-4467-B681-1C6B8C3FCDB1}" type="datetimeFigureOut">
               <a:rPr lang="en-US" smtClean="0"/>
-              <a:t>7/11/2024</a:t>
+              <a:t>7/14/2024</a:t>
             </a:fld>
             <a:endParaRPr lang="en-US"/>
           </a:p>
@@ -4514,7 +4502,7 @@
           <a:p>
             <a:fld id="{95396F27-02BC-4467-B681-1C6B8C3FCDB1}" type="datetimeFigureOut">
               <a:rPr lang="en-US" smtClean="0"/>
-              <a:t>7/11/2024</a:t>
+              <a:t>7/14/2024</a:t>
             </a:fld>
             <a:endParaRPr lang="en-US"/>
           </a:p>
@@ -4779,7 +4767,7 @@
           <a:p>
             <a:fld id="{95396F27-02BC-4467-B681-1C6B8C3FCDB1}" type="datetimeFigureOut">
               <a:rPr lang="en-US" smtClean="0"/>
-              <a:t>7/11/2024</a:t>
+              <a:t>7/14/2024</a:t>
             </a:fld>
             <a:endParaRPr lang="en-US"/>
           </a:p>
@@ -5191,7 +5179,7 @@
           <a:p>
             <a:fld id="{95396F27-02BC-4467-B681-1C6B8C3FCDB1}" type="datetimeFigureOut">
               <a:rPr lang="en-US" smtClean="0"/>
-              <a:t>7/11/2024</a:t>
+              <a:t>7/14/2024</a:t>
             </a:fld>
             <a:endParaRPr lang="en-US"/>
           </a:p>
@@ -5332,7 +5320,7 @@
           <a:p>
             <a:fld id="{95396F27-02BC-4467-B681-1C6B8C3FCDB1}" type="datetimeFigureOut">
               <a:rPr lang="en-US" smtClean="0"/>
-              <a:t>7/11/2024</a:t>
+              <a:t>7/14/2024</a:t>
             </a:fld>
             <a:endParaRPr lang="en-US"/>
           </a:p>
@@ -5445,7 +5433,7 @@
           <a:p>
             <a:fld id="{95396F27-02BC-4467-B681-1C6B8C3FCDB1}" type="datetimeFigureOut">
               <a:rPr lang="en-US" smtClean="0"/>
-              <a:t>7/11/2024</a:t>
+              <a:t>7/14/2024</a:t>
             </a:fld>
             <a:endParaRPr lang="en-US"/>
           </a:p>
@@ -5756,7 +5744,7 @@
           <a:p>
             <a:fld id="{95396F27-02BC-4467-B681-1C6B8C3FCDB1}" type="datetimeFigureOut">
               <a:rPr lang="en-US" smtClean="0"/>
-              <a:t>7/11/2024</a:t>
+              <a:t>7/14/2024</a:t>
             </a:fld>
             <a:endParaRPr lang="en-US"/>
           </a:p>
@@ -6044,7 +6032,7 @@
           <a:p>
             <a:fld id="{95396F27-02BC-4467-B681-1C6B8C3FCDB1}" type="datetimeFigureOut">
               <a:rPr lang="en-US" smtClean="0"/>
-              <a:t>7/11/2024</a:t>
+              <a:t>7/14/2024</a:t>
             </a:fld>
             <a:endParaRPr lang="en-US"/>
           </a:p>
@@ -6285,7 +6273,7 @@
           <a:p>
             <a:fld id="{95396F27-02BC-4467-B681-1C6B8C3FCDB1}" type="datetimeFigureOut">
               <a:rPr lang="en-US" smtClean="0"/>
-              <a:t>7/11/2024</a:t>
+              <a:t>7/14/2024</a:t>
             </a:fld>
             <a:endParaRPr lang="en-US"/>
           </a:p>
@@ -7647,7 +7635,7 @@
           <a:lstStyle/>
           <a:p>
             <a:r>
-              <a:rPr lang="en-US" sz="3200" b="1" dirty="0">
+              <a:rPr lang="en-US" sz="3200" b="1">
                 <a:effectLst/>
                 <a:latin typeface="Times New Roman" panose="02020603050405020304" pitchFamily="18" charset="0"/>
                 <a:ea typeface="DengXian" panose="02010600030101010101" pitchFamily="2" charset="-122"/>
@@ -7655,21 +7643,21 @@
               <a:t>Figure </a:t>
             </a:r>
             <a:r>
-              <a:rPr lang="en-US" sz="3200" b="1" dirty="0">
+              <a:rPr lang="en-US" sz="3200" b="1">
                 <a:latin typeface="Times New Roman" panose="02020603050405020304" pitchFamily="18" charset="0"/>
                 <a:ea typeface="DengXian" panose="02010600030101010101" pitchFamily="2" charset="-122"/>
               </a:rPr>
               <a:t>8</a:t>
             </a:r>
             <a:r>
-              <a:rPr lang="en-US" sz="3200" b="1" dirty="0">
+              <a:rPr lang="en-US" sz="3200" b="1">
                 <a:effectLst/>
                 <a:latin typeface="Times New Roman" panose="02020603050405020304" pitchFamily="18" charset="0"/>
                 <a:ea typeface="DengXian" panose="02010600030101010101" pitchFamily="2" charset="-122"/>
               </a:rPr>
               <a:t>.</a:t>
             </a:r>
-            <a:endParaRPr lang="en-US" sz="3200" dirty="0"/>
+            <a:endParaRPr lang="en-US" sz="3200"/>
           </a:p>
         </p:txBody>
       </p:sp>
@@ -7808,7 +7796,7 @@
               <a:buChar char="•"/>
             </a:pPr>
             <a:r>
-              <a:rPr lang="en-US" sz="1800" b="1" dirty="0">
+              <a:rPr lang="en-US" sz="1800" b="1">
                 <a:effectLst/>
                 <a:latin typeface="Times New Roman" panose="02020603050405020304" pitchFamily="18" charset="0"/>
                 <a:ea typeface="DengXian" panose="02010600030101010101" pitchFamily="2" charset="-122"/>
@@ -7816,7 +7804,7 @@
               <a:t>Figure 8.</a:t>
             </a:r>
             <a:r>
-              <a:rPr lang="en-US" sz="1800" dirty="0">
+              <a:rPr lang="en-US" sz="1800">
                 <a:effectLst/>
                 <a:latin typeface="Times New Roman" panose="02020603050405020304" pitchFamily="18" charset="0"/>
                 <a:ea typeface="DengXian" panose="02010600030101010101" pitchFamily="2" charset="-122"/>
@@ -7824,14 +7812,14 @@
               <a:t> </a:t>
             </a:r>
             <a:r>
-              <a:rPr lang="en-US" altLang="zh-CN" dirty="0">
+              <a:rPr lang="en-US" altLang="zh-CN">
                 <a:latin typeface="Times New Roman" panose="02020603050405020304" pitchFamily="18" charset="0"/>
                 <a:ea typeface="DengXian" panose="02010600030101010101" pitchFamily="2" charset="-122"/>
               </a:rPr>
               <a:t>Distribution of net charge </a:t>
             </a:r>
             <a:r>
-              <a:rPr lang="en-US" dirty="0">
+              <a:rPr lang="en-US">
                 <a:latin typeface="Times New Roman" panose="02020603050405020304" pitchFamily="18" charset="0"/>
                 <a:ea typeface="DengXian" panose="02010600030101010101" pitchFamily="2" charset="-122"/>
               </a:rPr>
@@ -8593,7 +8581,7 @@
               <a:buChar char="•"/>
             </a:pPr>
             <a:r>
-              <a:rPr lang="en-US" sz="1800" b="1" dirty="0">
+              <a:rPr lang="en-US" sz="1800" b="1">
                 <a:effectLst/>
                 <a:latin typeface="Times New Roman" panose="02020603050405020304" pitchFamily="18" charset="0"/>
                 <a:ea typeface="DengXian" panose="02010600030101010101" pitchFamily="2" charset="-122"/>
@@ -8601,7 +8589,7 @@
               <a:t>Figure 6.</a:t>
             </a:r>
             <a:r>
-              <a:rPr lang="en-US" sz="1800" dirty="0">
+              <a:rPr lang="en-US" sz="1800">
                 <a:effectLst/>
                 <a:latin typeface="Times New Roman" panose="02020603050405020304" pitchFamily="18" charset="0"/>
                 <a:ea typeface="DengXian" panose="02010600030101010101" pitchFamily="2" charset="-122"/>
@@ -8609,13 +8597,13 @@
               <a:t> </a:t>
             </a:r>
             <a:r>
-              <a:rPr lang="en-US" altLang="zh-CN" dirty="0">
+              <a:rPr lang="en-US" altLang="zh-CN">
                 <a:latin typeface="Times New Roman" panose="02020603050405020304" pitchFamily="18" charset="0"/>
                 <a:ea typeface="DengXian" panose="02010600030101010101" pitchFamily="2" charset="-122"/>
               </a:rPr>
               <a:t>Distribution of net charge of the first coordination shell in (a)subset2n and (b)subset2w (c)subset2. </a:t>
             </a:r>
-            <a:endParaRPr lang="en-US" dirty="0">
+            <a:endParaRPr lang="en-US">
               <a:latin typeface="Times New Roman" panose="02020603050405020304" pitchFamily="18" charset="0"/>
               <a:ea typeface="DengXian" panose="02010600030101010101" pitchFamily="2" charset="-122"/>
             </a:endParaRPr>
@@ -10629,7 +10617,7 @@
               <a:buChar char="•"/>
             </a:pPr>
             <a:r>
-              <a:rPr lang="en-US" sz="1800" b="1" dirty="0">
+              <a:rPr lang="en-US" sz="1800" b="1">
                 <a:effectLst/>
                 <a:latin typeface="Times New Roman" panose="02020603050405020304" pitchFamily="18" charset="0"/>
                 <a:ea typeface="DengXian" panose="02010600030101010101" pitchFamily="2" charset="-122"/>
@@ -10637,7 +10625,7 @@
               <a:t>Figure 1.</a:t>
             </a:r>
             <a:r>
-              <a:rPr lang="en-US" sz="1800" dirty="0">
+              <a:rPr lang="en-US" sz="1800">
                 <a:effectLst/>
                 <a:latin typeface="Times New Roman" panose="02020603050405020304" pitchFamily="18" charset="0"/>
                 <a:ea typeface="DengXian" panose="02010600030101010101" pitchFamily="2" charset="-122"/>
@@ -10645,14 +10633,14 @@
               <a:t> (a)Distribution of the 53370 crystal structures of Subset 1 (all Ln complexes) and the </a:t>
             </a:r>
             <a:r>
-              <a:rPr lang="en-US" dirty="0">
+              <a:rPr lang="en-US">
                 <a:latin typeface="Times New Roman" panose="02020603050405020304" pitchFamily="18" charset="0"/>
                 <a:ea typeface="DengXian" panose="02010600030101010101" pitchFamily="2" charset="-122"/>
               </a:rPr>
               <a:t>29891</a:t>
             </a:r>
             <a:r>
-              <a:rPr lang="en-US" sz="1800" dirty="0">
+              <a:rPr lang="en-US" sz="1800">
                 <a:effectLst/>
                 <a:latin typeface="Times New Roman" panose="02020603050405020304" pitchFamily="18" charset="0"/>
                 <a:ea typeface="DengXian" panose="02010600030101010101" pitchFamily="2" charset="-122"/>
@@ -10660,7 +10648,7 @@
               <a:t> crystal structures of Subset 2 (mononuclear Ln complexes) over the Ln series. (b)</a:t>
             </a:r>
             <a:r>
-              <a:rPr lang="en-US" dirty="0">
+              <a:rPr lang="en-US">
                 <a:latin typeface="Times New Roman" panose="02020603050405020304" pitchFamily="18" charset="0"/>
                 <a:ea typeface="DengXian" panose="02010600030101010101" pitchFamily="2" charset="-122"/>
               </a:rPr>
@@ -10736,7 +10724,7 @@
           <a:lstStyle/>
           <a:p>
             <a:r>
-              <a:rPr lang="en-US" b="1" dirty="0">
+              <a:rPr lang="en-US" b="1">
                 <a:latin typeface="Times New Roman" panose="02020603050405020304" pitchFamily="18" charset="0"/>
                 <a:cs typeface="Times New Roman" panose="02020603050405020304" pitchFamily="18" charset="0"/>
               </a:rPr>
@@ -10862,14 +10850,14 @@
           <a:lstStyle/>
           <a:p>
             <a:r>
-              <a:rPr lang="en-US" sz="3200" b="1" dirty="0">
+              <a:rPr lang="en-US" sz="3200" b="1">
                 <a:effectLst/>
                 <a:latin typeface="Times New Roman" panose="02020603050405020304" pitchFamily="18" charset="0"/>
                 <a:ea typeface="DengXian" panose="02010600030101010101" pitchFamily="2" charset="-122"/>
               </a:rPr>
               <a:t>Figure 2.</a:t>
             </a:r>
-            <a:endParaRPr lang="en-US" sz="3200" dirty="0"/>
+            <a:endParaRPr lang="en-US" sz="3200"/>
           </a:p>
         </p:txBody>
       </p:sp>
@@ -10971,7 +10959,7 @@
               <a:rPr lang="en-US" smtClean="0"/>
               <a:t>4</a:t>
             </a:fld>
-            <a:endParaRPr lang="en-US" dirty="0"/>
+            <a:endParaRPr lang="en-US"/>
           </a:p>
         </p:txBody>
       </p:sp>
@@ -11008,7 +10996,7 @@
               <a:buChar char="•"/>
             </a:pPr>
             <a:r>
-              <a:rPr lang="en-US" sz="1800" b="1" dirty="0">
+              <a:rPr lang="en-US" sz="1800" b="1">
                 <a:effectLst/>
                 <a:latin typeface="Times New Roman" panose="02020603050405020304" pitchFamily="18" charset="0"/>
                 <a:ea typeface="DengXian" panose="02010600030101010101" pitchFamily="2" charset="-122"/>
@@ -11016,7 +11004,7 @@
               <a:t>Figure 2.</a:t>
             </a:r>
             <a:r>
-              <a:rPr lang="en-US" sz="1800" dirty="0">
+              <a:rPr lang="en-US" sz="1800">
                 <a:effectLst/>
                 <a:latin typeface="Times New Roman" panose="02020603050405020304" pitchFamily="18" charset="0"/>
                 <a:ea typeface="DengXian" panose="02010600030101010101" pitchFamily="2" charset="-122"/>
@@ -11024,13 +11012,13 @@
               <a:t> </a:t>
             </a:r>
             <a:r>
-              <a:rPr lang="en-US" altLang="zh-CN" dirty="0">
+              <a:rPr lang="en-US" altLang="zh-CN">
                 <a:latin typeface="Times New Roman" panose="02020603050405020304" pitchFamily="18" charset="0"/>
                 <a:ea typeface="DengXian" panose="02010600030101010101" pitchFamily="2" charset="-122"/>
               </a:rPr>
               <a:t>Distribution of number of (a)nitrate; (b)water in the first coordination shell.</a:t>
             </a:r>
-            <a:endParaRPr lang="en-US" dirty="0">
+            <a:endParaRPr lang="en-US">
               <a:latin typeface="Times New Roman" panose="02020603050405020304" pitchFamily="18" charset="0"/>
               <a:ea typeface="DengXian" panose="02010600030101010101" pitchFamily="2" charset="-122"/>
             </a:endParaRPr>
@@ -11232,14 +11220,14 @@
           <a:lstStyle/>
           <a:p>
             <a:r>
-              <a:rPr lang="en-US" sz="3200" b="1" dirty="0">
+              <a:rPr lang="en-US" sz="3200" b="1">
                 <a:effectLst/>
                 <a:latin typeface="Times New Roman" panose="02020603050405020304" pitchFamily="18" charset="0"/>
                 <a:ea typeface="DengXian" panose="02010600030101010101" pitchFamily="2" charset="-122"/>
               </a:rPr>
               <a:t>Figure 3.</a:t>
             </a:r>
-            <a:endParaRPr lang="en-US" sz="3200" dirty="0"/>
+            <a:endParaRPr lang="en-US" sz="3200"/>
           </a:p>
         </p:txBody>
       </p:sp>
@@ -11378,7 +11366,7 @@
               <a:buChar char="•"/>
             </a:pPr>
             <a:r>
-              <a:rPr lang="en-US" sz="1800" b="1" dirty="0">
+              <a:rPr lang="en-US" sz="1800" b="1">
                 <a:effectLst/>
                 <a:latin typeface="Times New Roman" panose="02020603050405020304" pitchFamily="18" charset="0"/>
                 <a:ea typeface="DengXian" panose="02010600030101010101" pitchFamily="2" charset="-122"/>
@@ -11386,7 +11374,7 @@
               <a:t>Figure 3.</a:t>
             </a:r>
             <a:r>
-              <a:rPr lang="en-US" sz="1800" dirty="0">
+              <a:rPr lang="en-US" sz="1800">
                 <a:effectLst/>
                 <a:latin typeface="Times New Roman" panose="02020603050405020304" pitchFamily="18" charset="0"/>
                 <a:ea typeface="DengXian" panose="02010600030101010101" pitchFamily="2" charset="-122"/>
@@ -11394,7 +11382,7 @@
               <a:t> </a:t>
             </a:r>
             <a:r>
-              <a:rPr lang="en-US" dirty="0">
+              <a:rPr lang="en-US">
                 <a:latin typeface="Times New Roman" panose="02020603050405020304" pitchFamily="18" charset="0"/>
                 <a:ea typeface="DengXian" panose="02010600030101010101" pitchFamily="2" charset="-122"/>
               </a:rPr>
@@ -11491,7 +11479,7 @@
           <a:lstStyle/>
           <a:p>
             <a:r>
-              <a:rPr lang="en-US" sz="3200" b="1" dirty="0">
+              <a:rPr lang="en-US" sz="3200" b="1">
                 <a:effectLst/>
                 <a:latin typeface="Times New Roman" panose="02020603050405020304" pitchFamily="18" charset="0"/>
                 <a:ea typeface="DengXian" panose="02010600030101010101" pitchFamily="2" charset="-122"/>
@@ -11499,21 +11487,21 @@
               <a:t>Figure </a:t>
             </a:r>
             <a:r>
-              <a:rPr lang="en-US" sz="3200" b="1" dirty="0">
+              <a:rPr lang="en-US" sz="3200" b="1">
                 <a:latin typeface="Times New Roman" panose="02020603050405020304" pitchFamily="18" charset="0"/>
                 <a:ea typeface="DengXian" panose="02010600030101010101" pitchFamily="2" charset="-122"/>
               </a:rPr>
               <a:t>4</a:t>
             </a:r>
             <a:r>
-              <a:rPr lang="en-US" sz="3200" b="1" dirty="0">
+              <a:rPr lang="en-US" sz="3200" b="1">
                 <a:effectLst/>
                 <a:latin typeface="Times New Roman" panose="02020603050405020304" pitchFamily="18" charset="0"/>
                 <a:ea typeface="DengXian" panose="02010600030101010101" pitchFamily="2" charset="-122"/>
               </a:rPr>
               <a:t>.</a:t>
             </a:r>
-            <a:endParaRPr lang="en-US" sz="3200" dirty="0"/>
+            <a:endParaRPr lang="en-US" sz="3200"/>
           </a:p>
         </p:txBody>
       </p:sp>
@@ -11681,7 +11669,7 @@
               <a:buChar char="•"/>
             </a:pPr>
             <a:r>
-              <a:rPr lang="en-US" sz="1800" b="1" dirty="0">
+              <a:rPr lang="en-US" sz="1800" b="1">
                 <a:effectLst/>
                 <a:latin typeface="Times New Roman" panose="02020603050405020304" pitchFamily="18" charset="0"/>
                 <a:ea typeface="DengXian" panose="02010600030101010101" pitchFamily="2" charset="-122"/>
@@ -11689,7 +11677,7 @@
               <a:t>Figure 4.</a:t>
             </a:r>
             <a:r>
-              <a:rPr lang="en-US" sz="1800" dirty="0">
+              <a:rPr lang="en-US" sz="1800">
                 <a:effectLst/>
                 <a:latin typeface="Times New Roman" panose="02020603050405020304" pitchFamily="18" charset="0"/>
                 <a:ea typeface="DengXian" panose="02010600030101010101" pitchFamily="2" charset="-122"/>
@@ -11697,7 +11685,7 @@
               <a:t> </a:t>
             </a:r>
             <a:r>
-              <a:rPr lang="en-US" dirty="0">
+              <a:rPr lang="en-US">
                 <a:latin typeface="Times New Roman" panose="02020603050405020304" pitchFamily="18" charset="0"/>
                 <a:ea typeface="DengXian" panose="02010600030101010101" pitchFamily="2" charset="-122"/>
               </a:rPr>
@@ -11765,14 +11753,14 @@
           <a:lstStyle/>
           <a:p>
             <a:r>
-              <a:rPr lang="en-US" sz="3200" b="1" dirty="0">
+              <a:rPr lang="en-US" sz="3200" b="1">
                 <a:effectLst/>
                 <a:latin typeface="Times New Roman" panose="02020603050405020304" pitchFamily="18" charset="0"/>
                 <a:ea typeface="DengXian" panose="02010600030101010101" pitchFamily="2" charset="-122"/>
               </a:rPr>
               <a:t>Figure 5.</a:t>
             </a:r>
-            <a:endParaRPr lang="en-US" sz="3200" dirty="0"/>
+            <a:endParaRPr lang="en-US" sz="3200"/>
           </a:p>
         </p:txBody>
       </p:sp>
@@ -11911,7 +11899,7 @@
               <a:buChar char="•"/>
             </a:pPr>
             <a:r>
-              <a:rPr lang="en-US" sz="1800" b="1" dirty="0">
+              <a:rPr lang="en-US" sz="1800" b="1">
                 <a:effectLst/>
                 <a:latin typeface="Times New Roman" panose="02020603050405020304" pitchFamily="18" charset="0"/>
                 <a:ea typeface="DengXian" panose="02010600030101010101" pitchFamily="2" charset="-122"/>
@@ -11919,7 +11907,7 @@
               <a:t>Figure 5.</a:t>
             </a:r>
             <a:r>
-              <a:rPr lang="en-US" sz="1800" dirty="0">
+              <a:rPr lang="en-US" sz="1800">
                 <a:effectLst/>
                 <a:latin typeface="Times New Roman" panose="02020603050405020304" pitchFamily="18" charset="0"/>
                 <a:ea typeface="DengXian" panose="02010600030101010101" pitchFamily="2" charset="-122"/>
@@ -11927,35 +11915,35 @@
               <a:t> </a:t>
             </a:r>
             <a:r>
-              <a:rPr lang="en-US" dirty="0">
+              <a:rPr lang="en-US">
                 <a:latin typeface="Times New Roman" panose="02020603050405020304" pitchFamily="18" charset="0"/>
                 <a:ea typeface="DengXian" panose="02010600030101010101" pitchFamily="2" charset="-122"/>
               </a:rPr>
               <a:t>Average coordination number of the first coordination shell of Ln complexes in subset2 (</a:t>
             </a:r>
             <a:r>
-              <a:rPr lang="en-US" altLang="zh-CN" dirty="0">
+              <a:rPr lang="en-US" altLang="zh-CN">
                 <a:latin typeface="Times New Roman" panose="02020603050405020304" pitchFamily="18" charset="0"/>
                 <a:ea typeface="DengXian" panose="02010600030101010101" pitchFamily="2" charset="-122"/>
               </a:rPr>
               <a:t>black</a:t>
             </a:r>
             <a:r>
-              <a:rPr lang="en-US" dirty="0">
+              <a:rPr lang="en-US">
                 <a:latin typeface="Times New Roman" panose="02020603050405020304" pitchFamily="18" charset="0"/>
                 <a:ea typeface="DengXian" panose="02010600030101010101" pitchFamily="2" charset="-122"/>
               </a:rPr>
               <a:t>) ,subset2n (</a:t>
             </a:r>
             <a:r>
-              <a:rPr lang="en-US" altLang="zh-CN" dirty="0">
+              <a:rPr lang="en-US" altLang="zh-CN">
                 <a:latin typeface="Times New Roman" panose="02020603050405020304" pitchFamily="18" charset="0"/>
                 <a:ea typeface="DengXian" panose="02010600030101010101" pitchFamily="2" charset="-122"/>
               </a:rPr>
               <a:t>blue</a:t>
             </a:r>
             <a:r>
-              <a:rPr lang="en-US" dirty="0">
+              <a:rPr lang="en-US">
                 <a:latin typeface="Times New Roman" panose="02020603050405020304" pitchFamily="18" charset="0"/>
                 <a:ea typeface="DengXian" panose="02010600030101010101" pitchFamily="2" charset="-122"/>
               </a:rPr>
@@ -12199,7 +12187,7 @@
               <a:buChar char="•"/>
             </a:pPr>
             <a:r>
-              <a:rPr lang="en-US" sz="1800" b="1" dirty="0">
+              <a:rPr lang="en-US" sz="1800" b="1">
                 <a:solidFill>
                   <a:srgbClr val="FF0000"/>
                 </a:solidFill>
@@ -12210,7 +12198,7 @@
               <a:t>Figure 6.</a:t>
             </a:r>
             <a:r>
-              <a:rPr lang="en-US" sz="1800" dirty="0">
+              <a:rPr lang="en-US" sz="1800">
                 <a:solidFill>
                   <a:srgbClr val="FF0000"/>
                 </a:solidFill>
@@ -12221,7 +12209,7 @@
               <a:t> </a:t>
             </a:r>
             <a:r>
-              <a:rPr lang="en-US" altLang="zh-CN" dirty="0">
+              <a:rPr lang="en-US" altLang="zh-CN">
                 <a:solidFill>
                   <a:srgbClr val="FF0000"/>
                 </a:solidFill>
@@ -12230,7 +12218,7 @@
               </a:rPr>
               <a:t>Distribution of net charge of the first coordination shell in (a)subset2n and (b)subset2w. </a:t>
             </a:r>
-            <a:endParaRPr lang="en-US" dirty="0">
+            <a:endParaRPr lang="en-US">
               <a:solidFill>
                 <a:srgbClr val="FF0000"/>
               </a:solidFill>
@@ -12433,7 +12421,7 @@
           <a:lstStyle/>
           <a:p>
             <a:r>
-              <a:rPr lang="en-US" sz="3200" b="1" dirty="0">
+              <a:rPr lang="en-US" sz="3200" b="1">
                 <a:effectLst/>
                 <a:latin typeface="Times New Roman" panose="02020603050405020304" pitchFamily="18" charset="0"/>
                 <a:ea typeface="DengXian" panose="02010600030101010101" pitchFamily="2" charset="-122"/>
@@ -12441,21 +12429,21 @@
               <a:t>Figure </a:t>
             </a:r>
             <a:r>
-              <a:rPr lang="en-US" sz="3200" b="1" dirty="0">
+              <a:rPr lang="en-US" sz="3200" b="1">
                 <a:latin typeface="Times New Roman" panose="02020603050405020304" pitchFamily="18" charset="0"/>
                 <a:ea typeface="DengXian" panose="02010600030101010101" pitchFamily="2" charset="-122"/>
               </a:rPr>
               <a:t>7</a:t>
             </a:r>
             <a:r>
-              <a:rPr lang="en-US" sz="3200" b="1" dirty="0">
+              <a:rPr lang="en-US" sz="3200" b="1">
                 <a:effectLst/>
                 <a:latin typeface="Times New Roman" panose="02020603050405020304" pitchFamily="18" charset="0"/>
                 <a:ea typeface="DengXian" panose="02010600030101010101" pitchFamily="2" charset="-122"/>
               </a:rPr>
               <a:t>.</a:t>
             </a:r>
-            <a:endParaRPr lang="en-US" sz="3200" dirty="0"/>
+            <a:endParaRPr lang="en-US" sz="3200"/>
           </a:p>
         </p:txBody>
       </p:sp>
@@ -12594,7 +12582,7 @@
               <a:buChar char="•"/>
             </a:pPr>
             <a:r>
-              <a:rPr lang="en-US" sz="1800" b="1" dirty="0">
+              <a:rPr lang="en-US" sz="1800" b="1">
                 <a:effectLst/>
                 <a:latin typeface="Times New Roman" panose="02020603050405020304" pitchFamily="18" charset="0"/>
                 <a:ea typeface="DengXian" panose="02010600030101010101" pitchFamily="2" charset="-122"/>
@@ -12602,14 +12590,14 @@
               <a:t>Figure </a:t>
             </a:r>
             <a:r>
-              <a:rPr lang="en-US" b="1" dirty="0">
+              <a:rPr lang="en-US" b="1">
                 <a:latin typeface="Times New Roman" panose="02020603050405020304" pitchFamily="18" charset="0"/>
                 <a:ea typeface="DengXian" panose="02010600030101010101" pitchFamily="2" charset="-122"/>
               </a:rPr>
               <a:t>7</a:t>
             </a:r>
             <a:r>
-              <a:rPr lang="en-US" sz="1800" b="1" dirty="0">
+              <a:rPr lang="en-US" sz="1800" b="1">
                 <a:effectLst/>
                 <a:latin typeface="Times New Roman" panose="02020603050405020304" pitchFamily="18" charset="0"/>
                 <a:ea typeface="DengXian" panose="02010600030101010101" pitchFamily="2" charset="-122"/>
@@ -12617,7 +12605,7 @@
               <a:t>.</a:t>
             </a:r>
             <a:r>
-              <a:rPr lang="en-US" sz="1800" dirty="0">
+              <a:rPr lang="en-US" sz="1800">
                 <a:effectLst/>
                 <a:latin typeface="Times New Roman" panose="02020603050405020304" pitchFamily="18" charset="0"/>
                 <a:ea typeface="DengXian" panose="02010600030101010101" pitchFamily="2" charset="-122"/>
@@ -12625,7 +12613,7 @@
               <a:t> </a:t>
             </a:r>
             <a:r>
-              <a:rPr lang="en-US" dirty="0">
+              <a:rPr lang="en-US">
                 <a:latin typeface="Times New Roman" panose="02020603050405020304" pitchFamily="18" charset="0"/>
                 <a:ea typeface="DengXian" panose="02010600030101010101" pitchFamily="2" charset="-122"/>
               </a:rPr>
@@ -13304,10 +13292,4 @@
     </a:ext>
   </a:extLst>
 </a:theme>
-</file>
-
-<file path=docMetadata/LabelInfo.xml><?xml version="1.0" encoding="utf-8"?>
-<clbl:labelList xmlns:clbl="http://schemas.microsoft.com/office/2020/mipLabelMetadata">
-  <clbl:label id="{ba5a7f39-e3be-4ab3-b450-67fa80faecad}" enabled="0" method="" siteId="{ba5a7f39-e3be-4ab3-b450-67fa80faecad}" removed="1"/>
-</clbl:labelList>
 </file>
--- a/Figure in paper 2.pptx
+++ b/Figure in paper 2.pptx
@@ -17,9 +17,9 @@
     <p:sldId id="283" r:id="rId8"/>
     <p:sldId id="292" r:id="rId9"/>
     <p:sldId id="284" r:id="rId10"/>
-    <p:sldId id="286" r:id="rId11"/>
-    <p:sldId id="258" r:id="rId12"/>
-    <p:sldId id="288" r:id="rId13"/>
+    <p:sldId id="288" r:id="rId11"/>
+    <p:sldId id="286" r:id="rId12"/>
+    <p:sldId id="258" r:id="rId13"/>
     <p:sldId id="290" r:id="rId14"/>
     <p:sldId id="285" r:id="rId15"/>
     <p:sldId id="289" r:id="rId16"/>
@@ -130,6 +130,14 @@
 </p:presentation>
 </file>
 
+<file path=ppt/revisionInfo.xml><?xml version="1.0" encoding="utf-8"?>
+<p1510:revInfo xmlns:a="http://schemas.openxmlformats.org/drawingml/2006/main" xmlns:r="http://schemas.openxmlformats.org/officeDocument/2006/relationships" xmlns:p1510="http://schemas.microsoft.com/office/powerpoint/2015/10/main">
+  <p1510:revLst>
+    <p1510:client id="{7E5EB6AF-9D82-46FE-8E7A-CD8501CCC7B9}" v="221" dt="2024-07-15T20:38:43.054"/>
+  </p1510:revLst>
+</p1510:revInfo>
+</file>
+
 <file path=ppt/changesInfos/changesInfo1.xml><?xml version="1.0" encoding="utf-8"?>
 <pc:chgInfo xmlns:a="http://schemas.openxmlformats.org/drawingml/2006/main" xmlns:r="http://schemas.openxmlformats.org/officeDocument/2006/relationships" xmlns:ac="http://schemas.microsoft.com/office/drawing/2013/main/command" xmlns:pc="http://schemas.microsoft.com/office/powerpoint/2013/main/command">
   <pc:docChgLst>
@@ -565,7 +573,7 @@
   <pc:docChgLst>
     <pc:chgData name="Li, Shicheng" userId="7425521c-7c11-4331-97d3-6e2702dd7f11" providerId="ADAL" clId="{7E5EB6AF-9D82-46FE-8E7A-CD8501CCC7B9}"/>
     <pc:docChg chg="undo custSel addSld delSld modSld sldOrd">
-      <pc:chgData name="Li, Shicheng" userId="7425521c-7c11-4331-97d3-6e2702dd7f11" providerId="ADAL" clId="{7E5EB6AF-9D82-46FE-8E7A-CD8501CCC7B9}" dt="2024-07-10T21:32:46.839" v="489" actId="20577"/>
+      <pc:chgData name="Li, Shicheng" userId="7425521c-7c11-4331-97d3-6e2702dd7f11" providerId="ADAL" clId="{7E5EB6AF-9D82-46FE-8E7A-CD8501CCC7B9}" dt="2024-07-15T20:38:43.054" v="712" actId="1076"/>
       <pc:docMkLst>
         <pc:docMk/>
       </pc:docMkLst>
@@ -740,13 +748,13 @@
         </pc:picChg>
       </pc:sldChg>
       <pc:sldChg chg="addSp modSp mod ord">
-        <pc:chgData name="Li, Shicheng" userId="7425521c-7c11-4331-97d3-6e2702dd7f11" providerId="ADAL" clId="{7E5EB6AF-9D82-46FE-8E7A-CD8501CCC7B9}" dt="2024-07-10T21:31:44.195" v="433" actId="20577"/>
+        <pc:chgData name="Li, Shicheng" userId="7425521c-7c11-4331-97d3-6e2702dd7f11" providerId="ADAL" clId="{7E5EB6AF-9D82-46FE-8E7A-CD8501CCC7B9}" dt="2024-07-15T15:59:26.735" v="512" actId="20577"/>
         <pc:sldMkLst>
           <pc:docMk/>
           <pc:sldMk cId="1861708718" sldId="286"/>
         </pc:sldMkLst>
         <pc:spChg chg="mod">
-          <ac:chgData name="Li, Shicheng" userId="7425521c-7c11-4331-97d3-6e2702dd7f11" providerId="ADAL" clId="{7E5EB6AF-9D82-46FE-8E7A-CD8501CCC7B9}" dt="2024-07-10T21:31:40.363" v="431" actId="20577"/>
+          <ac:chgData name="Li, Shicheng" userId="7425521c-7c11-4331-97d3-6e2702dd7f11" providerId="ADAL" clId="{7E5EB6AF-9D82-46FE-8E7A-CD8501CCC7B9}" dt="2024-07-15T15:59:23.349" v="510" actId="20577"/>
           <ac:spMkLst>
             <pc:docMk/>
             <pc:sldMk cId="1861708718" sldId="286"/>
@@ -754,7 +762,7 @@
           </ac:spMkLst>
         </pc:spChg>
         <pc:spChg chg="mod">
-          <ac:chgData name="Li, Shicheng" userId="7425521c-7c11-4331-97d3-6e2702dd7f11" providerId="ADAL" clId="{7E5EB6AF-9D82-46FE-8E7A-CD8501CCC7B9}" dt="2024-07-10T21:31:44.195" v="433" actId="20577"/>
+          <ac:chgData name="Li, Shicheng" userId="7425521c-7c11-4331-97d3-6e2702dd7f11" providerId="ADAL" clId="{7E5EB6AF-9D82-46FE-8E7A-CD8501CCC7B9}" dt="2024-07-15T15:59:26.735" v="512" actId="20577"/>
           <ac:spMkLst>
             <pc:docMk/>
             <pc:sldMk cId="1861708718" sldId="286"/>
@@ -827,7 +835,7 @@
         </pc:picChg>
       </pc:sldChg>
       <pc:sldChg chg="addSp delSp modSp add mod modNotesTx">
-        <pc:chgData name="Li, Shicheng" userId="7425521c-7c11-4331-97d3-6e2702dd7f11" providerId="ADAL" clId="{7E5EB6AF-9D82-46FE-8E7A-CD8501CCC7B9}" dt="2024-07-10T21:24:35.079" v="345" actId="20577"/>
+        <pc:chgData name="Li, Shicheng" userId="7425521c-7c11-4331-97d3-6e2702dd7f11" providerId="ADAL" clId="{7E5EB6AF-9D82-46FE-8E7A-CD8501CCC7B9}" dt="2024-07-15T16:10:44.588" v="563" actId="20577"/>
         <pc:sldMkLst>
           <pc:docMk/>
           <pc:sldMk cId="1757090110" sldId="287"/>
@@ -1049,12 +1057,52 @@
           </ac:cxnSpMkLst>
         </pc:cxnChg>
       </pc:sldChg>
-      <pc:sldChg chg="ord modNotesTx">
-        <pc:chgData name="Li, Shicheng" userId="7425521c-7c11-4331-97d3-6e2702dd7f11" providerId="ADAL" clId="{7E5EB6AF-9D82-46FE-8E7A-CD8501CCC7B9}" dt="2024-07-10T21:32:46.839" v="489" actId="20577"/>
+      <pc:sldChg chg="addSp modSp mod ord modNotesTx">
+        <pc:chgData name="Li, Shicheng" userId="7425521c-7c11-4331-97d3-6e2702dd7f11" providerId="ADAL" clId="{7E5EB6AF-9D82-46FE-8E7A-CD8501CCC7B9}" dt="2024-07-15T20:38:43.054" v="712" actId="1076"/>
         <pc:sldMkLst>
           <pc:docMk/>
           <pc:sldMk cId="1497024170" sldId="288"/>
         </pc:sldMkLst>
+        <pc:spChg chg="mod">
+          <ac:chgData name="Li, Shicheng" userId="7425521c-7c11-4331-97d3-6e2702dd7f11" providerId="ADAL" clId="{7E5EB6AF-9D82-46FE-8E7A-CD8501CCC7B9}" dt="2024-07-15T15:59:29.890" v="514" actId="20577"/>
+          <ac:spMkLst>
+            <pc:docMk/>
+            <pc:sldMk cId="1497024170" sldId="288"/>
+            <ac:spMk id="2" creationId="{001E3F70-DC66-8477-9E54-EC5216071F23}"/>
+          </ac:spMkLst>
+        </pc:spChg>
+        <pc:spChg chg="add mod">
+          <ac:chgData name="Li, Shicheng" userId="7425521c-7c11-4331-97d3-6e2702dd7f11" providerId="ADAL" clId="{7E5EB6AF-9D82-46FE-8E7A-CD8501CCC7B9}" dt="2024-07-15T20:38:43.054" v="712" actId="1076"/>
+          <ac:spMkLst>
+            <pc:docMk/>
+            <pc:sldMk cId="1497024170" sldId="288"/>
+            <ac:spMk id="3" creationId="{4943B226-3335-0D03-7931-B60F921E63C1}"/>
+          </ac:spMkLst>
+        </pc:spChg>
+        <pc:spChg chg="mod">
+          <ac:chgData name="Li, Shicheng" userId="7425521c-7c11-4331-97d3-6e2702dd7f11" providerId="ADAL" clId="{7E5EB6AF-9D82-46FE-8E7A-CD8501CCC7B9}" dt="2024-07-15T15:59:32.173" v="516" actId="20577"/>
+          <ac:spMkLst>
+            <pc:docMk/>
+            <pc:sldMk cId="1497024170" sldId="288"/>
+            <ac:spMk id="5" creationId="{A5A4C966-320C-39F1-540A-2B536DB93527}"/>
+          </ac:spMkLst>
+        </pc:spChg>
+        <pc:picChg chg="mod">
+          <ac:chgData name="Li, Shicheng" userId="7425521c-7c11-4331-97d3-6e2702dd7f11" providerId="ADAL" clId="{7E5EB6AF-9D82-46FE-8E7A-CD8501CCC7B9}" dt="2024-07-15T20:38:33.352" v="711" actId="1076"/>
+          <ac:picMkLst>
+            <pc:docMk/>
+            <pc:sldMk cId="1497024170" sldId="288"/>
+            <ac:picMk id="4" creationId="{027BEDE0-4302-4D39-FC95-FC85B63C0E67}"/>
+          </ac:picMkLst>
+        </pc:picChg>
+        <pc:picChg chg="mod">
+          <ac:chgData name="Li, Shicheng" userId="7425521c-7c11-4331-97d3-6e2702dd7f11" providerId="ADAL" clId="{7E5EB6AF-9D82-46FE-8E7A-CD8501CCC7B9}" dt="2024-07-15T20:38:27.440" v="710" actId="1076"/>
+          <ac:picMkLst>
+            <pc:docMk/>
+            <pc:sldMk cId="1497024170" sldId="288"/>
+            <ac:picMk id="16" creationId="{577C420E-FB7C-1386-2776-2F7467F3D5D4}"/>
+          </ac:picMkLst>
+        </pc:picChg>
       </pc:sldChg>
       <pc:sldChg chg="modSp mod modNotesTx">
         <pc:chgData name="Li, Shicheng" userId="7425521c-7c11-4331-97d3-6e2702dd7f11" providerId="ADAL" clId="{7E5EB6AF-9D82-46FE-8E7A-CD8501CCC7B9}" dt="2024-07-08T16:22:11.041" v="239" actId="20577"/>
@@ -1095,13 +1143,13 @@
         </pc:picChg>
       </pc:sldChg>
       <pc:sldChg chg="addSp delSp modSp add mod ord">
-        <pc:chgData name="Li, Shicheng" userId="7425521c-7c11-4331-97d3-6e2702dd7f11" providerId="ADAL" clId="{7E5EB6AF-9D82-46FE-8E7A-CD8501CCC7B9}" dt="2024-07-10T21:32:02.691" v="436" actId="207"/>
+        <pc:chgData name="Li, Shicheng" userId="7425521c-7c11-4331-97d3-6e2702dd7f11" providerId="ADAL" clId="{7E5EB6AF-9D82-46FE-8E7A-CD8501CCC7B9}" dt="2024-07-15T20:38:05.962" v="708" actId="207"/>
         <pc:sldMkLst>
           <pc:docMk/>
           <pc:sldMk cId="2196169373" sldId="292"/>
         </pc:sldMkLst>
         <pc:spChg chg="mod">
-          <ac:chgData name="Li, Shicheng" userId="7425521c-7c11-4331-97d3-6e2702dd7f11" providerId="ADAL" clId="{7E5EB6AF-9D82-46FE-8E7A-CD8501CCC7B9}" dt="2024-07-10T21:32:02.691" v="436" actId="207"/>
+          <ac:chgData name="Li, Shicheng" userId="7425521c-7c11-4331-97d3-6e2702dd7f11" providerId="ADAL" clId="{7E5EB6AF-9D82-46FE-8E7A-CD8501CCC7B9}" dt="2024-07-15T20:38:05.962" v="708" actId="207"/>
           <ac:spMkLst>
             <pc:docMk/>
             <pc:sldMk cId="2196169373" sldId="292"/>
@@ -1923,7 +1971,7 @@
           <a:p>
             <a:fld id="{56A43E7F-2FBD-4C74-A6A3-71F46B4D3471}" type="datetimeFigureOut">
               <a:rPr lang="en-US" smtClean="0"/>
-              <a:t>7/14/2024</a:t>
+              <a:t>7/15/2024</a:t>
             </a:fld>
             <a:endParaRPr lang="en-US"/>
           </a:p>
@@ -2318,7 +2366,10 @@
           <a:bodyPr/>
           <a:lstStyle/>
           <a:p>
-            <a:endParaRPr lang="en-US"/>
+            <a:r>
+              <a:rPr lang="en-US"/>
+              <a:t>Add one more fig for subset2nw</a:t>
+            </a:r>
           </a:p>
         </p:txBody>
       </p:sp>
@@ -2348,7 +2399,7 @@
     </p:spTree>
     <p:extLst>
       <p:ext uri="{BB962C8B-B14F-4D97-AF65-F5344CB8AC3E}">
-        <p14:creationId xmlns:p14="http://schemas.microsoft.com/office/powerpoint/2010/main" val="785459809"/>
+        <p14:creationId xmlns:p14="http://schemas.microsoft.com/office/powerpoint/2010/main" val="2288387597"/>
       </p:ext>
     </p:extLst>
   </p:cSld>
@@ -2402,10 +2453,7 @@
           <a:bodyPr/>
           <a:lstStyle/>
           <a:p>
-            <a:r>
-              <a:rPr lang="en-US"/>
-              <a:t>Add one more fig for subset2nw</a:t>
-            </a:r>
+            <a:endParaRPr lang="en-US"/>
           </a:p>
         </p:txBody>
       </p:sp>
@@ -2426,7 +2474,7 @@
           <a:p>
             <a:fld id="{A115DB88-2ED6-4DFA-8131-A12D0601D980}" type="slidenum">
               <a:rPr lang="en-US" smtClean="0"/>
-              <a:t>12</a:t>
+              <a:t>11</a:t>
             </a:fld>
             <a:endParaRPr lang="en-US"/>
           </a:p>
@@ -2435,7 +2483,7 @@
     </p:spTree>
     <p:extLst>
       <p:ext uri="{BB962C8B-B14F-4D97-AF65-F5344CB8AC3E}">
-        <p14:creationId xmlns:p14="http://schemas.microsoft.com/office/powerpoint/2010/main" val="2288387597"/>
+        <p14:creationId xmlns:p14="http://schemas.microsoft.com/office/powerpoint/2010/main" val="785459809"/>
       </p:ext>
     </p:extLst>
   </p:cSld>
@@ -2922,7 +2970,15 @@
           <a:p>
             <a:r>
               <a:rPr lang="en-US"/>
-              <a:t>How many nitrate and water in first shell</a:t>
+              <a:t>How many nitrate and water in first shell  at </a:t>
+            </a:r>
+            <a:r>
+              <a:rPr lang="en-US" err="1"/>
+              <a:t>leat</a:t>
+            </a:r>
+            <a:r>
+              <a:rPr lang="en-US"/>
+              <a:t> one nitrate with phen</a:t>
             </a:r>
           </a:p>
           <a:p>
@@ -3623,7 +3679,7 @@
           <a:p>
             <a:fld id="{95396F27-02BC-4467-B681-1C6B8C3FCDB1}" type="datetimeFigureOut">
               <a:rPr lang="en-US" smtClean="0"/>
-              <a:t>7/14/2024</a:t>
+              <a:t>7/15/2024</a:t>
             </a:fld>
             <a:endParaRPr lang="en-US"/>
           </a:p>
@@ -3821,7 +3877,7 @@
           <a:p>
             <a:fld id="{95396F27-02BC-4467-B681-1C6B8C3FCDB1}" type="datetimeFigureOut">
               <a:rPr lang="en-US" smtClean="0"/>
-              <a:t>7/14/2024</a:t>
+              <a:t>7/15/2024</a:t>
             </a:fld>
             <a:endParaRPr lang="en-US"/>
           </a:p>
@@ -4029,7 +4085,7 @@
           <a:p>
             <a:fld id="{95396F27-02BC-4467-B681-1C6B8C3FCDB1}" type="datetimeFigureOut">
               <a:rPr lang="en-US" smtClean="0"/>
-              <a:t>7/14/2024</a:t>
+              <a:t>7/15/2024</a:t>
             </a:fld>
             <a:endParaRPr lang="en-US"/>
           </a:p>
@@ -4227,7 +4283,7 @@
           <a:p>
             <a:fld id="{95396F27-02BC-4467-B681-1C6B8C3FCDB1}" type="datetimeFigureOut">
               <a:rPr lang="en-US" smtClean="0"/>
-              <a:t>7/14/2024</a:t>
+              <a:t>7/15/2024</a:t>
             </a:fld>
             <a:endParaRPr lang="en-US"/>
           </a:p>
@@ -4502,7 +4558,7 @@
           <a:p>
             <a:fld id="{95396F27-02BC-4467-B681-1C6B8C3FCDB1}" type="datetimeFigureOut">
               <a:rPr lang="en-US" smtClean="0"/>
-              <a:t>7/14/2024</a:t>
+              <a:t>7/15/2024</a:t>
             </a:fld>
             <a:endParaRPr lang="en-US"/>
           </a:p>
@@ -4767,7 +4823,7 @@
           <a:p>
             <a:fld id="{95396F27-02BC-4467-B681-1C6B8C3FCDB1}" type="datetimeFigureOut">
               <a:rPr lang="en-US" smtClean="0"/>
-              <a:t>7/14/2024</a:t>
+              <a:t>7/15/2024</a:t>
             </a:fld>
             <a:endParaRPr lang="en-US"/>
           </a:p>
@@ -5179,7 +5235,7 @@
           <a:p>
             <a:fld id="{95396F27-02BC-4467-B681-1C6B8C3FCDB1}" type="datetimeFigureOut">
               <a:rPr lang="en-US" smtClean="0"/>
-              <a:t>7/14/2024</a:t>
+              <a:t>7/15/2024</a:t>
             </a:fld>
             <a:endParaRPr lang="en-US"/>
           </a:p>
@@ -5320,7 +5376,7 @@
           <a:p>
             <a:fld id="{95396F27-02BC-4467-B681-1C6B8C3FCDB1}" type="datetimeFigureOut">
               <a:rPr lang="en-US" smtClean="0"/>
-              <a:t>7/14/2024</a:t>
+              <a:t>7/15/2024</a:t>
             </a:fld>
             <a:endParaRPr lang="en-US"/>
           </a:p>
@@ -5433,7 +5489,7 @@
           <a:p>
             <a:fld id="{95396F27-02BC-4467-B681-1C6B8C3FCDB1}" type="datetimeFigureOut">
               <a:rPr lang="en-US" smtClean="0"/>
-              <a:t>7/14/2024</a:t>
+              <a:t>7/15/2024</a:t>
             </a:fld>
             <a:endParaRPr lang="en-US"/>
           </a:p>
@@ -5744,7 +5800,7 @@
           <a:p>
             <a:fld id="{95396F27-02BC-4467-B681-1C6B8C3FCDB1}" type="datetimeFigureOut">
               <a:rPr lang="en-US" smtClean="0"/>
-              <a:t>7/14/2024</a:t>
+              <a:t>7/15/2024</a:t>
             </a:fld>
             <a:endParaRPr lang="en-US"/>
           </a:p>
@@ -6032,7 +6088,7 @@
           <a:p>
             <a:fld id="{95396F27-02BC-4467-B681-1C6B8C3FCDB1}" type="datetimeFigureOut">
               <a:rPr lang="en-US" smtClean="0"/>
-              <a:t>7/14/2024</a:t>
+              <a:t>7/15/2024</a:t>
             </a:fld>
             <a:endParaRPr lang="en-US"/>
           </a:p>
@@ -6273,7 +6329,7 @@
           <a:p>
             <a:fld id="{95396F27-02BC-4467-B681-1C6B8C3FCDB1}" type="datetimeFigureOut">
               <a:rPr lang="en-US" smtClean="0"/>
-              <a:t>7/14/2024</a:t>
+              <a:t>7/15/2024</a:t>
             </a:fld>
             <a:endParaRPr lang="en-US"/>
           </a:p>
@@ -7777,7 +7833,7 @@
         </p:nvSpPr>
         <p:spPr>
           <a:xfrm>
-            <a:off x="306032" y="5812095"/>
+            <a:off x="312517" y="5673281"/>
             <a:ext cx="10703674" cy="646331"/>
           </a:xfrm>
           <a:prstGeom prst="rect">
@@ -7801,7 +7857,22 @@
                 <a:latin typeface="Times New Roman" panose="02020603050405020304" pitchFamily="18" charset="0"/>
                 <a:ea typeface="DengXian" panose="02010600030101010101" pitchFamily="2" charset="-122"/>
               </a:rPr>
-              <a:t>Figure 8.</a:t>
+              <a:t>Figure </a:t>
+            </a:r>
+            <a:r>
+              <a:rPr lang="en-US" b="1">
+                <a:latin typeface="Times New Roman" panose="02020603050405020304" pitchFamily="18" charset="0"/>
+                <a:ea typeface="DengXian" panose="02010600030101010101" pitchFamily="2" charset="-122"/>
+              </a:rPr>
+              <a:t>8</a:t>
+            </a:r>
+            <a:r>
+              <a:rPr lang="en-US" sz="1800" b="1">
+                <a:effectLst/>
+                <a:latin typeface="Times New Roman" panose="02020603050405020304" pitchFamily="18" charset="0"/>
+                <a:ea typeface="DengXian" panose="02010600030101010101" pitchFamily="2" charset="-122"/>
+              </a:rPr>
+              <a:t>.</a:t>
             </a:r>
             <a:r>
               <a:rPr lang="en-US" sz="1800">
@@ -7816,15 +7887,12 @@
                 <a:latin typeface="Times New Roman" panose="02020603050405020304" pitchFamily="18" charset="0"/>
                 <a:ea typeface="DengXian" panose="02010600030101010101" pitchFamily="2" charset="-122"/>
               </a:rPr>
-              <a:t>Distribution of net charge </a:t>
-            </a:r>
-            <a:r>
-              <a:rPr lang="en-US">
-                <a:latin typeface="Times New Roman" panose="02020603050405020304" pitchFamily="18" charset="0"/>
-                <a:ea typeface="DengXian" panose="02010600030101010101" pitchFamily="2" charset="-122"/>
-              </a:rPr>
-              <a:t>in first shell of Ln complexes in (a)subset2n (b)subset2n_non_neutral (c)subset2w (d)subset2w_non_neutral across the Ln series.</a:t>
-            </a:r>
+              <a:t>Distribution of net charge of the first coordination shell in (a)subset2n and (b)subset2w (c)subset2n_w. </a:t>
+            </a:r>
+            <a:endParaRPr lang="en-US">
+              <a:latin typeface="Times New Roman" panose="02020603050405020304" pitchFamily="18" charset="0"/>
+              <a:ea typeface="DengXian" panose="02010600030101010101" pitchFamily="2" charset="-122"/>
+            </a:endParaRPr>
           </a:p>
         </p:txBody>
       </p:sp>
@@ -7842,7 +7910,7 @@
         </p:nvSpPr>
         <p:spPr>
           <a:xfrm>
-            <a:off x="1229457" y="1366620"/>
+            <a:off x="-101430" y="1368358"/>
             <a:ext cx="453970" cy="369332"/>
           </a:xfrm>
           <a:prstGeom prst="rect">
@@ -7880,7 +7948,7 @@
         </p:nvSpPr>
         <p:spPr>
           <a:xfrm>
-            <a:off x="4674200" y="1368358"/>
+            <a:off x="3933068" y="1368358"/>
             <a:ext cx="466794" cy="369332"/>
           </a:xfrm>
           <a:prstGeom prst="rect">
@@ -7904,88 +7972,12 @@
           </a:p>
         </p:txBody>
       </p:sp>
-      <p:sp>
-        <p:nvSpPr>
-          <p:cNvPr id="19" name="TextBox 18">
-            <a:extLst>
-              <a:ext uri="{FF2B5EF4-FFF2-40B4-BE49-F238E27FC236}">
-                <a16:creationId xmlns:a16="http://schemas.microsoft.com/office/drawing/2014/main" id="{4FA26463-215F-AF9C-52BB-B2FB58C6E25E}"/>
-              </a:ext>
-            </a:extLst>
-          </p:cNvPr>
-          <p:cNvSpPr txBox="1"/>
-          <p:nvPr/>
-        </p:nvSpPr>
-        <p:spPr>
-          <a:xfrm>
-            <a:off x="1223977" y="3512491"/>
-            <a:ext cx="441146" cy="369332"/>
-          </a:xfrm>
-          <a:prstGeom prst="rect">
-            <a:avLst/>
-          </a:prstGeom>
-          <a:noFill/>
-        </p:spPr>
-        <p:txBody>
-          <a:bodyPr wrap="none" rtlCol="0">
-            <a:spAutoFit/>
-          </a:bodyPr>
-          <a:lstStyle/>
-          <a:p>
-            <a:r>
-              <a:rPr lang="en-US" b="1">
-                <a:latin typeface="Times New Roman" panose="02020603050405020304" pitchFamily="18" charset="0"/>
-                <a:cs typeface="Times New Roman" panose="02020603050405020304" pitchFamily="18" charset="0"/>
-              </a:rPr>
-              <a:t>(c)</a:t>
-            </a:r>
-          </a:p>
-        </p:txBody>
-      </p:sp>
-      <p:sp>
-        <p:nvSpPr>
-          <p:cNvPr id="20" name="TextBox 19">
-            <a:extLst>
-              <a:ext uri="{FF2B5EF4-FFF2-40B4-BE49-F238E27FC236}">
-                <a16:creationId xmlns:a16="http://schemas.microsoft.com/office/drawing/2014/main" id="{DBFCCB08-C436-2B4D-E952-2F710E47C66A}"/>
-              </a:ext>
-            </a:extLst>
-          </p:cNvPr>
-          <p:cNvSpPr txBox="1"/>
-          <p:nvPr/>
-        </p:nvSpPr>
-        <p:spPr>
-          <a:xfrm>
-            <a:off x="4674200" y="3527410"/>
-            <a:ext cx="466794" cy="369332"/>
-          </a:xfrm>
-          <a:prstGeom prst="rect">
-            <a:avLst/>
-          </a:prstGeom>
-          <a:noFill/>
-        </p:spPr>
-        <p:txBody>
-          <a:bodyPr wrap="none" rtlCol="0">
-            <a:spAutoFit/>
-          </a:bodyPr>
-          <a:lstStyle/>
-          <a:p>
-            <a:r>
-              <a:rPr lang="en-US" b="1">
-                <a:latin typeface="Times New Roman" panose="02020603050405020304" pitchFamily="18" charset="0"/>
-                <a:cs typeface="Times New Roman" panose="02020603050405020304" pitchFamily="18" charset="0"/>
-              </a:rPr>
-              <a:t>(d)</a:t>
-            </a:r>
-          </a:p>
-        </p:txBody>
-      </p:sp>
       <p:pic>
         <p:nvPicPr>
-          <p:cNvPr id="13" name="Picture 12">
-            <a:extLst>
-              <a:ext uri="{FF2B5EF4-FFF2-40B4-BE49-F238E27FC236}">
-                <a16:creationId xmlns:a16="http://schemas.microsoft.com/office/drawing/2014/main" id="{995D70F8-AFE6-0D41-469F-0FD47AC6C48E}"/>
+          <p:cNvPr id="12" name="Picture 11">
+            <a:extLst>
+              <a:ext uri="{FF2B5EF4-FFF2-40B4-BE49-F238E27FC236}">
+                <a16:creationId xmlns:a16="http://schemas.microsoft.com/office/drawing/2014/main" id="{BFC26830-5D1C-FDC4-8FBB-1A58D2023D63}"/>
               </a:ext>
             </a:extLst>
           </p:cNvPr>
@@ -8002,8 +7994,8 @@
         </p:blipFill>
         <p:spPr>
           <a:xfrm>
-            <a:off x="1377430" y="917409"/>
-            <a:ext cx="3566160" cy="2727960"/>
+            <a:off x="-191286" y="1365387"/>
+            <a:ext cx="4781444" cy="3657600"/>
           </a:xfrm>
           <a:prstGeom prst="rect">
             <a:avLst/>
@@ -8012,10 +8004,10 @@
       </p:pic>
       <p:pic>
         <p:nvPicPr>
-          <p:cNvPr id="24" name="Picture 23">
-            <a:extLst>
-              <a:ext uri="{FF2B5EF4-FFF2-40B4-BE49-F238E27FC236}">
-                <a16:creationId xmlns:a16="http://schemas.microsoft.com/office/drawing/2014/main" id="{3FB5D1DF-012A-3743-1ABC-9A2A18F1E03D}"/>
+          <p:cNvPr id="16" name="Picture 15">
+            <a:extLst>
+              <a:ext uri="{FF2B5EF4-FFF2-40B4-BE49-F238E27FC236}">
+                <a16:creationId xmlns:a16="http://schemas.microsoft.com/office/drawing/2014/main" id="{577C420E-FB7C-1386-2776-2F7467F3D5D4}"/>
               </a:ext>
             </a:extLst>
           </p:cNvPr>
@@ -8032,8 +8024,8 @@
         </p:blipFill>
         <p:spPr>
           <a:xfrm>
-            <a:off x="1377430" y="3255564"/>
-            <a:ext cx="3566160" cy="2727960"/>
+            <a:off x="3829156" y="1365383"/>
+            <a:ext cx="4781444" cy="3657600"/>
           </a:xfrm>
           <a:prstGeom prst="rect">
             <a:avLst/>
@@ -8042,10 +8034,10 @@
       </p:pic>
       <p:pic>
         <p:nvPicPr>
-          <p:cNvPr id="28" name="Picture 27">
-            <a:extLst>
-              <a:ext uri="{FF2B5EF4-FFF2-40B4-BE49-F238E27FC236}">
-                <a16:creationId xmlns:a16="http://schemas.microsoft.com/office/drawing/2014/main" id="{A5DFB900-3B3D-BF42-1F0B-E5FA5F138DF8}"/>
+          <p:cNvPr id="4" name="Picture 3">
+            <a:extLst>
+              <a:ext uri="{FF2B5EF4-FFF2-40B4-BE49-F238E27FC236}">
+                <a16:creationId xmlns:a16="http://schemas.microsoft.com/office/drawing/2014/main" id="{027BEDE0-4302-4D39-FC95-FC85B63C0E67}"/>
               </a:ext>
             </a:extLst>
           </p:cNvPr>
@@ -8062,50 +8054,20 @@
         </p:blipFill>
         <p:spPr>
           <a:xfrm>
-            <a:off x="4871604" y="3255564"/>
-            <a:ext cx="3566160" cy="2727960"/>
+            <a:off x="7869669" y="1365383"/>
+            <a:ext cx="4761373" cy="3657600"/>
           </a:xfrm>
           <a:prstGeom prst="rect">
             <a:avLst/>
           </a:prstGeom>
         </p:spPr>
       </p:pic>
-      <p:pic>
-        <p:nvPicPr>
-          <p:cNvPr id="30" name="Picture 29">
-            <a:extLst>
-              <a:ext uri="{FF2B5EF4-FFF2-40B4-BE49-F238E27FC236}">
-                <a16:creationId xmlns:a16="http://schemas.microsoft.com/office/drawing/2014/main" id="{5FD3A135-F6EC-1815-9E8F-194696EF19A3}"/>
-              </a:ext>
-            </a:extLst>
-          </p:cNvPr>
-          <p:cNvPicPr>
-            <a:picLocks noChangeAspect="1"/>
-          </p:cNvPicPr>
-          <p:nvPr/>
-        </p:nvPicPr>
-        <p:blipFill>
-          <a:blip r:embed="rId7"/>
-          <a:stretch>
-            <a:fillRect/>
-          </a:stretch>
-        </p:blipFill>
-        <p:spPr>
-          <a:xfrm>
-            <a:off x="4876407" y="917409"/>
-            <a:ext cx="3561357" cy="2724912"/>
-          </a:xfrm>
-          <a:prstGeom prst="rect">
-            <a:avLst/>
-          </a:prstGeom>
-        </p:spPr>
-      </p:pic>
-      <p:sp>
-        <p:nvSpPr>
-          <p:cNvPr id="31" name="TextBox 30">
-            <a:extLst>
-              <a:ext uri="{FF2B5EF4-FFF2-40B4-BE49-F238E27FC236}">
-                <a16:creationId xmlns:a16="http://schemas.microsoft.com/office/drawing/2014/main" id="{FFA1F4AB-8F41-1EE0-F0BB-63366BC0B6C7}"/>
+      <p:sp>
+        <p:nvSpPr>
+          <p:cNvPr id="3" name="TextBox 2">
+            <a:extLst>
+              <a:ext uri="{FF2B5EF4-FFF2-40B4-BE49-F238E27FC236}">
+                <a16:creationId xmlns:a16="http://schemas.microsoft.com/office/drawing/2014/main" id="{4943B226-3335-0D03-7931-B60F921E63C1}"/>
               </a:ext>
             </a:extLst>
           </p:cNvPr>
@@ -8114,8 +8076,8 @@
         </p:nvSpPr>
         <p:spPr>
           <a:xfrm>
-            <a:off x="8313906" y="1940449"/>
-            <a:ext cx="3218125" cy="646331"/>
+            <a:off x="8070893" y="1380672"/>
+            <a:ext cx="441146" cy="369332"/>
           </a:xfrm>
           <a:prstGeom prst="rect">
             <a:avLst/>
@@ -8129,14 +8091,11 @@
           <a:lstStyle/>
           <a:p>
             <a:r>
-              <a:rPr lang="en-US"/>
-              <a:t>For non-neutral fs,</a:t>
-            </a:r>
-          </a:p>
-          <a:p>
-            <a:r>
-              <a:rPr lang="en-US"/>
-              <a:t>Nitrates prefer net charge  = +1</a:t>
+              <a:rPr lang="en-US" b="1">
+                <a:latin typeface="Times New Roman" panose="02020603050405020304" pitchFamily="18" charset="0"/>
+                <a:cs typeface="Times New Roman" panose="02020603050405020304" pitchFamily="18" charset="0"/>
+              </a:rPr>
+              <a:t>(c)</a:t>
             </a:r>
           </a:p>
         </p:txBody>
@@ -8144,7 +8103,7 @@
     </p:spTree>
     <p:extLst>
       <p:ext uri="{BB962C8B-B14F-4D97-AF65-F5344CB8AC3E}">
-        <p14:creationId xmlns:p14="http://schemas.microsoft.com/office/powerpoint/2010/main" val="1861708718"/>
+        <p14:creationId xmlns:p14="http://schemas.microsoft.com/office/powerpoint/2010/main" val="1497024170"/>
       </p:ext>
     </p:extLst>
   </p:cSld>
@@ -8173,10 +8132,152 @@
       </p:grpSpPr>
       <p:sp>
         <p:nvSpPr>
-          <p:cNvPr id="8" name="TextBox 7">
-            <a:extLst>
-              <a:ext uri="{FF2B5EF4-FFF2-40B4-BE49-F238E27FC236}">
-                <a16:creationId xmlns:a16="http://schemas.microsoft.com/office/drawing/2014/main" id="{5E65013E-96B4-E275-2ADB-2302B617812B}"/>
+          <p:cNvPr id="2" name="Title 1">
+            <a:extLst>
+              <a:ext uri="{FF2B5EF4-FFF2-40B4-BE49-F238E27FC236}">
+                <a16:creationId xmlns:a16="http://schemas.microsoft.com/office/drawing/2014/main" id="{001E3F70-DC66-8477-9E54-EC5216071F23}"/>
+              </a:ext>
+            </a:extLst>
+          </p:cNvPr>
+          <p:cNvSpPr>
+            <a:spLocks noGrp="1"/>
+          </p:cNvSpPr>
+          <p:nvPr>
+            <p:ph type="title"/>
+          </p:nvPr>
+        </p:nvSpPr>
+        <p:spPr>
+          <a:xfrm>
+            <a:off x="4439" y="1"/>
+            <a:ext cx="9610077" cy="949905"/>
+          </a:xfrm>
+        </p:spPr>
+        <p:txBody>
+          <a:bodyPr>
+            <a:normAutofit/>
+          </a:bodyPr>
+          <a:lstStyle/>
+          <a:p>
+            <a:r>
+              <a:rPr lang="en-US" sz="3200" b="1">
+                <a:effectLst/>
+                <a:latin typeface="Times New Roman" panose="02020603050405020304" pitchFamily="18" charset="0"/>
+                <a:ea typeface="DengXian" panose="02010600030101010101" pitchFamily="2" charset="-122"/>
+              </a:rPr>
+              <a:t>Figure 9.</a:t>
+            </a:r>
+            <a:endParaRPr lang="en-US" sz="3200"/>
+          </a:p>
+        </p:txBody>
+      </p:sp>
+      <p:cxnSp>
+        <p:nvCxnSpPr>
+          <p:cNvPr id="7" name="Straight Connector 6">
+            <a:extLst>
+              <a:ext uri="{FF2B5EF4-FFF2-40B4-BE49-F238E27FC236}">
+                <a16:creationId xmlns:a16="http://schemas.microsoft.com/office/drawing/2014/main" id="{E9EFDF02-7A77-FB7C-7728-BA116CBCE885}"/>
+              </a:ext>
+            </a:extLst>
+          </p:cNvPr>
+          <p:cNvCxnSpPr>
+            <a:cxnSpLocks/>
+          </p:cNvCxnSpPr>
+          <p:nvPr/>
+        </p:nvCxnSpPr>
+        <p:spPr>
+          <a:xfrm flipV="1">
+            <a:off x="-17756" y="949906"/>
+            <a:ext cx="12209756" cy="4"/>
+          </a:xfrm>
+          <a:prstGeom prst="line">
+            <a:avLst/>
+          </a:prstGeom>
+          <a:ln w="38100">
+            <a:solidFill>
+              <a:schemeClr val="accent1"/>
+            </a:solidFill>
+          </a:ln>
+        </p:spPr>
+        <p:style>
+          <a:lnRef idx="3">
+            <a:schemeClr val="accent4"/>
+          </a:lnRef>
+          <a:fillRef idx="0">
+            <a:schemeClr val="accent4"/>
+          </a:fillRef>
+          <a:effectRef idx="2">
+            <a:schemeClr val="accent4"/>
+          </a:effectRef>
+          <a:fontRef idx="minor">
+            <a:schemeClr val="tx1"/>
+          </a:fontRef>
+        </p:style>
+      </p:cxnSp>
+      <p:pic>
+        <p:nvPicPr>
+          <p:cNvPr id="14" name="Picture 13">
+            <a:extLst>
+              <a:ext uri="{FF2B5EF4-FFF2-40B4-BE49-F238E27FC236}">
+                <a16:creationId xmlns:a16="http://schemas.microsoft.com/office/drawing/2014/main" id="{CD003671-7A56-2C3A-9948-BB852C7AE352}"/>
+              </a:ext>
+            </a:extLst>
+          </p:cNvPr>
+          <p:cNvPicPr>
+            <a:picLocks noChangeAspect="1"/>
+          </p:cNvPicPr>
+          <p:nvPr/>
+        </p:nvPicPr>
+        <p:blipFill>
+          <a:blip r:embed="rId3"/>
+          <a:stretch>
+            <a:fillRect/>
+          </a:stretch>
+        </p:blipFill>
+        <p:spPr>
+          <a:xfrm>
+            <a:off x="11354539" y="322"/>
+            <a:ext cx="833021" cy="917087"/>
+          </a:xfrm>
+          <a:prstGeom prst="rect">
+            <a:avLst/>
+          </a:prstGeom>
+        </p:spPr>
+      </p:pic>
+      <p:sp>
+        <p:nvSpPr>
+          <p:cNvPr id="8" name="Slide Number Placeholder 7">
+            <a:extLst>
+              <a:ext uri="{FF2B5EF4-FFF2-40B4-BE49-F238E27FC236}">
+                <a16:creationId xmlns:a16="http://schemas.microsoft.com/office/drawing/2014/main" id="{EBECB5A2-1C8C-9524-DE39-552759C6889C}"/>
+              </a:ext>
+            </a:extLst>
+          </p:cNvPr>
+          <p:cNvSpPr>
+            <a:spLocks noGrp="1"/>
+          </p:cNvSpPr>
+          <p:nvPr>
+            <p:ph type="sldNum" sz="quarter" idx="12"/>
+          </p:nvPr>
+        </p:nvSpPr>
+        <p:spPr/>
+        <p:txBody>
+          <a:bodyPr/>
+          <a:lstStyle/>
+          <a:p>
+            <a:fld id="{348A67C5-9A30-4AA4-BAAF-98754B134193}" type="slidenum">
+              <a:rPr lang="en-US" smtClean="0"/>
+              <a:t>11</a:t>
+            </a:fld>
+            <a:endParaRPr lang="en-US"/>
+          </a:p>
+        </p:txBody>
+      </p:sp>
+      <p:sp>
+        <p:nvSpPr>
+          <p:cNvPr id="5" name="TextBox 4">
+            <a:extLst>
+              <a:ext uri="{FF2B5EF4-FFF2-40B4-BE49-F238E27FC236}">
+                <a16:creationId xmlns:a16="http://schemas.microsoft.com/office/drawing/2014/main" id="{A5A4C966-320C-39F1-540A-2B536DB93527}"/>
               </a:ext>
             </a:extLst>
           </p:cNvPr>
@@ -8185,8 +8286,8 @@
         </p:nvSpPr>
         <p:spPr>
           <a:xfrm>
-            <a:off x="2811282" y="877078"/>
-            <a:ext cx="755335" cy="369332"/>
+            <a:off x="306032" y="5812095"/>
+            <a:ext cx="10703674" cy="646331"/>
           </a:xfrm>
           <a:prstGeom prst="rect">
             <a:avLst/>
@@ -8194,24 +8295,54 @@
           <a:noFill/>
         </p:spPr>
         <p:txBody>
-          <a:bodyPr wrap="none" rtlCol="0">
+          <a:bodyPr wrap="square">
             <a:spAutoFit/>
           </a:bodyPr>
           <a:lstStyle/>
           <a:p>
-            <a:r>
-              <a:rPr lang="en-US"/>
-              <a:t>CN=9</a:t>
-            </a:r>
-          </a:p>
-        </p:txBody>
-      </p:sp>
-      <p:sp>
-        <p:nvSpPr>
-          <p:cNvPr id="9" name="TextBox 8">
-            <a:extLst>
-              <a:ext uri="{FF2B5EF4-FFF2-40B4-BE49-F238E27FC236}">
-                <a16:creationId xmlns:a16="http://schemas.microsoft.com/office/drawing/2014/main" id="{A1767496-3139-BD9F-F8E1-2B5CDDDFF418}"/>
+            <a:pPr marL="285750" indent="-285750">
+              <a:buFont typeface="Arial" panose="020B0604020202020204" pitchFamily="34" charset="0"/>
+              <a:buChar char="•"/>
+            </a:pPr>
+            <a:r>
+              <a:rPr lang="en-US" sz="1800" b="1">
+                <a:effectLst/>
+                <a:latin typeface="Times New Roman" panose="02020603050405020304" pitchFamily="18" charset="0"/>
+                <a:ea typeface="DengXian" panose="02010600030101010101" pitchFamily="2" charset="-122"/>
+              </a:rPr>
+              <a:t>Figure 9.</a:t>
+            </a:r>
+            <a:r>
+              <a:rPr lang="en-US" sz="1800">
+                <a:effectLst/>
+                <a:latin typeface="Times New Roman" panose="02020603050405020304" pitchFamily="18" charset="0"/>
+                <a:ea typeface="DengXian" panose="02010600030101010101" pitchFamily="2" charset="-122"/>
+              </a:rPr>
+              <a:t> </a:t>
+            </a:r>
+            <a:r>
+              <a:rPr lang="en-US" altLang="zh-CN">
+                <a:latin typeface="Times New Roman" panose="02020603050405020304" pitchFamily="18" charset="0"/>
+                <a:ea typeface="DengXian" panose="02010600030101010101" pitchFamily="2" charset="-122"/>
+              </a:rPr>
+              <a:t>Distribution of net charge </a:t>
+            </a:r>
+            <a:r>
+              <a:rPr lang="en-US">
+                <a:latin typeface="Times New Roman" panose="02020603050405020304" pitchFamily="18" charset="0"/>
+                <a:ea typeface="DengXian" panose="02010600030101010101" pitchFamily="2" charset="-122"/>
+              </a:rPr>
+              <a:t>in first shell of Ln complexes in (a)subset2n (b)subset2n_non_neutral (c)subset2w (d)subset2w_non_neutral across the Ln series.</a:t>
+            </a:r>
+          </a:p>
+        </p:txBody>
+      </p:sp>
+      <p:sp>
+        <p:nvSpPr>
+          <p:cNvPr id="6" name="TextBox 5">
+            <a:extLst>
+              <a:ext uri="{FF2B5EF4-FFF2-40B4-BE49-F238E27FC236}">
+                <a16:creationId xmlns:a16="http://schemas.microsoft.com/office/drawing/2014/main" id="{08BA8A82-3711-BB3A-7E47-FF6E57E2D43A}"/>
               </a:ext>
             </a:extLst>
           </p:cNvPr>
@@ -8220,8 +8351,8 @@
         </p:nvSpPr>
         <p:spPr>
           <a:xfrm>
-            <a:off x="7576115" y="802433"/>
-            <a:ext cx="878767" cy="369332"/>
+            <a:off x="1229457" y="1366620"/>
+            <a:ext cx="453970" cy="369332"/>
           </a:xfrm>
           <a:prstGeom prst="rect">
             <a:avLst/>
@@ -8235,18 +8366,21 @@
           <a:lstStyle/>
           <a:p>
             <a:r>
-              <a:rPr lang="en-US"/>
-              <a:t>CN=10</a:t>
-            </a:r>
-          </a:p>
-        </p:txBody>
-      </p:sp>
-      <p:sp>
-        <p:nvSpPr>
-          <p:cNvPr id="3" name="TextBox 2">
-            <a:extLst>
-              <a:ext uri="{FF2B5EF4-FFF2-40B4-BE49-F238E27FC236}">
-                <a16:creationId xmlns:a16="http://schemas.microsoft.com/office/drawing/2014/main" id="{B272B15D-E657-B5C7-C690-143234EA7BD0}"/>
+              <a:rPr lang="en-US" b="1">
+                <a:latin typeface="Times New Roman" panose="02020603050405020304" pitchFamily="18" charset="0"/>
+                <a:cs typeface="Times New Roman" panose="02020603050405020304" pitchFamily="18" charset="0"/>
+              </a:rPr>
+              <a:t>(a)</a:t>
+            </a:r>
+          </a:p>
+        </p:txBody>
+      </p:sp>
+      <p:sp>
+        <p:nvSpPr>
+          <p:cNvPr id="9" name="TextBox 8">
+            <a:extLst>
+              <a:ext uri="{FF2B5EF4-FFF2-40B4-BE49-F238E27FC236}">
+                <a16:creationId xmlns:a16="http://schemas.microsoft.com/office/drawing/2014/main" id="{192A58D3-225A-6D78-8DC3-BCA59DF61911}"/>
               </a:ext>
             </a:extLst>
           </p:cNvPr>
@@ -8255,8 +8389,8 @@
         </p:nvSpPr>
         <p:spPr>
           <a:xfrm>
-            <a:off x="373566" y="617767"/>
-            <a:ext cx="2168222" cy="646331"/>
+            <a:off x="4674200" y="1368358"/>
+            <a:ext cx="466794" cy="369332"/>
           </a:xfrm>
           <a:prstGeom prst="rect">
             <a:avLst/>
@@ -8270,116 +8404,256 @@
           <a:lstStyle/>
           <a:p>
             <a:r>
-              <a:rPr lang="en-US"/>
-              <a:t>Monodentate ligand</a:t>
-            </a:r>
-          </a:p>
-          <a:p>
-            <a:r>
-              <a:rPr lang="en-US"/>
-              <a:t>(DMSO)</a:t>
+              <a:rPr lang="en-US" b="1">
+                <a:latin typeface="Times New Roman" panose="02020603050405020304" pitchFamily="18" charset="0"/>
+                <a:cs typeface="Times New Roman" panose="02020603050405020304" pitchFamily="18" charset="0"/>
+              </a:rPr>
+              <a:t>(b)</a:t>
+            </a:r>
+          </a:p>
+        </p:txBody>
+      </p:sp>
+      <p:sp>
+        <p:nvSpPr>
+          <p:cNvPr id="19" name="TextBox 18">
+            <a:extLst>
+              <a:ext uri="{FF2B5EF4-FFF2-40B4-BE49-F238E27FC236}">
+                <a16:creationId xmlns:a16="http://schemas.microsoft.com/office/drawing/2014/main" id="{4FA26463-215F-AF9C-52BB-B2FB58C6E25E}"/>
+              </a:ext>
+            </a:extLst>
+          </p:cNvPr>
+          <p:cNvSpPr txBox="1"/>
+          <p:nvPr/>
+        </p:nvSpPr>
+        <p:spPr>
+          <a:xfrm>
+            <a:off x="1223977" y="3512491"/>
+            <a:ext cx="441146" cy="369332"/>
+          </a:xfrm>
+          <a:prstGeom prst="rect">
+            <a:avLst/>
+          </a:prstGeom>
+          <a:noFill/>
+        </p:spPr>
+        <p:txBody>
+          <a:bodyPr wrap="none" rtlCol="0">
+            <a:spAutoFit/>
+          </a:bodyPr>
+          <a:lstStyle/>
+          <a:p>
+            <a:r>
+              <a:rPr lang="en-US" b="1">
+                <a:latin typeface="Times New Roman" panose="02020603050405020304" pitchFamily="18" charset="0"/>
+                <a:cs typeface="Times New Roman" panose="02020603050405020304" pitchFamily="18" charset="0"/>
+              </a:rPr>
+              <a:t>(c)</a:t>
+            </a:r>
+          </a:p>
+        </p:txBody>
+      </p:sp>
+      <p:sp>
+        <p:nvSpPr>
+          <p:cNvPr id="20" name="TextBox 19">
+            <a:extLst>
+              <a:ext uri="{FF2B5EF4-FFF2-40B4-BE49-F238E27FC236}">
+                <a16:creationId xmlns:a16="http://schemas.microsoft.com/office/drawing/2014/main" id="{DBFCCB08-C436-2B4D-E952-2F710E47C66A}"/>
+              </a:ext>
+            </a:extLst>
+          </p:cNvPr>
+          <p:cNvSpPr txBox="1"/>
+          <p:nvPr/>
+        </p:nvSpPr>
+        <p:spPr>
+          <a:xfrm>
+            <a:off x="4674200" y="3527410"/>
+            <a:ext cx="466794" cy="369332"/>
+          </a:xfrm>
+          <a:prstGeom prst="rect">
+            <a:avLst/>
+          </a:prstGeom>
+          <a:noFill/>
+        </p:spPr>
+        <p:txBody>
+          <a:bodyPr wrap="none" rtlCol="0">
+            <a:spAutoFit/>
+          </a:bodyPr>
+          <a:lstStyle/>
+          <a:p>
+            <a:r>
+              <a:rPr lang="en-US" b="1">
+                <a:latin typeface="Times New Roman" panose="02020603050405020304" pitchFamily="18" charset="0"/>
+                <a:cs typeface="Times New Roman" panose="02020603050405020304" pitchFamily="18" charset="0"/>
+              </a:rPr>
+              <a:t>(d)</a:t>
             </a:r>
           </a:p>
         </p:txBody>
       </p:sp>
       <p:pic>
         <p:nvPicPr>
-          <p:cNvPr id="1025" name="Picture 1" descr=". COLH08 &#10;NC &#10;NC &#10;La &#10;CN &#10;CN &#10;CN &#10;CN ">
-            <a:extLst>
-              <a:ext uri="{FF2B5EF4-FFF2-40B4-BE49-F238E27FC236}">
-                <a16:creationId xmlns:a16="http://schemas.microsoft.com/office/drawing/2014/main" id="{D9DF8512-C9B0-F708-BD0A-2A94FC619091}"/>
+          <p:cNvPr id="13" name="Picture 12">
+            <a:extLst>
+              <a:ext uri="{FF2B5EF4-FFF2-40B4-BE49-F238E27FC236}">
+                <a16:creationId xmlns:a16="http://schemas.microsoft.com/office/drawing/2014/main" id="{995D70F8-AFE6-0D41-469F-0FD47AC6C48E}"/>
               </a:ext>
             </a:extLst>
           </p:cNvPr>
           <p:cNvPicPr>
-            <a:picLocks noChangeAspect="1" noChangeArrowheads="1"/>
+            <a:picLocks noChangeAspect="1"/>
           </p:cNvPicPr>
           <p:nvPr/>
         </p:nvPicPr>
         <p:blipFill>
-          <a:blip r:embed="rId2">
-            <a:extLst>
-              <a:ext uri="{28A0092B-C50C-407E-A947-70E740481C1C}">
-                <a14:useLocalDpi xmlns:a14="http://schemas.microsoft.com/office/drawing/2010/main" val="0"/>
-              </a:ext>
-            </a:extLst>
-          </a:blip>
-          <a:srcRect/>
+          <a:blip r:embed="rId4"/>
           <a:stretch>
             <a:fillRect/>
           </a:stretch>
         </p:blipFill>
-        <p:spPr bwMode="auto">
-          <a:xfrm>
-            <a:off x="2879480" y="1431710"/>
-            <a:ext cx="3912577" cy="4117672"/>
+        <p:spPr>
+          <a:xfrm>
+            <a:off x="1377430" y="917409"/>
+            <a:ext cx="3566160" cy="2727960"/>
+          </a:xfrm>
+          <a:prstGeom prst="rect">
+            <a:avLst/>
+          </a:prstGeom>
+        </p:spPr>
+      </p:pic>
+      <p:pic>
+        <p:nvPicPr>
+          <p:cNvPr id="24" name="Picture 23">
+            <a:extLst>
+              <a:ext uri="{FF2B5EF4-FFF2-40B4-BE49-F238E27FC236}">
+                <a16:creationId xmlns:a16="http://schemas.microsoft.com/office/drawing/2014/main" id="{3FB5D1DF-012A-3743-1ABC-9A2A18F1E03D}"/>
+              </a:ext>
+            </a:extLst>
+          </p:cNvPr>
+          <p:cNvPicPr>
+            <a:picLocks noChangeAspect="1"/>
+          </p:cNvPicPr>
+          <p:nvPr/>
+        </p:nvPicPr>
+        <p:blipFill>
+          <a:blip r:embed="rId5"/>
+          <a:stretch>
+            <a:fillRect/>
+          </a:stretch>
+        </p:blipFill>
+        <p:spPr>
+          <a:xfrm>
+            <a:off x="1377430" y="3255564"/>
+            <a:ext cx="3566160" cy="2727960"/>
+          </a:xfrm>
+          <a:prstGeom prst="rect">
+            <a:avLst/>
+          </a:prstGeom>
+        </p:spPr>
+      </p:pic>
+      <p:pic>
+        <p:nvPicPr>
+          <p:cNvPr id="28" name="Picture 27">
+            <a:extLst>
+              <a:ext uri="{FF2B5EF4-FFF2-40B4-BE49-F238E27FC236}">
+                <a16:creationId xmlns:a16="http://schemas.microsoft.com/office/drawing/2014/main" id="{A5DFB900-3B3D-BF42-1F0B-E5FA5F138DF8}"/>
+              </a:ext>
+            </a:extLst>
+          </p:cNvPr>
+          <p:cNvPicPr>
+            <a:picLocks noChangeAspect="1"/>
+          </p:cNvPicPr>
+          <p:nvPr/>
+        </p:nvPicPr>
+        <p:blipFill>
+          <a:blip r:embed="rId6"/>
+          <a:stretch>
+            <a:fillRect/>
+          </a:stretch>
+        </p:blipFill>
+        <p:spPr>
+          <a:xfrm>
+            <a:off x="4871604" y="3255564"/>
+            <a:ext cx="3566160" cy="2727960"/>
+          </a:xfrm>
+          <a:prstGeom prst="rect">
+            <a:avLst/>
+          </a:prstGeom>
+        </p:spPr>
+      </p:pic>
+      <p:pic>
+        <p:nvPicPr>
+          <p:cNvPr id="30" name="Picture 29">
+            <a:extLst>
+              <a:ext uri="{FF2B5EF4-FFF2-40B4-BE49-F238E27FC236}">
+                <a16:creationId xmlns:a16="http://schemas.microsoft.com/office/drawing/2014/main" id="{5FD3A135-F6EC-1815-9E8F-194696EF19A3}"/>
+              </a:ext>
+            </a:extLst>
+          </p:cNvPr>
+          <p:cNvPicPr>
+            <a:picLocks noChangeAspect="1"/>
+          </p:cNvPicPr>
+          <p:nvPr/>
+        </p:nvPicPr>
+        <p:blipFill>
+          <a:blip r:embed="rId7"/>
+          <a:stretch>
+            <a:fillRect/>
+          </a:stretch>
+        </p:blipFill>
+        <p:spPr>
+          <a:xfrm>
+            <a:off x="4876407" y="917409"/>
+            <a:ext cx="3561357" cy="2724912"/>
+          </a:xfrm>
+          <a:prstGeom prst="rect">
+            <a:avLst/>
+          </a:prstGeom>
+        </p:spPr>
+      </p:pic>
+      <p:sp>
+        <p:nvSpPr>
+          <p:cNvPr id="31" name="TextBox 30">
+            <a:extLst>
+              <a:ext uri="{FF2B5EF4-FFF2-40B4-BE49-F238E27FC236}">
+                <a16:creationId xmlns:a16="http://schemas.microsoft.com/office/drawing/2014/main" id="{FFA1F4AB-8F41-1EE0-F0BB-63366BC0B6C7}"/>
+              </a:ext>
+            </a:extLst>
+          </p:cNvPr>
+          <p:cNvSpPr txBox="1"/>
+          <p:nvPr/>
+        </p:nvSpPr>
+        <p:spPr>
+          <a:xfrm>
+            <a:off x="8313906" y="1940449"/>
+            <a:ext cx="3218125" cy="646331"/>
           </a:xfrm>
           <a:prstGeom prst="rect">
             <a:avLst/>
           </a:prstGeom>
           <a:noFill/>
-          <a:extLst>
-            <a:ext uri="{909E8E84-426E-40DD-AFC4-6F175D3DCCD1}">
-              <a14:hiddenFill xmlns:a14="http://schemas.microsoft.com/office/drawing/2010/main">
-                <a:solidFill>
-                  <a:srgbClr val="FFFFFF"/>
-                </a:solidFill>
-              </a14:hiddenFill>
-            </a:ext>
-          </a:extLst>
-        </p:spPr>
-      </p:pic>
-      <p:pic>
-        <p:nvPicPr>
-          <p:cNvPr id="1026" name="Picture 2" descr=". DMSOLA10 &#10;ο &#10;La &#10;ο &#10;ο &#10;ο ">
-            <a:extLst>
-              <a:ext uri="{FF2B5EF4-FFF2-40B4-BE49-F238E27FC236}">
-                <a16:creationId xmlns:a16="http://schemas.microsoft.com/office/drawing/2014/main" id="{1E275BCF-FFF0-576B-8C2C-E753927CF845}"/>
-              </a:ext>
-            </a:extLst>
-          </p:cNvPr>
-          <p:cNvPicPr>
-            <a:picLocks noChangeAspect="1" noChangeArrowheads="1"/>
-          </p:cNvPicPr>
-          <p:nvPr/>
-        </p:nvPicPr>
-        <p:blipFill>
-          <a:blip r:embed="rId3">
-            <a:extLst>
-              <a:ext uri="{28A0092B-C50C-407E-A947-70E740481C1C}">
-                <a14:useLocalDpi xmlns:a14="http://schemas.microsoft.com/office/drawing/2010/main" val="0"/>
-              </a:ext>
-            </a:extLst>
-          </a:blip>
-          <a:srcRect/>
-          <a:stretch>
-            <a:fillRect/>
-          </a:stretch>
-        </p:blipFill>
-        <p:spPr bwMode="auto">
-          <a:xfrm>
-            <a:off x="7666893" y="1342232"/>
-            <a:ext cx="4268665" cy="4145604"/>
-          </a:xfrm>
-          <a:prstGeom prst="rect">
-            <a:avLst/>
-          </a:prstGeom>
-          <a:noFill/>
-          <a:extLst>
-            <a:ext uri="{909E8E84-426E-40DD-AFC4-6F175D3DCCD1}">
-              <a14:hiddenFill xmlns:a14="http://schemas.microsoft.com/office/drawing/2010/main">
-                <a:solidFill>
-                  <a:srgbClr val="FFFFFF"/>
-                </a:solidFill>
-              </a14:hiddenFill>
-            </a:ext>
-          </a:extLst>
-        </p:spPr>
-      </p:pic>
+        </p:spPr>
+        <p:txBody>
+          <a:bodyPr wrap="none" rtlCol="0">
+            <a:spAutoFit/>
+          </a:bodyPr>
+          <a:lstStyle/>
+          <a:p>
+            <a:r>
+              <a:rPr lang="en-US"/>
+              <a:t>For non-neutral fs,</a:t>
+            </a:r>
+          </a:p>
+          <a:p>
+            <a:r>
+              <a:rPr lang="en-US"/>
+              <a:t>Nitrates prefer net charge  = +1</a:t>
+            </a:r>
+          </a:p>
+        </p:txBody>
+      </p:sp>
     </p:spTree>
     <p:extLst>
       <p:ext uri="{BB962C8B-B14F-4D97-AF65-F5344CB8AC3E}">
-        <p14:creationId xmlns:p14="http://schemas.microsoft.com/office/powerpoint/2010/main" val="2055877699"/>
+        <p14:creationId xmlns:p14="http://schemas.microsoft.com/office/powerpoint/2010/main" val="1861708718"/>
       </p:ext>
     </p:extLst>
   </p:cSld>
@@ -8408,378 +8682,213 @@
       </p:grpSpPr>
       <p:sp>
         <p:nvSpPr>
-          <p:cNvPr id="2" name="Title 1">
-            <a:extLst>
-              <a:ext uri="{FF2B5EF4-FFF2-40B4-BE49-F238E27FC236}">
-                <a16:creationId xmlns:a16="http://schemas.microsoft.com/office/drawing/2014/main" id="{001E3F70-DC66-8477-9E54-EC5216071F23}"/>
-              </a:ext>
-            </a:extLst>
-          </p:cNvPr>
-          <p:cNvSpPr>
-            <a:spLocks noGrp="1"/>
-          </p:cNvSpPr>
-          <p:nvPr>
-            <p:ph type="title"/>
-          </p:nvPr>
-        </p:nvSpPr>
-        <p:spPr>
-          <a:xfrm>
-            <a:off x="4439" y="1"/>
-            <a:ext cx="9610077" cy="949905"/>
-          </a:xfrm>
-        </p:spPr>
-        <p:txBody>
-          <a:bodyPr>
-            <a:normAutofit/>
-          </a:bodyPr>
-          <a:lstStyle/>
-          <a:p>
-            <a:r>
-              <a:rPr lang="en-US" sz="3200" b="1">
-                <a:effectLst/>
-                <a:latin typeface="Times New Roman" panose="02020603050405020304" pitchFamily="18" charset="0"/>
-                <a:ea typeface="DengXian" panose="02010600030101010101" pitchFamily="2" charset="-122"/>
-              </a:rPr>
-              <a:t>Figure 6.</a:t>
-            </a:r>
-            <a:endParaRPr lang="en-US" sz="3200"/>
-          </a:p>
-        </p:txBody>
-      </p:sp>
-      <p:cxnSp>
-        <p:nvCxnSpPr>
-          <p:cNvPr id="7" name="Straight Connector 6">
-            <a:extLst>
-              <a:ext uri="{FF2B5EF4-FFF2-40B4-BE49-F238E27FC236}">
-                <a16:creationId xmlns:a16="http://schemas.microsoft.com/office/drawing/2014/main" id="{E9EFDF02-7A77-FB7C-7728-BA116CBCE885}"/>
-              </a:ext>
-            </a:extLst>
-          </p:cNvPr>
-          <p:cNvCxnSpPr>
-            <a:cxnSpLocks/>
-          </p:cNvCxnSpPr>
+          <p:cNvPr id="8" name="TextBox 7">
+            <a:extLst>
+              <a:ext uri="{FF2B5EF4-FFF2-40B4-BE49-F238E27FC236}">
+                <a16:creationId xmlns:a16="http://schemas.microsoft.com/office/drawing/2014/main" id="{5E65013E-96B4-E275-2ADB-2302B617812B}"/>
+              </a:ext>
+            </a:extLst>
+          </p:cNvPr>
+          <p:cNvSpPr txBox="1"/>
           <p:nvPr/>
-        </p:nvCxnSpPr>
-        <p:spPr>
-          <a:xfrm flipV="1">
-            <a:off x="-17756" y="949906"/>
-            <a:ext cx="12209756" cy="4"/>
-          </a:xfrm>
-          <a:prstGeom prst="line">
+        </p:nvSpPr>
+        <p:spPr>
+          <a:xfrm>
+            <a:off x="2811282" y="877078"/>
+            <a:ext cx="755335" cy="369332"/>
+          </a:xfrm>
+          <a:prstGeom prst="rect">
             <a:avLst/>
           </a:prstGeom>
-          <a:ln w="38100">
-            <a:solidFill>
-              <a:schemeClr val="accent1"/>
-            </a:solidFill>
-          </a:ln>
-        </p:spPr>
-        <p:style>
-          <a:lnRef idx="3">
-            <a:schemeClr val="accent4"/>
-          </a:lnRef>
-          <a:fillRef idx="0">
-            <a:schemeClr val="accent4"/>
-          </a:fillRef>
-          <a:effectRef idx="2">
-            <a:schemeClr val="accent4"/>
-          </a:effectRef>
-          <a:fontRef idx="minor">
-            <a:schemeClr val="tx1"/>
-          </a:fontRef>
-        </p:style>
-      </p:cxnSp>
+          <a:noFill/>
+        </p:spPr>
+        <p:txBody>
+          <a:bodyPr wrap="none" rtlCol="0">
+            <a:spAutoFit/>
+          </a:bodyPr>
+          <a:lstStyle/>
+          <a:p>
+            <a:r>
+              <a:rPr lang="en-US"/>
+              <a:t>CN=9</a:t>
+            </a:r>
+          </a:p>
+        </p:txBody>
+      </p:sp>
+      <p:sp>
+        <p:nvSpPr>
+          <p:cNvPr id="9" name="TextBox 8">
+            <a:extLst>
+              <a:ext uri="{FF2B5EF4-FFF2-40B4-BE49-F238E27FC236}">
+                <a16:creationId xmlns:a16="http://schemas.microsoft.com/office/drawing/2014/main" id="{A1767496-3139-BD9F-F8E1-2B5CDDDFF418}"/>
+              </a:ext>
+            </a:extLst>
+          </p:cNvPr>
+          <p:cNvSpPr txBox="1"/>
+          <p:nvPr/>
+        </p:nvSpPr>
+        <p:spPr>
+          <a:xfrm>
+            <a:off x="7576115" y="802433"/>
+            <a:ext cx="878767" cy="369332"/>
+          </a:xfrm>
+          <a:prstGeom prst="rect">
+            <a:avLst/>
+          </a:prstGeom>
+          <a:noFill/>
+        </p:spPr>
+        <p:txBody>
+          <a:bodyPr wrap="none" rtlCol="0">
+            <a:spAutoFit/>
+          </a:bodyPr>
+          <a:lstStyle/>
+          <a:p>
+            <a:r>
+              <a:rPr lang="en-US"/>
+              <a:t>CN=10</a:t>
+            </a:r>
+          </a:p>
+        </p:txBody>
+      </p:sp>
+      <p:sp>
+        <p:nvSpPr>
+          <p:cNvPr id="3" name="TextBox 2">
+            <a:extLst>
+              <a:ext uri="{FF2B5EF4-FFF2-40B4-BE49-F238E27FC236}">
+                <a16:creationId xmlns:a16="http://schemas.microsoft.com/office/drawing/2014/main" id="{B272B15D-E657-B5C7-C690-143234EA7BD0}"/>
+              </a:ext>
+            </a:extLst>
+          </p:cNvPr>
+          <p:cNvSpPr txBox="1"/>
+          <p:nvPr/>
+        </p:nvSpPr>
+        <p:spPr>
+          <a:xfrm>
+            <a:off x="373566" y="617767"/>
+            <a:ext cx="2168222" cy="646331"/>
+          </a:xfrm>
+          <a:prstGeom prst="rect">
+            <a:avLst/>
+          </a:prstGeom>
+          <a:noFill/>
+        </p:spPr>
+        <p:txBody>
+          <a:bodyPr wrap="none" rtlCol="0">
+            <a:spAutoFit/>
+          </a:bodyPr>
+          <a:lstStyle/>
+          <a:p>
+            <a:r>
+              <a:rPr lang="en-US"/>
+              <a:t>Monodentate ligand</a:t>
+            </a:r>
+          </a:p>
+          <a:p>
+            <a:r>
+              <a:rPr lang="en-US"/>
+              <a:t>(DMSO)</a:t>
+            </a:r>
+          </a:p>
+        </p:txBody>
+      </p:sp>
       <p:pic>
         <p:nvPicPr>
-          <p:cNvPr id="14" name="Picture 13">
-            <a:extLst>
-              <a:ext uri="{FF2B5EF4-FFF2-40B4-BE49-F238E27FC236}">
-                <a16:creationId xmlns:a16="http://schemas.microsoft.com/office/drawing/2014/main" id="{CD003671-7A56-2C3A-9948-BB852C7AE352}"/>
+          <p:cNvPr id="1025" name="Picture 1" descr=". COLH08 &#10;NC &#10;NC &#10;La &#10;CN &#10;CN &#10;CN &#10;CN ">
+            <a:extLst>
+              <a:ext uri="{FF2B5EF4-FFF2-40B4-BE49-F238E27FC236}">
+                <a16:creationId xmlns:a16="http://schemas.microsoft.com/office/drawing/2014/main" id="{D9DF8512-C9B0-F708-BD0A-2A94FC619091}"/>
               </a:ext>
             </a:extLst>
           </p:cNvPr>
           <p:cNvPicPr>
-            <a:picLocks noChangeAspect="1"/>
+            <a:picLocks noChangeAspect="1" noChangeArrowheads="1"/>
           </p:cNvPicPr>
           <p:nvPr/>
         </p:nvPicPr>
         <p:blipFill>
-          <a:blip r:embed="rId3"/>
+          <a:blip r:embed="rId2">
+            <a:extLst>
+              <a:ext uri="{28A0092B-C50C-407E-A947-70E740481C1C}">
+                <a14:useLocalDpi xmlns:a14="http://schemas.microsoft.com/office/drawing/2010/main" val="0"/>
+              </a:ext>
+            </a:extLst>
+          </a:blip>
+          <a:srcRect/>
           <a:stretch>
             <a:fillRect/>
           </a:stretch>
         </p:blipFill>
-        <p:spPr>
-          <a:xfrm>
-            <a:off x="11354539" y="322"/>
-            <a:ext cx="833021" cy="917087"/>
-          </a:xfrm>
-          <a:prstGeom prst="rect">
-            <a:avLst/>
-          </a:prstGeom>
-        </p:spPr>
-      </p:pic>
-      <p:sp>
-        <p:nvSpPr>
-          <p:cNvPr id="8" name="Slide Number Placeholder 7">
-            <a:extLst>
-              <a:ext uri="{FF2B5EF4-FFF2-40B4-BE49-F238E27FC236}">
-                <a16:creationId xmlns:a16="http://schemas.microsoft.com/office/drawing/2014/main" id="{EBECB5A2-1C8C-9524-DE39-552759C6889C}"/>
-              </a:ext>
-            </a:extLst>
-          </p:cNvPr>
-          <p:cNvSpPr>
-            <a:spLocks noGrp="1"/>
-          </p:cNvSpPr>
-          <p:nvPr>
-            <p:ph type="sldNum" sz="quarter" idx="12"/>
-          </p:nvPr>
-        </p:nvSpPr>
-        <p:spPr/>
-        <p:txBody>
-          <a:bodyPr/>
-          <a:lstStyle/>
-          <a:p>
-            <a:fld id="{348A67C5-9A30-4AA4-BAAF-98754B134193}" type="slidenum">
-              <a:rPr lang="en-US" smtClean="0"/>
-              <a:t>12</a:t>
-            </a:fld>
-            <a:endParaRPr lang="en-US"/>
-          </a:p>
-        </p:txBody>
-      </p:sp>
-      <p:sp>
-        <p:nvSpPr>
-          <p:cNvPr id="5" name="TextBox 4">
-            <a:extLst>
-              <a:ext uri="{FF2B5EF4-FFF2-40B4-BE49-F238E27FC236}">
-                <a16:creationId xmlns:a16="http://schemas.microsoft.com/office/drawing/2014/main" id="{A5A4C966-320C-39F1-540A-2B536DB93527}"/>
-              </a:ext>
-            </a:extLst>
-          </p:cNvPr>
-          <p:cNvSpPr txBox="1"/>
-          <p:nvPr/>
-        </p:nvSpPr>
-        <p:spPr>
-          <a:xfrm>
-            <a:off x="312517" y="5673281"/>
-            <a:ext cx="10703674" cy="369332"/>
+        <p:spPr bwMode="auto">
+          <a:xfrm>
+            <a:off x="2879480" y="1431710"/>
+            <a:ext cx="3912577" cy="4117672"/>
           </a:xfrm>
           <a:prstGeom prst="rect">
             <a:avLst/>
           </a:prstGeom>
           <a:noFill/>
-        </p:spPr>
-        <p:txBody>
-          <a:bodyPr wrap="square">
-            <a:spAutoFit/>
-          </a:bodyPr>
-          <a:lstStyle/>
-          <a:p>
-            <a:pPr marL="285750" indent="-285750">
-              <a:buFont typeface="Arial" panose="020B0604020202020204" pitchFamily="34" charset="0"/>
-              <a:buChar char="•"/>
-            </a:pPr>
-            <a:r>
-              <a:rPr lang="en-US" sz="1800" b="1">
-                <a:effectLst/>
-                <a:latin typeface="Times New Roman" panose="02020603050405020304" pitchFamily="18" charset="0"/>
-                <a:ea typeface="DengXian" panose="02010600030101010101" pitchFamily="2" charset="-122"/>
-              </a:rPr>
-              <a:t>Figure 6.</a:t>
-            </a:r>
-            <a:r>
-              <a:rPr lang="en-US" sz="1800">
-                <a:effectLst/>
-                <a:latin typeface="Times New Roman" panose="02020603050405020304" pitchFamily="18" charset="0"/>
-                <a:ea typeface="DengXian" panose="02010600030101010101" pitchFamily="2" charset="-122"/>
-              </a:rPr>
-              <a:t> </a:t>
-            </a:r>
-            <a:r>
-              <a:rPr lang="en-US" altLang="zh-CN">
-                <a:latin typeface="Times New Roman" panose="02020603050405020304" pitchFamily="18" charset="0"/>
-                <a:ea typeface="DengXian" panose="02010600030101010101" pitchFamily="2" charset="-122"/>
-              </a:rPr>
-              <a:t>Distribution of net charge of the first coordination shell in (a)subset2n and (b)subset2w (c)subset2. </a:t>
-            </a:r>
-            <a:endParaRPr lang="en-US">
-              <a:latin typeface="Times New Roman" panose="02020603050405020304" pitchFamily="18" charset="0"/>
-              <a:ea typeface="DengXian" panose="02010600030101010101" pitchFamily="2" charset="-122"/>
-            </a:endParaRPr>
-          </a:p>
-        </p:txBody>
-      </p:sp>
-      <p:sp>
-        <p:nvSpPr>
-          <p:cNvPr id="6" name="TextBox 5">
-            <a:extLst>
-              <a:ext uri="{FF2B5EF4-FFF2-40B4-BE49-F238E27FC236}">
-                <a16:creationId xmlns:a16="http://schemas.microsoft.com/office/drawing/2014/main" id="{08BA8A82-3711-BB3A-7E47-FF6E57E2D43A}"/>
-              </a:ext>
-            </a:extLst>
-          </p:cNvPr>
-          <p:cNvSpPr txBox="1"/>
+          <a:extLst>
+            <a:ext uri="{909E8E84-426E-40DD-AFC4-6F175D3DCCD1}">
+              <a14:hiddenFill xmlns:a14="http://schemas.microsoft.com/office/drawing/2010/main">
+                <a:solidFill>
+                  <a:srgbClr val="FFFFFF"/>
+                </a:solidFill>
+              </a14:hiddenFill>
+            </a:ext>
+          </a:extLst>
+        </p:spPr>
+      </p:pic>
+      <p:pic>
+        <p:nvPicPr>
+          <p:cNvPr id="1026" name="Picture 2" descr=". DMSOLA10 &#10;ο &#10;La &#10;ο &#10;ο &#10;ο ">
+            <a:extLst>
+              <a:ext uri="{FF2B5EF4-FFF2-40B4-BE49-F238E27FC236}">
+                <a16:creationId xmlns:a16="http://schemas.microsoft.com/office/drawing/2014/main" id="{1E275BCF-FFF0-576B-8C2C-E753927CF845}"/>
+              </a:ext>
+            </a:extLst>
+          </p:cNvPr>
+          <p:cNvPicPr>
+            <a:picLocks noChangeAspect="1" noChangeArrowheads="1"/>
+          </p:cNvPicPr>
           <p:nvPr/>
-        </p:nvSpPr>
-        <p:spPr>
-          <a:xfrm>
-            <a:off x="-101430" y="1368358"/>
-            <a:ext cx="453970" cy="369332"/>
+        </p:nvPicPr>
+        <p:blipFill>
+          <a:blip r:embed="rId3">
+            <a:extLst>
+              <a:ext uri="{28A0092B-C50C-407E-A947-70E740481C1C}">
+                <a14:useLocalDpi xmlns:a14="http://schemas.microsoft.com/office/drawing/2010/main" val="0"/>
+              </a:ext>
+            </a:extLst>
+          </a:blip>
+          <a:srcRect/>
+          <a:stretch>
+            <a:fillRect/>
+          </a:stretch>
+        </p:blipFill>
+        <p:spPr bwMode="auto">
+          <a:xfrm>
+            <a:off x="7666893" y="1342232"/>
+            <a:ext cx="4268665" cy="4145604"/>
           </a:xfrm>
           <a:prstGeom prst="rect">
             <a:avLst/>
           </a:prstGeom>
           <a:noFill/>
-        </p:spPr>
-        <p:txBody>
-          <a:bodyPr wrap="none" rtlCol="0">
-            <a:spAutoFit/>
-          </a:bodyPr>
-          <a:lstStyle/>
-          <a:p>
-            <a:r>
-              <a:rPr lang="en-US" b="1">
-                <a:latin typeface="Times New Roman" panose="02020603050405020304" pitchFamily="18" charset="0"/>
-                <a:cs typeface="Times New Roman" panose="02020603050405020304" pitchFamily="18" charset="0"/>
-              </a:rPr>
-              <a:t>(a)</a:t>
-            </a:r>
-          </a:p>
-        </p:txBody>
-      </p:sp>
-      <p:sp>
-        <p:nvSpPr>
-          <p:cNvPr id="9" name="TextBox 8">
-            <a:extLst>
-              <a:ext uri="{FF2B5EF4-FFF2-40B4-BE49-F238E27FC236}">
-                <a16:creationId xmlns:a16="http://schemas.microsoft.com/office/drawing/2014/main" id="{192A58D3-225A-6D78-8DC3-BCA59DF61911}"/>
-              </a:ext>
-            </a:extLst>
-          </p:cNvPr>
-          <p:cNvSpPr txBox="1"/>
-          <p:nvPr/>
-        </p:nvSpPr>
-        <p:spPr>
-          <a:xfrm>
-            <a:off x="3933068" y="1368358"/>
-            <a:ext cx="466794" cy="369332"/>
-          </a:xfrm>
-          <a:prstGeom prst="rect">
-            <a:avLst/>
-          </a:prstGeom>
-          <a:noFill/>
-        </p:spPr>
-        <p:txBody>
-          <a:bodyPr wrap="none" rtlCol="0">
-            <a:spAutoFit/>
-          </a:bodyPr>
-          <a:lstStyle/>
-          <a:p>
-            <a:r>
-              <a:rPr lang="en-US" b="1">
-                <a:latin typeface="Times New Roman" panose="02020603050405020304" pitchFamily="18" charset="0"/>
-                <a:cs typeface="Times New Roman" panose="02020603050405020304" pitchFamily="18" charset="0"/>
-              </a:rPr>
-              <a:t>(b)</a:t>
-            </a:r>
-          </a:p>
-        </p:txBody>
-      </p:sp>
-      <p:pic>
-        <p:nvPicPr>
-          <p:cNvPr id="12" name="Picture 11">
-            <a:extLst>
-              <a:ext uri="{FF2B5EF4-FFF2-40B4-BE49-F238E27FC236}">
-                <a16:creationId xmlns:a16="http://schemas.microsoft.com/office/drawing/2014/main" id="{BFC26830-5D1C-FDC4-8FBB-1A58D2023D63}"/>
-              </a:ext>
-            </a:extLst>
-          </p:cNvPr>
-          <p:cNvPicPr>
-            <a:picLocks noChangeAspect="1"/>
-          </p:cNvPicPr>
-          <p:nvPr/>
-        </p:nvPicPr>
-        <p:blipFill>
-          <a:blip r:embed="rId4"/>
-          <a:stretch>
-            <a:fillRect/>
-          </a:stretch>
-        </p:blipFill>
-        <p:spPr>
-          <a:xfrm>
-            <a:off x="-191286" y="1365387"/>
-            <a:ext cx="4781444" cy="3657600"/>
-          </a:xfrm>
-          <a:prstGeom prst="rect">
-            <a:avLst/>
-          </a:prstGeom>
-        </p:spPr>
-      </p:pic>
-      <p:pic>
-        <p:nvPicPr>
-          <p:cNvPr id="16" name="Picture 15">
-            <a:extLst>
-              <a:ext uri="{FF2B5EF4-FFF2-40B4-BE49-F238E27FC236}">
-                <a16:creationId xmlns:a16="http://schemas.microsoft.com/office/drawing/2014/main" id="{577C420E-FB7C-1386-2776-2F7467F3D5D4}"/>
-              </a:ext>
-            </a:extLst>
-          </p:cNvPr>
-          <p:cNvPicPr>
-            <a:picLocks noChangeAspect="1"/>
-          </p:cNvPicPr>
-          <p:nvPr/>
-        </p:nvPicPr>
-        <p:blipFill>
-          <a:blip r:embed="rId5"/>
-          <a:stretch>
-            <a:fillRect/>
-          </a:stretch>
-        </p:blipFill>
-        <p:spPr>
-          <a:xfrm>
-            <a:off x="4126560" y="1365387"/>
-            <a:ext cx="4781444" cy="3657600"/>
-          </a:xfrm>
-          <a:prstGeom prst="rect">
-            <a:avLst/>
-          </a:prstGeom>
-        </p:spPr>
-      </p:pic>
-      <p:pic>
-        <p:nvPicPr>
-          <p:cNvPr id="4" name="Picture 3">
-            <a:extLst>
-              <a:ext uri="{FF2B5EF4-FFF2-40B4-BE49-F238E27FC236}">
-                <a16:creationId xmlns:a16="http://schemas.microsoft.com/office/drawing/2014/main" id="{027BEDE0-4302-4D39-FC95-FC85B63C0E67}"/>
-              </a:ext>
-            </a:extLst>
-          </p:cNvPr>
-          <p:cNvPicPr>
-            <a:picLocks noChangeAspect="1"/>
-          </p:cNvPicPr>
-          <p:nvPr/>
-        </p:nvPicPr>
-        <p:blipFill>
-          <a:blip r:embed="rId6"/>
-          <a:stretch>
-            <a:fillRect/>
-          </a:stretch>
-        </p:blipFill>
-        <p:spPr>
-          <a:xfrm>
-            <a:off x="8170686" y="1584462"/>
-            <a:ext cx="4191000" cy="3219450"/>
-          </a:xfrm>
-          <a:prstGeom prst="rect">
-            <a:avLst/>
-          </a:prstGeom>
+          <a:extLst>
+            <a:ext uri="{909E8E84-426E-40DD-AFC4-6F175D3DCCD1}">
+              <a14:hiddenFill xmlns:a14="http://schemas.microsoft.com/office/drawing/2010/main">
+                <a:solidFill>
+                  <a:srgbClr val="FFFFFF"/>
+                </a:solidFill>
+              </a14:hiddenFill>
+            </a:ext>
+          </a:extLst>
         </p:spPr>
       </p:pic>
     </p:spTree>
     <p:extLst>
       <p:ext uri="{BB962C8B-B14F-4D97-AF65-F5344CB8AC3E}">
-        <p14:creationId xmlns:p14="http://schemas.microsoft.com/office/powerpoint/2010/main" val="1497024170"/>
+        <p14:creationId xmlns:p14="http://schemas.microsoft.com/office/powerpoint/2010/main" val="2055877699"/>
       </p:ext>
     </p:extLst>
   </p:cSld>
@@ -12188,9 +12297,6 @@
             </a:pPr>
             <a:r>
               <a:rPr lang="en-US" sz="1800" b="1">
-                <a:solidFill>
-                  <a:srgbClr val="FF0000"/>
-                </a:solidFill>
                 <a:effectLst/>
                 <a:latin typeface="Times New Roman" panose="02020603050405020304" pitchFamily="18" charset="0"/>
                 <a:ea typeface="DengXian" panose="02010600030101010101" pitchFamily="2" charset="-122"/>
@@ -12199,9 +12305,6 @@
             </a:r>
             <a:r>
               <a:rPr lang="en-US" sz="1800">
-                <a:solidFill>
-                  <a:srgbClr val="FF0000"/>
-                </a:solidFill>
                 <a:effectLst/>
                 <a:latin typeface="Times New Roman" panose="02020603050405020304" pitchFamily="18" charset="0"/>
                 <a:ea typeface="DengXian" panose="02010600030101010101" pitchFamily="2" charset="-122"/>
@@ -12209,19 +12312,21 @@
               <a:t> </a:t>
             </a:r>
             <a:r>
-              <a:rPr lang="en-US" altLang="zh-CN">
-                <a:solidFill>
-                  <a:srgbClr val="FF0000"/>
-                </a:solidFill>
+              <a:rPr lang="en-US" altLang="zh-CN" sz="1800">
+                <a:effectLst/>
                 <a:latin typeface="Times New Roman" panose="02020603050405020304" pitchFamily="18" charset="0"/>
                 <a:ea typeface="DengXian" panose="02010600030101010101" pitchFamily="2" charset="-122"/>
               </a:rPr>
-              <a:t>Distribution of net charge of the first coordination shell in (a)subset2n and (b)subset2w. </a:t>
+              <a:t>two typical structures (a) CAGYOZ(b) BAFYIR </a:t>
+            </a:r>
+            <a:r>
+              <a:rPr lang="en-US" altLang="zh-CN">
+                <a:latin typeface="Times New Roman" panose="02020603050405020304" pitchFamily="18" charset="0"/>
+                <a:ea typeface="DengXian" panose="02010600030101010101" pitchFamily="2" charset="-122"/>
+              </a:rPr>
+              <a:t>. </a:t>
             </a:r>
             <a:endParaRPr lang="en-US">
-              <a:solidFill>
-                <a:srgbClr val="FF0000"/>
-              </a:solidFill>
               <a:latin typeface="Times New Roman" panose="02020603050405020304" pitchFamily="18" charset="0"/>
               <a:ea typeface="DengXian" panose="02010600030101010101" pitchFamily="2" charset="-122"/>
             </a:endParaRPr>
@@ -13292,4 +13397,10 @@
     </a:ext>
   </a:extLst>
 </a:theme>
+</file>
+
+<file path=docMetadata/LabelInfo.xml><?xml version="1.0" encoding="utf-8"?>
+<clbl:labelList xmlns:clbl="http://schemas.microsoft.com/office/2020/mipLabelMetadata">
+  <clbl:label id="{ba5a7f39-e3be-4ab3-b450-67fa80faecad}" enabled="0" method="" siteId="{ba5a7f39-e3be-4ab3-b450-67fa80faecad}" removed="1"/>
+</clbl:labelList>
 </file>
--- a/Figure in paper 2.pptx
+++ b/Figure in paper 2.pptx
@@ -1971,7 +1971,7 @@
           <a:p>
             <a:fld id="{56A43E7F-2FBD-4C74-A6A3-71F46B4D3471}" type="datetimeFigureOut">
               <a:rPr lang="en-US" smtClean="0"/>
-              <a:t>7/15/2024</a:t>
+              <a:t>7/22/2024</a:t>
             </a:fld>
             <a:endParaRPr lang="en-US"/>
           </a:p>
@@ -3679,7 +3679,7 @@
           <a:p>
             <a:fld id="{95396F27-02BC-4467-B681-1C6B8C3FCDB1}" type="datetimeFigureOut">
               <a:rPr lang="en-US" smtClean="0"/>
-              <a:t>7/15/2024</a:t>
+              <a:t>7/22/2024</a:t>
             </a:fld>
             <a:endParaRPr lang="en-US"/>
           </a:p>
@@ -3877,7 +3877,7 @@
           <a:p>
             <a:fld id="{95396F27-02BC-4467-B681-1C6B8C3FCDB1}" type="datetimeFigureOut">
               <a:rPr lang="en-US" smtClean="0"/>
-              <a:t>7/15/2024</a:t>
+              <a:t>7/22/2024</a:t>
             </a:fld>
             <a:endParaRPr lang="en-US"/>
           </a:p>
@@ -4085,7 +4085,7 @@
           <a:p>
             <a:fld id="{95396F27-02BC-4467-B681-1C6B8C3FCDB1}" type="datetimeFigureOut">
               <a:rPr lang="en-US" smtClean="0"/>
-              <a:t>7/15/2024</a:t>
+              <a:t>7/22/2024</a:t>
             </a:fld>
             <a:endParaRPr lang="en-US"/>
           </a:p>
@@ -4283,7 +4283,7 @@
           <a:p>
             <a:fld id="{95396F27-02BC-4467-B681-1C6B8C3FCDB1}" type="datetimeFigureOut">
               <a:rPr lang="en-US" smtClean="0"/>
-              <a:t>7/15/2024</a:t>
+              <a:t>7/22/2024</a:t>
             </a:fld>
             <a:endParaRPr lang="en-US"/>
           </a:p>
@@ -4558,7 +4558,7 @@
           <a:p>
             <a:fld id="{95396F27-02BC-4467-B681-1C6B8C3FCDB1}" type="datetimeFigureOut">
               <a:rPr lang="en-US" smtClean="0"/>
-              <a:t>7/15/2024</a:t>
+              <a:t>7/22/2024</a:t>
             </a:fld>
             <a:endParaRPr lang="en-US"/>
           </a:p>
@@ -4823,7 +4823,7 @@
           <a:p>
             <a:fld id="{95396F27-02BC-4467-B681-1C6B8C3FCDB1}" type="datetimeFigureOut">
               <a:rPr lang="en-US" smtClean="0"/>
-              <a:t>7/15/2024</a:t>
+              <a:t>7/22/2024</a:t>
             </a:fld>
             <a:endParaRPr lang="en-US"/>
           </a:p>
@@ -5235,7 +5235,7 @@
           <a:p>
             <a:fld id="{95396F27-02BC-4467-B681-1C6B8C3FCDB1}" type="datetimeFigureOut">
               <a:rPr lang="en-US" smtClean="0"/>
-              <a:t>7/15/2024</a:t>
+              <a:t>7/22/2024</a:t>
             </a:fld>
             <a:endParaRPr lang="en-US"/>
           </a:p>
@@ -5376,7 +5376,7 @@
           <a:p>
             <a:fld id="{95396F27-02BC-4467-B681-1C6B8C3FCDB1}" type="datetimeFigureOut">
               <a:rPr lang="en-US" smtClean="0"/>
-              <a:t>7/15/2024</a:t>
+              <a:t>7/22/2024</a:t>
             </a:fld>
             <a:endParaRPr lang="en-US"/>
           </a:p>
@@ -5489,7 +5489,7 @@
           <a:p>
             <a:fld id="{95396F27-02BC-4467-B681-1C6B8C3FCDB1}" type="datetimeFigureOut">
               <a:rPr lang="en-US" smtClean="0"/>
-              <a:t>7/15/2024</a:t>
+              <a:t>7/22/2024</a:t>
             </a:fld>
             <a:endParaRPr lang="en-US"/>
           </a:p>
@@ -5800,7 +5800,7 @@
           <a:p>
             <a:fld id="{95396F27-02BC-4467-B681-1C6B8C3FCDB1}" type="datetimeFigureOut">
               <a:rPr lang="en-US" smtClean="0"/>
-              <a:t>7/15/2024</a:t>
+              <a:t>7/22/2024</a:t>
             </a:fld>
             <a:endParaRPr lang="en-US"/>
           </a:p>
@@ -6088,7 +6088,7 @@
           <a:p>
             <a:fld id="{95396F27-02BC-4467-B681-1C6B8C3FCDB1}" type="datetimeFigureOut">
               <a:rPr lang="en-US" smtClean="0"/>
-              <a:t>7/15/2024</a:t>
+              <a:t>7/22/2024</a:t>
             </a:fld>
             <a:endParaRPr lang="en-US"/>
           </a:p>
@@ -6329,7 +6329,7 @@
           <a:p>
             <a:fld id="{95396F27-02BC-4467-B681-1C6B8C3FCDB1}" type="datetimeFigureOut">
               <a:rPr lang="en-US" smtClean="0"/>
-              <a:t>7/15/2024</a:t>
+              <a:t>7/22/2024</a:t>
             </a:fld>
             <a:endParaRPr lang="en-US"/>
           </a:p>
@@ -9527,6 +9527,36 @@
           </a:p>
         </p:txBody>
       </p:sp>
+      <p:pic>
+        <p:nvPicPr>
+          <p:cNvPr id="4" name="Picture 3">
+            <a:extLst>
+              <a:ext uri="{FF2B5EF4-FFF2-40B4-BE49-F238E27FC236}">
+                <a16:creationId xmlns:a16="http://schemas.microsoft.com/office/drawing/2014/main" id="{AD6B2BB3-A0A7-A95F-0EB7-4FD810BC5A81}"/>
+              </a:ext>
+            </a:extLst>
+          </p:cNvPr>
+          <p:cNvPicPr>
+            <a:picLocks noChangeAspect="1"/>
+          </p:cNvPicPr>
+          <p:nvPr/>
+        </p:nvPicPr>
+        <p:blipFill>
+          <a:blip r:embed="rId4"/>
+          <a:stretch>
+            <a:fillRect/>
+          </a:stretch>
+        </p:blipFill>
+        <p:spPr>
+          <a:xfrm>
+            <a:off x="2348217" y="0"/>
+            <a:ext cx="7495566" cy="6858000"/>
+          </a:xfrm>
+          <a:prstGeom prst="rect">
+            <a:avLst/>
+          </a:prstGeom>
+        </p:spPr>
+      </p:pic>
     </p:spTree>
     <p:extLst>
       <p:ext uri="{BB962C8B-B14F-4D97-AF65-F5344CB8AC3E}">
